--- a/Diagrammes/PPT/BlogPro.pptx
+++ b/Diagrammes/PPT/BlogPro.pptx
@@ -3129,7 +3129,7 @@
           <a:p>
             <a:fld id="{300E0152-FD71-476E-93B4-2748553546FC}" type="datetimeFigureOut">
               <a:rPr lang="fr-FR" smtClean="0"/>
-              <a:t>09/12/2021</a:t>
+              <a:t>13/12/2021</a:t>
             </a:fld>
             <a:endParaRPr lang="fr-FR"/>
           </a:p>
@@ -3307,7 +3307,7 @@
           <a:p>
             <a:fld id="{7E818C28-E326-4E30-9CF2-2C1A4C894E1E}" type="datetimeFigureOut">
               <a:rPr lang="fr-FR" noProof="0" smtClean="0"/>
-              <a:t>09/12/2021</a:t>
+              <a:t>13/12/2021</a:t>
             </a:fld>
             <a:endParaRPr lang="fr-FR" noProof="0"/>
           </a:p>
@@ -4604,7 +4604,7 @@
             <a:pPr rtl="0"/>
             <a:fld id="{84D57ED5-9CB3-4471-9B6F-968F3C8F84E1}" type="datetime1">
               <a:rPr lang="fr-FR" noProof="0" smtClean="0"/>
-              <a:t>09/12/2021</a:t>
+              <a:t>13/12/2021</a:t>
             </a:fld>
             <a:endParaRPr lang="fr-FR" noProof="0"/>
           </a:p>
@@ -4946,7 +4946,7 @@
             <a:pPr rtl="0"/>
             <a:fld id="{82C21BD6-09AD-4CE8-91E4-0CCB39C35B1C}" type="datetime1">
               <a:rPr lang="fr-FR" noProof="0" smtClean="0"/>
-              <a:t>09/12/2021</a:t>
+              <a:t>13/12/2021</a:t>
             </a:fld>
             <a:endParaRPr lang="fr-FR" noProof="0"/>
           </a:p>
@@ -5351,7 +5351,7 @@
             <a:pPr rtl="0"/>
             <a:fld id="{3C77B77F-91DD-4C26-904A-477D7569DB10}" type="datetime1">
               <a:rPr lang="fr-FR" noProof="0" smtClean="0"/>
-              <a:t>09/12/2021</a:t>
+              <a:t>13/12/2021</a:t>
             </a:fld>
             <a:endParaRPr lang="fr-FR" noProof="0"/>
           </a:p>
@@ -5691,7 +5691,7 @@
             <a:pPr rtl="0"/>
             <a:fld id="{A5B576B8-8ED3-45F8-A9CD-F28881F0C374}" type="datetime1">
               <a:rPr lang="fr-FR" noProof="0" smtClean="0"/>
-              <a:t>09/12/2021</a:t>
+              <a:t>13/12/2021</a:t>
             </a:fld>
             <a:endParaRPr lang="fr-FR" noProof="0"/>
           </a:p>
@@ -6015,7 +6015,7 @@
             <a:pPr rtl="0"/>
             <a:fld id="{0D3911E0-6481-4779-BFDD-376D075B4423}" type="datetime1">
               <a:rPr lang="fr-FR" noProof="0" smtClean="0"/>
-              <a:t>09/12/2021</a:t>
+              <a:t>13/12/2021</a:t>
             </a:fld>
             <a:endParaRPr lang="fr-FR" noProof="0"/>
           </a:p>
@@ -6415,7 +6415,7 @@
             <a:pPr rtl="0"/>
             <a:fld id="{5E9C6408-3BC8-40DF-BC19-0E01079E3CE3}" type="datetime1">
               <a:rPr lang="fr-FR" noProof="0" smtClean="0"/>
-              <a:t>09/12/2021</a:t>
+              <a:t>13/12/2021</a:t>
             </a:fld>
             <a:endParaRPr lang="fr-FR" noProof="0"/>
           </a:p>
@@ -6675,7 +6675,7 @@
             <a:pPr rtl="0"/>
             <a:fld id="{475489E5-EE2A-4D3B-B34D-823A7028B4FB}" type="datetime1">
               <a:rPr lang="fr-FR" noProof="0" smtClean="0"/>
-              <a:t>09/12/2021</a:t>
+              <a:t>13/12/2021</a:t>
             </a:fld>
             <a:endParaRPr lang="fr-FR" noProof="0"/>
           </a:p>
@@ -6940,7 +6940,7 @@
             <a:pPr rtl="0"/>
             <a:fld id="{CD123ACB-C9EE-4C9E-B8CE-AAAC5E9A0232}" type="datetime1">
               <a:rPr lang="fr-FR" noProof="0" smtClean="0"/>
-              <a:t>09/12/2021</a:t>
+              <a:t>13/12/2021</a:t>
             </a:fld>
             <a:endParaRPr lang="fr-FR" noProof="0"/>
           </a:p>
@@ -7205,7 +7205,7 @@
             <a:pPr rtl="0"/>
             <a:fld id="{6860E4D8-56D9-4E46-AB44-CADDEB05CB81}" type="datetime1">
               <a:rPr lang="fr-FR" noProof="0" smtClean="0"/>
-              <a:t>09/12/2021</a:t>
+              <a:t>13/12/2021</a:t>
             </a:fld>
             <a:endParaRPr lang="fr-FR" noProof="0"/>
           </a:p>
@@ -7538,7 +7538,7 @@
             <a:pPr rtl="0"/>
             <a:fld id="{5279CF87-C1F1-40D9-9D6B-15972AB0160A}" type="datetime1">
               <a:rPr lang="fr-FR" noProof="0" smtClean="0"/>
-              <a:t>09/12/2021</a:t>
+              <a:t>13/12/2021</a:t>
             </a:fld>
             <a:endParaRPr lang="fr-FR" noProof="0"/>
           </a:p>
@@ -7863,7 +7863,7 @@
             <a:pPr rtl="0"/>
             <a:fld id="{5ADDB20C-1774-4B16-9666-0BE66B3E81AC}" type="datetime1">
               <a:rPr lang="fr-FR" noProof="0" smtClean="0"/>
-              <a:t>09/12/2021</a:t>
+              <a:t>13/12/2021</a:t>
             </a:fld>
             <a:endParaRPr lang="fr-FR" noProof="0"/>
           </a:p>
@@ -8322,7 +8322,7 @@
             <a:pPr rtl="0"/>
             <a:fld id="{1F37DF42-8FE2-4196-B087-A644399BE082}" type="datetime1">
               <a:rPr lang="fr-FR" noProof="0" smtClean="0"/>
-              <a:t>09/12/2021</a:t>
+              <a:t>13/12/2021</a:t>
             </a:fld>
             <a:endParaRPr lang="fr-FR" noProof="0"/>
           </a:p>
@@ -8531,7 +8531,7 @@
             <a:pPr rtl="0"/>
             <a:fld id="{77F14278-47B3-4AF1-B425-FB0B9F1A0E06}" type="datetime1">
               <a:rPr lang="fr-FR" noProof="0" smtClean="0"/>
-              <a:t>09/12/2021</a:t>
+              <a:t>13/12/2021</a:t>
             </a:fld>
             <a:endParaRPr lang="fr-FR" noProof="0"/>
           </a:p>
@@ -8712,7 +8712,7 @@
             <a:pPr rtl="0"/>
             <a:fld id="{A9AA5441-00F0-4727-A8C3-46A783FC5724}" type="datetime1">
               <a:rPr lang="fr-FR" noProof="0" smtClean="0"/>
-              <a:t>09/12/2021</a:t>
+              <a:t>13/12/2021</a:t>
             </a:fld>
             <a:endParaRPr lang="fr-FR" noProof="0"/>
           </a:p>
@@ -9048,7 +9048,7 @@
             <a:pPr rtl="0"/>
             <a:fld id="{C032274E-A475-49B8-A4A0-80F13BCA3C3A}" type="datetime1">
               <a:rPr lang="fr-FR" noProof="0" smtClean="0"/>
-              <a:t>09/12/2021</a:t>
+              <a:t>13/12/2021</a:t>
             </a:fld>
             <a:endParaRPr lang="fr-FR" noProof="0"/>
           </a:p>
@@ -9397,7 +9397,7 @@
             <a:pPr rtl="0"/>
             <a:fld id="{F9CED46A-8872-470A-807E-03961E183B93}" type="datetime1">
               <a:rPr lang="fr-FR" noProof="0" smtClean="0"/>
-              <a:t>09/12/2021</a:t>
+              <a:t>13/12/2021</a:t>
             </a:fld>
             <a:endParaRPr lang="fr-FR" noProof="0"/>
           </a:p>
@@ -11454,7 +11454,7 @@
             <a:pPr rtl="0"/>
             <a:fld id="{BF2D40E6-123C-44C7-96E6-E5EB17E95AC5}" type="datetime1">
               <a:rPr lang="fr-FR" noProof="0" smtClean="0"/>
-              <a:t>09/12/2021</a:t>
+              <a:t>13/12/2021</a:t>
             </a:fld>
             <a:endParaRPr lang="fr-FR" noProof="0"/>
           </a:p>
@@ -12000,7 +12000,7 @@
                 <a16:creationId xmlns:a16="http://schemas.microsoft.com/office/drawing/2014/main" id="{93F2CC0B-D5F1-40B8-9CC6-4A36850B66FD}"/>
               </a:ext>
               <a:ext uri="{C183D7F6-B498-43B3-948B-1728B52AA6E4}">
-                <adec:decorative xmlns:adec="http://schemas.microsoft.com/office/drawing/2017/decorative" xmlns="" val="1"/>
+                <adec:decorative xmlns="" xmlns:adec="http://schemas.microsoft.com/office/drawing/2017/decorative" val="1"/>
               </a:ext>
             </a:extLst>
           </p:cNvPr>
@@ -12146,7 +12146,7 @@
                 <a16:creationId xmlns:a16="http://schemas.microsoft.com/office/drawing/2014/main" id="{631C6CE6-1810-44ED-A6D7-3FF53040AE20}"/>
               </a:ext>
               <a:ext uri="{C183D7F6-B498-43B3-948B-1728B52AA6E4}">
-                <adec:decorative xmlns:adec="http://schemas.microsoft.com/office/drawing/2017/decorative" xmlns="" val="1"/>
+                <adec:decorative xmlns="" xmlns:adec="http://schemas.microsoft.com/office/drawing/2017/decorative" val="1"/>
               </a:ext>
             </a:extLst>
           </p:cNvPr>
@@ -12183,7 +12183,7 @@
                   <a16:creationId xmlns:a16="http://schemas.microsoft.com/office/drawing/2014/main" id="{1F6D8BFE-D0D0-4BAE-9D5A-701DE7D3CEEF}"/>
                 </a:ext>
                 <a:ext uri="{C183D7F6-B498-43B3-948B-1728B52AA6E4}">
-                  <adec:decorative xmlns:adec="http://schemas.microsoft.com/office/drawing/2017/decorative" xmlns="" val="1"/>
+                  <adec:decorative xmlns="" xmlns:adec="http://schemas.microsoft.com/office/drawing/2017/decorative" val="1"/>
                 </a:ext>
               </a:extLst>
             </p:cNvPr>
@@ -12255,7 +12255,7 @@
                   <a16:creationId xmlns:a16="http://schemas.microsoft.com/office/drawing/2014/main" id="{53F86D30-CEDB-4D96-AF73-AA3CD5A437B8}"/>
                 </a:ext>
                 <a:ext uri="{C183D7F6-B498-43B3-948B-1728B52AA6E4}">
-                  <adec:decorative xmlns:adec="http://schemas.microsoft.com/office/drawing/2017/decorative" xmlns="" val="1"/>
+                  <adec:decorative xmlns="" xmlns:adec="http://schemas.microsoft.com/office/drawing/2017/decorative" val="1"/>
                 </a:ext>
               </a:extLst>
             </p:cNvPr>
@@ -12332,7 +12332,7 @@
                   <a16:creationId xmlns:a16="http://schemas.microsoft.com/office/drawing/2014/main" id="{F5187540-C4C8-410C-A395-69FCB1C86C26}"/>
                 </a:ext>
                 <a:ext uri="{C183D7F6-B498-43B3-948B-1728B52AA6E4}">
-                  <adec:decorative xmlns:adec="http://schemas.microsoft.com/office/drawing/2017/decorative" xmlns="" val="1"/>
+                  <adec:decorative xmlns="" xmlns:adec="http://schemas.microsoft.com/office/drawing/2017/decorative" val="1"/>
                 </a:ext>
               </a:extLst>
             </p:cNvPr>
@@ -12414,7 +12414,7 @@
                   <a16:creationId xmlns:a16="http://schemas.microsoft.com/office/drawing/2014/main" id="{75BD6E4A-797C-451B-B08F-D99C1A9D13F8}"/>
                 </a:ext>
                 <a:ext uri="{C183D7F6-B498-43B3-948B-1728B52AA6E4}">
-                  <adec:decorative xmlns:adec="http://schemas.microsoft.com/office/drawing/2017/decorative" xmlns="" val="1"/>
+                  <adec:decorative xmlns="" xmlns:adec="http://schemas.microsoft.com/office/drawing/2017/decorative" val="1"/>
                 </a:ext>
               </a:extLst>
             </p:cNvPr>
@@ -12476,7 +12476,7 @@
                   <a16:creationId xmlns:a16="http://schemas.microsoft.com/office/drawing/2014/main" id="{0D241082-BAFA-462E-827B-5814B020F5C2}"/>
                 </a:ext>
                 <a:ext uri="{C183D7F6-B498-43B3-948B-1728B52AA6E4}">
-                  <adec:decorative xmlns:adec="http://schemas.microsoft.com/office/drawing/2017/decorative" xmlns="" val="1"/>
+                  <adec:decorative xmlns="" xmlns:adec="http://schemas.microsoft.com/office/drawing/2017/decorative" val="1"/>
                 </a:ext>
               </a:extLst>
             </p:cNvPr>
@@ -12573,7 +12573,7 @@
                   <a16:creationId xmlns:a16="http://schemas.microsoft.com/office/drawing/2014/main" id="{2920CCBD-116D-450B-9608-99F05F7D78AE}"/>
                 </a:ext>
                 <a:ext uri="{C183D7F6-B498-43B3-948B-1728B52AA6E4}">
-                  <adec:decorative xmlns:adec="http://schemas.microsoft.com/office/drawing/2017/decorative" xmlns="" val="1"/>
+                  <adec:decorative xmlns="" xmlns:adec="http://schemas.microsoft.com/office/drawing/2017/decorative" val="1"/>
                 </a:ext>
               </a:extLst>
             </p:cNvPr>
@@ -12665,7 +12665,7 @@
                   <a16:creationId xmlns:a16="http://schemas.microsoft.com/office/drawing/2014/main" id="{A57CD3DE-CEAF-4BD4-A5EF-24B3E622BB59}"/>
                 </a:ext>
                 <a:ext uri="{C183D7F6-B498-43B3-948B-1728B52AA6E4}">
-                  <adec:decorative xmlns:adec="http://schemas.microsoft.com/office/drawing/2017/decorative" xmlns="" val="1"/>
+                  <adec:decorative xmlns="" xmlns:adec="http://schemas.microsoft.com/office/drawing/2017/decorative" val="1"/>
                 </a:ext>
               </a:extLst>
             </p:cNvPr>
@@ -12737,7 +12737,7 @@
                   <a16:creationId xmlns:a16="http://schemas.microsoft.com/office/drawing/2014/main" id="{4EC3258C-366B-4629-A7D3-5173D3637D84}"/>
                 </a:ext>
                 <a:ext uri="{C183D7F6-B498-43B3-948B-1728B52AA6E4}">
-                  <adec:decorative xmlns:adec="http://schemas.microsoft.com/office/drawing/2017/decorative" xmlns="" val="1"/>
+                  <adec:decorative xmlns="" xmlns:adec="http://schemas.microsoft.com/office/drawing/2017/decorative" val="1"/>
                 </a:ext>
               </a:extLst>
             </p:cNvPr>
@@ -12829,7 +12829,7 @@
                   <a16:creationId xmlns:a16="http://schemas.microsoft.com/office/drawing/2014/main" id="{D444D63A-CE2B-4ACD-BA0E-4ADECAD86F0A}"/>
                 </a:ext>
                 <a:ext uri="{C183D7F6-B498-43B3-948B-1728B52AA6E4}">
-                  <adec:decorative xmlns:adec="http://schemas.microsoft.com/office/drawing/2017/decorative" xmlns="" val="1"/>
+                  <adec:decorative xmlns="" xmlns:adec="http://schemas.microsoft.com/office/drawing/2017/decorative" val="1"/>
                 </a:ext>
               </a:extLst>
             </p:cNvPr>
@@ -12956,7 +12956,7 @@
                   <a16:creationId xmlns:a16="http://schemas.microsoft.com/office/drawing/2014/main" id="{7A504DF6-187A-4A54-96E8-3F3F28AAAA3B}"/>
                 </a:ext>
                 <a:ext uri="{C183D7F6-B498-43B3-948B-1728B52AA6E4}">
-                  <adec:decorative xmlns:adec="http://schemas.microsoft.com/office/drawing/2017/decorative" xmlns="" val="1"/>
+                  <adec:decorative xmlns="" xmlns:adec="http://schemas.microsoft.com/office/drawing/2017/decorative" val="1"/>
                 </a:ext>
               </a:extLst>
             </p:cNvPr>
@@ -13018,7 +13018,7 @@
                   <a16:creationId xmlns:a16="http://schemas.microsoft.com/office/drawing/2014/main" id="{FE04C6F5-6DC5-4C7E-9278-9BE624FC7829}"/>
                 </a:ext>
                 <a:ext uri="{C183D7F6-B498-43B3-948B-1728B52AA6E4}">
-                  <adec:decorative xmlns:adec="http://schemas.microsoft.com/office/drawing/2017/decorative" xmlns="" val="1"/>
+                  <adec:decorative xmlns="" xmlns:adec="http://schemas.microsoft.com/office/drawing/2017/decorative" val="1"/>
                 </a:ext>
               </a:extLst>
             </p:cNvPr>
@@ -13090,7 +13090,7 @@
                   <a16:creationId xmlns:a16="http://schemas.microsoft.com/office/drawing/2014/main" id="{94A02D9B-E6A9-4D6A-9D2A-D81C76802457}"/>
                 </a:ext>
                 <a:ext uri="{C183D7F6-B498-43B3-948B-1728B52AA6E4}">
-                  <adec:decorative xmlns:adec="http://schemas.microsoft.com/office/drawing/2017/decorative" xmlns="" val="1"/>
+                  <adec:decorative xmlns="" xmlns:adec="http://schemas.microsoft.com/office/drawing/2017/decorative" val="1"/>
                 </a:ext>
               </a:extLst>
             </p:cNvPr>
@@ -13173,7 +13173,7 @@
                 <a16:creationId xmlns:a16="http://schemas.microsoft.com/office/drawing/2014/main" id="{B78034A6-3565-46AA-9E73-1C954666ABB4}"/>
               </a:ext>
               <a:ext uri="{C183D7F6-B498-43B3-948B-1728B52AA6E4}">
-                <adec:decorative xmlns:adec="http://schemas.microsoft.com/office/drawing/2017/decorative" xmlns="" val="1"/>
+                <adec:decorative xmlns="" xmlns:adec="http://schemas.microsoft.com/office/drawing/2017/decorative" val="1"/>
               </a:ext>
             </a:extLst>
           </p:cNvPr>
@@ -13207,7 +13207,7 @@
                   <a16:creationId xmlns:a16="http://schemas.microsoft.com/office/drawing/2014/main" id="{04947AA2-A772-42CB-9CEC-065095D3DC79}"/>
                 </a:ext>
                 <a:ext uri="{C183D7F6-B498-43B3-948B-1728B52AA6E4}">
-                  <adec:decorative xmlns:adec="http://schemas.microsoft.com/office/drawing/2017/decorative" xmlns="" val="1"/>
+                  <adec:decorative xmlns="" xmlns:adec="http://schemas.microsoft.com/office/drawing/2017/decorative" val="1"/>
                 </a:ext>
               </a:extLst>
             </p:cNvPr>
@@ -13324,7 +13324,7 @@
                   <a16:creationId xmlns:a16="http://schemas.microsoft.com/office/drawing/2014/main" id="{83C52D84-DEC1-4E16-972E-8EEA5D52245F}"/>
                 </a:ext>
                 <a:ext uri="{C183D7F6-B498-43B3-948B-1728B52AA6E4}">
-                  <adec:decorative xmlns:adec="http://schemas.microsoft.com/office/drawing/2017/decorative" xmlns="" val="1"/>
+                  <adec:decorative xmlns="" xmlns:adec="http://schemas.microsoft.com/office/drawing/2017/decorative" val="1"/>
                 </a:ext>
               </a:extLst>
             </p:cNvPr>
@@ -13406,7 +13406,7 @@
                   <a16:creationId xmlns:a16="http://schemas.microsoft.com/office/drawing/2014/main" id="{2036A28D-EF09-41F7-906F-CF4053615AE0}"/>
                 </a:ext>
                 <a:ext uri="{C183D7F6-B498-43B3-948B-1728B52AA6E4}">
-                  <adec:decorative xmlns:adec="http://schemas.microsoft.com/office/drawing/2017/decorative" xmlns="" val="1"/>
+                  <adec:decorative xmlns="" xmlns:adec="http://schemas.microsoft.com/office/drawing/2017/decorative" val="1"/>
                 </a:ext>
               </a:extLst>
             </p:cNvPr>
@@ -13488,7 +13488,7 @@
                   <a16:creationId xmlns:a16="http://schemas.microsoft.com/office/drawing/2014/main" id="{EE8D92C7-C907-4120-95E3-80E3DC85BBA4}"/>
                 </a:ext>
                 <a:ext uri="{C183D7F6-B498-43B3-948B-1728B52AA6E4}">
-                  <adec:decorative xmlns:adec="http://schemas.microsoft.com/office/drawing/2017/decorative" xmlns="" val="1"/>
+                  <adec:decorative xmlns="" xmlns:adec="http://schemas.microsoft.com/office/drawing/2017/decorative" val="1"/>
                 </a:ext>
               </a:extLst>
             </p:cNvPr>
@@ -13585,7 +13585,7 @@
                   <a16:creationId xmlns:a16="http://schemas.microsoft.com/office/drawing/2014/main" id="{BBCEAAB8-CD22-41D7-B330-702682A27CEE}"/>
                 </a:ext>
                 <a:ext uri="{C183D7F6-B498-43B3-948B-1728B52AA6E4}">
-                  <adec:decorative xmlns:adec="http://schemas.microsoft.com/office/drawing/2017/decorative" xmlns="" val="1"/>
+                  <adec:decorative xmlns="" xmlns:adec="http://schemas.microsoft.com/office/drawing/2017/decorative" val="1"/>
                 </a:ext>
               </a:extLst>
             </p:cNvPr>
@@ -13692,7 +13692,7 @@
                   <a16:creationId xmlns:a16="http://schemas.microsoft.com/office/drawing/2014/main" id="{6BBC1FEE-3D72-492B-8D8A-BE1A55076F9D}"/>
                 </a:ext>
                 <a:ext uri="{C183D7F6-B498-43B3-948B-1728B52AA6E4}">
-                  <adec:decorative xmlns:adec="http://schemas.microsoft.com/office/drawing/2017/decorative" xmlns="" val="1"/>
+                  <adec:decorative xmlns="" xmlns:adec="http://schemas.microsoft.com/office/drawing/2017/decorative" val="1"/>
                 </a:ext>
               </a:extLst>
             </p:cNvPr>
@@ -13754,7 +13754,7 @@
                   <a16:creationId xmlns:a16="http://schemas.microsoft.com/office/drawing/2014/main" id="{C28C6E5C-C393-435C-96A1-AA2859BDCB82}"/>
                 </a:ext>
                 <a:ext uri="{C183D7F6-B498-43B3-948B-1728B52AA6E4}">
-                  <adec:decorative xmlns:adec="http://schemas.microsoft.com/office/drawing/2017/decorative" xmlns="" val="1"/>
+                  <adec:decorative xmlns="" xmlns:adec="http://schemas.microsoft.com/office/drawing/2017/decorative" val="1"/>
                 </a:ext>
               </a:extLst>
             </p:cNvPr>
@@ -13831,7 +13831,7 @@
                   <a16:creationId xmlns:a16="http://schemas.microsoft.com/office/drawing/2014/main" id="{2C2C991F-AC51-4DF5-B8DD-19B08C1CBF42}"/>
                 </a:ext>
                 <a:ext uri="{C183D7F6-B498-43B3-948B-1728B52AA6E4}">
-                  <adec:decorative xmlns:adec="http://schemas.microsoft.com/office/drawing/2017/decorative" xmlns="" val="1"/>
+                  <adec:decorative xmlns="" xmlns:adec="http://schemas.microsoft.com/office/drawing/2017/decorative" val="1"/>
                 </a:ext>
               </a:extLst>
             </p:cNvPr>
@@ -13953,7 +13953,7 @@
                   <a16:creationId xmlns:a16="http://schemas.microsoft.com/office/drawing/2014/main" id="{9C916B5F-285D-4F5A-9085-6781753AFB3E}"/>
                 </a:ext>
                 <a:ext uri="{C183D7F6-B498-43B3-948B-1728B52AA6E4}">
-                  <adec:decorative xmlns:adec="http://schemas.microsoft.com/office/drawing/2017/decorative" xmlns="" val="1"/>
+                  <adec:decorative xmlns="" xmlns:adec="http://schemas.microsoft.com/office/drawing/2017/decorative" val="1"/>
                 </a:ext>
               </a:extLst>
             </p:cNvPr>
@@ -14015,7 +14015,7 @@
                   <a16:creationId xmlns:a16="http://schemas.microsoft.com/office/drawing/2014/main" id="{0375DD5F-9D17-4873-B697-3D44A5EBEC75}"/>
                 </a:ext>
                 <a:ext uri="{C183D7F6-B498-43B3-948B-1728B52AA6E4}">
-                  <adec:decorative xmlns:adec="http://schemas.microsoft.com/office/drawing/2017/decorative" xmlns="" val="1"/>
+                  <adec:decorative xmlns="" xmlns:adec="http://schemas.microsoft.com/office/drawing/2017/decorative" val="1"/>
                 </a:ext>
               </a:extLst>
             </p:cNvPr>
@@ -14097,7 +14097,7 @@
                   <a16:creationId xmlns:a16="http://schemas.microsoft.com/office/drawing/2014/main" id="{A159BBC7-6A8B-4612-94A8-56323452C7B5}"/>
                 </a:ext>
                 <a:ext uri="{C183D7F6-B498-43B3-948B-1728B52AA6E4}">
-                  <adec:decorative xmlns:adec="http://schemas.microsoft.com/office/drawing/2017/decorative" xmlns="" val="1"/>
+                  <adec:decorative xmlns="" xmlns:adec="http://schemas.microsoft.com/office/drawing/2017/decorative" val="1"/>
                 </a:ext>
               </a:extLst>
             </p:cNvPr>
@@ -14174,7 +14174,7 @@
                   <a16:creationId xmlns:a16="http://schemas.microsoft.com/office/drawing/2014/main" id="{177C901C-F8DE-4C99-95C8-F8CA1B84F76F}"/>
                 </a:ext>
                 <a:ext uri="{C183D7F6-B498-43B3-948B-1728B52AA6E4}">
-                  <adec:decorative xmlns:adec="http://schemas.microsoft.com/office/drawing/2017/decorative" xmlns="" val="1"/>
+                  <adec:decorative xmlns="" xmlns:adec="http://schemas.microsoft.com/office/drawing/2017/decorative" val="1"/>
                 </a:ext>
               </a:extLst>
             </p:cNvPr>
@@ -14257,7 +14257,7 @@
                 <a16:creationId xmlns:a16="http://schemas.microsoft.com/office/drawing/2014/main" id="{D1D655F2-6D15-4265-ADEE-EF0075C13944}"/>
               </a:ext>
               <a:ext uri="{C183D7F6-B498-43B3-948B-1728B52AA6E4}">
-                <adec:decorative xmlns:adec="http://schemas.microsoft.com/office/drawing/2017/decorative" xmlns="" val="1"/>
+                <adec:decorative xmlns="" xmlns:adec="http://schemas.microsoft.com/office/drawing/2017/decorative" val="1"/>
               </a:ext>
             </a:extLst>
           </p:cNvPr>
@@ -14311,7 +14311,7 @@
                 <a16:creationId xmlns:a16="http://schemas.microsoft.com/office/drawing/2014/main" id="{3248A930-1A6E-4EFB-8213-D1AC735BE061}"/>
               </a:ext>
               <a:ext uri="{C183D7F6-B498-43B3-948B-1728B52AA6E4}">
-                <adec:decorative xmlns:adec="http://schemas.microsoft.com/office/drawing/2017/decorative" xmlns="" val="1"/>
+                <adec:decorative xmlns="" xmlns:adec="http://schemas.microsoft.com/office/drawing/2017/decorative" val="1"/>
               </a:ext>
             </a:extLst>
           </p:cNvPr>
@@ -14456,7 +14456,7 @@
                 <a16:creationId xmlns:a16="http://schemas.microsoft.com/office/drawing/2014/main" id="{93F2CC0B-D5F1-40B8-9CC6-4A36850B66FD}"/>
               </a:ext>
               <a:ext uri="{C183D7F6-B498-43B3-948B-1728B52AA6E4}">
-                <adec:decorative xmlns:adec="http://schemas.microsoft.com/office/drawing/2017/decorative" xmlns="" val="1"/>
+                <adec:decorative xmlns="" xmlns:adec="http://schemas.microsoft.com/office/drawing/2017/decorative" val="1"/>
               </a:ext>
             </a:extLst>
           </p:cNvPr>
@@ -14596,7 +14596,7 @@
                 <a16:creationId xmlns:a16="http://schemas.microsoft.com/office/drawing/2014/main" id="{631C6CE6-1810-44ED-A6D7-3FF53040AE20}"/>
               </a:ext>
               <a:ext uri="{C183D7F6-B498-43B3-948B-1728B52AA6E4}">
-                <adec:decorative xmlns:adec="http://schemas.microsoft.com/office/drawing/2017/decorative" xmlns="" val="1"/>
+                <adec:decorative xmlns="" xmlns:adec="http://schemas.microsoft.com/office/drawing/2017/decorative" val="1"/>
               </a:ext>
             </a:extLst>
           </p:cNvPr>
@@ -14633,7 +14633,7 @@
                   <a16:creationId xmlns:a16="http://schemas.microsoft.com/office/drawing/2014/main" id="{1F6D8BFE-D0D0-4BAE-9D5A-701DE7D3CEEF}"/>
                 </a:ext>
                 <a:ext uri="{C183D7F6-B498-43B3-948B-1728B52AA6E4}">
-                  <adec:decorative xmlns:adec="http://schemas.microsoft.com/office/drawing/2017/decorative" xmlns="" val="1"/>
+                  <adec:decorative xmlns="" xmlns:adec="http://schemas.microsoft.com/office/drawing/2017/decorative" val="1"/>
                 </a:ext>
               </a:extLst>
             </p:cNvPr>
@@ -14705,7 +14705,7 @@
                   <a16:creationId xmlns:a16="http://schemas.microsoft.com/office/drawing/2014/main" id="{53F86D30-CEDB-4D96-AF73-AA3CD5A437B8}"/>
                 </a:ext>
                 <a:ext uri="{C183D7F6-B498-43B3-948B-1728B52AA6E4}">
-                  <adec:decorative xmlns:adec="http://schemas.microsoft.com/office/drawing/2017/decorative" xmlns="" val="1"/>
+                  <adec:decorative xmlns="" xmlns:adec="http://schemas.microsoft.com/office/drawing/2017/decorative" val="1"/>
                 </a:ext>
               </a:extLst>
             </p:cNvPr>
@@ -14782,7 +14782,7 @@
                   <a16:creationId xmlns:a16="http://schemas.microsoft.com/office/drawing/2014/main" id="{F5187540-C4C8-410C-A395-69FCB1C86C26}"/>
                 </a:ext>
                 <a:ext uri="{C183D7F6-B498-43B3-948B-1728B52AA6E4}">
-                  <adec:decorative xmlns:adec="http://schemas.microsoft.com/office/drawing/2017/decorative" xmlns="" val="1"/>
+                  <adec:decorative xmlns="" xmlns:adec="http://schemas.microsoft.com/office/drawing/2017/decorative" val="1"/>
                 </a:ext>
               </a:extLst>
             </p:cNvPr>
@@ -14864,7 +14864,7 @@
                   <a16:creationId xmlns:a16="http://schemas.microsoft.com/office/drawing/2014/main" id="{75BD6E4A-797C-451B-B08F-D99C1A9D13F8}"/>
                 </a:ext>
                 <a:ext uri="{C183D7F6-B498-43B3-948B-1728B52AA6E4}">
-                  <adec:decorative xmlns:adec="http://schemas.microsoft.com/office/drawing/2017/decorative" xmlns="" val="1"/>
+                  <adec:decorative xmlns="" xmlns:adec="http://schemas.microsoft.com/office/drawing/2017/decorative" val="1"/>
                 </a:ext>
               </a:extLst>
             </p:cNvPr>
@@ -14926,7 +14926,7 @@
                   <a16:creationId xmlns:a16="http://schemas.microsoft.com/office/drawing/2014/main" id="{0D241082-BAFA-462E-827B-5814B020F5C2}"/>
                 </a:ext>
                 <a:ext uri="{C183D7F6-B498-43B3-948B-1728B52AA6E4}">
-                  <adec:decorative xmlns:adec="http://schemas.microsoft.com/office/drawing/2017/decorative" xmlns="" val="1"/>
+                  <adec:decorative xmlns="" xmlns:adec="http://schemas.microsoft.com/office/drawing/2017/decorative" val="1"/>
                 </a:ext>
               </a:extLst>
             </p:cNvPr>
@@ -15023,7 +15023,7 @@
                   <a16:creationId xmlns:a16="http://schemas.microsoft.com/office/drawing/2014/main" id="{2920CCBD-116D-450B-9608-99F05F7D78AE}"/>
                 </a:ext>
                 <a:ext uri="{C183D7F6-B498-43B3-948B-1728B52AA6E4}">
-                  <adec:decorative xmlns:adec="http://schemas.microsoft.com/office/drawing/2017/decorative" xmlns="" val="1"/>
+                  <adec:decorative xmlns="" xmlns:adec="http://schemas.microsoft.com/office/drawing/2017/decorative" val="1"/>
                 </a:ext>
               </a:extLst>
             </p:cNvPr>
@@ -15115,7 +15115,7 @@
                   <a16:creationId xmlns:a16="http://schemas.microsoft.com/office/drawing/2014/main" id="{A57CD3DE-CEAF-4BD4-A5EF-24B3E622BB59}"/>
                 </a:ext>
                 <a:ext uri="{C183D7F6-B498-43B3-948B-1728B52AA6E4}">
-                  <adec:decorative xmlns:adec="http://schemas.microsoft.com/office/drawing/2017/decorative" xmlns="" val="1"/>
+                  <adec:decorative xmlns="" xmlns:adec="http://schemas.microsoft.com/office/drawing/2017/decorative" val="1"/>
                 </a:ext>
               </a:extLst>
             </p:cNvPr>
@@ -15187,7 +15187,7 @@
                   <a16:creationId xmlns:a16="http://schemas.microsoft.com/office/drawing/2014/main" id="{4EC3258C-366B-4629-A7D3-5173D3637D84}"/>
                 </a:ext>
                 <a:ext uri="{C183D7F6-B498-43B3-948B-1728B52AA6E4}">
-                  <adec:decorative xmlns:adec="http://schemas.microsoft.com/office/drawing/2017/decorative" xmlns="" val="1"/>
+                  <adec:decorative xmlns="" xmlns:adec="http://schemas.microsoft.com/office/drawing/2017/decorative" val="1"/>
                 </a:ext>
               </a:extLst>
             </p:cNvPr>
@@ -15279,7 +15279,7 @@
                   <a16:creationId xmlns:a16="http://schemas.microsoft.com/office/drawing/2014/main" id="{D444D63A-CE2B-4ACD-BA0E-4ADECAD86F0A}"/>
                 </a:ext>
                 <a:ext uri="{C183D7F6-B498-43B3-948B-1728B52AA6E4}">
-                  <adec:decorative xmlns:adec="http://schemas.microsoft.com/office/drawing/2017/decorative" xmlns="" val="1"/>
+                  <adec:decorative xmlns="" xmlns:adec="http://schemas.microsoft.com/office/drawing/2017/decorative" val="1"/>
                 </a:ext>
               </a:extLst>
             </p:cNvPr>
@@ -15406,7 +15406,7 @@
                   <a16:creationId xmlns:a16="http://schemas.microsoft.com/office/drawing/2014/main" id="{7A504DF6-187A-4A54-96E8-3F3F28AAAA3B}"/>
                 </a:ext>
                 <a:ext uri="{C183D7F6-B498-43B3-948B-1728B52AA6E4}">
-                  <adec:decorative xmlns:adec="http://schemas.microsoft.com/office/drawing/2017/decorative" xmlns="" val="1"/>
+                  <adec:decorative xmlns="" xmlns:adec="http://schemas.microsoft.com/office/drawing/2017/decorative" val="1"/>
                 </a:ext>
               </a:extLst>
             </p:cNvPr>
@@ -15468,7 +15468,7 @@
                   <a16:creationId xmlns:a16="http://schemas.microsoft.com/office/drawing/2014/main" id="{FE04C6F5-6DC5-4C7E-9278-9BE624FC7829}"/>
                 </a:ext>
                 <a:ext uri="{C183D7F6-B498-43B3-948B-1728B52AA6E4}">
-                  <adec:decorative xmlns:adec="http://schemas.microsoft.com/office/drawing/2017/decorative" xmlns="" val="1"/>
+                  <adec:decorative xmlns="" xmlns:adec="http://schemas.microsoft.com/office/drawing/2017/decorative" val="1"/>
                 </a:ext>
               </a:extLst>
             </p:cNvPr>
@@ -15540,7 +15540,7 @@
                   <a16:creationId xmlns:a16="http://schemas.microsoft.com/office/drawing/2014/main" id="{94A02D9B-E6A9-4D6A-9D2A-D81C76802457}"/>
                 </a:ext>
                 <a:ext uri="{C183D7F6-B498-43B3-948B-1728B52AA6E4}">
-                  <adec:decorative xmlns:adec="http://schemas.microsoft.com/office/drawing/2017/decorative" xmlns="" val="1"/>
+                  <adec:decorative xmlns="" xmlns:adec="http://schemas.microsoft.com/office/drawing/2017/decorative" val="1"/>
                 </a:ext>
               </a:extLst>
             </p:cNvPr>
@@ -15623,7 +15623,7 @@
                 <a16:creationId xmlns:a16="http://schemas.microsoft.com/office/drawing/2014/main" id="{B78034A6-3565-46AA-9E73-1C954666ABB4}"/>
               </a:ext>
               <a:ext uri="{C183D7F6-B498-43B3-948B-1728B52AA6E4}">
-                <adec:decorative xmlns:adec="http://schemas.microsoft.com/office/drawing/2017/decorative" xmlns="" val="1"/>
+                <adec:decorative xmlns="" xmlns:adec="http://schemas.microsoft.com/office/drawing/2017/decorative" val="1"/>
               </a:ext>
             </a:extLst>
           </p:cNvPr>
@@ -15657,7 +15657,7 @@
                   <a16:creationId xmlns:a16="http://schemas.microsoft.com/office/drawing/2014/main" id="{04947AA2-A772-42CB-9CEC-065095D3DC79}"/>
                 </a:ext>
                 <a:ext uri="{C183D7F6-B498-43B3-948B-1728B52AA6E4}">
-                  <adec:decorative xmlns:adec="http://schemas.microsoft.com/office/drawing/2017/decorative" xmlns="" val="1"/>
+                  <adec:decorative xmlns="" xmlns:adec="http://schemas.microsoft.com/office/drawing/2017/decorative" val="1"/>
                 </a:ext>
               </a:extLst>
             </p:cNvPr>
@@ -15774,7 +15774,7 @@
                   <a16:creationId xmlns:a16="http://schemas.microsoft.com/office/drawing/2014/main" id="{83C52D84-DEC1-4E16-972E-8EEA5D52245F}"/>
                 </a:ext>
                 <a:ext uri="{C183D7F6-B498-43B3-948B-1728B52AA6E4}">
-                  <adec:decorative xmlns:adec="http://schemas.microsoft.com/office/drawing/2017/decorative" xmlns="" val="1"/>
+                  <adec:decorative xmlns="" xmlns:adec="http://schemas.microsoft.com/office/drawing/2017/decorative" val="1"/>
                 </a:ext>
               </a:extLst>
             </p:cNvPr>
@@ -15856,7 +15856,7 @@
                   <a16:creationId xmlns:a16="http://schemas.microsoft.com/office/drawing/2014/main" id="{2036A28D-EF09-41F7-906F-CF4053615AE0}"/>
                 </a:ext>
                 <a:ext uri="{C183D7F6-B498-43B3-948B-1728B52AA6E4}">
-                  <adec:decorative xmlns:adec="http://schemas.microsoft.com/office/drawing/2017/decorative" xmlns="" val="1"/>
+                  <adec:decorative xmlns="" xmlns:adec="http://schemas.microsoft.com/office/drawing/2017/decorative" val="1"/>
                 </a:ext>
               </a:extLst>
             </p:cNvPr>
@@ -15938,7 +15938,7 @@
                   <a16:creationId xmlns:a16="http://schemas.microsoft.com/office/drawing/2014/main" id="{EE8D92C7-C907-4120-95E3-80E3DC85BBA4}"/>
                 </a:ext>
                 <a:ext uri="{C183D7F6-B498-43B3-948B-1728B52AA6E4}">
-                  <adec:decorative xmlns:adec="http://schemas.microsoft.com/office/drawing/2017/decorative" xmlns="" val="1"/>
+                  <adec:decorative xmlns="" xmlns:adec="http://schemas.microsoft.com/office/drawing/2017/decorative" val="1"/>
                 </a:ext>
               </a:extLst>
             </p:cNvPr>
@@ -16035,7 +16035,7 @@
                   <a16:creationId xmlns:a16="http://schemas.microsoft.com/office/drawing/2014/main" id="{BBCEAAB8-CD22-41D7-B330-702682A27CEE}"/>
                 </a:ext>
                 <a:ext uri="{C183D7F6-B498-43B3-948B-1728B52AA6E4}">
-                  <adec:decorative xmlns:adec="http://schemas.microsoft.com/office/drawing/2017/decorative" xmlns="" val="1"/>
+                  <adec:decorative xmlns="" xmlns:adec="http://schemas.microsoft.com/office/drawing/2017/decorative" val="1"/>
                 </a:ext>
               </a:extLst>
             </p:cNvPr>
@@ -16142,7 +16142,7 @@
                   <a16:creationId xmlns:a16="http://schemas.microsoft.com/office/drawing/2014/main" id="{6BBC1FEE-3D72-492B-8D8A-BE1A55076F9D}"/>
                 </a:ext>
                 <a:ext uri="{C183D7F6-B498-43B3-948B-1728B52AA6E4}">
-                  <adec:decorative xmlns:adec="http://schemas.microsoft.com/office/drawing/2017/decorative" xmlns="" val="1"/>
+                  <adec:decorative xmlns="" xmlns:adec="http://schemas.microsoft.com/office/drawing/2017/decorative" val="1"/>
                 </a:ext>
               </a:extLst>
             </p:cNvPr>
@@ -16204,7 +16204,7 @@
                   <a16:creationId xmlns:a16="http://schemas.microsoft.com/office/drawing/2014/main" id="{C28C6E5C-C393-435C-96A1-AA2859BDCB82}"/>
                 </a:ext>
                 <a:ext uri="{C183D7F6-B498-43B3-948B-1728B52AA6E4}">
-                  <adec:decorative xmlns:adec="http://schemas.microsoft.com/office/drawing/2017/decorative" xmlns="" val="1"/>
+                  <adec:decorative xmlns="" xmlns:adec="http://schemas.microsoft.com/office/drawing/2017/decorative" val="1"/>
                 </a:ext>
               </a:extLst>
             </p:cNvPr>
@@ -16281,7 +16281,7 @@
                   <a16:creationId xmlns:a16="http://schemas.microsoft.com/office/drawing/2014/main" id="{2C2C991F-AC51-4DF5-B8DD-19B08C1CBF42}"/>
                 </a:ext>
                 <a:ext uri="{C183D7F6-B498-43B3-948B-1728B52AA6E4}">
-                  <adec:decorative xmlns:adec="http://schemas.microsoft.com/office/drawing/2017/decorative" xmlns="" val="1"/>
+                  <adec:decorative xmlns="" xmlns:adec="http://schemas.microsoft.com/office/drawing/2017/decorative" val="1"/>
                 </a:ext>
               </a:extLst>
             </p:cNvPr>
@@ -16403,7 +16403,7 @@
                   <a16:creationId xmlns:a16="http://schemas.microsoft.com/office/drawing/2014/main" id="{9C916B5F-285D-4F5A-9085-6781753AFB3E}"/>
                 </a:ext>
                 <a:ext uri="{C183D7F6-B498-43B3-948B-1728B52AA6E4}">
-                  <adec:decorative xmlns:adec="http://schemas.microsoft.com/office/drawing/2017/decorative" xmlns="" val="1"/>
+                  <adec:decorative xmlns="" xmlns:adec="http://schemas.microsoft.com/office/drawing/2017/decorative" val="1"/>
                 </a:ext>
               </a:extLst>
             </p:cNvPr>
@@ -16465,7 +16465,7 @@
                   <a16:creationId xmlns:a16="http://schemas.microsoft.com/office/drawing/2014/main" id="{0375DD5F-9D17-4873-B697-3D44A5EBEC75}"/>
                 </a:ext>
                 <a:ext uri="{C183D7F6-B498-43B3-948B-1728B52AA6E4}">
-                  <adec:decorative xmlns:adec="http://schemas.microsoft.com/office/drawing/2017/decorative" xmlns="" val="1"/>
+                  <adec:decorative xmlns="" xmlns:adec="http://schemas.microsoft.com/office/drawing/2017/decorative" val="1"/>
                 </a:ext>
               </a:extLst>
             </p:cNvPr>
@@ -16547,7 +16547,7 @@
                   <a16:creationId xmlns:a16="http://schemas.microsoft.com/office/drawing/2014/main" id="{A159BBC7-6A8B-4612-94A8-56323452C7B5}"/>
                 </a:ext>
                 <a:ext uri="{C183D7F6-B498-43B3-948B-1728B52AA6E4}">
-                  <adec:decorative xmlns:adec="http://schemas.microsoft.com/office/drawing/2017/decorative" xmlns="" val="1"/>
+                  <adec:decorative xmlns="" xmlns:adec="http://schemas.microsoft.com/office/drawing/2017/decorative" val="1"/>
                 </a:ext>
               </a:extLst>
             </p:cNvPr>
@@ -16624,7 +16624,7 @@
                   <a16:creationId xmlns:a16="http://schemas.microsoft.com/office/drawing/2014/main" id="{177C901C-F8DE-4C99-95C8-F8CA1B84F76F}"/>
                 </a:ext>
                 <a:ext uri="{C183D7F6-B498-43B3-948B-1728B52AA6E4}">
-                  <adec:decorative xmlns:adec="http://schemas.microsoft.com/office/drawing/2017/decorative" xmlns="" val="1"/>
+                  <adec:decorative xmlns="" xmlns:adec="http://schemas.microsoft.com/office/drawing/2017/decorative" val="1"/>
                 </a:ext>
               </a:extLst>
             </p:cNvPr>
@@ -16707,7 +16707,7 @@
                 <a16:creationId xmlns:a16="http://schemas.microsoft.com/office/drawing/2014/main" id="{D1D655F2-6D15-4265-ADEE-EF0075C13944}"/>
               </a:ext>
               <a:ext uri="{C183D7F6-B498-43B3-948B-1728B52AA6E4}">
-                <adec:decorative xmlns:adec="http://schemas.microsoft.com/office/drawing/2017/decorative" xmlns="" val="1"/>
+                <adec:decorative xmlns="" xmlns:adec="http://schemas.microsoft.com/office/drawing/2017/decorative" val="1"/>
               </a:ext>
             </a:extLst>
           </p:cNvPr>
@@ -16761,7 +16761,7 @@
                 <a16:creationId xmlns:a16="http://schemas.microsoft.com/office/drawing/2014/main" id="{3248A930-1A6E-4EFB-8213-D1AC735BE061}"/>
               </a:ext>
               <a:ext uri="{C183D7F6-B498-43B3-948B-1728B52AA6E4}">
-                <adec:decorative xmlns:adec="http://schemas.microsoft.com/office/drawing/2017/decorative" xmlns="" val="1"/>
+                <adec:decorative xmlns="" xmlns:adec="http://schemas.microsoft.com/office/drawing/2017/decorative" val="1"/>
               </a:ext>
             </a:extLst>
           </p:cNvPr>
@@ -17386,7 +17386,7 @@
                 <a16:creationId xmlns:a16="http://schemas.microsoft.com/office/drawing/2014/main" id="{A9D17E3F-9160-4D16-8F1D-F8FE94E2A5DC}"/>
               </a:ext>
               <a:ext uri="{C183D7F6-B498-43B3-948B-1728B52AA6E4}">
-                <adec:decorative xmlns:adec="http://schemas.microsoft.com/office/drawing/2017/decorative" xmlns="" val="1"/>
+                <adec:decorative xmlns="" xmlns:adec="http://schemas.microsoft.com/office/drawing/2017/decorative" val="1"/>
               </a:ext>
             </a:extLst>
           </p:cNvPr>
@@ -17572,7 +17572,7 @@
         </p:blipFill>
         <p:spPr>
           <a:xfrm>
-            <a:off x="-7620" y="9235"/>
+            <a:off x="-7620" y="-9225"/>
             <a:ext cx="12191980" cy="6857990"/>
           </a:xfrm>
           <a:prstGeom prst="rect">
@@ -17629,7 +17629,7 @@
                 <a16:creationId xmlns:a16="http://schemas.microsoft.com/office/drawing/2014/main" id="{93DBB853-C277-42C7-80D0-110A8842ED54}"/>
               </a:ext>
               <a:ext uri="{C183D7F6-B498-43B3-948B-1728B52AA6E4}">
-                <adec:decorative xmlns:adec="http://schemas.microsoft.com/office/drawing/2017/decorative" xmlns="" val="1"/>
+                <adec:decorative xmlns="" xmlns:adec="http://schemas.microsoft.com/office/drawing/2017/decorative" val="1"/>
               </a:ext>
             </a:extLst>
           </p:cNvPr>
@@ -17666,7 +17666,7 @@
                   <a16:creationId xmlns:a16="http://schemas.microsoft.com/office/drawing/2014/main" id="{8D2CA353-4AC3-432A-8704-A618563EECF3}"/>
                 </a:ext>
                 <a:ext uri="{C183D7F6-B498-43B3-948B-1728B52AA6E4}">
-                  <adec:decorative xmlns:adec="http://schemas.microsoft.com/office/drawing/2017/decorative" xmlns="" val="1"/>
+                  <adec:decorative xmlns="" xmlns:adec="http://schemas.microsoft.com/office/drawing/2017/decorative" val="1"/>
                 </a:ext>
               </a:extLst>
             </p:cNvPr>
@@ -17738,7 +17738,7 @@
                   <a16:creationId xmlns:a16="http://schemas.microsoft.com/office/drawing/2014/main" id="{71685CFF-C2D8-4119-9CDA-504914853759}"/>
                 </a:ext>
                 <a:ext uri="{C183D7F6-B498-43B3-948B-1728B52AA6E4}">
-                  <adec:decorative xmlns:adec="http://schemas.microsoft.com/office/drawing/2017/decorative" xmlns="" val="1"/>
+                  <adec:decorative xmlns="" xmlns:adec="http://schemas.microsoft.com/office/drawing/2017/decorative" val="1"/>
                 </a:ext>
               </a:extLst>
             </p:cNvPr>
@@ -17815,7 +17815,7 @@
                   <a16:creationId xmlns:a16="http://schemas.microsoft.com/office/drawing/2014/main" id="{119C20C9-05B5-4384-9F4E-B4B8FA299CD3}"/>
                 </a:ext>
                 <a:ext uri="{C183D7F6-B498-43B3-948B-1728B52AA6E4}">
-                  <adec:decorative xmlns:adec="http://schemas.microsoft.com/office/drawing/2017/decorative" xmlns="" val="1"/>
+                  <adec:decorative xmlns="" xmlns:adec="http://schemas.microsoft.com/office/drawing/2017/decorative" val="1"/>
                 </a:ext>
               </a:extLst>
             </p:cNvPr>
@@ -17897,7 +17897,7 @@
                   <a16:creationId xmlns:a16="http://schemas.microsoft.com/office/drawing/2014/main" id="{F78ACAA7-E69F-43D4-919F-59DCA6482DF0}"/>
                 </a:ext>
                 <a:ext uri="{C183D7F6-B498-43B3-948B-1728B52AA6E4}">
-                  <adec:decorative xmlns:adec="http://schemas.microsoft.com/office/drawing/2017/decorative" xmlns="" val="1"/>
+                  <adec:decorative xmlns="" xmlns:adec="http://schemas.microsoft.com/office/drawing/2017/decorative" val="1"/>
                 </a:ext>
               </a:extLst>
             </p:cNvPr>
@@ -17959,7 +17959,7 @@
                   <a16:creationId xmlns:a16="http://schemas.microsoft.com/office/drawing/2014/main" id="{96704AC3-E553-4428-AD42-796DD344ADA8}"/>
                 </a:ext>
                 <a:ext uri="{C183D7F6-B498-43B3-948B-1728B52AA6E4}">
-                  <adec:decorative xmlns:adec="http://schemas.microsoft.com/office/drawing/2017/decorative" xmlns="" val="1"/>
+                  <adec:decorative xmlns="" xmlns:adec="http://schemas.microsoft.com/office/drawing/2017/decorative" val="1"/>
                 </a:ext>
               </a:extLst>
             </p:cNvPr>
@@ -18056,7 +18056,7 @@
                   <a16:creationId xmlns:a16="http://schemas.microsoft.com/office/drawing/2014/main" id="{3144CE2D-2D9E-4E16-92AA-F685E45492E5}"/>
                 </a:ext>
                 <a:ext uri="{C183D7F6-B498-43B3-948B-1728B52AA6E4}">
-                  <adec:decorative xmlns:adec="http://schemas.microsoft.com/office/drawing/2017/decorative" xmlns="" val="1"/>
+                  <adec:decorative xmlns="" xmlns:adec="http://schemas.microsoft.com/office/drawing/2017/decorative" val="1"/>
                 </a:ext>
               </a:extLst>
             </p:cNvPr>
@@ -18148,7 +18148,7 @@
                   <a16:creationId xmlns:a16="http://schemas.microsoft.com/office/drawing/2014/main" id="{CD4C0C99-C139-4838-92A2-2C05514812EA}"/>
                 </a:ext>
                 <a:ext uri="{C183D7F6-B498-43B3-948B-1728B52AA6E4}">
-                  <adec:decorative xmlns:adec="http://schemas.microsoft.com/office/drawing/2017/decorative" xmlns="" val="1"/>
+                  <adec:decorative xmlns="" xmlns:adec="http://schemas.microsoft.com/office/drawing/2017/decorative" val="1"/>
                 </a:ext>
               </a:extLst>
             </p:cNvPr>
@@ -18220,7 +18220,7 @@
                   <a16:creationId xmlns:a16="http://schemas.microsoft.com/office/drawing/2014/main" id="{6D356AA9-ECE0-4E40-A277-44AC6EF76509}"/>
                 </a:ext>
                 <a:ext uri="{C183D7F6-B498-43B3-948B-1728B52AA6E4}">
-                  <adec:decorative xmlns:adec="http://schemas.microsoft.com/office/drawing/2017/decorative" xmlns="" val="1"/>
+                  <adec:decorative xmlns="" xmlns:adec="http://schemas.microsoft.com/office/drawing/2017/decorative" val="1"/>
                 </a:ext>
               </a:extLst>
             </p:cNvPr>
@@ -18312,7 +18312,7 @@
                   <a16:creationId xmlns:a16="http://schemas.microsoft.com/office/drawing/2014/main" id="{5A9C3CFE-942C-43DB-9652-8B2647552B4F}"/>
                 </a:ext>
                 <a:ext uri="{C183D7F6-B498-43B3-948B-1728B52AA6E4}">
-                  <adec:decorative xmlns:adec="http://schemas.microsoft.com/office/drawing/2017/decorative" xmlns="" val="1"/>
+                  <adec:decorative xmlns="" xmlns:adec="http://schemas.microsoft.com/office/drawing/2017/decorative" val="1"/>
                 </a:ext>
               </a:extLst>
             </p:cNvPr>
@@ -18439,7 +18439,7 @@
                   <a16:creationId xmlns:a16="http://schemas.microsoft.com/office/drawing/2014/main" id="{F3DDB2C0-7B2C-4BA5-8ECA-4632746722DE}"/>
                 </a:ext>
                 <a:ext uri="{C183D7F6-B498-43B3-948B-1728B52AA6E4}">
-                  <adec:decorative xmlns:adec="http://schemas.microsoft.com/office/drawing/2017/decorative" xmlns="" val="1"/>
+                  <adec:decorative xmlns="" xmlns:adec="http://schemas.microsoft.com/office/drawing/2017/decorative" val="1"/>
                 </a:ext>
               </a:extLst>
             </p:cNvPr>
@@ -18501,7 +18501,7 @@
                   <a16:creationId xmlns:a16="http://schemas.microsoft.com/office/drawing/2014/main" id="{CCB346B3-FD72-422B-9688-F54E77399A30}"/>
                 </a:ext>
                 <a:ext uri="{C183D7F6-B498-43B3-948B-1728B52AA6E4}">
-                  <adec:decorative xmlns:adec="http://schemas.microsoft.com/office/drawing/2017/decorative" xmlns="" val="1"/>
+                  <adec:decorative xmlns="" xmlns:adec="http://schemas.microsoft.com/office/drawing/2017/decorative" val="1"/>
                 </a:ext>
               </a:extLst>
             </p:cNvPr>
@@ -18573,7 +18573,7 @@
                   <a16:creationId xmlns:a16="http://schemas.microsoft.com/office/drawing/2014/main" id="{A5E738B1-537A-48F5-B99B-72BF4EA8B0AE}"/>
                 </a:ext>
                 <a:ext uri="{C183D7F6-B498-43B3-948B-1728B52AA6E4}">
-                  <adec:decorative xmlns:adec="http://schemas.microsoft.com/office/drawing/2017/decorative" xmlns="" val="1"/>
+                  <adec:decorative xmlns="" xmlns:adec="http://schemas.microsoft.com/office/drawing/2017/decorative" val="1"/>
                 </a:ext>
               </a:extLst>
             </p:cNvPr>
@@ -18656,7 +18656,7 @@
                 <a16:creationId xmlns:a16="http://schemas.microsoft.com/office/drawing/2014/main" id="{65CAAAF8-C872-447C-BCD0-F5CD3016C563}"/>
               </a:ext>
               <a:ext uri="{C183D7F6-B498-43B3-948B-1728B52AA6E4}">
-                <adec:decorative xmlns:adec="http://schemas.microsoft.com/office/drawing/2017/decorative" xmlns="" val="1"/>
+                <adec:decorative xmlns="" xmlns:adec="http://schemas.microsoft.com/office/drawing/2017/decorative" val="1"/>
               </a:ext>
             </a:extLst>
           </p:cNvPr>
@@ -18690,7 +18690,7 @@
                   <a16:creationId xmlns:a16="http://schemas.microsoft.com/office/drawing/2014/main" id="{3CD192F9-4898-4362-B1A2-3DDAA54614A9}"/>
                 </a:ext>
                 <a:ext uri="{C183D7F6-B498-43B3-948B-1728B52AA6E4}">
-                  <adec:decorative xmlns:adec="http://schemas.microsoft.com/office/drawing/2017/decorative" xmlns="" val="1"/>
+                  <adec:decorative xmlns="" xmlns:adec="http://schemas.microsoft.com/office/drawing/2017/decorative" val="1"/>
                 </a:ext>
               </a:extLst>
             </p:cNvPr>
@@ -18807,7 +18807,7 @@
                   <a16:creationId xmlns:a16="http://schemas.microsoft.com/office/drawing/2014/main" id="{25658BAB-0A60-4CAE-B735-5297A284A9EB}"/>
                 </a:ext>
                 <a:ext uri="{C183D7F6-B498-43B3-948B-1728B52AA6E4}">
-                  <adec:decorative xmlns:adec="http://schemas.microsoft.com/office/drawing/2017/decorative" xmlns="" val="1"/>
+                  <adec:decorative xmlns="" xmlns:adec="http://schemas.microsoft.com/office/drawing/2017/decorative" val="1"/>
                 </a:ext>
               </a:extLst>
             </p:cNvPr>
@@ -18889,7 +18889,7 @@
                   <a16:creationId xmlns:a16="http://schemas.microsoft.com/office/drawing/2014/main" id="{B176DB7C-2C45-4E08-956B-5D2E339C7556}"/>
                 </a:ext>
                 <a:ext uri="{C183D7F6-B498-43B3-948B-1728B52AA6E4}">
-                  <adec:decorative xmlns:adec="http://schemas.microsoft.com/office/drawing/2017/decorative" xmlns="" val="1"/>
+                  <adec:decorative xmlns="" xmlns:adec="http://schemas.microsoft.com/office/drawing/2017/decorative" val="1"/>
                 </a:ext>
               </a:extLst>
             </p:cNvPr>
@@ -18971,7 +18971,7 @@
                   <a16:creationId xmlns:a16="http://schemas.microsoft.com/office/drawing/2014/main" id="{671B014E-7E67-4978-A9AB-7C6E2F99FDA0}"/>
                 </a:ext>
                 <a:ext uri="{C183D7F6-B498-43B3-948B-1728B52AA6E4}">
-                  <adec:decorative xmlns:adec="http://schemas.microsoft.com/office/drawing/2017/decorative" xmlns="" val="1"/>
+                  <adec:decorative xmlns="" xmlns:adec="http://schemas.microsoft.com/office/drawing/2017/decorative" val="1"/>
                 </a:ext>
               </a:extLst>
             </p:cNvPr>
@@ -19068,7 +19068,7 @@
                   <a16:creationId xmlns:a16="http://schemas.microsoft.com/office/drawing/2014/main" id="{193156F8-3B15-4064-8C4B-F21ED4F376AB}"/>
                 </a:ext>
                 <a:ext uri="{C183D7F6-B498-43B3-948B-1728B52AA6E4}">
-                  <adec:decorative xmlns:adec="http://schemas.microsoft.com/office/drawing/2017/decorative" xmlns="" val="1"/>
+                  <adec:decorative xmlns="" xmlns:adec="http://schemas.microsoft.com/office/drawing/2017/decorative" val="1"/>
                 </a:ext>
               </a:extLst>
             </p:cNvPr>
@@ -19175,7 +19175,7 @@
                   <a16:creationId xmlns:a16="http://schemas.microsoft.com/office/drawing/2014/main" id="{96B721A4-876F-43D1-B231-585A55B38F59}"/>
                 </a:ext>
                 <a:ext uri="{C183D7F6-B498-43B3-948B-1728B52AA6E4}">
-                  <adec:decorative xmlns:adec="http://schemas.microsoft.com/office/drawing/2017/decorative" xmlns="" val="1"/>
+                  <adec:decorative xmlns="" xmlns:adec="http://schemas.microsoft.com/office/drawing/2017/decorative" val="1"/>
                 </a:ext>
               </a:extLst>
             </p:cNvPr>
@@ -19237,7 +19237,7 @@
                   <a16:creationId xmlns:a16="http://schemas.microsoft.com/office/drawing/2014/main" id="{3D9AB238-BB7F-4D15-83B0-BD6CA92CC7FA}"/>
                 </a:ext>
                 <a:ext uri="{C183D7F6-B498-43B3-948B-1728B52AA6E4}">
-                  <adec:decorative xmlns:adec="http://schemas.microsoft.com/office/drawing/2017/decorative" xmlns="" val="1"/>
+                  <adec:decorative xmlns="" xmlns:adec="http://schemas.microsoft.com/office/drawing/2017/decorative" val="1"/>
                 </a:ext>
               </a:extLst>
             </p:cNvPr>
@@ -19314,7 +19314,7 @@
                   <a16:creationId xmlns:a16="http://schemas.microsoft.com/office/drawing/2014/main" id="{85F91E03-6B79-4561-AADA-9D9EE5194981}"/>
                 </a:ext>
                 <a:ext uri="{C183D7F6-B498-43B3-948B-1728B52AA6E4}">
-                  <adec:decorative xmlns:adec="http://schemas.microsoft.com/office/drawing/2017/decorative" xmlns="" val="1"/>
+                  <adec:decorative xmlns="" xmlns:adec="http://schemas.microsoft.com/office/drawing/2017/decorative" val="1"/>
                 </a:ext>
               </a:extLst>
             </p:cNvPr>
@@ -19436,7 +19436,7 @@
                   <a16:creationId xmlns:a16="http://schemas.microsoft.com/office/drawing/2014/main" id="{A2B05A7B-02BB-4384-AB3F-6300769C06E9}"/>
                 </a:ext>
                 <a:ext uri="{C183D7F6-B498-43B3-948B-1728B52AA6E4}">
-                  <adec:decorative xmlns:adec="http://schemas.microsoft.com/office/drawing/2017/decorative" xmlns="" val="1"/>
+                  <adec:decorative xmlns="" xmlns:adec="http://schemas.microsoft.com/office/drawing/2017/decorative" val="1"/>
                 </a:ext>
               </a:extLst>
             </p:cNvPr>
@@ -19498,7 +19498,7 @@
                   <a16:creationId xmlns:a16="http://schemas.microsoft.com/office/drawing/2014/main" id="{10C0CEA7-547A-4AB3-99B0-971B1E98AB9B}"/>
                 </a:ext>
                 <a:ext uri="{C183D7F6-B498-43B3-948B-1728B52AA6E4}">
-                  <adec:decorative xmlns:adec="http://schemas.microsoft.com/office/drawing/2017/decorative" xmlns="" val="1"/>
+                  <adec:decorative xmlns="" xmlns:adec="http://schemas.microsoft.com/office/drawing/2017/decorative" val="1"/>
                 </a:ext>
               </a:extLst>
             </p:cNvPr>
@@ -19580,7 +19580,7 @@
                   <a16:creationId xmlns:a16="http://schemas.microsoft.com/office/drawing/2014/main" id="{643A7C23-A309-4BDC-AC90-7E150B0A7A48}"/>
                 </a:ext>
                 <a:ext uri="{C183D7F6-B498-43B3-948B-1728B52AA6E4}">
-                  <adec:decorative xmlns:adec="http://schemas.microsoft.com/office/drawing/2017/decorative" xmlns="" val="1"/>
+                  <adec:decorative xmlns="" xmlns:adec="http://schemas.microsoft.com/office/drawing/2017/decorative" val="1"/>
                 </a:ext>
               </a:extLst>
             </p:cNvPr>
@@ -19657,7 +19657,7 @@
                   <a16:creationId xmlns:a16="http://schemas.microsoft.com/office/drawing/2014/main" id="{CDFCEA60-6323-4E47-A467-83E3D32C0B99}"/>
                 </a:ext>
                 <a:ext uri="{C183D7F6-B498-43B3-948B-1728B52AA6E4}">
-                  <adec:decorative xmlns:adec="http://schemas.microsoft.com/office/drawing/2017/decorative" xmlns="" val="1"/>
+                  <adec:decorative xmlns="" xmlns:adec="http://schemas.microsoft.com/office/drawing/2017/decorative" val="1"/>
                 </a:ext>
               </a:extLst>
             </p:cNvPr>
@@ -19740,7 +19740,7 @@
                 <a16:creationId xmlns:a16="http://schemas.microsoft.com/office/drawing/2014/main" id="{42D62A3B-08B7-4F45-B0BC-A23B2CC9C304}"/>
               </a:ext>
               <a:ext uri="{C183D7F6-B498-43B3-948B-1728B52AA6E4}">
-                <adec:decorative xmlns:adec="http://schemas.microsoft.com/office/drawing/2017/decorative" xmlns="" val="1"/>
+                <adec:decorative xmlns="" xmlns:adec="http://schemas.microsoft.com/office/drawing/2017/decorative" val="1"/>
               </a:ext>
             </a:extLst>
           </p:cNvPr>
@@ -19794,7 +19794,7 @@
                 <a16:creationId xmlns:a16="http://schemas.microsoft.com/office/drawing/2014/main" id="{7527CAFC-17AC-48FE-AB33-811D38361FC7}"/>
               </a:ext>
               <a:ext uri="{C183D7F6-B498-43B3-948B-1728B52AA6E4}">
-                <adec:decorative xmlns:adec="http://schemas.microsoft.com/office/drawing/2017/decorative" xmlns="" val="1"/>
+                <adec:decorative xmlns="" xmlns:adec="http://schemas.microsoft.com/office/drawing/2017/decorative" val="1"/>
               </a:ext>
             </a:extLst>
           </p:cNvPr>
@@ -19907,8 +19907,8 @@
         </p:blipFill>
         <p:spPr>
           <a:xfrm>
-            <a:off x="268669" y="1289205"/>
-            <a:ext cx="5662137" cy="4370255"/>
+            <a:off x="2962712" y="1221672"/>
+            <a:ext cx="6930153" cy="5348958"/>
           </a:xfrm>
           <a:prstGeom prst="rect">
             <a:avLst/>
@@ -19961,7 +19961,7 @@
                 <a16:creationId xmlns:a16="http://schemas.microsoft.com/office/drawing/2014/main" id="{A9D17E3F-9160-4D16-8F1D-F8FE94E2A5DC}"/>
               </a:ext>
               <a:ext uri="{C183D7F6-B498-43B3-948B-1728B52AA6E4}">
-                <adec:decorative xmlns:adec="http://schemas.microsoft.com/office/drawing/2017/decorative" xmlns="" val="1"/>
+                <adec:decorative xmlns="" xmlns:adec="http://schemas.microsoft.com/office/drawing/2017/decorative" val="1"/>
               </a:ext>
             </a:extLst>
           </p:cNvPr>
@@ -20186,13 +20186,8 @@
             <a:pPr algn="ctr"/>
             <a:r>
               <a:rPr lang="fr-FR" dirty="0"/>
-              <a:t>Diagramme de séquence : </a:t>
+              <a:t>Diagramme de séquence : Page de contact</a:t>
             </a:r>
-            <a:r>
-              <a:rPr lang="fr-FR" dirty="0"/>
-              <a:t>Page de contact</a:t>
-            </a:r>
-            <a:endParaRPr lang="fr-FR" dirty="0"/>
           </a:p>
         </p:txBody>
       </p:sp>
@@ -20204,7 +20199,7 @@
                 <a16:creationId xmlns:a16="http://schemas.microsoft.com/office/drawing/2014/main" id="{93DBB853-C277-42C7-80D0-110A8842ED54}"/>
               </a:ext>
               <a:ext uri="{C183D7F6-B498-43B3-948B-1728B52AA6E4}">
-                <adec:decorative xmlns:adec="http://schemas.microsoft.com/office/drawing/2017/decorative" xmlns="" val="1"/>
+                <adec:decorative xmlns="" xmlns:adec="http://schemas.microsoft.com/office/drawing/2017/decorative" val="1"/>
               </a:ext>
             </a:extLst>
           </p:cNvPr>
@@ -20241,7 +20236,7 @@
                   <a16:creationId xmlns:a16="http://schemas.microsoft.com/office/drawing/2014/main" id="{8D2CA353-4AC3-432A-8704-A618563EECF3}"/>
                 </a:ext>
                 <a:ext uri="{C183D7F6-B498-43B3-948B-1728B52AA6E4}">
-                  <adec:decorative xmlns:adec="http://schemas.microsoft.com/office/drawing/2017/decorative" xmlns="" val="1"/>
+                  <adec:decorative xmlns="" xmlns:adec="http://schemas.microsoft.com/office/drawing/2017/decorative" val="1"/>
                 </a:ext>
               </a:extLst>
             </p:cNvPr>
@@ -20313,7 +20308,7 @@
                   <a16:creationId xmlns:a16="http://schemas.microsoft.com/office/drawing/2014/main" id="{71685CFF-C2D8-4119-9CDA-504914853759}"/>
                 </a:ext>
                 <a:ext uri="{C183D7F6-B498-43B3-948B-1728B52AA6E4}">
-                  <adec:decorative xmlns:adec="http://schemas.microsoft.com/office/drawing/2017/decorative" xmlns="" val="1"/>
+                  <adec:decorative xmlns="" xmlns:adec="http://schemas.microsoft.com/office/drawing/2017/decorative" val="1"/>
                 </a:ext>
               </a:extLst>
             </p:cNvPr>
@@ -20390,7 +20385,7 @@
                   <a16:creationId xmlns:a16="http://schemas.microsoft.com/office/drawing/2014/main" id="{119C20C9-05B5-4384-9F4E-B4B8FA299CD3}"/>
                 </a:ext>
                 <a:ext uri="{C183D7F6-B498-43B3-948B-1728B52AA6E4}">
-                  <adec:decorative xmlns:adec="http://schemas.microsoft.com/office/drawing/2017/decorative" xmlns="" val="1"/>
+                  <adec:decorative xmlns="" xmlns:adec="http://schemas.microsoft.com/office/drawing/2017/decorative" val="1"/>
                 </a:ext>
               </a:extLst>
             </p:cNvPr>
@@ -20472,7 +20467,7 @@
                   <a16:creationId xmlns:a16="http://schemas.microsoft.com/office/drawing/2014/main" id="{F78ACAA7-E69F-43D4-919F-59DCA6482DF0}"/>
                 </a:ext>
                 <a:ext uri="{C183D7F6-B498-43B3-948B-1728B52AA6E4}">
-                  <adec:decorative xmlns:adec="http://schemas.microsoft.com/office/drawing/2017/decorative" xmlns="" val="1"/>
+                  <adec:decorative xmlns="" xmlns:adec="http://schemas.microsoft.com/office/drawing/2017/decorative" val="1"/>
                 </a:ext>
               </a:extLst>
             </p:cNvPr>
@@ -20534,7 +20529,7 @@
                   <a16:creationId xmlns:a16="http://schemas.microsoft.com/office/drawing/2014/main" id="{96704AC3-E553-4428-AD42-796DD344ADA8}"/>
                 </a:ext>
                 <a:ext uri="{C183D7F6-B498-43B3-948B-1728B52AA6E4}">
-                  <adec:decorative xmlns:adec="http://schemas.microsoft.com/office/drawing/2017/decorative" xmlns="" val="1"/>
+                  <adec:decorative xmlns="" xmlns:adec="http://schemas.microsoft.com/office/drawing/2017/decorative" val="1"/>
                 </a:ext>
               </a:extLst>
             </p:cNvPr>
@@ -20631,7 +20626,7 @@
                   <a16:creationId xmlns:a16="http://schemas.microsoft.com/office/drawing/2014/main" id="{3144CE2D-2D9E-4E16-92AA-F685E45492E5}"/>
                 </a:ext>
                 <a:ext uri="{C183D7F6-B498-43B3-948B-1728B52AA6E4}">
-                  <adec:decorative xmlns:adec="http://schemas.microsoft.com/office/drawing/2017/decorative" xmlns="" val="1"/>
+                  <adec:decorative xmlns="" xmlns:adec="http://schemas.microsoft.com/office/drawing/2017/decorative" val="1"/>
                 </a:ext>
               </a:extLst>
             </p:cNvPr>
@@ -20723,7 +20718,7 @@
                   <a16:creationId xmlns:a16="http://schemas.microsoft.com/office/drawing/2014/main" id="{CD4C0C99-C139-4838-92A2-2C05514812EA}"/>
                 </a:ext>
                 <a:ext uri="{C183D7F6-B498-43B3-948B-1728B52AA6E4}">
-                  <adec:decorative xmlns:adec="http://schemas.microsoft.com/office/drawing/2017/decorative" xmlns="" val="1"/>
+                  <adec:decorative xmlns="" xmlns:adec="http://schemas.microsoft.com/office/drawing/2017/decorative" val="1"/>
                 </a:ext>
               </a:extLst>
             </p:cNvPr>
@@ -20795,7 +20790,7 @@
                   <a16:creationId xmlns:a16="http://schemas.microsoft.com/office/drawing/2014/main" id="{6D356AA9-ECE0-4E40-A277-44AC6EF76509}"/>
                 </a:ext>
                 <a:ext uri="{C183D7F6-B498-43B3-948B-1728B52AA6E4}">
-                  <adec:decorative xmlns:adec="http://schemas.microsoft.com/office/drawing/2017/decorative" xmlns="" val="1"/>
+                  <adec:decorative xmlns="" xmlns:adec="http://schemas.microsoft.com/office/drawing/2017/decorative" val="1"/>
                 </a:ext>
               </a:extLst>
             </p:cNvPr>
@@ -20887,7 +20882,7 @@
                   <a16:creationId xmlns:a16="http://schemas.microsoft.com/office/drawing/2014/main" id="{5A9C3CFE-942C-43DB-9652-8B2647552B4F}"/>
                 </a:ext>
                 <a:ext uri="{C183D7F6-B498-43B3-948B-1728B52AA6E4}">
-                  <adec:decorative xmlns:adec="http://schemas.microsoft.com/office/drawing/2017/decorative" xmlns="" val="1"/>
+                  <adec:decorative xmlns="" xmlns:adec="http://schemas.microsoft.com/office/drawing/2017/decorative" val="1"/>
                 </a:ext>
               </a:extLst>
             </p:cNvPr>
@@ -21014,7 +21009,7 @@
                   <a16:creationId xmlns:a16="http://schemas.microsoft.com/office/drawing/2014/main" id="{F3DDB2C0-7B2C-4BA5-8ECA-4632746722DE}"/>
                 </a:ext>
                 <a:ext uri="{C183D7F6-B498-43B3-948B-1728B52AA6E4}">
-                  <adec:decorative xmlns:adec="http://schemas.microsoft.com/office/drawing/2017/decorative" xmlns="" val="1"/>
+                  <adec:decorative xmlns="" xmlns:adec="http://schemas.microsoft.com/office/drawing/2017/decorative" val="1"/>
                 </a:ext>
               </a:extLst>
             </p:cNvPr>
@@ -21076,7 +21071,7 @@
                   <a16:creationId xmlns:a16="http://schemas.microsoft.com/office/drawing/2014/main" id="{CCB346B3-FD72-422B-9688-F54E77399A30}"/>
                 </a:ext>
                 <a:ext uri="{C183D7F6-B498-43B3-948B-1728B52AA6E4}">
-                  <adec:decorative xmlns:adec="http://schemas.microsoft.com/office/drawing/2017/decorative" xmlns="" val="1"/>
+                  <adec:decorative xmlns="" xmlns:adec="http://schemas.microsoft.com/office/drawing/2017/decorative" val="1"/>
                 </a:ext>
               </a:extLst>
             </p:cNvPr>
@@ -21148,7 +21143,7 @@
                   <a16:creationId xmlns:a16="http://schemas.microsoft.com/office/drawing/2014/main" id="{A5E738B1-537A-48F5-B99B-72BF4EA8B0AE}"/>
                 </a:ext>
                 <a:ext uri="{C183D7F6-B498-43B3-948B-1728B52AA6E4}">
-                  <adec:decorative xmlns:adec="http://schemas.microsoft.com/office/drawing/2017/decorative" xmlns="" val="1"/>
+                  <adec:decorative xmlns="" xmlns:adec="http://schemas.microsoft.com/office/drawing/2017/decorative" val="1"/>
                 </a:ext>
               </a:extLst>
             </p:cNvPr>
@@ -21231,7 +21226,7 @@
                 <a16:creationId xmlns:a16="http://schemas.microsoft.com/office/drawing/2014/main" id="{65CAAAF8-C872-447C-BCD0-F5CD3016C563}"/>
               </a:ext>
               <a:ext uri="{C183D7F6-B498-43B3-948B-1728B52AA6E4}">
-                <adec:decorative xmlns:adec="http://schemas.microsoft.com/office/drawing/2017/decorative" xmlns="" val="1"/>
+                <adec:decorative xmlns="" xmlns:adec="http://schemas.microsoft.com/office/drawing/2017/decorative" val="1"/>
               </a:ext>
             </a:extLst>
           </p:cNvPr>
@@ -21265,7 +21260,7 @@
                   <a16:creationId xmlns:a16="http://schemas.microsoft.com/office/drawing/2014/main" id="{3CD192F9-4898-4362-B1A2-3DDAA54614A9}"/>
                 </a:ext>
                 <a:ext uri="{C183D7F6-B498-43B3-948B-1728B52AA6E4}">
-                  <adec:decorative xmlns:adec="http://schemas.microsoft.com/office/drawing/2017/decorative" xmlns="" val="1"/>
+                  <adec:decorative xmlns="" xmlns:adec="http://schemas.microsoft.com/office/drawing/2017/decorative" val="1"/>
                 </a:ext>
               </a:extLst>
             </p:cNvPr>
@@ -21382,7 +21377,7 @@
                   <a16:creationId xmlns:a16="http://schemas.microsoft.com/office/drawing/2014/main" id="{25658BAB-0A60-4CAE-B735-5297A284A9EB}"/>
                 </a:ext>
                 <a:ext uri="{C183D7F6-B498-43B3-948B-1728B52AA6E4}">
-                  <adec:decorative xmlns:adec="http://schemas.microsoft.com/office/drawing/2017/decorative" xmlns="" val="1"/>
+                  <adec:decorative xmlns="" xmlns:adec="http://schemas.microsoft.com/office/drawing/2017/decorative" val="1"/>
                 </a:ext>
               </a:extLst>
             </p:cNvPr>
@@ -21464,7 +21459,7 @@
                   <a16:creationId xmlns:a16="http://schemas.microsoft.com/office/drawing/2014/main" id="{B176DB7C-2C45-4E08-956B-5D2E339C7556}"/>
                 </a:ext>
                 <a:ext uri="{C183D7F6-B498-43B3-948B-1728B52AA6E4}">
-                  <adec:decorative xmlns:adec="http://schemas.microsoft.com/office/drawing/2017/decorative" xmlns="" val="1"/>
+                  <adec:decorative xmlns="" xmlns:adec="http://schemas.microsoft.com/office/drawing/2017/decorative" val="1"/>
                 </a:ext>
               </a:extLst>
             </p:cNvPr>
@@ -21546,7 +21541,7 @@
                   <a16:creationId xmlns:a16="http://schemas.microsoft.com/office/drawing/2014/main" id="{671B014E-7E67-4978-A9AB-7C6E2F99FDA0}"/>
                 </a:ext>
                 <a:ext uri="{C183D7F6-B498-43B3-948B-1728B52AA6E4}">
-                  <adec:decorative xmlns:adec="http://schemas.microsoft.com/office/drawing/2017/decorative" xmlns="" val="1"/>
+                  <adec:decorative xmlns="" xmlns:adec="http://schemas.microsoft.com/office/drawing/2017/decorative" val="1"/>
                 </a:ext>
               </a:extLst>
             </p:cNvPr>
@@ -21643,7 +21638,7 @@
                   <a16:creationId xmlns:a16="http://schemas.microsoft.com/office/drawing/2014/main" id="{193156F8-3B15-4064-8C4B-F21ED4F376AB}"/>
                 </a:ext>
                 <a:ext uri="{C183D7F6-B498-43B3-948B-1728B52AA6E4}">
-                  <adec:decorative xmlns:adec="http://schemas.microsoft.com/office/drawing/2017/decorative" xmlns="" val="1"/>
+                  <adec:decorative xmlns="" xmlns:adec="http://schemas.microsoft.com/office/drawing/2017/decorative" val="1"/>
                 </a:ext>
               </a:extLst>
             </p:cNvPr>
@@ -21750,7 +21745,7 @@
                   <a16:creationId xmlns:a16="http://schemas.microsoft.com/office/drawing/2014/main" id="{96B721A4-876F-43D1-B231-585A55B38F59}"/>
                 </a:ext>
                 <a:ext uri="{C183D7F6-B498-43B3-948B-1728B52AA6E4}">
-                  <adec:decorative xmlns:adec="http://schemas.microsoft.com/office/drawing/2017/decorative" xmlns="" val="1"/>
+                  <adec:decorative xmlns="" xmlns:adec="http://schemas.microsoft.com/office/drawing/2017/decorative" val="1"/>
                 </a:ext>
               </a:extLst>
             </p:cNvPr>
@@ -21812,7 +21807,7 @@
                   <a16:creationId xmlns:a16="http://schemas.microsoft.com/office/drawing/2014/main" id="{3D9AB238-BB7F-4D15-83B0-BD6CA92CC7FA}"/>
                 </a:ext>
                 <a:ext uri="{C183D7F6-B498-43B3-948B-1728B52AA6E4}">
-                  <adec:decorative xmlns:adec="http://schemas.microsoft.com/office/drawing/2017/decorative" xmlns="" val="1"/>
+                  <adec:decorative xmlns="" xmlns:adec="http://schemas.microsoft.com/office/drawing/2017/decorative" val="1"/>
                 </a:ext>
               </a:extLst>
             </p:cNvPr>
@@ -21889,7 +21884,7 @@
                   <a16:creationId xmlns:a16="http://schemas.microsoft.com/office/drawing/2014/main" id="{85F91E03-6B79-4561-AADA-9D9EE5194981}"/>
                 </a:ext>
                 <a:ext uri="{C183D7F6-B498-43B3-948B-1728B52AA6E4}">
-                  <adec:decorative xmlns:adec="http://schemas.microsoft.com/office/drawing/2017/decorative" xmlns="" val="1"/>
+                  <adec:decorative xmlns="" xmlns:adec="http://schemas.microsoft.com/office/drawing/2017/decorative" val="1"/>
                 </a:ext>
               </a:extLst>
             </p:cNvPr>
@@ -22011,7 +22006,7 @@
                   <a16:creationId xmlns:a16="http://schemas.microsoft.com/office/drawing/2014/main" id="{A2B05A7B-02BB-4384-AB3F-6300769C06E9}"/>
                 </a:ext>
                 <a:ext uri="{C183D7F6-B498-43B3-948B-1728B52AA6E4}">
-                  <adec:decorative xmlns:adec="http://schemas.microsoft.com/office/drawing/2017/decorative" xmlns="" val="1"/>
+                  <adec:decorative xmlns="" xmlns:adec="http://schemas.microsoft.com/office/drawing/2017/decorative" val="1"/>
                 </a:ext>
               </a:extLst>
             </p:cNvPr>
@@ -22073,7 +22068,7 @@
                   <a16:creationId xmlns:a16="http://schemas.microsoft.com/office/drawing/2014/main" id="{10C0CEA7-547A-4AB3-99B0-971B1E98AB9B}"/>
                 </a:ext>
                 <a:ext uri="{C183D7F6-B498-43B3-948B-1728B52AA6E4}">
-                  <adec:decorative xmlns:adec="http://schemas.microsoft.com/office/drawing/2017/decorative" xmlns="" val="1"/>
+                  <adec:decorative xmlns="" xmlns:adec="http://schemas.microsoft.com/office/drawing/2017/decorative" val="1"/>
                 </a:ext>
               </a:extLst>
             </p:cNvPr>
@@ -22155,7 +22150,7 @@
                   <a16:creationId xmlns:a16="http://schemas.microsoft.com/office/drawing/2014/main" id="{643A7C23-A309-4BDC-AC90-7E150B0A7A48}"/>
                 </a:ext>
                 <a:ext uri="{C183D7F6-B498-43B3-948B-1728B52AA6E4}">
-                  <adec:decorative xmlns:adec="http://schemas.microsoft.com/office/drawing/2017/decorative" xmlns="" val="1"/>
+                  <adec:decorative xmlns="" xmlns:adec="http://schemas.microsoft.com/office/drawing/2017/decorative" val="1"/>
                 </a:ext>
               </a:extLst>
             </p:cNvPr>
@@ -22232,7 +22227,7 @@
                   <a16:creationId xmlns:a16="http://schemas.microsoft.com/office/drawing/2014/main" id="{CDFCEA60-6323-4E47-A467-83E3D32C0B99}"/>
                 </a:ext>
                 <a:ext uri="{C183D7F6-B498-43B3-948B-1728B52AA6E4}">
-                  <adec:decorative xmlns:adec="http://schemas.microsoft.com/office/drawing/2017/decorative" xmlns="" val="1"/>
+                  <adec:decorative xmlns="" xmlns:adec="http://schemas.microsoft.com/office/drawing/2017/decorative" val="1"/>
                 </a:ext>
               </a:extLst>
             </p:cNvPr>
@@ -22315,7 +22310,7 @@
                 <a16:creationId xmlns:a16="http://schemas.microsoft.com/office/drawing/2014/main" id="{42D62A3B-08B7-4F45-B0BC-A23B2CC9C304}"/>
               </a:ext>
               <a:ext uri="{C183D7F6-B498-43B3-948B-1728B52AA6E4}">
-                <adec:decorative xmlns:adec="http://schemas.microsoft.com/office/drawing/2017/decorative" xmlns="" val="1"/>
+                <adec:decorative xmlns="" xmlns:adec="http://schemas.microsoft.com/office/drawing/2017/decorative" val="1"/>
               </a:ext>
             </a:extLst>
           </p:cNvPr>
@@ -22369,7 +22364,7 @@
                 <a16:creationId xmlns:a16="http://schemas.microsoft.com/office/drawing/2014/main" id="{7527CAFC-17AC-48FE-AB33-811D38361FC7}"/>
               </a:ext>
               <a:ext uri="{C183D7F6-B498-43B3-948B-1728B52AA6E4}">
-                <adec:decorative xmlns:adec="http://schemas.microsoft.com/office/drawing/2017/decorative" xmlns="" val="1"/>
+                <adec:decorative xmlns="" xmlns:adec="http://schemas.microsoft.com/office/drawing/2017/decorative" val="1"/>
               </a:ext>
             </a:extLst>
           </p:cNvPr>
@@ -22536,7 +22531,7 @@
                 <a16:creationId xmlns:a16="http://schemas.microsoft.com/office/drawing/2014/main" id="{A9D17E3F-9160-4D16-8F1D-F8FE94E2A5DC}"/>
               </a:ext>
               <a:ext uri="{C183D7F6-B498-43B3-948B-1728B52AA6E4}">
-                <adec:decorative xmlns:adec="http://schemas.microsoft.com/office/drawing/2017/decorative" xmlns="" val="1"/>
+                <adec:decorative xmlns="" xmlns:adec="http://schemas.microsoft.com/office/drawing/2017/decorative" val="1"/>
               </a:ext>
             </a:extLst>
           </p:cNvPr>
@@ -22779,7 +22774,7 @@
                 <a16:creationId xmlns:a16="http://schemas.microsoft.com/office/drawing/2014/main" id="{93DBB853-C277-42C7-80D0-110A8842ED54}"/>
               </a:ext>
               <a:ext uri="{C183D7F6-B498-43B3-948B-1728B52AA6E4}">
-                <adec:decorative xmlns:adec="http://schemas.microsoft.com/office/drawing/2017/decorative" xmlns="" val="1"/>
+                <adec:decorative xmlns="" xmlns:adec="http://schemas.microsoft.com/office/drawing/2017/decorative" val="1"/>
               </a:ext>
             </a:extLst>
           </p:cNvPr>
@@ -22816,7 +22811,7 @@
                   <a16:creationId xmlns:a16="http://schemas.microsoft.com/office/drawing/2014/main" id="{8D2CA353-4AC3-432A-8704-A618563EECF3}"/>
                 </a:ext>
                 <a:ext uri="{C183D7F6-B498-43B3-948B-1728B52AA6E4}">
-                  <adec:decorative xmlns:adec="http://schemas.microsoft.com/office/drawing/2017/decorative" xmlns="" val="1"/>
+                  <adec:decorative xmlns="" xmlns:adec="http://schemas.microsoft.com/office/drawing/2017/decorative" val="1"/>
                 </a:ext>
               </a:extLst>
             </p:cNvPr>
@@ -22888,7 +22883,7 @@
                   <a16:creationId xmlns:a16="http://schemas.microsoft.com/office/drawing/2014/main" id="{71685CFF-C2D8-4119-9CDA-504914853759}"/>
                 </a:ext>
                 <a:ext uri="{C183D7F6-B498-43B3-948B-1728B52AA6E4}">
-                  <adec:decorative xmlns:adec="http://schemas.microsoft.com/office/drawing/2017/decorative" xmlns="" val="1"/>
+                  <adec:decorative xmlns="" xmlns:adec="http://schemas.microsoft.com/office/drawing/2017/decorative" val="1"/>
                 </a:ext>
               </a:extLst>
             </p:cNvPr>
@@ -22965,7 +22960,7 @@
                   <a16:creationId xmlns:a16="http://schemas.microsoft.com/office/drawing/2014/main" id="{119C20C9-05B5-4384-9F4E-B4B8FA299CD3}"/>
                 </a:ext>
                 <a:ext uri="{C183D7F6-B498-43B3-948B-1728B52AA6E4}">
-                  <adec:decorative xmlns:adec="http://schemas.microsoft.com/office/drawing/2017/decorative" xmlns="" val="1"/>
+                  <adec:decorative xmlns="" xmlns:adec="http://schemas.microsoft.com/office/drawing/2017/decorative" val="1"/>
                 </a:ext>
               </a:extLst>
             </p:cNvPr>
@@ -23047,7 +23042,7 @@
                   <a16:creationId xmlns:a16="http://schemas.microsoft.com/office/drawing/2014/main" id="{F78ACAA7-E69F-43D4-919F-59DCA6482DF0}"/>
                 </a:ext>
                 <a:ext uri="{C183D7F6-B498-43B3-948B-1728B52AA6E4}">
-                  <adec:decorative xmlns:adec="http://schemas.microsoft.com/office/drawing/2017/decorative" xmlns="" val="1"/>
+                  <adec:decorative xmlns="" xmlns:adec="http://schemas.microsoft.com/office/drawing/2017/decorative" val="1"/>
                 </a:ext>
               </a:extLst>
             </p:cNvPr>
@@ -23109,7 +23104,7 @@
                   <a16:creationId xmlns:a16="http://schemas.microsoft.com/office/drawing/2014/main" id="{96704AC3-E553-4428-AD42-796DD344ADA8}"/>
                 </a:ext>
                 <a:ext uri="{C183D7F6-B498-43B3-948B-1728B52AA6E4}">
-                  <adec:decorative xmlns:adec="http://schemas.microsoft.com/office/drawing/2017/decorative" xmlns="" val="1"/>
+                  <adec:decorative xmlns="" xmlns:adec="http://schemas.microsoft.com/office/drawing/2017/decorative" val="1"/>
                 </a:ext>
               </a:extLst>
             </p:cNvPr>
@@ -23206,7 +23201,7 @@
                   <a16:creationId xmlns:a16="http://schemas.microsoft.com/office/drawing/2014/main" id="{3144CE2D-2D9E-4E16-92AA-F685E45492E5}"/>
                 </a:ext>
                 <a:ext uri="{C183D7F6-B498-43B3-948B-1728B52AA6E4}">
-                  <adec:decorative xmlns:adec="http://schemas.microsoft.com/office/drawing/2017/decorative" xmlns="" val="1"/>
+                  <adec:decorative xmlns="" xmlns:adec="http://schemas.microsoft.com/office/drawing/2017/decorative" val="1"/>
                 </a:ext>
               </a:extLst>
             </p:cNvPr>
@@ -23298,7 +23293,7 @@
                   <a16:creationId xmlns:a16="http://schemas.microsoft.com/office/drawing/2014/main" id="{CD4C0C99-C139-4838-92A2-2C05514812EA}"/>
                 </a:ext>
                 <a:ext uri="{C183D7F6-B498-43B3-948B-1728B52AA6E4}">
-                  <adec:decorative xmlns:adec="http://schemas.microsoft.com/office/drawing/2017/decorative" xmlns="" val="1"/>
+                  <adec:decorative xmlns="" xmlns:adec="http://schemas.microsoft.com/office/drawing/2017/decorative" val="1"/>
                 </a:ext>
               </a:extLst>
             </p:cNvPr>
@@ -23370,7 +23365,7 @@
                   <a16:creationId xmlns:a16="http://schemas.microsoft.com/office/drawing/2014/main" id="{6D356AA9-ECE0-4E40-A277-44AC6EF76509}"/>
                 </a:ext>
                 <a:ext uri="{C183D7F6-B498-43B3-948B-1728B52AA6E4}">
-                  <adec:decorative xmlns:adec="http://schemas.microsoft.com/office/drawing/2017/decorative" xmlns="" val="1"/>
+                  <adec:decorative xmlns="" xmlns:adec="http://schemas.microsoft.com/office/drawing/2017/decorative" val="1"/>
                 </a:ext>
               </a:extLst>
             </p:cNvPr>
@@ -23462,7 +23457,7 @@
                   <a16:creationId xmlns:a16="http://schemas.microsoft.com/office/drawing/2014/main" id="{5A9C3CFE-942C-43DB-9652-8B2647552B4F}"/>
                 </a:ext>
                 <a:ext uri="{C183D7F6-B498-43B3-948B-1728B52AA6E4}">
-                  <adec:decorative xmlns:adec="http://schemas.microsoft.com/office/drawing/2017/decorative" xmlns="" val="1"/>
+                  <adec:decorative xmlns="" xmlns:adec="http://schemas.microsoft.com/office/drawing/2017/decorative" val="1"/>
                 </a:ext>
               </a:extLst>
             </p:cNvPr>
@@ -23589,7 +23584,7 @@
                   <a16:creationId xmlns:a16="http://schemas.microsoft.com/office/drawing/2014/main" id="{F3DDB2C0-7B2C-4BA5-8ECA-4632746722DE}"/>
                 </a:ext>
                 <a:ext uri="{C183D7F6-B498-43B3-948B-1728B52AA6E4}">
-                  <adec:decorative xmlns:adec="http://schemas.microsoft.com/office/drawing/2017/decorative" xmlns="" val="1"/>
+                  <adec:decorative xmlns="" xmlns:adec="http://schemas.microsoft.com/office/drawing/2017/decorative" val="1"/>
                 </a:ext>
               </a:extLst>
             </p:cNvPr>
@@ -23651,7 +23646,7 @@
                   <a16:creationId xmlns:a16="http://schemas.microsoft.com/office/drawing/2014/main" id="{CCB346B3-FD72-422B-9688-F54E77399A30}"/>
                 </a:ext>
                 <a:ext uri="{C183D7F6-B498-43B3-948B-1728B52AA6E4}">
-                  <adec:decorative xmlns:adec="http://schemas.microsoft.com/office/drawing/2017/decorative" xmlns="" val="1"/>
+                  <adec:decorative xmlns="" xmlns:adec="http://schemas.microsoft.com/office/drawing/2017/decorative" val="1"/>
                 </a:ext>
               </a:extLst>
             </p:cNvPr>
@@ -23723,7 +23718,7 @@
                   <a16:creationId xmlns:a16="http://schemas.microsoft.com/office/drawing/2014/main" id="{A5E738B1-537A-48F5-B99B-72BF4EA8B0AE}"/>
                 </a:ext>
                 <a:ext uri="{C183D7F6-B498-43B3-948B-1728B52AA6E4}">
-                  <adec:decorative xmlns:adec="http://schemas.microsoft.com/office/drawing/2017/decorative" xmlns="" val="1"/>
+                  <adec:decorative xmlns="" xmlns:adec="http://schemas.microsoft.com/office/drawing/2017/decorative" val="1"/>
                 </a:ext>
               </a:extLst>
             </p:cNvPr>
@@ -23806,7 +23801,7 @@
                 <a16:creationId xmlns:a16="http://schemas.microsoft.com/office/drawing/2014/main" id="{65CAAAF8-C872-447C-BCD0-F5CD3016C563}"/>
               </a:ext>
               <a:ext uri="{C183D7F6-B498-43B3-948B-1728B52AA6E4}">
-                <adec:decorative xmlns:adec="http://schemas.microsoft.com/office/drawing/2017/decorative" xmlns="" val="1"/>
+                <adec:decorative xmlns="" xmlns:adec="http://schemas.microsoft.com/office/drawing/2017/decorative" val="1"/>
               </a:ext>
             </a:extLst>
           </p:cNvPr>
@@ -23840,7 +23835,7 @@
                   <a16:creationId xmlns:a16="http://schemas.microsoft.com/office/drawing/2014/main" id="{3CD192F9-4898-4362-B1A2-3DDAA54614A9}"/>
                 </a:ext>
                 <a:ext uri="{C183D7F6-B498-43B3-948B-1728B52AA6E4}">
-                  <adec:decorative xmlns:adec="http://schemas.microsoft.com/office/drawing/2017/decorative" xmlns="" val="1"/>
+                  <adec:decorative xmlns="" xmlns:adec="http://schemas.microsoft.com/office/drawing/2017/decorative" val="1"/>
                 </a:ext>
               </a:extLst>
             </p:cNvPr>
@@ -23957,7 +23952,7 @@
                   <a16:creationId xmlns:a16="http://schemas.microsoft.com/office/drawing/2014/main" id="{25658BAB-0A60-4CAE-B735-5297A284A9EB}"/>
                 </a:ext>
                 <a:ext uri="{C183D7F6-B498-43B3-948B-1728B52AA6E4}">
-                  <adec:decorative xmlns:adec="http://schemas.microsoft.com/office/drawing/2017/decorative" xmlns="" val="1"/>
+                  <adec:decorative xmlns="" xmlns:adec="http://schemas.microsoft.com/office/drawing/2017/decorative" val="1"/>
                 </a:ext>
               </a:extLst>
             </p:cNvPr>
@@ -24039,7 +24034,7 @@
                   <a16:creationId xmlns:a16="http://schemas.microsoft.com/office/drawing/2014/main" id="{B176DB7C-2C45-4E08-956B-5D2E339C7556}"/>
                 </a:ext>
                 <a:ext uri="{C183D7F6-B498-43B3-948B-1728B52AA6E4}">
-                  <adec:decorative xmlns:adec="http://schemas.microsoft.com/office/drawing/2017/decorative" xmlns="" val="1"/>
+                  <adec:decorative xmlns="" xmlns:adec="http://schemas.microsoft.com/office/drawing/2017/decorative" val="1"/>
                 </a:ext>
               </a:extLst>
             </p:cNvPr>
@@ -24121,7 +24116,7 @@
                   <a16:creationId xmlns:a16="http://schemas.microsoft.com/office/drawing/2014/main" id="{671B014E-7E67-4978-A9AB-7C6E2F99FDA0}"/>
                 </a:ext>
                 <a:ext uri="{C183D7F6-B498-43B3-948B-1728B52AA6E4}">
-                  <adec:decorative xmlns:adec="http://schemas.microsoft.com/office/drawing/2017/decorative" xmlns="" val="1"/>
+                  <adec:decorative xmlns="" xmlns:adec="http://schemas.microsoft.com/office/drawing/2017/decorative" val="1"/>
                 </a:ext>
               </a:extLst>
             </p:cNvPr>
@@ -24218,7 +24213,7 @@
                   <a16:creationId xmlns:a16="http://schemas.microsoft.com/office/drawing/2014/main" id="{193156F8-3B15-4064-8C4B-F21ED4F376AB}"/>
                 </a:ext>
                 <a:ext uri="{C183D7F6-B498-43B3-948B-1728B52AA6E4}">
-                  <adec:decorative xmlns:adec="http://schemas.microsoft.com/office/drawing/2017/decorative" xmlns="" val="1"/>
+                  <adec:decorative xmlns="" xmlns:adec="http://schemas.microsoft.com/office/drawing/2017/decorative" val="1"/>
                 </a:ext>
               </a:extLst>
             </p:cNvPr>
@@ -24325,7 +24320,7 @@
                   <a16:creationId xmlns:a16="http://schemas.microsoft.com/office/drawing/2014/main" id="{96B721A4-876F-43D1-B231-585A55B38F59}"/>
                 </a:ext>
                 <a:ext uri="{C183D7F6-B498-43B3-948B-1728B52AA6E4}">
-                  <adec:decorative xmlns:adec="http://schemas.microsoft.com/office/drawing/2017/decorative" xmlns="" val="1"/>
+                  <adec:decorative xmlns="" xmlns:adec="http://schemas.microsoft.com/office/drawing/2017/decorative" val="1"/>
                 </a:ext>
               </a:extLst>
             </p:cNvPr>
@@ -24387,7 +24382,7 @@
                   <a16:creationId xmlns:a16="http://schemas.microsoft.com/office/drawing/2014/main" id="{3D9AB238-BB7F-4D15-83B0-BD6CA92CC7FA}"/>
                 </a:ext>
                 <a:ext uri="{C183D7F6-B498-43B3-948B-1728B52AA6E4}">
-                  <adec:decorative xmlns:adec="http://schemas.microsoft.com/office/drawing/2017/decorative" xmlns="" val="1"/>
+                  <adec:decorative xmlns="" xmlns:adec="http://schemas.microsoft.com/office/drawing/2017/decorative" val="1"/>
                 </a:ext>
               </a:extLst>
             </p:cNvPr>
@@ -24464,7 +24459,7 @@
                   <a16:creationId xmlns:a16="http://schemas.microsoft.com/office/drawing/2014/main" id="{85F91E03-6B79-4561-AADA-9D9EE5194981}"/>
                 </a:ext>
                 <a:ext uri="{C183D7F6-B498-43B3-948B-1728B52AA6E4}">
-                  <adec:decorative xmlns:adec="http://schemas.microsoft.com/office/drawing/2017/decorative" xmlns="" val="1"/>
+                  <adec:decorative xmlns="" xmlns:adec="http://schemas.microsoft.com/office/drawing/2017/decorative" val="1"/>
                 </a:ext>
               </a:extLst>
             </p:cNvPr>
@@ -24586,7 +24581,7 @@
                   <a16:creationId xmlns:a16="http://schemas.microsoft.com/office/drawing/2014/main" id="{A2B05A7B-02BB-4384-AB3F-6300769C06E9}"/>
                 </a:ext>
                 <a:ext uri="{C183D7F6-B498-43B3-948B-1728B52AA6E4}">
-                  <adec:decorative xmlns:adec="http://schemas.microsoft.com/office/drawing/2017/decorative" xmlns="" val="1"/>
+                  <adec:decorative xmlns="" xmlns:adec="http://schemas.microsoft.com/office/drawing/2017/decorative" val="1"/>
                 </a:ext>
               </a:extLst>
             </p:cNvPr>
@@ -24648,7 +24643,7 @@
                   <a16:creationId xmlns:a16="http://schemas.microsoft.com/office/drawing/2014/main" id="{10C0CEA7-547A-4AB3-99B0-971B1E98AB9B}"/>
                 </a:ext>
                 <a:ext uri="{C183D7F6-B498-43B3-948B-1728B52AA6E4}">
-                  <adec:decorative xmlns:adec="http://schemas.microsoft.com/office/drawing/2017/decorative" xmlns="" val="1"/>
+                  <adec:decorative xmlns="" xmlns:adec="http://schemas.microsoft.com/office/drawing/2017/decorative" val="1"/>
                 </a:ext>
               </a:extLst>
             </p:cNvPr>
@@ -24730,7 +24725,7 @@
                   <a16:creationId xmlns:a16="http://schemas.microsoft.com/office/drawing/2014/main" id="{643A7C23-A309-4BDC-AC90-7E150B0A7A48}"/>
                 </a:ext>
                 <a:ext uri="{C183D7F6-B498-43B3-948B-1728B52AA6E4}">
-                  <adec:decorative xmlns:adec="http://schemas.microsoft.com/office/drawing/2017/decorative" xmlns="" val="1"/>
+                  <adec:decorative xmlns="" xmlns:adec="http://schemas.microsoft.com/office/drawing/2017/decorative" val="1"/>
                 </a:ext>
               </a:extLst>
             </p:cNvPr>
@@ -24807,7 +24802,7 @@
                   <a16:creationId xmlns:a16="http://schemas.microsoft.com/office/drawing/2014/main" id="{CDFCEA60-6323-4E47-A467-83E3D32C0B99}"/>
                 </a:ext>
                 <a:ext uri="{C183D7F6-B498-43B3-948B-1728B52AA6E4}">
-                  <adec:decorative xmlns:adec="http://schemas.microsoft.com/office/drawing/2017/decorative" xmlns="" val="1"/>
+                  <adec:decorative xmlns="" xmlns:adec="http://schemas.microsoft.com/office/drawing/2017/decorative" val="1"/>
                 </a:ext>
               </a:extLst>
             </p:cNvPr>
@@ -24890,7 +24885,7 @@
                 <a16:creationId xmlns:a16="http://schemas.microsoft.com/office/drawing/2014/main" id="{42D62A3B-08B7-4F45-B0BC-A23B2CC9C304}"/>
               </a:ext>
               <a:ext uri="{C183D7F6-B498-43B3-948B-1728B52AA6E4}">
-                <adec:decorative xmlns:adec="http://schemas.microsoft.com/office/drawing/2017/decorative" xmlns="" val="1"/>
+                <adec:decorative xmlns="" xmlns:adec="http://schemas.microsoft.com/office/drawing/2017/decorative" val="1"/>
               </a:ext>
             </a:extLst>
           </p:cNvPr>
@@ -24944,7 +24939,7 @@
                 <a16:creationId xmlns:a16="http://schemas.microsoft.com/office/drawing/2014/main" id="{7527CAFC-17AC-48FE-AB33-811D38361FC7}"/>
               </a:ext>
               <a:ext uri="{C183D7F6-B498-43B3-948B-1728B52AA6E4}">
-                <adec:decorative xmlns:adec="http://schemas.microsoft.com/office/drawing/2017/decorative" xmlns="" val="1"/>
+                <adec:decorative xmlns="" xmlns:adec="http://schemas.microsoft.com/office/drawing/2017/decorative" val="1"/>
               </a:ext>
             </a:extLst>
           </p:cNvPr>
@@ -25057,8 +25052,8 @@
         </p:blipFill>
         <p:spPr>
           <a:xfrm>
-            <a:off x="360560" y="1256160"/>
-            <a:ext cx="5905614" cy="4558179"/>
+            <a:off x="2444935" y="1258988"/>
+            <a:ext cx="7087644" cy="5470515"/>
           </a:xfrm>
           <a:prstGeom prst="rect">
             <a:avLst/>
@@ -25111,7 +25106,7 @@
                 <a16:creationId xmlns:a16="http://schemas.microsoft.com/office/drawing/2014/main" id="{A9D17E3F-9160-4D16-8F1D-F8FE94E2A5DC}"/>
               </a:ext>
               <a:ext uri="{C183D7F6-B498-43B3-948B-1728B52AA6E4}">
-                <adec:decorative xmlns:adec="http://schemas.microsoft.com/office/drawing/2017/decorative" xmlns="" val="1"/>
+                <adec:decorative xmlns="" xmlns:adec="http://schemas.microsoft.com/office/drawing/2017/decorative" val="1"/>
               </a:ext>
             </a:extLst>
           </p:cNvPr>
@@ -25336,15 +25331,7 @@
             <a:pPr algn="ctr"/>
             <a:r>
               <a:rPr lang="fr-FR" dirty="0"/>
-              <a:t>Diagramme de séquence : </a:t>
-            </a:r>
-            <a:r>
-              <a:rPr lang="fr-FR" dirty="0"/>
-              <a:t>Publication d’un commentaire</a:t>
-            </a:r>
-            <a:r>
-              <a:rPr lang="fr-FR" dirty="0"/>
-              <a:t/>
+              <a:t>Diagramme de séquence : Publication d’un commentaire</a:t>
             </a:r>
             <a:br>
               <a:rPr lang="fr-FR" dirty="0"/>
@@ -25361,7 +25348,7 @@
                 <a16:creationId xmlns:a16="http://schemas.microsoft.com/office/drawing/2014/main" id="{93DBB853-C277-42C7-80D0-110A8842ED54}"/>
               </a:ext>
               <a:ext uri="{C183D7F6-B498-43B3-948B-1728B52AA6E4}">
-                <adec:decorative xmlns:adec="http://schemas.microsoft.com/office/drawing/2017/decorative" xmlns="" val="1"/>
+                <adec:decorative xmlns="" xmlns:adec="http://schemas.microsoft.com/office/drawing/2017/decorative" val="1"/>
               </a:ext>
             </a:extLst>
           </p:cNvPr>
@@ -25398,7 +25385,7 @@
                   <a16:creationId xmlns:a16="http://schemas.microsoft.com/office/drawing/2014/main" id="{8D2CA353-4AC3-432A-8704-A618563EECF3}"/>
                 </a:ext>
                 <a:ext uri="{C183D7F6-B498-43B3-948B-1728B52AA6E4}">
-                  <adec:decorative xmlns:adec="http://schemas.microsoft.com/office/drawing/2017/decorative" xmlns="" val="1"/>
+                  <adec:decorative xmlns="" xmlns:adec="http://schemas.microsoft.com/office/drawing/2017/decorative" val="1"/>
                 </a:ext>
               </a:extLst>
             </p:cNvPr>
@@ -25470,7 +25457,7 @@
                   <a16:creationId xmlns:a16="http://schemas.microsoft.com/office/drawing/2014/main" id="{71685CFF-C2D8-4119-9CDA-504914853759}"/>
                 </a:ext>
                 <a:ext uri="{C183D7F6-B498-43B3-948B-1728B52AA6E4}">
-                  <adec:decorative xmlns:adec="http://schemas.microsoft.com/office/drawing/2017/decorative" xmlns="" val="1"/>
+                  <adec:decorative xmlns="" xmlns:adec="http://schemas.microsoft.com/office/drawing/2017/decorative" val="1"/>
                 </a:ext>
               </a:extLst>
             </p:cNvPr>
@@ -25547,7 +25534,7 @@
                   <a16:creationId xmlns:a16="http://schemas.microsoft.com/office/drawing/2014/main" id="{119C20C9-05B5-4384-9F4E-B4B8FA299CD3}"/>
                 </a:ext>
                 <a:ext uri="{C183D7F6-B498-43B3-948B-1728B52AA6E4}">
-                  <adec:decorative xmlns:adec="http://schemas.microsoft.com/office/drawing/2017/decorative" xmlns="" val="1"/>
+                  <adec:decorative xmlns="" xmlns:adec="http://schemas.microsoft.com/office/drawing/2017/decorative" val="1"/>
                 </a:ext>
               </a:extLst>
             </p:cNvPr>
@@ -25629,7 +25616,7 @@
                   <a16:creationId xmlns:a16="http://schemas.microsoft.com/office/drawing/2014/main" id="{F78ACAA7-E69F-43D4-919F-59DCA6482DF0}"/>
                 </a:ext>
                 <a:ext uri="{C183D7F6-B498-43B3-948B-1728B52AA6E4}">
-                  <adec:decorative xmlns:adec="http://schemas.microsoft.com/office/drawing/2017/decorative" xmlns="" val="1"/>
+                  <adec:decorative xmlns="" xmlns:adec="http://schemas.microsoft.com/office/drawing/2017/decorative" val="1"/>
                 </a:ext>
               </a:extLst>
             </p:cNvPr>
@@ -25691,7 +25678,7 @@
                   <a16:creationId xmlns:a16="http://schemas.microsoft.com/office/drawing/2014/main" id="{96704AC3-E553-4428-AD42-796DD344ADA8}"/>
                 </a:ext>
                 <a:ext uri="{C183D7F6-B498-43B3-948B-1728B52AA6E4}">
-                  <adec:decorative xmlns:adec="http://schemas.microsoft.com/office/drawing/2017/decorative" xmlns="" val="1"/>
+                  <adec:decorative xmlns="" xmlns:adec="http://schemas.microsoft.com/office/drawing/2017/decorative" val="1"/>
                 </a:ext>
               </a:extLst>
             </p:cNvPr>
@@ -25788,7 +25775,7 @@
                   <a16:creationId xmlns:a16="http://schemas.microsoft.com/office/drawing/2014/main" id="{3144CE2D-2D9E-4E16-92AA-F685E45492E5}"/>
                 </a:ext>
                 <a:ext uri="{C183D7F6-B498-43B3-948B-1728B52AA6E4}">
-                  <adec:decorative xmlns:adec="http://schemas.microsoft.com/office/drawing/2017/decorative" xmlns="" val="1"/>
+                  <adec:decorative xmlns="" xmlns:adec="http://schemas.microsoft.com/office/drawing/2017/decorative" val="1"/>
                 </a:ext>
               </a:extLst>
             </p:cNvPr>
@@ -25880,7 +25867,7 @@
                   <a16:creationId xmlns:a16="http://schemas.microsoft.com/office/drawing/2014/main" id="{CD4C0C99-C139-4838-92A2-2C05514812EA}"/>
                 </a:ext>
                 <a:ext uri="{C183D7F6-B498-43B3-948B-1728B52AA6E4}">
-                  <adec:decorative xmlns:adec="http://schemas.microsoft.com/office/drawing/2017/decorative" xmlns="" val="1"/>
+                  <adec:decorative xmlns="" xmlns:adec="http://schemas.microsoft.com/office/drawing/2017/decorative" val="1"/>
                 </a:ext>
               </a:extLst>
             </p:cNvPr>
@@ -25952,7 +25939,7 @@
                   <a16:creationId xmlns:a16="http://schemas.microsoft.com/office/drawing/2014/main" id="{6D356AA9-ECE0-4E40-A277-44AC6EF76509}"/>
                 </a:ext>
                 <a:ext uri="{C183D7F6-B498-43B3-948B-1728B52AA6E4}">
-                  <adec:decorative xmlns:adec="http://schemas.microsoft.com/office/drawing/2017/decorative" xmlns="" val="1"/>
+                  <adec:decorative xmlns="" xmlns:adec="http://schemas.microsoft.com/office/drawing/2017/decorative" val="1"/>
                 </a:ext>
               </a:extLst>
             </p:cNvPr>
@@ -26044,7 +26031,7 @@
                   <a16:creationId xmlns:a16="http://schemas.microsoft.com/office/drawing/2014/main" id="{5A9C3CFE-942C-43DB-9652-8B2647552B4F}"/>
                 </a:ext>
                 <a:ext uri="{C183D7F6-B498-43B3-948B-1728B52AA6E4}">
-                  <adec:decorative xmlns:adec="http://schemas.microsoft.com/office/drawing/2017/decorative" xmlns="" val="1"/>
+                  <adec:decorative xmlns="" xmlns:adec="http://schemas.microsoft.com/office/drawing/2017/decorative" val="1"/>
                 </a:ext>
               </a:extLst>
             </p:cNvPr>
@@ -26171,7 +26158,7 @@
                   <a16:creationId xmlns:a16="http://schemas.microsoft.com/office/drawing/2014/main" id="{F3DDB2C0-7B2C-4BA5-8ECA-4632746722DE}"/>
                 </a:ext>
                 <a:ext uri="{C183D7F6-B498-43B3-948B-1728B52AA6E4}">
-                  <adec:decorative xmlns:adec="http://schemas.microsoft.com/office/drawing/2017/decorative" xmlns="" val="1"/>
+                  <adec:decorative xmlns="" xmlns:adec="http://schemas.microsoft.com/office/drawing/2017/decorative" val="1"/>
                 </a:ext>
               </a:extLst>
             </p:cNvPr>
@@ -26233,7 +26220,7 @@
                   <a16:creationId xmlns:a16="http://schemas.microsoft.com/office/drawing/2014/main" id="{CCB346B3-FD72-422B-9688-F54E77399A30}"/>
                 </a:ext>
                 <a:ext uri="{C183D7F6-B498-43B3-948B-1728B52AA6E4}">
-                  <adec:decorative xmlns:adec="http://schemas.microsoft.com/office/drawing/2017/decorative" xmlns="" val="1"/>
+                  <adec:decorative xmlns="" xmlns:adec="http://schemas.microsoft.com/office/drawing/2017/decorative" val="1"/>
                 </a:ext>
               </a:extLst>
             </p:cNvPr>
@@ -26305,7 +26292,7 @@
                   <a16:creationId xmlns:a16="http://schemas.microsoft.com/office/drawing/2014/main" id="{A5E738B1-537A-48F5-B99B-72BF4EA8B0AE}"/>
                 </a:ext>
                 <a:ext uri="{C183D7F6-B498-43B3-948B-1728B52AA6E4}">
-                  <adec:decorative xmlns:adec="http://schemas.microsoft.com/office/drawing/2017/decorative" xmlns="" val="1"/>
+                  <adec:decorative xmlns="" xmlns:adec="http://schemas.microsoft.com/office/drawing/2017/decorative" val="1"/>
                 </a:ext>
               </a:extLst>
             </p:cNvPr>
@@ -26388,7 +26375,7 @@
                 <a16:creationId xmlns:a16="http://schemas.microsoft.com/office/drawing/2014/main" id="{65CAAAF8-C872-447C-BCD0-F5CD3016C563}"/>
               </a:ext>
               <a:ext uri="{C183D7F6-B498-43B3-948B-1728B52AA6E4}">
-                <adec:decorative xmlns:adec="http://schemas.microsoft.com/office/drawing/2017/decorative" xmlns="" val="1"/>
+                <adec:decorative xmlns="" xmlns:adec="http://schemas.microsoft.com/office/drawing/2017/decorative" val="1"/>
               </a:ext>
             </a:extLst>
           </p:cNvPr>
@@ -26422,7 +26409,7 @@
                   <a16:creationId xmlns:a16="http://schemas.microsoft.com/office/drawing/2014/main" id="{3CD192F9-4898-4362-B1A2-3DDAA54614A9}"/>
                 </a:ext>
                 <a:ext uri="{C183D7F6-B498-43B3-948B-1728B52AA6E4}">
-                  <adec:decorative xmlns:adec="http://schemas.microsoft.com/office/drawing/2017/decorative" xmlns="" val="1"/>
+                  <adec:decorative xmlns="" xmlns:adec="http://schemas.microsoft.com/office/drawing/2017/decorative" val="1"/>
                 </a:ext>
               </a:extLst>
             </p:cNvPr>
@@ -26539,7 +26526,7 @@
                   <a16:creationId xmlns:a16="http://schemas.microsoft.com/office/drawing/2014/main" id="{25658BAB-0A60-4CAE-B735-5297A284A9EB}"/>
                 </a:ext>
                 <a:ext uri="{C183D7F6-B498-43B3-948B-1728B52AA6E4}">
-                  <adec:decorative xmlns:adec="http://schemas.microsoft.com/office/drawing/2017/decorative" xmlns="" val="1"/>
+                  <adec:decorative xmlns="" xmlns:adec="http://schemas.microsoft.com/office/drawing/2017/decorative" val="1"/>
                 </a:ext>
               </a:extLst>
             </p:cNvPr>
@@ -26621,7 +26608,7 @@
                   <a16:creationId xmlns:a16="http://schemas.microsoft.com/office/drawing/2014/main" id="{B176DB7C-2C45-4E08-956B-5D2E339C7556}"/>
                 </a:ext>
                 <a:ext uri="{C183D7F6-B498-43B3-948B-1728B52AA6E4}">
-                  <adec:decorative xmlns:adec="http://schemas.microsoft.com/office/drawing/2017/decorative" xmlns="" val="1"/>
+                  <adec:decorative xmlns="" xmlns:adec="http://schemas.microsoft.com/office/drawing/2017/decorative" val="1"/>
                 </a:ext>
               </a:extLst>
             </p:cNvPr>
@@ -26703,7 +26690,7 @@
                   <a16:creationId xmlns:a16="http://schemas.microsoft.com/office/drawing/2014/main" id="{671B014E-7E67-4978-A9AB-7C6E2F99FDA0}"/>
                 </a:ext>
                 <a:ext uri="{C183D7F6-B498-43B3-948B-1728B52AA6E4}">
-                  <adec:decorative xmlns:adec="http://schemas.microsoft.com/office/drawing/2017/decorative" xmlns="" val="1"/>
+                  <adec:decorative xmlns="" xmlns:adec="http://schemas.microsoft.com/office/drawing/2017/decorative" val="1"/>
                 </a:ext>
               </a:extLst>
             </p:cNvPr>
@@ -26800,7 +26787,7 @@
                   <a16:creationId xmlns:a16="http://schemas.microsoft.com/office/drawing/2014/main" id="{193156F8-3B15-4064-8C4B-F21ED4F376AB}"/>
                 </a:ext>
                 <a:ext uri="{C183D7F6-B498-43B3-948B-1728B52AA6E4}">
-                  <adec:decorative xmlns:adec="http://schemas.microsoft.com/office/drawing/2017/decorative" xmlns="" val="1"/>
+                  <adec:decorative xmlns="" xmlns:adec="http://schemas.microsoft.com/office/drawing/2017/decorative" val="1"/>
                 </a:ext>
               </a:extLst>
             </p:cNvPr>
@@ -26907,7 +26894,7 @@
                   <a16:creationId xmlns:a16="http://schemas.microsoft.com/office/drawing/2014/main" id="{96B721A4-876F-43D1-B231-585A55B38F59}"/>
                 </a:ext>
                 <a:ext uri="{C183D7F6-B498-43B3-948B-1728B52AA6E4}">
-                  <adec:decorative xmlns:adec="http://schemas.microsoft.com/office/drawing/2017/decorative" xmlns="" val="1"/>
+                  <adec:decorative xmlns="" xmlns:adec="http://schemas.microsoft.com/office/drawing/2017/decorative" val="1"/>
                 </a:ext>
               </a:extLst>
             </p:cNvPr>
@@ -26969,7 +26956,7 @@
                   <a16:creationId xmlns:a16="http://schemas.microsoft.com/office/drawing/2014/main" id="{3D9AB238-BB7F-4D15-83B0-BD6CA92CC7FA}"/>
                 </a:ext>
                 <a:ext uri="{C183D7F6-B498-43B3-948B-1728B52AA6E4}">
-                  <adec:decorative xmlns:adec="http://schemas.microsoft.com/office/drawing/2017/decorative" xmlns="" val="1"/>
+                  <adec:decorative xmlns="" xmlns:adec="http://schemas.microsoft.com/office/drawing/2017/decorative" val="1"/>
                 </a:ext>
               </a:extLst>
             </p:cNvPr>
@@ -27046,7 +27033,7 @@
                   <a16:creationId xmlns:a16="http://schemas.microsoft.com/office/drawing/2014/main" id="{85F91E03-6B79-4561-AADA-9D9EE5194981}"/>
                 </a:ext>
                 <a:ext uri="{C183D7F6-B498-43B3-948B-1728B52AA6E4}">
-                  <adec:decorative xmlns:adec="http://schemas.microsoft.com/office/drawing/2017/decorative" xmlns="" val="1"/>
+                  <adec:decorative xmlns="" xmlns:adec="http://schemas.microsoft.com/office/drawing/2017/decorative" val="1"/>
                 </a:ext>
               </a:extLst>
             </p:cNvPr>
@@ -27168,7 +27155,7 @@
                   <a16:creationId xmlns:a16="http://schemas.microsoft.com/office/drawing/2014/main" id="{A2B05A7B-02BB-4384-AB3F-6300769C06E9}"/>
                 </a:ext>
                 <a:ext uri="{C183D7F6-B498-43B3-948B-1728B52AA6E4}">
-                  <adec:decorative xmlns:adec="http://schemas.microsoft.com/office/drawing/2017/decorative" xmlns="" val="1"/>
+                  <adec:decorative xmlns="" xmlns:adec="http://schemas.microsoft.com/office/drawing/2017/decorative" val="1"/>
                 </a:ext>
               </a:extLst>
             </p:cNvPr>
@@ -27230,7 +27217,7 @@
                   <a16:creationId xmlns:a16="http://schemas.microsoft.com/office/drawing/2014/main" id="{10C0CEA7-547A-4AB3-99B0-971B1E98AB9B}"/>
                 </a:ext>
                 <a:ext uri="{C183D7F6-B498-43B3-948B-1728B52AA6E4}">
-                  <adec:decorative xmlns:adec="http://schemas.microsoft.com/office/drawing/2017/decorative" xmlns="" val="1"/>
+                  <adec:decorative xmlns="" xmlns:adec="http://schemas.microsoft.com/office/drawing/2017/decorative" val="1"/>
                 </a:ext>
               </a:extLst>
             </p:cNvPr>
@@ -27312,7 +27299,7 @@
                   <a16:creationId xmlns:a16="http://schemas.microsoft.com/office/drawing/2014/main" id="{643A7C23-A309-4BDC-AC90-7E150B0A7A48}"/>
                 </a:ext>
                 <a:ext uri="{C183D7F6-B498-43B3-948B-1728B52AA6E4}">
-                  <adec:decorative xmlns:adec="http://schemas.microsoft.com/office/drawing/2017/decorative" xmlns="" val="1"/>
+                  <adec:decorative xmlns="" xmlns:adec="http://schemas.microsoft.com/office/drawing/2017/decorative" val="1"/>
                 </a:ext>
               </a:extLst>
             </p:cNvPr>
@@ -27389,7 +27376,7 @@
                   <a16:creationId xmlns:a16="http://schemas.microsoft.com/office/drawing/2014/main" id="{CDFCEA60-6323-4E47-A467-83E3D32C0B99}"/>
                 </a:ext>
                 <a:ext uri="{C183D7F6-B498-43B3-948B-1728B52AA6E4}">
-                  <adec:decorative xmlns:adec="http://schemas.microsoft.com/office/drawing/2017/decorative" xmlns="" val="1"/>
+                  <adec:decorative xmlns="" xmlns:adec="http://schemas.microsoft.com/office/drawing/2017/decorative" val="1"/>
                 </a:ext>
               </a:extLst>
             </p:cNvPr>
@@ -27472,7 +27459,7 @@
                 <a16:creationId xmlns:a16="http://schemas.microsoft.com/office/drawing/2014/main" id="{42D62A3B-08B7-4F45-B0BC-A23B2CC9C304}"/>
               </a:ext>
               <a:ext uri="{C183D7F6-B498-43B3-948B-1728B52AA6E4}">
-                <adec:decorative xmlns:adec="http://schemas.microsoft.com/office/drawing/2017/decorative" xmlns="" val="1"/>
+                <adec:decorative xmlns="" xmlns:adec="http://schemas.microsoft.com/office/drawing/2017/decorative" val="1"/>
               </a:ext>
             </a:extLst>
           </p:cNvPr>
@@ -27526,7 +27513,7 @@
                 <a16:creationId xmlns:a16="http://schemas.microsoft.com/office/drawing/2014/main" id="{7527CAFC-17AC-48FE-AB33-811D38361FC7}"/>
               </a:ext>
               <a:ext uri="{C183D7F6-B498-43B3-948B-1728B52AA6E4}">
-                <adec:decorative xmlns:adec="http://schemas.microsoft.com/office/drawing/2017/decorative" xmlns="" val="1"/>
+                <adec:decorative xmlns="" xmlns:adec="http://schemas.microsoft.com/office/drawing/2017/decorative" val="1"/>
               </a:ext>
             </a:extLst>
           </p:cNvPr>
@@ -27693,7 +27680,7 @@
                 <a16:creationId xmlns:a16="http://schemas.microsoft.com/office/drawing/2014/main" id="{A9D17E3F-9160-4D16-8F1D-F8FE94E2A5DC}"/>
               </a:ext>
               <a:ext uri="{C183D7F6-B498-43B3-948B-1728B52AA6E4}">
-                <adec:decorative xmlns:adec="http://schemas.microsoft.com/office/drawing/2017/decorative" xmlns="" val="1"/>
+                <adec:decorative xmlns="" xmlns:adec="http://schemas.microsoft.com/office/drawing/2017/decorative" val="1"/>
               </a:ext>
             </a:extLst>
           </p:cNvPr>
@@ -27939,7 +27926,7 @@
                 <a16:creationId xmlns:a16="http://schemas.microsoft.com/office/drawing/2014/main" id="{93DBB853-C277-42C7-80D0-110A8842ED54}"/>
               </a:ext>
               <a:ext uri="{C183D7F6-B498-43B3-948B-1728B52AA6E4}">
-                <adec:decorative xmlns:adec="http://schemas.microsoft.com/office/drawing/2017/decorative" xmlns="" val="1"/>
+                <adec:decorative xmlns="" xmlns:adec="http://schemas.microsoft.com/office/drawing/2017/decorative" val="1"/>
               </a:ext>
             </a:extLst>
           </p:cNvPr>
@@ -27976,7 +27963,7 @@
                   <a16:creationId xmlns:a16="http://schemas.microsoft.com/office/drawing/2014/main" id="{8D2CA353-4AC3-432A-8704-A618563EECF3}"/>
                 </a:ext>
                 <a:ext uri="{C183D7F6-B498-43B3-948B-1728B52AA6E4}">
-                  <adec:decorative xmlns:adec="http://schemas.microsoft.com/office/drawing/2017/decorative" xmlns="" val="1"/>
+                  <adec:decorative xmlns="" xmlns:adec="http://schemas.microsoft.com/office/drawing/2017/decorative" val="1"/>
                 </a:ext>
               </a:extLst>
             </p:cNvPr>
@@ -28048,7 +28035,7 @@
                   <a16:creationId xmlns:a16="http://schemas.microsoft.com/office/drawing/2014/main" id="{71685CFF-C2D8-4119-9CDA-504914853759}"/>
                 </a:ext>
                 <a:ext uri="{C183D7F6-B498-43B3-948B-1728B52AA6E4}">
-                  <adec:decorative xmlns:adec="http://schemas.microsoft.com/office/drawing/2017/decorative" xmlns="" val="1"/>
+                  <adec:decorative xmlns="" xmlns:adec="http://schemas.microsoft.com/office/drawing/2017/decorative" val="1"/>
                 </a:ext>
               </a:extLst>
             </p:cNvPr>
@@ -28125,7 +28112,7 @@
                   <a16:creationId xmlns:a16="http://schemas.microsoft.com/office/drawing/2014/main" id="{119C20C9-05B5-4384-9F4E-B4B8FA299CD3}"/>
                 </a:ext>
                 <a:ext uri="{C183D7F6-B498-43B3-948B-1728B52AA6E4}">
-                  <adec:decorative xmlns:adec="http://schemas.microsoft.com/office/drawing/2017/decorative" xmlns="" val="1"/>
+                  <adec:decorative xmlns="" xmlns:adec="http://schemas.microsoft.com/office/drawing/2017/decorative" val="1"/>
                 </a:ext>
               </a:extLst>
             </p:cNvPr>
@@ -28207,7 +28194,7 @@
                   <a16:creationId xmlns:a16="http://schemas.microsoft.com/office/drawing/2014/main" id="{F78ACAA7-E69F-43D4-919F-59DCA6482DF0}"/>
                 </a:ext>
                 <a:ext uri="{C183D7F6-B498-43B3-948B-1728B52AA6E4}">
-                  <adec:decorative xmlns:adec="http://schemas.microsoft.com/office/drawing/2017/decorative" xmlns="" val="1"/>
+                  <adec:decorative xmlns="" xmlns:adec="http://schemas.microsoft.com/office/drawing/2017/decorative" val="1"/>
                 </a:ext>
               </a:extLst>
             </p:cNvPr>
@@ -28269,7 +28256,7 @@
                   <a16:creationId xmlns:a16="http://schemas.microsoft.com/office/drawing/2014/main" id="{96704AC3-E553-4428-AD42-796DD344ADA8}"/>
                 </a:ext>
                 <a:ext uri="{C183D7F6-B498-43B3-948B-1728B52AA6E4}">
-                  <adec:decorative xmlns:adec="http://schemas.microsoft.com/office/drawing/2017/decorative" xmlns="" val="1"/>
+                  <adec:decorative xmlns="" xmlns:adec="http://schemas.microsoft.com/office/drawing/2017/decorative" val="1"/>
                 </a:ext>
               </a:extLst>
             </p:cNvPr>
@@ -28366,7 +28353,7 @@
                   <a16:creationId xmlns:a16="http://schemas.microsoft.com/office/drawing/2014/main" id="{3144CE2D-2D9E-4E16-92AA-F685E45492E5}"/>
                 </a:ext>
                 <a:ext uri="{C183D7F6-B498-43B3-948B-1728B52AA6E4}">
-                  <adec:decorative xmlns:adec="http://schemas.microsoft.com/office/drawing/2017/decorative" xmlns="" val="1"/>
+                  <adec:decorative xmlns="" xmlns:adec="http://schemas.microsoft.com/office/drawing/2017/decorative" val="1"/>
                 </a:ext>
               </a:extLst>
             </p:cNvPr>
@@ -28458,7 +28445,7 @@
                   <a16:creationId xmlns:a16="http://schemas.microsoft.com/office/drawing/2014/main" id="{CD4C0C99-C139-4838-92A2-2C05514812EA}"/>
                 </a:ext>
                 <a:ext uri="{C183D7F6-B498-43B3-948B-1728B52AA6E4}">
-                  <adec:decorative xmlns:adec="http://schemas.microsoft.com/office/drawing/2017/decorative" xmlns="" val="1"/>
+                  <adec:decorative xmlns="" xmlns:adec="http://schemas.microsoft.com/office/drawing/2017/decorative" val="1"/>
                 </a:ext>
               </a:extLst>
             </p:cNvPr>
@@ -28530,7 +28517,7 @@
                   <a16:creationId xmlns:a16="http://schemas.microsoft.com/office/drawing/2014/main" id="{6D356AA9-ECE0-4E40-A277-44AC6EF76509}"/>
                 </a:ext>
                 <a:ext uri="{C183D7F6-B498-43B3-948B-1728B52AA6E4}">
-                  <adec:decorative xmlns:adec="http://schemas.microsoft.com/office/drawing/2017/decorative" xmlns="" val="1"/>
+                  <adec:decorative xmlns="" xmlns:adec="http://schemas.microsoft.com/office/drawing/2017/decorative" val="1"/>
                 </a:ext>
               </a:extLst>
             </p:cNvPr>
@@ -28622,7 +28609,7 @@
                   <a16:creationId xmlns:a16="http://schemas.microsoft.com/office/drawing/2014/main" id="{5A9C3CFE-942C-43DB-9652-8B2647552B4F}"/>
                 </a:ext>
                 <a:ext uri="{C183D7F6-B498-43B3-948B-1728B52AA6E4}">
-                  <adec:decorative xmlns:adec="http://schemas.microsoft.com/office/drawing/2017/decorative" xmlns="" val="1"/>
+                  <adec:decorative xmlns="" xmlns:adec="http://schemas.microsoft.com/office/drawing/2017/decorative" val="1"/>
                 </a:ext>
               </a:extLst>
             </p:cNvPr>
@@ -28749,7 +28736,7 @@
                   <a16:creationId xmlns:a16="http://schemas.microsoft.com/office/drawing/2014/main" id="{F3DDB2C0-7B2C-4BA5-8ECA-4632746722DE}"/>
                 </a:ext>
                 <a:ext uri="{C183D7F6-B498-43B3-948B-1728B52AA6E4}">
-                  <adec:decorative xmlns:adec="http://schemas.microsoft.com/office/drawing/2017/decorative" xmlns="" val="1"/>
+                  <adec:decorative xmlns="" xmlns:adec="http://schemas.microsoft.com/office/drawing/2017/decorative" val="1"/>
                 </a:ext>
               </a:extLst>
             </p:cNvPr>
@@ -28811,7 +28798,7 @@
                   <a16:creationId xmlns:a16="http://schemas.microsoft.com/office/drawing/2014/main" id="{CCB346B3-FD72-422B-9688-F54E77399A30}"/>
                 </a:ext>
                 <a:ext uri="{C183D7F6-B498-43B3-948B-1728B52AA6E4}">
-                  <adec:decorative xmlns:adec="http://schemas.microsoft.com/office/drawing/2017/decorative" xmlns="" val="1"/>
+                  <adec:decorative xmlns="" xmlns:adec="http://schemas.microsoft.com/office/drawing/2017/decorative" val="1"/>
                 </a:ext>
               </a:extLst>
             </p:cNvPr>
@@ -28883,7 +28870,7 @@
                   <a16:creationId xmlns:a16="http://schemas.microsoft.com/office/drawing/2014/main" id="{A5E738B1-537A-48F5-B99B-72BF4EA8B0AE}"/>
                 </a:ext>
                 <a:ext uri="{C183D7F6-B498-43B3-948B-1728B52AA6E4}">
-                  <adec:decorative xmlns:adec="http://schemas.microsoft.com/office/drawing/2017/decorative" xmlns="" val="1"/>
+                  <adec:decorative xmlns="" xmlns:adec="http://schemas.microsoft.com/office/drawing/2017/decorative" val="1"/>
                 </a:ext>
               </a:extLst>
             </p:cNvPr>
@@ -28966,7 +28953,7 @@
                 <a16:creationId xmlns:a16="http://schemas.microsoft.com/office/drawing/2014/main" id="{65CAAAF8-C872-447C-BCD0-F5CD3016C563}"/>
               </a:ext>
               <a:ext uri="{C183D7F6-B498-43B3-948B-1728B52AA6E4}">
-                <adec:decorative xmlns:adec="http://schemas.microsoft.com/office/drawing/2017/decorative" xmlns="" val="1"/>
+                <adec:decorative xmlns="" xmlns:adec="http://schemas.microsoft.com/office/drawing/2017/decorative" val="1"/>
               </a:ext>
             </a:extLst>
           </p:cNvPr>
@@ -29000,7 +28987,7 @@
                   <a16:creationId xmlns:a16="http://schemas.microsoft.com/office/drawing/2014/main" id="{3CD192F9-4898-4362-B1A2-3DDAA54614A9}"/>
                 </a:ext>
                 <a:ext uri="{C183D7F6-B498-43B3-948B-1728B52AA6E4}">
-                  <adec:decorative xmlns:adec="http://schemas.microsoft.com/office/drawing/2017/decorative" xmlns="" val="1"/>
+                  <adec:decorative xmlns="" xmlns:adec="http://schemas.microsoft.com/office/drawing/2017/decorative" val="1"/>
                 </a:ext>
               </a:extLst>
             </p:cNvPr>
@@ -29117,7 +29104,7 @@
                   <a16:creationId xmlns:a16="http://schemas.microsoft.com/office/drawing/2014/main" id="{25658BAB-0A60-4CAE-B735-5297A284A9EB}"/>
                 </a:ext>
                 <a:ext uri="{C183D7F6-B498-43B3-948B-1728B52AA6E4}">
-                  <adec:decorative xmlns:adec="http://schemas.microsoft.com/office/drawing/2017/decorative" xmlns="" val="1"/>
+                  <adec:decorative xmlns="" xmlns:adec="http://schemas.microsoft.com/office/drawing/2017/decorative" val="1"/>
                 </a:ext>
               </a:extLst>
             </p:cNvPr>
@@ -29199,7 +29186,7 @@
                   <a16:creationId xmlns:a16="http://schemas.microsoft.com/office/drawing/2014/main" id="{B176DB7C-2C45-4E08-956B-5D2E339C7556}"/>
                 </a:ext>
                 <a:ext uri="{C183D7F6-B498-43B3-948B-1728B52AA6E4}">
-                  <adec:decorative xmlns:adec="http://schemas.microsoft.com/office/drawing/2017/decorative" xmlns="" val="1"/>
+                  <adec:decorative xmlns="" xmlns:adec="http://schemas.microsoft.com/office/drawing/2017/decorative" val="1"/>
                 </a:ext>
               </a:extLst>
             </p:cNvPr>
@@ -29281,7 +29268,7 @@
                   <a16:creationId xmlns:a16="http://schemas.microsoft.com/office/drawing/2014/main" id="{671B014E-7E67-4978-A9AB-7C6E2F99FDA0}"/>
                 </a:ext>
                 <a:ext uri="{C183D7F6-B498-43B3-948B-1728B52AA6E4}">
-                  <adec:decorative xmlns:adec="http://schemas.microsoft.com/office/drawing/2017/decorative" xmlns="" val="1"/>
+                  <adec:decorative xmlns="" xmlns:adec="http://schemas.microsoft.com/office/drawing/2017/decorative" val="1"/>
                 </a:ext>
               </a:extLst>
             </p:cNvPr>
@@ -29378,7 +29365,7 @@
                   <a16:creationId xmlns:a16="http://schemas.microsoft.com/office/drawing/2014/main" id="{193156F8-3B15-4064-8C4B-F21ED4F376AB}"/>
                 </a:ext>
                 <a:ext uri="{C183D7F6-B498-43B3-948B-1728B52AA6E4}">
-                  <adec:decorative xmlns:adec="http://schemas.microsoft.com/office/drawing/2017/decorative" xmlns="" val="1"/>
+                  <adec:decorative xmlns="" xmlns:adec="http://schemas.microsoft.com/office/drawing/2017/decorative" val="1"/>
                 </a:ext>
               </a:extLst>
             </p:cNvPr>
@@ -29485,7 +29472,7 @@
                   <a16:creationId xmlns:a16="http://schemas.microsoft.com/office/drawing/2014/main" id="{96B721A4-876F-43D1-B231-585A55B38F59}"/>
                 </a:ext>
                 <a:ext uri="{C183D7F6-B498-43B3-948B-1728B52AA6E4}">
-                  <adec:decorative xmlns:adec="http://schemas.microsoft.com/office/drawing/2017/decorative" xmlns="" val="1"/>
+                  <adec:decorative xmlns="" xmlns:adec="http://schemas.microsoft.com/office/drawing/2017/decorative" val="1"/>
                 </a:ext>
               </a:extLst>
             </p:cNvPr>
@@ -29547,7 +29534,7 @@
                   <a16:creationId xmlns:a16="http://schemas.microsoft.com/office/drawing/2014/main" id="{3D9AB238-BB7F-4D15-83B0-BD6CA92CC7FA}"/>
                 </a:ext>
                 <a:ext uri="{C183D7F6-B498-43B3-948B-1728B52AA6E4}">
-                  <adec:decorative xmlns:adec="http://schemas.microsoft.com/office/drawing/2017/decorative" xmlns="" val="1"/>
+                  <adec:decorative xmlns="" xmlns:adec="http://schemas.microsoft.com/office/drawing/2017/decorative" val="1"/>
                 </a:ext>
               </a:extLst>
             </p:cNvPr>
@@ -29624,7 +29611,7 @@
                   <a16:creationId xmlns:a16="http://schemas.microsoft.com/office/drawing/2014/main" id="{85F91E03-6B79-4561-AADA-9D9EE5194981}"/>
                 </a:ext>
                 <a:ext uri="{C183D7F6-B498-43B3-948B-1728B52AA6E4}">
-                  <adec:decorative xmlns:adec="http://schemas.microsoft.com/office/drawing/2017/decorative" xmlns="" val="1"/>
+                  <adec:decorative xmlns="" xmlns:adec="http://schemas.microsoft.com/office/drawing/2017/decorative" val="1"/>
                 </a:ext>
               </a:extLst>
             </p:cNvPr>
@@ -29746,7 +29733,7 @@
                   <a16:creationId xmlns:a16="http://schemas.microsoft.com/office/drawing/2014/main" id="{A2B05A7B-02BB-4384-AB3F-6300769C06E9}"/>
                 </a:ext>
                 <a:ext uri="{C183D7F6-B498-43B3-948B-1728B52AA6E4}">
-                  <adec:decorative xmlns:adec="http://schemas.microsoft.com/office/drawing/2017/decorative" xmlns="" val="1"/>
+                  <adec:decorative xmlns="" xmlns:adec="http://schemas.microsoft.com/office/drawing/2017/decorative" val="1"/>
                 </a:ext>
               </a:extLst>
             </p:cNvPr>
@@ -29808,7 +29795,7 @@
                   <a16:creationId xmlns:a16="http://schemas.microsoft.com/office/drawing/2014/main" id="{10C0CEA7-547A-4AB3-99B0-971B1E98AB9B}"/>
                 </a:ext>
                 <a:ext uri="{C183D7F6-B498-43B3-948B-1728B52AA6E4}">
-                  <adec:decorative xmlns:adec="http://schemas.microsoft.com/office/drawing/2017/decorative" xmlns="" val="1"/>
+                  <adec:decorative xmlns="" xmlns:adec="http://schemas.microsoft.com/office/drawing/2017/decorative" val="1"/>
                 </a:ext>
               </a:extLst>
             </p:cNvPr>
@@ -29890,7 +29877,7 @@
                   <a16:creationId xmlns:a16="http://schemas.microsoft.com/office/drawing/2014/main" id="{643A7C23-A309-4BDC-AC90-7E150B0A7A48}"/>
                 </a:ext>
                 <a:ext uri="{C183D7F6-B498-43B3-948B-1728B52AA6E4}">
-                  <adec:decorative xmlns:adec="http://schemas.microsoft.com/office/drawing/2017/decorative" xmlns="" val="1"/>
+                  <adec:decorative xmlns="" xmlns:adec="http://schemas.microsoft.com/office/drawing/2017/decorative" val="1"/>
                 </a:ext>
               </a:extLst>
             </p:cNvPr>
@@ -29967,7 +29954,7 @@
                   <a16:creationId xmlns:a16="http://schemas.microsoft.com/office/drawing/2014/main" id="{CDFCEA60-6323-4E47-A467-83E3D32C0B99}"/>
                 </a:ext>
                 <a:ext uri="{C183D7F6-B498-43B3-948B-1728B52AA6E4}">
-                  <adec:decorative xmlns:adec="http://schemas.microsoft.com/office/drawing/2017/decorative" xmlns="" val="1"/>
+                  <adec:decorative xmlns="" xmlns:adec="http://schemas.microsoft.com/office/drawing/2017/decorative" val="1"/>
                 </a:ext>
               </a:extLst>
             </p:cNvPr>
@@ -30050,7 +30037,7 @@
                 <a16:creationId xmlns:a16="http://schemas.microsoft.com/office/drawing/2014/main" id="{42D62A3B-08B7-4F45-B0BC-A23B2CC9C304}"/>
               </a:ext>
               <a:ext uri="{C183D7F6-B498-43B3-948B-1728B52AA6E4}">
-                <adec:decorative xmlns:adec="http://schemas.microsoft.com/office/drawing/2017/decorative" xmlns="" val="1"/>
+                <adec:decorative xmlns="" xmlns:adec="http://schemas.microsoft.com/office/drawing/2017/decorative" val="1"/>
               </a:ext>
             </a:extLst>
           </p:cNvPr>
@@ -30104,7 +30091,7 @@
                 <a16:creationId xmlns:a16="http://schemas.microsoft.com/office/drawing/2014/main" id="{7527CAFC-17AC-48FE-AB33-811D38361FC7}"/>
               </a:ext>
               <a:ext uri="{C183D7F6-B498-43B3-948B-1728B52AA6E4}">
-                <adec:decorative xmlns:adec="http://schemas.microsoft.com/office/drawing/2017/decorative" xmlns="" val="1"/>
+                <adec:decorative xmlns="" xmlns:adec="http://schemas.microsoft.com/office/drawing/2017/decorative" val="1"/>
               </a:ext>
             </a:extLst>
           </p:cNvPr>
@@ -30217,8 +30204,8 @@
         </p:blipFill>
         <p:spPr>
           <a:xfrm>
-            <a:off x="283511" y="1237950"/>
-            <a:ext cx="5310079" cy="3522060"/>
+            <a:off x="1838140" y="1262678"/>
+            <a:ext cx="8195471" cy="5435878"/>
           </a:xfrm>
           <a:prstGeom prst="rect">
             <a:avLst/>
@@ -30271,7 +30258,7 @@
                 <a16:creationId xmlns:a16="http://schemas.microsoft.com/office/drawing/2014/main" id="{A9D17E3F-9160-4D16-8F1D-F8FE94E2A5DC}"/>
               </a:ext>
               <a:ext uri="{C183D7F6-B498-43B3-948B-1728B52AA6E4}">
-                <adec:decorative xmlns:adec="http://schemas.microsoft.com/office/drawing/2017/decorative" xmlns="" val="1"/>
+                <adec:decorative xmlns="" xmlns:adec="http://schemas.microsoft.com/office/drawing/2017/decorative" val="1"/>
               </a:ext>
             </a:extLst>
           </p:cNvPr>
@@ -30496,15 +30483,7 @@
             <a:pPr algn="ctr"/>
             <a:r>
               <a:rPr lang="fr-FR" dirty="0"/>
-              <a:t>Diagramme de séquence : </a:t>
-            </a:r>
-            <a:r>
-              <a:rPr lang="fr-FR" dirty="0"/>
-              <a:t>Création d’un article</a:t>
-            </a:r>
-            <a:r>
-              <a:rPr lang="fr-FR" dirty="0"/>
-              <a:t/>
+              <a:t>Diagramme de séquence : Création d’un article</a:t>
             </a:r>
             <a:br>
               <a:rPr lang="fr-FR" dirty="0"/>
@@ -30521,7 +30500,7 @@
                 <a16:creationId xmlns:a16="http://schemas.microsoft.com/office/drawing/2014/main" id="{93DBB853-C277-42C7-80D0-110A8842ED54}"/>
               </a:ext>
               <a:ext uri="{C183D7F6-B498-43B3-948B-1728B52AA6E4}">
-                <adec:decorative xmlns:adec="http://schemas.microsoft.com/office/drawing/2017/decorative" xmlns="" val="1"/>
+                <adec:decorative xmlns="" xmlns:adec="http://schemas.microsoft.com/office/drawing/2017/decorative" val="1"/>
               </a:ext>
             </a:extLst>
           </p:cNvPr>
@@ -30558,7 +30537,7 @@
                   <a16:creationId xmlns:a16="http://schemas.microsoft.com/office/drawing/2014/main" id="{8D2CA353-4AC3-432A-8704-A618563EECF3}"/>
                 </a:ext>
                 <a:ext uri="{C183D7F6-B498-43B3-948B-1728B52AA6E4}">
-                  <adec:decorative xmlns:adec="http://schemas.microsoft.com/office/drawing/2017/decorative" xmlns="" val="1"/>
+                  <adec:decorative xmlns="" xmlns:adec="http://schemas.microsoft.com/office/drawing/2017/decorative" val="1"/>
                 </a:ext>
               </a:extLst>
             </p:cNvPr>
@@ -30630,7 +30609,7 @@
                   <a16:creationId xmlns:a16="http://schemas.microsoft.com/office/drawing/2014/main" id="{71685CFF-C2D8-4119-9CDA-504914853759}"/>
                 </a:ext>
                 <a:ext uri="{C183D7F6-B498-43B3-948B-1728B52AA6E4}">
-                  <adec:decorative xmlns:adec="http://schemas.microsoft.com/office/drawing/2017/decorative" xmlns="" val="1"/>
+                  <adec:decorative xmlns="" xmlns:adec="http://schemas.microsoft.com/office/drawing/2017/decorative" val="1"/>
                 </a:ext>
               </a:extLst>
             </p:cNvPr>
@@ -30707,7 +30686,7 @@
                   <a16:creationId xmlns:a16="http://schemas.microsoft.com/office/drawing/2014/main" id="{119C20C9-05B5-4384-9F4E-B4B8FA299CD3}"/>
                 </a:ext>
                 <a:ext uri="{C183D7F6-B498-43B3-948B-1728B52AA6E4}">
-                  <adec:decorative xmlns:adec="http://schemas.microsoft.com/office/drawing/2017/decorative" xmlns="" val="1"/>
+                  <adec:decorative xmlns="" xmlns:adec="http://schemas.microsoft.com/office/drawing/2017/decorative" val="1"/>
                 </a:ext>
               </a:extLst>
             </p:cNvPr>
@@ -30789,7 +30768,7 @@
                   <a16:creationId xmlns:a16="http://schemas.microsoft.com/office/drawing/2014/main" id="{F78ACAA7-E69F-43D4-919F-59DCA6482DF0}"/>
                 </a:ext>
                 <a:ext uri="{C183D7F6-B498-43B3-948B-1728B52AA6E4}">
-                  <adec:decorative xmlns:adec="http://schemas.microsoft.com/office/drawing/2017/decorative" xmlns="" val="1"/>
+                  <adec:decorative xmlns="" xmlns:adec="http://schemas.microsoft.com/office/drawing/2017/decorative" val="1"/>
                 </a:ext>
               </a:extLst>
             </p:cNvPr>
@@ -30851,7 +30830,7 @@
                   <a16:creationId xmlns:a16="http://schemas.microsoft.com/office/drawing/2014/main" id="{96704AC3-E553-4428-AD42-796DD344ADA8}"/>
                 </a:ext>
                 <a:ext uri="{C183D7F6-B498-43B3-948B-1728B52AA6E4}">
-                  <adec:decorative xmlns:adec="http://schemas.microsoft.com/office/drawing/2017/decorative" xmlns="" val="1"/>
+                  <adec:decorative xmlns="" xmlns:adec="http://schemas.microsoft.com/office/drawing/2017/decorative" val="1"/>
                 </a:ext>
               </a:extLst>
             </p:cNvPr>
@@ -30948,7 +30927,7 @@
                   <a16:creationId xmlns:a16="http://schemas.microsoft.com/office/drawing/2014/main" id="{3144CE2D-2D9E-4E16-92AA-F685E45492E5}"/>
                 </a:ext>
                 <a:ext uri="{C183D7F6-B498-43B3-948B-1728B52AA6E4}">
-                  <adec:decorative xmlns:adec="http://schemas.microsoft.com/office/drawing/2017/decorative" xmlns="" val="1"/>
+                  <adec:decorative xmlns="" xmlns:adec="http://schemas.microsoft.com/office/drawing/2017/decorative" val="1"/>
                 </a:ext>
               </a:extLst>
             </p:cNvPr>
@@ -31040,7 +31019,7 @@
                   <a16:creationId xmlns:a16="http://schemas.microsoft.com/office/drawing/2014/main" id="{CD4C0C99-C139-4838-92A2-2C05514812EA}"/>
                 </a:ext>
                 <a:ext uri="{C183D7F6-B498-43B3-948B-1728B52AA6E4}">
-                  <adec:decorative xmlns:adec="http://schemas.microsoft.com/office/drawing/2017/decorative" xmlns="" val="1"/>
+                  <adec:decorative xmlns="" xmlns:adec="http://schemas.microsoft.com/office/drawing/2017/decorative" val="1"/>
                 </a:ext>
               </a:extLst>
             </p:cNvPr>
@@ -31112,7 +31091,7 @@
                   <a16:creationId xmlns:a16="http://schemas.microsoft.com/office/drawing/2014/main" id="{6D356AA9-ECE0-4E40-A277-44AC6EF76509}"/>
                 </a:ext>
                 <a:ext uri="{C183D7F6-B498-43B3-948B-1728B52AA6E4}">
-                  <adec:decorative xmlns:adec="http://schemas.microsoft.com/office/drawing/2017/decorative" xmlns="" val="1"/>
+                  <adec:decorative xmlns="" xmlns:adec="http://schemas.microsoft.com/office/drawing/2017/decorative" val="1"/>
                 </a:ext>
               </a:extLst>
             </p:cNvPr>
@@ -31204,7 +31183,7 @@
                   <a16:creationId xmlns:a16="http://schemas.microsoft.com/office/drawing/2014/main" id="{5A9C3CFE-942C-43DB-9652-8B2647552B4F}"/>
                 </a:ext>
                 <a:ext uri="{C183D7F6-B498-43B3-948B-1728B52AA6E4}">
-                  <adec:decorative xmlns:adec="http://schemas.microsoft.com/office/drawing/2017/decorative" xmlns="" val="1"/>
+                  <adec:decorative xmlns="" xmlns:adec="http://schemas.microsoft.com/office/drawing/2017/decorative" val="1"/>
                 </a:ext>
               </a:extLst>
             </p:cNvPr>
@@ -31331,7 +31310,7 @@
                   <a16:creationId xmlns:a16="http://schemas.microsoft.com/office/drawing/2014/main" id="{F3DDB2C0-7B2C-4BA5-8ECA-4632746722DE}"/>
                 </a:ext>
                 <a:ext uri="{C183D7F6-B498-43B3-948B-1728B52AA6E4}">
-                  <adec:decorative xmlns:adec="http://schemas.microsoft.com/office/drawing/2017/decorative" xmlns="" val="1"/>
+                  <adec:decorative xmlns="" xmlns:adec="http://schemas.microsoft.com/office/drawing/2017/decorative" val="1"/>
                 </a:ext>
               </a:extLst>
             </p:cNvPr>
@@ -31393,7 +31372,7 @@
                   <a16:creationId xmlns:a16="http://schemas.microsoft.com/office/drawing/2014/main" id="{CCB346B3-FD72-422B-9688-F54E77399A30}"/>
                 </a:ext>
                 <a:ext uri="{C183D7F6-B498-43B3-948B-1728B52AA6E4}">
-                  <adec:decorative xmlns:adec="http://schemas.microsoft.com/office/drawing/2017/decorative" xmlns="" val="1"/>
+                  <adec:decorative xmlns="" xmlns:adec="http://schemas.microsoft.com/office/drawing/2017/decorative" val="1"/>
                 </a:ext>
               </a:extLst>
             </p:cNvPr>
@@ -31465,7 +31444,7 @@
                   <a16:creationId xmlns:a16="http://schemas.microsoft.com/office/drawing/2014/main" id="{A5E738B1-537A-48F5-B99B-72BF4EA8B0AE}"/>
                 </a:ext>
                 <a:ext uri="{C183D7F6-B498-43B3-948B-1728B52AA6E4}">
-                  <adec:decorative xmlns:adec="http://schemas.microsoft.com/office/drawing/2017/decorative" xmlns="" val="1"/>
+                  <adec:decorative xmlns="" xmlns:adec="http://schemas.microsoft.com/office/drawing/2017/decorative" val="1"/>
                 </a:ext>
               </a:extLst>
             </p:cNvPr>
@@ -31548,7 +31527,7 @@
                 <a16:creationId xmlns:a16="http://schemas.microsoft.com/office/drawing/2014/main" id="{65CAAAF8-C872-447C-BCD0-F5CD3016C563}"/>
               </a:ext>
               <a:ext uri="{C183D7F6-B498-43B3-948B-1728B52AA6E4}">
-                <adec:decorative xmlns:adec="http://schemas.microsoft.com/office/drawing/2017/decorative" xmlns="" val="1"/>
+                <adec:decorative xmlns="" xmlns:adec="http://schemas.microsoft.com/office/drawing/2017/decorative" val="1"/>
               </a:ext>
             </a:extLst>
           </p:cNvPr>
@@ -31582,7 +31561,7 @@
                   <a16:creationId xmlns:a16="http://schemas.microsoft.com/office/drawing/2014/main" id="{3CD192F9-4898-4362-B1A2-3DDAA54614A9}"/>
                 </a:ext>
                 <a:ext uri="{C183D7F6-B498-43B3-948B-1728B52AA6E4}">
-                  <adec:decorative xmlns:adec="http://schemas.microsoft.com/office/drawing/2017/decorative" xmlns="" val="1"/>
+                  <adec:decorative xmlns="" xmlns:adec="http://schemas.microsoft.com/office/drawing/2017/decorative" val="1"/>
                 </a:ext>
               </a:extLst>
             </p:cNvPr>
@@ -31699,7 +31678,7 @@
                   <a16:creationId xmlns:a16="http://schemas.microsoft.com/office/drawing/2014/main" id="{25658BAB-0A60-4CAE-B735-5297A284A9EB}"/>
                 </a:ext>
                 <a:ext uri="{C183D7F6-B498-43B3-948B-1728B52AA6E4}">
-                  <adec:decorative xmlns:adec="http://schemas.microsoft.com/office/drawing/2017/decorative" xmlns="" val="1"/>
+                  <adec:decorative xmlns="" xmlns:adec="http://schemas.microsoft.com/office/drawing/2017/decorative" val="1"/>
                 </a:ext>
               </a:extLst>
             </p:cNvPr>
@@ -31781,7 +31760,7 @@
                   <a16:creationId xmlns:a16="http://schemas.microsoft.com/office/drawing/2014/main" id="{B176DB7C-2C45-4E08-956B-5D2E339C7556}"/>
                 </a:ext>
                 <a:ext uri="{C183D7F6-B498-43B3-948B-1728B52AA6E4}">
-                  <adec:decorative xmlns:adec="http://schemas.microsoft.com/office/drawing/2017/decorative" xmlns="" val="1"/>
+                  <adec:decorative xmlns="" xmlns:adec="http://schemas.microsoft.com/office/drawing/2017/decorative" val="1"/>
                 </a:ext>
               </a:extLst>
             </p:cNvPr>
@@ -31863,7 +31842,7 @@
                   <a16:creationId xmlns:a16="http://schemas.microsoft.com/office/drawing/2014/main" id="{671B014E-7E67-4978-A9AB-7C6E2F99FDA0}"/>
                 </a:ext>
                 <a:ext uri="{C183D7F6-B498-43B3-948B-1728B52AA6E4}">
-                  <adec:decorative xmlns:adec="http://schemas.microsoft.com/office/drawing/2017/decorative" xmlns="" val="1"/>
+                  <adec:decorative xmlns="" xmlns:adec="http://schemas.microsoft.com/office/drawing/2017/decorative" val="1"/>
                 </a:ext>
               </a:extLst>
             </p:cNvPr>
@@ -31960,7 +31939,7 @@
                   <a16:creationId xmlns:a16="http://schemas.microsoft.com/office/drawing/2014/main" id="{193156F8-3B15-4064-8C4B-F21ED4F376AB}"/>
                 </a:ext>
                 <a:ext uri="{C183D7F6-B498-43B3-948B-1728B52AA6E4}">
-                  <adec:decorative xmlns:adec="http://schemas.microsoft.com/office/drawing/2017/decorative" xmlns="" val="1"/>
+                  <adec:decorative xmlns="" xmlns:adec="http://schemas.microsoft.com/office/drawing/2017/decorative" val="1"/>
                 </a:ext>
               </a:extLst>
             </p:cNvPr>
@@ -32067,7 +32046,7 @@
                   <a16:creationId xmlns:a16="http://schemas.microsoft.com/office/drawing/2014/main" id="{96B721A4-876F-43D1-B231-585A55B38F59}"/>
                 </a:ext>
                 <a:ext uri="{C183D7F6-B498-43B3-948B-1728B52AA6E4}">
-                  <adec:decorative xmlns:adec="http://schemas.microsoft.com/office/drawing/2017/decorative" xmlns="" val="1"/>
+                  <adec:decorative xmlns="" xmlns:adec="http://schemas.microsoft.com/office/drawing/2017/decorative" val="1"/>
                 </a:ext>
               </a:extLst>
             </p:cNvPr>
@@ -32129,7 +32108,7 @@
                   <a16:creationId xmlns:a16="http://schemas.microsoft.com/office/drawing/2014/main" id="{3D9AB238-BB7F-4D15-83B0-BD6CA92CC7FA}"/>
                 </a:ext>
                 <a:ext uri="{C183D7F6-B498-43B3-948B-1728B52AA6E4}">
-                  <adec:decorative xmlns:adec="http://schemas.microsoft.com/office/drawing/2017/decorative" xmlns="" val="1"/>
+                  <adec:decorative xmlns="" xmlns:adec="http://schemas.microsoft.com/office/drawing/2017/decorative" val="1"/>
                 </a:ext>
               </a:extLst>
             </p:cNvPr>
@@ -32206,7 +32185,7 @@
                   <a16:creationId xmlns:a16="http://schemas.microsoft.com/office/drawing/2014/main" id="{85F91E03-6B79-4561-AADA-9D9EE5194981}"/>
                 </a:ext>
                 <a:ext uri="{C183D7F6-B498-43B3-948B-1728B52AA6E4}">
-                  <adec:decorative xmlns:adec="http://schemas.microsoft.com/office/drawing/2017/decorative" xmlns="" val="1"/>
+                  <adec:decorative xmlns="" xmlns:adec="http://schemas.microsoft.com/office/drawing/2017/decorative" val="1"/>
                 </a:ext>
               </a:extLst>
             </p:cNvPr>
@@ -32328,7 +32307,7 @@
                   <a16:creationId xmlns:a16="http://schemas.microsoft.com/office/drawing/2014/main" id="{A2B05A7B-02BB-4384-AB3F-6300769C06E9}"/>
                 </a:ext>
                 <a:ext uri="{C183D7F6-B498-43B3-948B-1728B52AA6E4}">
-                  <adec:decorative xmlns:adec="http://schemas.microsoft.com/office/drawing/2017/decorative" xmlns="" val="1"/>
+                  <adec:decorative xmlns="" xmlns:adec="http://schemas.microsoft.com/office/drawing/2017/decorative" val="1"/>
                 </a:ext>
               </a:extLst>
             </p:cNvPr>
@@ -32390,7 +32369,7 @@
                   <a16:creationId xmlns:a16="http://schemas.microsoft.com/office/drawing/2014/main" id="{10C0CEA7-547A-4AB3-99B0-971B1E98AB9B}"/>
                 </a:ext>
                 <a:ext uri="{C183D7F6-B498-43B3-948B-1728B52AA6E4}">
-                  <adec:decorative xmlns:adec="http://schemas.microsoft.com/office/drawing/2017/decorative" xmlns="" val="1"/>
+                  <adec:decorative xmlns="" xmlns:adec="http://schemas.microsoft.com/office/drawing/2017/decorative" val="1"/>
                 </a:ext>
               </a:extLst>
             </p:cNvPr>
@@ -32472,7 +32451,7 @@
                   <a16:creationId xmlns:a16="http://schemas.microsoft.com/office/drawing/2014/main" id="{643A7C23-A309-4BDC-AC90-7E150B0A7A48}"/>
                 </a:ext>
                 <a:ext uri="{C183D7F6-B498-43B3-948B-1728B52AA6E4}">
-                  <adec:decorative xmlns:adec="http://schemas.microsoft.com/office/drawing/2017/decorative" xmlns="" val="1"/>
+                  <adec:decorative xmlns="" xmlns:adec="http://schemas.microsoft.com/office/drawing/2017/decorative" val="1"/>
                 </a:ext>
               </a:extLst>
             </p:cNvPr>
@@ -32549,7 +32528,7 @@
                   <a16:creationId xmlns:a16="http://schemas.microsoft.com/office/drawing/2014/main" id="{CDFCEA60-6323-4E47-A467-83E3D32C0B99}"/>
                 </a:ext>
                 <a:ext uri="{C183D7F6-B498-43B3-948B-1728B52AA6E4}">
-                  <adec:decorative xmlns:adec="http://schemas.microsoft.com/office/drawing/2017/decorative" xmlns="" val="1"/>
+                  <adec:decorative xmlns="" xmlns:adec="http://schemas.microsoft.com/office/drawing/2017/decorative" val="1"/>
                 </a:ext>
               </a:extLst>
             </p:cNvPr>
@@ -32632,7 +32611,7 @@
                 <a16:creationId xmlns:a16="http://schemas.microsoft.com/office/drawing/2014/main" id="{42D62A3B-08B7-4F45-B0BC-A23B2CC9C304}"/>
               </a:ext>
               <a:ext uri="{C183D7F6-B498-43B3-948B-1728B52AA6E4}">
-                <adec:decorative xmlns:adec="http://schemas.microsoft.com/office/drawing/2017/decorative" xmlns="" val="1"/>
+                <adec:decorative xmlns="" xmlns:adec="http://schemas.microsoft.com/office/drawing/2017/decorative" val="1"/>
               </a:ext>
             </a:extLst>
           </p:cNvPr>
@@ -32686,7 +32665,7 @@
                 <a16:creationId xmlns:a16="http://schemas.microsoft.com/office/drawing/2014/main" id="{7527CAFC-17AC-48FE-AB33-811D38361FC7}"/>
               </a:ext>
               <a:ext uri="{C183D7F6-B498-43B3-948B-1728B52AA6E4}">
-                <adec:decorative xmlns:adec="http://schemas.microsoft.com/office/drawing/2017/decorative" xmlns="" val="1"/>
+                <adec:decorative xmlns="" xmlns:adec="http://schemas.microsoft.com/office/drawing/2017/decorative" val="1"/>
               </a:ext>
             </a:extLst>
           </p:cNvPr>
@@ -32861,7 +32840,7 @@
                 <a16:creationId xmlns:a16="http://schemas.microsoft.com/office/drawing/2014/main" id="{93F2CC0B-D5F1-40B8-9CC6-4A36850B66FD}"/>
               </a:ext>
               <a:ext uri="{C183D7F6-B498-43B3-948B-1728B52AA6E4}">
-                <adec:decorative xmlns:adec="http://schemas.microsoft.com/office/drawing/2017/decorative" xmlns="" val="1"/>
+                <adec:decorative xmlns="" xmlns:adec="http://schemas.microsoft.com/office/drawing/2017/decorative" val="1"/>
               </a:ext>
             </a:extLst>
           </p:cNvPr>
@@ -33000,7 +32979,7 @@
                 <a16:creationId xmlns:a16="http://schemas.microsoft.com/office/drawing/2014/main" id="{631C6CE6-1810-44ED-A6D7-3FF53040AE20}"/>
               </a:ext>
               <a:ext uri="{C183D7F6-B498-43B3-948B-1728B52AA6E4}">
-                <adec:decorative xmlns:adec="http://schemas.microsoft.com/office/drawing/2017/decorative" xmlns="" val="1"/>
+                <adec:decorative xmlns="" xmlns:adec="http://schemas.microsoft.com/office/drawing/2017/decorative" val="1"/>
               </a:ext>
             </a:extLst>
           </p:cNvPr>
@@ -33037,7 +33016,7 @@
                   <a16:creationId xmlns:a16="http://schemas.microsoft.com/office/drawing/2014/main" id="{1F6D8BFE-D0D0-4BAE-9D5A-701DE7D3CEEF}"/>
                 </a:ext>
                 <a:ext uri="{C183D7F6-B498-43B3-948B-1728B52AA6E4}">
-                  <adec:decorative xmlns:adec="http://schemas.microsoft.com/office/drawing/2017/decorative" xmlns="" val="1"/>
+                  <adec:decorative xmlns="" xmlns:adec="http://schemas.microsoft.com/office/drawing/2017/decorative" val="1"/>
                 </a:ext>
               </a:extLst>
             </p:cNvPr>
@@ -33109,7 +33088,7 @@
                   <a16:creationId xmlns:a16="http://schemas.microsoft.com/office/drawing/2014/main" id="{53F86D30-CEDB-4D96-AF73-AA3CD5A437B8}"/>
                 </a:ext>
                 <a:ext uri="{C183D7F6-B498-43B3-948B-1728B52AA6E4}">
-                  <adec:decorative xmlns:adec="http://schemas.microsoft.com/office/drawing/2017/decorative" xmlns="" val="1"/>
+                  <adec:decorative xmlns="" xmlns:adec="http://schemas.microsoft.com/office/drawing/2017/decorative" val="1"/>
                 </a:ext>
               </a:extLst>
             </p:cNvPr>
@@ -33186,7 +33165,7 @@
                   <a16:creationId xmlns:a16="http://schemas.microsoft.com/office/drawing/2014/main" id="{F5187540-C4C8-410C-A395-69FCB1C86C26}"/>
                 </a:ext>
                 <a:ext uri="{C183D7F6-B498-43B3-948B-1728B52AA6E4}">
-                  <adec:decorative xmlns:adec="http://schemas.microsoft.com/office/drawing/2017/decorative" xmlns="" val="1"/>
+                  <adec:decorative xmlns="" xmlns:adec="http://schemas.microsoft.com/office/drawing/2017/decorative" val="1"/>
                 </a:ext>
               </a:extLst>
             </p:cNvPr>
@@ -33268,7 +33247,7 @@
                   <a16:creationId xmlns:a16="http://schemas.microsoft.com/office/drawing/2014/main" id="{75BD6E4A-797C-451B-B08F-D99C1A9D13F8}"/>
                 </a:ext>
                 <a:ext uri="{C183D7F6-B498-43B3-948B-1728B52AA6E4}">
-                  <adec:decorative xmlns:adec="http://schemas.microsoft.com/office/drawing/2017/decorative" xmlns="" val="1"/>
+                  <adec:decorative xmlns="" xmlns:adec="http://schemas.microsoft.com/office/drawing/2017/decorative" val="1"/>
                 </a:ext>
               </a:extLst>
             </p:cNvPr>
@@ -33330,7 +33309,7 @@
                   <a16:creationId xmlns:a16="http://schemas.microsoft.com/office/drawing/2014/main" id="{0D241082-BAFA-462E-827B-5814B020F5C2}"/>
                 </a:ext>
                 <a:ext uri="{C183D7F6-B498-43B3-948B-1728B52AA6E4}">
-                  <adec:decorative xmlns:adec="http://schemas.microsoft.com/office/drawing/2017/decorative" xmlns="" val="1"/>
+                  <adec:decorative xmlns="" xmlns:adec="http://schemas.microsoft.com/office/drawing/2017/decorative" val="1"/>
                 </a:ext>
               </a:extLst>
             </p:cNvPr>
@@ -33427,7 +33406,7 @@
                   <a16:creationId xmlns:a16="http://schemas.microsoft.com/office/drawing/2014/main" id="{2920CCBD-116D-450B-9608-99F05F7D78AE}"/>
                 </a:ext>
                 <a:ext uri="{C183D7F6-B498-43B3-948B-1728B52AA6E4}">
-                  <adec:decorative xmlns:adec="http://schemas.microsoft.com/office/drawing/2017/decorative" xmlns="" val="1"/>
+                  <adec:decorative xmlns="" xmlns:adec="http://schemas.microsoft.com/office/drawing/2017/decorative" val="1"/>
                 </a:ext>
               </a:extLst>
             </p:cNvPr>
@@ -33519,7 +33498,7 @@
                   <a16:creationId xmlns:a16="http://schemas.microsoft.com/office/drawing/2014/main" id="{A57CD3DE-CEAF-4BD4-A5EF-24B3E622BB59}"/>
                 </a:ext>
                 <a:ext uri="{C183D7F6-B498-43B3-948B-1728B52AA6E4}">
-                  <adec:decorative xmlns:adec="http://schemas.microsoft.com/office/drawing/2017/decorative" xmlns="" val="1"/>
+                  <adec:decorative xmlns="" xmlns:adec="http://schemas.microsoft.com/office/drawing/2017/decorative" val="1"/>
                 </a:ext>
               </a:extLst>
             </p:cNvPr>
@@ -33591,7 +33570,7 @@
                   <a16:creationId xmlns:a16="http://schemas.microsoft.com/office/drawing/2014/main" id="{4EC3258C-366B-4629-A7D3-5173D3637D84}"/>
                 </a:ext>
                 <a:ext uri="{C183D7F6-B498-43B3-948B-1728B52AA6E4}">
-                  <adec:decorative xmlns:adec="http://schemas.microsoft.com/office/drawing/2017/decorative" xmlns="" val="1"/>
+                  <adec:decorative xmlns="" xmlns:adec="http://schemas.microsoft.com/office/drawing/2017/decorative" val="1"/>
                 </a:ext>
               </a:extLst>
             </p:cNvPr>
@@ -33683,7 +33662,7 @@
                   <a16:creationId xmlns:a16="http://schemas.microsoft.com/office/drawing/2014/main" id="{D444D63A-CE2B-4ACD-BA0E-4ADECAD86F0A}"/>
                 </a:ext>
                 <a:ext uri="{C183D7F6-B498-43B3-948B-1728B52AA6E4}">
-                  <adec:decorative xmlns:adec="http://schemas.microsoft.com/office/drawing/2017/decorative" xmlns="" val="1"/>
+                  <adec:decorative xmlns="" xmlns:adec="http://schemas.microsoft.com/office/drawing/2017/decorative" val="1"/>
                 </a:ext>
               </a:extLst>
             </p:cNvPr>
@@ -33810,7 +33789,7 @@
                   <a16:creationId xmlns:a16="http://schemas.microsoft.com/office/drawing/2014/main" id="{7A504DF6-187A-4A54-96E8-3F3F28AAAA3B}"/>
                 </a:ext>
                 <a:ext uri="{C183D7F6-B498-43B3-948B-1728B52AA6E4}">
-                  <adec:decorative xmlns:adec="http://schemas.microsoft.com/office/drawing/2017/decorative" xmlns="" val="1"/>
+                  <adec:decorative xmlns="" xmlns:adec="http://schemas.microsoft.com/office/drawing/2017/decorative" val="1"/>
                 </a:ext>
               </a:extLst>
             </p:cNvPr>
@@ -33872,7 +33851,7 @@
                   <a16:creationId xmlns:a16="http://schemas.microsoft.com/office/drawing/2014/main" id="{FE04C6F5-6DC5-4C7E-9278-9BE624FC7829}"/>
                 </a:ext>
                 <a:ext uri="{C183D7F6-B498-43B3-948B-1728B52AA6E4}">
-                  <adec:decorative xmlns:adec="http://schemas.microsoft.com/office/drawing/2017/decorative" xmlns="" val="1"/>
+                  <adec:decorative xmlns="" xmlns:adec="http://schemas.microsoft.com/office/drawing/2017/decorative" val="1"/>
                 </a:ext>
               </a:extLst>
             </p:cNvPr>
@@ -33944,7 +33923,7 @@
                   <a16:creationId xmlns:a16="http://schemas.microsoft.com/office/drawing/2014/main" id="{94A02D9B-E6A9-4D6A-9D2A-D81C76802457}"/>
                 </a:ext>
                 <a:ext uri="{C183D7F6-B498-43B3-948B-1728B52AA6E4}">
-                  <adec:decorative xmlns:adec="http://schemas.microsoft.com/office/drawing/2017/decorative" xmlns="" val="1"/>
+                  <adec:decorative xmlns="" xmlns:adec="http://schemas.microsoft.com/office/drawing/2017/decorative" val="1"/>
                 </a:ext>
               </a:extLst>
             </p:cNvPr>
@@ -34027,7 +34006,7 @@
                 <a16:creationId xmlns:a16="http://schemas.microsoft.com/office/drawing/2014/main" id="{B78034A6-3565-46AA-9E73-1C954666ABB4}"/>
               </a:ext>
               <a:ext uri="{C183D7F6-B498-43B3-948B-1728B52AA6E4}">
-                <adec:decorative xmlns:adec="http://schemas.microsoft.com/office/drawing/2017/decorative" xmlns="" val="1"/>
+                <adec:decorative xmlns="" xmlns:adec="http://schemas.microsoft.com/office/drawing/2017/decorative" val="1"/>
               </a:ext>
             </a:extLst>
           </p:cNvPr>
@@ -34061,7 +34040,7 @@
                   <a16:creationId xmlns:a16="http://schemas.microsoft.com/office/drawing/2014/main" id="{04947AA2-A772-42CB-9CEC-065095D3DC79}"/>
                 </a:ext>
                 <a:ext uri="{C183D7F6-B498-43B3-948B-1728B52AA6E4}">
-                  <adec:decorative xmlns:adec="http://schemas.microsoft.com/office/drawing/2017/decorative" xmlns="" val="1"/>
+                  <adec:decorative xmlns="" xmlns:adec="http://schemas.microsoft.com/office/drawing/2017/decorative" val="1"/>
                 </a:ext>
               </a:extLst>
             </p:cNvPr>
@@ -34178,7 +34157,7 @@
                   <a16:creationId xmlns:a16="http://schemas.microsoft.com/office/drawing/2014/main" id="{83C52D84-DEC1-4E16-972E-8EEA5D52245F}"/>
                 </a:ext>
                 <a:ext uri="{C183D7F6-B498-43B3-948B-1728B52AA6E4}">
-                  <adec:decorative xmlns:adec="http://schemas.microsoft.com/office/drawing/2017/decorative" xmlns="" val="1"/>
+                  <adec:decorative xmlns="" xmlns:adec="http://schemas.microsoft.com/office/drawing/2017/decorative" val="1"/>
                 </a:ext>
               </a:extLst>
             </p:cNvPr>
@@ -34260,7 +34239,7 @@
                   <a16:creationId xmlns:a16="http://schemas.microsoft.com/office/drawing/2014/main" id="{2036A28D-EF09-41F7-906F-CF4053615AE0}"/>
                 </a:ext>
                 <a:ext uri="{C183D7F6-B498-43B3-948B-1728B52AA6E4}">
-                  <adec:decorative xmlns:adec="http://schemas.microsoft.com/office/drawing/2017/decorative" xmlns="" val="1"/>
+                  <adec:decorative xmlns="" xmlns:adec="http://schemas.microsoft.com/office/drawing/2017/decorative" val="1"/>
                 </a:ext>
               </a:extLst>
             </p:cNvPr>
@@ -34342,7 +34321,7 @@
                   <a16:creationId xmlns:a16="http://schemas.microsoft.com/office/drawing/2014/main" id="{EE8D92C7-C907-4120-95E3-80E3DC85BBA4}"/>
                 </a:ext>
                 <a:ext uri="{C183D7F6-B498-43B3-948B-1728B52AA6E4}">
-                  <adec:decorative xmlns:adec="http://schemas.microsoft.com/office/drawing/2017/decorative" xmlns="" val="1"/>
+                  <adec:decorative xmlns="" xmlns:adec="http://schemas.microsoft.com/office/drawing/2017/decorative" val="1"/>
                 </a:ext>
               </a:extLst>
             </p:cNvPr>
@@ -34439,7 +34418,7 @@
                   <a16:creationId xmlns:a16="http://schemas.microsoft.com/office/drawing/2014/main" id="{BBCEAAB8-CD22-41D7-B330-702682A27CEE}"/>
                 </a:ext>
                 <a:ext uri="{C183D7F6-B498-43B3-948B-1728B52AA6E4}">
-                  <adec:decorative xmlns:adec="http://schemas.microsoft.com/office/drawing/2017/decorative" xmlns="" val="1"/>
+                  <adec:decorative xmlns="" xmlns:adec="http://schemas.microsoft.com/office/drawing/2017/decorative" val="1"/>
                 </a:ext>
               </a:extLst>
             </p:cNvPr>
@@ -34546,7 +34525,7 @@
                   <a16:creationId xmlns:a16="http://schemas.microsoft.com/office/drawing/2014/main" id="{6BBC1FEE-3D72-492B-8D8A-BE1A55076F9D}"/>
                 </a:ext>
                 <a:ext uri="{C183D7F6-B498-43B3-948B-1728B52AA6E4}">
-                  <adec:decorative xmlns:adec="http://schemas.microsoft.com/office/drawing/2017/decorative" xmlns="" val="1"/>
+                  <adec:decorative xmlns="" xmlns:adec="http://schemas.microsoft.com/office/drawing/2017/decorative" val="1"/>
                 </a:ext>
               </a:extLst>
             </p:cNvPr>
@@ -34608,7 +34587,7 @@
                   <a16:creationId xmlns:a16="http://schemas.microsoft.com/office/drawing/2014/main" id="{C28C6E5C-C393-435C-96A1-AA2859BDCB82}"/>
                 </a:ext>
                 <a:ext uri="{C183D7F6-B498-43B3-948B-1728B52AA6E4}">
-                  <adec:decorative xmlns:adec="http://schemas.microsoft.com/office/drawing/2017/decorative" xmlns="" val="1"/>
+                  <adec:decorative xmlns="" xmlns:adec="http://schemas.microsoft.com/office/drawing/2017/decorative" val="1"/>
                 </a:ext>
               </a:extLst>
             </p:cNvPr>
@@ -34685,7 +34664,7 @@
                   <a16:creationId xmlns:a16="http://schemas.microsoft.com/office/drawing/2014/main" id="{2C2C991F-AC51-4DF5-B8DD-19B08C1CBF42}"/>
                 </a:ext>
                 <a:ext uri="{C183D7F6-B498-43B3-948B-1728B52AA6E4}">
-                  <adec:decorative xmlns:adec="http://schemas.microsoft.com/office/drawing/2017/decorative" xmlns="" val="1"/>
+                  <adec:decorative xmlns="" xmlns:adec="http://schemas.microsoft.com/office/drawing/2017/decorative" val="1"/>
                 </a:ext>
               </a:extLst>
             </p:cNvPr>
@@ -34807,7 +34786,7 @@
                   <a16:creationId xmlns:a16="http://schemas.microsoft.com/office/drawing/2014/main" id="{9C916B5F-285D-4F5A-9085-6781753AFB3E}"/>
                 </a:ext>
                 <a:ext uri="{C183D7F6-B498-43B3-948B-1728B52AA6E4}">
-                  <adec:decorative xmlns:adec="http://schemas.microsoft.com/office/drawing/2017/decorative" xmlns="" val="1"/>
+                  <adec:decorative xmlns="" xmlns:adec="http://schemas.microsoft.com/office/drawing/2017/decorative" val="1"/>
                 </a:ext>
               </a:extLst>
             </p:cNvPr>
@@ -34869,7 +34848,7 @@
                   <a16:creationId xmlns:a16="http://schemas.microsoft.com/office/drawing/2014/main" id="{0375DD5F-9D17-4873-B697-3D44A5EBEC75}"/>
                 </a:ext>
                 <a:ext uri="{C183D7F6-B498-43B3-948B-1728B52AA6E4}">
-                  <adec:decorative xmlns:adec="http://schemas.microsoft.com/office/drawing/2017/decorative" xmlns="" val="1"/>
+                  <adec:decorative xmlns="" xmlns:adec="http://schemas.microsoft.com/office/drawing/2017/decorative" val="1"/>
                 </a:ext>
               </a:extLst>
             </p:cNvPr>
@@ -34951,7 +34930,7 @@
                   <a16:creationId xmlns:a16="http://schemas.microsoft.com/office/drawing/2014/main" id="{A159BBC7-6A8B-4612-94A8-56323452C7B5}"/>
                 </a:ext>
                 <a:ext uri="{C183D7F6-B498-43B3-948B-1728B52AA6E4}">
-                  <adec:decorative xmlns:adec="http://schemas.microsoft.com/office/drawing/2017/decorative" xmlns="" val="1"/>
+                  <adec:decorative xmlns="" xmlns:adec="http://schemas.microsoft.com/office/drawing/2017/decorative" val="1"/>
                 </a:ext>
               </a:extLst>
             </p:cNvPr>
@@ -35028,7 +35007,7 @@
                   <a16:creationId xmlns:a16="http://schemas.microsoft.com/office/drawing/2014/main" id="{177C901C-F8DE-4C99-95C8-F8CA1B84F76F}"/>
                 </a:ext>
                 <a:ext uri="{C183D7F6-B498-43B3-948B-1728B52AA6E4}">
-                  <adec:decorative xmlns:adec="http://schemas.microsoft.com/office/drawing/2017/decorative" xmlns="" val="1"/>
+                  <adec:decorative xmlns="" xmlns:adec="http://schemas.microsoft.com/office/drawing/2017/decorative" val="1"/>
                 </a:ext>
               </a:extLst>
             </p:cNvPr>
@@ -35111,7 +35090,7 @@
                 <a16:creationId xmlns:a16="http://schemas.microsoft.com/office/drawing/2014/main" id="{D1D655F2-6D15-4265-ADEE-EF0075C13944}"/>
               </a:ext>
               <a:ext uri="{C183D7F6-B498-43B3-948B-1728B52AA6E4}">
-                <adec:decorative xmlns:adec="http://schemas.microsoft.com/office/drawing/2017/decorative" xmlns="" val="1"/>
+                <adec:decorative xmlns="" xmlns:adec="http://schemas.microsoft.com/office/drawing/2017/decorative" val="1"/>
               </a:ext>
             </a:extLst>
           </p:cNvPr>
@@ -35165,7 +35144,7 @@
                 <a16:creationId xmlns:a16="http://schemas.microsoft.com/office/drawing/2014/main" id="{3248A930-1A6E-4EFB-8213-D1AC735BE061}"/>
               </a:ext>
               <a:ext uri="{C183D7F6-B498-43B3-948B-1728B52AA6E4}">
-                <adec:decorative xmlns:adec="http://schemas.microsoft.com/office/drawing/2017/decorative" xmlns="" val="1"/>
+                <adec:decorative xmlns="" xmlns:adec="http://schemas.microsoft.com/office/drawing/2017/decorative" val="1"/>
               </a:ext>
             </a:extLst>
           </p:cNvPr>
@@ -36142,14 +36121,6 @@
 </file>
 
 <file path=customXml/item2.xml><?xml version="1.0" encoding="utf-8"?>
-<p:properties xmlns:p="http://schemas.microsoft.com/office/2006/metadata/properties" xmlns:xsi="http://www.w3.org/2001/XMLSchema-instance" xmlns:pc="http://schemas.microsoft.com/office/infopath/2007/PartnerControls">
-  <documentManagement>
-    <MediaServiceKeyPoints xmlns="71af3243-3dd4-4a8d-8c0d-dd76da1f02a5" xsi:nil="true"/>
-  </documentManagement>
-</p:properties>
-</file>
-
-<file path=customXml/item3.xml><?xml version="1.0" encoding="utf-8"?>
 <ct:contentTypeSchema xmlns:ct="http://schemas.microsoft.com/office/2006/metadata/contentType" xmlns:ma="http://schemas.microsoft.com/office/2006/metadata/properties/metaAttributes" ct:_="" ma:_="" ma:contentTypeName="Document" ma:contentTypeID="0x01010079F111ED35F8CC479449609E8A0923A6" ma:contentTypeVersion="11" ma:contentTypeDescription="Create a new document." ma:contentTypeScope="" ma:versionID="1c2eb7a32e66fb6e4260f3771546a5e2">
   <xsd:schema xmlns:xsd="http://www.w3.org/2001/XMLSchema" xmlns:xs="http://www.w3.org/2001/XMLSchema" xmlns:p="http://schemas.microsoft.com/office/2006/metadata/properties" xmlns:ns2="71af3243-3dd4-4a8d-8c0d-dd76da1f02a5" xmlns:ns3="16c05727-aa75-4e4a-9b5f-8a80a1165891" targetNamespace="http://schemas.microsoft.com/office/2006/metadata/properties" ma:root="true" ma:fieldsID="04e1f6479c48b08974ba73b5ca973489" ns2:_="" ns3:_="">
     <xsd:import namespace="71af3243-3dd4-4a8d-8c0d-dd76da1f02a5"/>
@@ -36360,6 +36331,14 @@
 </ct:contentTypeSchema>
 </file>
 
+<file path=customXml/item3.xml><?xml version="1.0" encoding="utf-8"?>
+<p:properties xmlns:p="http://schemas.microsoft.com/office/2006/metadata/properties" xmlns:xsi="http://www.w3.org/2001/XMLSchema-instance" xmlns:pc="http://schemas.microsoft.com/office/infopath/2007/PartnerControls">
+  <documentManagement>
+    <MediaServiceKeyPoints xmlns="71af3243-3dd4-4a8d-8c0d-dd76da1f02a5" xsi:nil="true"/>
+  </documentManagement>
+</p:properties>
+</file>
+
 <file path=customXml/itemProps1.xml><?xml version="1.0" encoding="utf-8"?>
 <ds:datastoreItem xmlns:ds="http://schemas.openxmlformats.org/officeDocument/2006/customXml" ds:itemID="{507C3E52-A0B1-49C0-88BD-66B715EE8BB7}">
   <ds:schemaRefs>
@@ -36369,23 +36348,6 @@
 </file>
 
 <file path=customXml/itemProps2.xml><?xml version="1.0" encoding="utf-8"?>
-<ds:datastoreItem xmlns:ds="http://schemas.openxmlformats.org/officeDocument/2006/customXml" ds:itemID="{CCB8F5F2-61AB-4CE6-A5E3-F34B87B0EE42}">
-  <ds:schemaRefs>
-    <ds:schemaRef ds:uri="16c05727-aa75-4e4a-9b5f-8a80a1165891"/>
-    <ds:schemaRef ds:uri="http://purl.org/dc/dcmitype/"/>
-    <ds:schemaRef ds:uri="http://schemas.microsoft.com/office/infopath/2007/PartnerControls"/>
-    <ds:schemaRef ds:uri="http://purl.org/dc/terms/"/>
-    <ds:schemaRef ds:uri="http://schemas.microsoft.com/office/2006/documentManagement/types"/>
-    <ds:schemaRef ds:uri="http://purl.org/dc/elements/1.1/"/>
-    <ds:schemaRef ds:uri="http://schemas.openxmlformats.org/package/2006/metadata/core-properties"/>
-    <ds:schemaRef ds:uri="71af3243-3dd4-4a8d-8c0d-dd76da1f02a5"/>
-    <ds:schemaRef ds:uri="http://schemas.microsoft.com/office/2006/metadata/properties"/>
-    <ds:schemaRef ds:uri="http://www.w3.org/XML/1998/namespace"/>
-  </ds:schemaRefs>
-</ds:datastoreItem>
-</file>
-
-<file path=customXml/itemProps3.xml><?xml version="1.0" encoding="utf-8"?>
 <ds:datastoreItem xmlns:ds="http://schemas.openxmlformats.org/officeDocument/2006/customXml" ds:itemID="{D575CB40-8686-4C48-810A-C2974D3D36AC}">
   <ds:schemaRefs>
     <ds:schemaRef ds:uri="http://schemas.microsoft.com/office/2006/metadata/contentType"/>
@@ -36402,4 +36364,21 @@
     <ds:schemaRef ds:uri="http://schemas.microsoft.com/internal/obd"/>
   </ds:schemaRefs>
 </ds:datastoreItem>
+</file>
+
+<file path=customXml/itemProps3.xml><?xml version="1.0" encoding="utf-8"?>
+<ds:datastoreItem xmlns:ds="http://schemas.openxmlformats.org/officeDocument/2006/customXml" ds:itemID="{CCB8F5F2-61AB-4CE6-A5E3-F34B87B0EE42}">
+  <ds:schemaRefs>
+    <ds:schemaRef ds:uri="16c05727-aa75-4e4a-9b5f-8a80a1165891"/>
+    <ds:schemaRef ds:uri="http://purl.org/dc/dcmitype/"/>
+    <ds:schemaRef ds:uri="http://schemas.microsoft.com/office/infopath/2007/PartnerControls"/>
+    <ds:schemaRef ds:uri="http://purl.org/dc/terms/"/>
+    <ds:schemaRef ds:uri="http://schemas.microsoft.com/office/2006/documentManagement/types"/>
+    <ds:schemaRef ds:uri="http://purl.org/dc/elements/1.1/"/>
+    <ds:schemaRef ds:uri="http://schemas.openxmlformats.org/package/2006/metadata/core-properties"/>
+    <ds:schemaRef ds:uri="71af3243-3dd4-4a8d-8c0d-dd76da1f02a5"/>
+    <ds:schemaRef ds:uri="http://schemas.microsoft.com/office/2006/metadata/properties"/>
+    <ds:schemaRef ds:uri="http://www.w3.org/XML/1998/namespace"/>
+  </ds:schemaRefs>
+</ds:datastoreItem>
 </file>
--- a/Diagrammes/PPT/BlogPro.pptx
+++ b/Diagrammes/PPT/BlogPro.pptx
@@ -5,10 +5,10 @@
     <p:sldMasterId id="2147483767" r:id="rId4"/>
   </p:sldMasterIdLst>
   <p:notesMasterIdLst>
-    <p:notesMasterId r:id="rId18"/>
+    <p:notesMasterId r:id="rId19"/>
   </p:notesMasterIdLst>
   <p:handoutMasterIdLst>
-    <p:handoutMasterId r:id="rId19"/>
+    <p:handoutMasterId r:id="rId20"/>
   </p:handoutMasterIdLst>
   <p:sldIdLst>
     <p:sldId id="268" r:id="rId5"/>
@@ -20,10 +20,11 @@
     <p:sldId id="275" r:id="rId11"/>
     <p:sldId id="278" r:id="rId12"/>
     <p:sldId id="267" r:id="rId13"/>
-    <p:sldId id="282" r:id="rId14"/>
-    <p:sldId id="279" r:id="rId15"/>
-    <p:sldId id="280" r:id="rId16"/>
-    <p:sldId id="281" r:id="rId17"/>
+    <p:sldId id="279" r:id="rId14"/>
+    <p:sldId id="280" r:id="rId15"/>
+    <p:sldId id="281" r:id="rId16"/>
+    <p:sldId id="283" r:id="rId17"/>
+    <p:sldId id="282" r:id="rId18"/>
   </p:sldIdLst>
   <p:sldSz cx="12192000" cy="6858000"/>
   <p:notesSz cx="6858000" cy="9144000"/>
@@ -3724,7 +3725,91 @@
           <a:p>
             <a:fld id="{319E0709-8032-4F3E-A041-680E7FBB13CC}" type="slidenum">
               <a:rPr lang="fr-FR" noProof="0" smtClean="0"/>
-              <a:t>10</a:t>
+              <a:t>13</a:t>
+            </a:fld>
+            <a:endParaRPr lang="fr-FR" noProof="0"/>
+          </a:p>
+        </p:txBody>
+      </p:sp>
+    </p:spTree>
+    <p:extLst>
+      <p:ext uri="{BB962C8B-B14F-4D97-AF65-F5344CB8AC3E}">
+        <p14:creationId xmlns:p14="http://schemas.microsoft.com/office/powerpoint/2010/main" val="2705068078"/>
+      </p:ext>
+    </p:extLst>
+  </p:cSld>
+  <p:clrMapOvr>
+    <a:masterClrMapping/>
+  </p:clrMapOvr>
+</p:notes>
+</file>
+
+<file path=ppt/notesSlides/notesSlide11.xml><?xml version="1.0" encoding="utf-8"?>
+<p:notes xmlns:a="http://schemas.openxmlformats.org/drawingml/2006/main" xmlns:r="http://schemas.openxmlformats.org/officeDocument/2006/relationships" xmlns:p="http://schemas.openxmlformats.org/presentationml/2006/main">
+  <p:cSld>
+    <p:spTree>
+      <p:nvGrpSpPr>
+        <p:cNvPr id="1" name=""/>
+        <p:cNvGrpSpPr/>
+        <p:nvPr/>
+      </p:nvGrpSpPr>
+      <p:grpSpPr>
+        <a:xfrm>
+          <a:off x="0" y="0"/>
+          <a:ext cx="0" cy="0"/>
+          <a:chOff x="0" y="0"/>
+          <a:chExt cx="0" cy="0"/>
+        </a:xfrm>
+      </p:grpSpPr>
+      <p:sp>
+        <p:nvSpPr>
+          <p:cNvPr id="2" name="Espace réservé de l'image des diapositives 1"/>
+          <p:cNvSpPr>
+            <a:spLocks noGrp="1" noRot="1" noChangeAspect="1"/>
+          </p:cNvSpPr>
+          <p:nvPr>
+            <p:ph type="sldImg"/>
+          </p:nvPr>
+        </p:nvSpPr>
+        <p:spPr/>
+      </p:sp>
+      <p:sp>
+        <p:nvSpPr>
+          <p:cNvPr id="3" name="Espace réservé des notes 2"/>
+          <p:cNvSpPr>
+            <a:spLocks noGrp="1"/>
+          </p:cNvSpPr>
+          <p:nvPr>
+            <p:ph type="body" idx="1"/>
+          </p:nvPr>
+        </p:nvSpPr>
+        <p:spPr/>
+        <p:txBody>
+          <a:bodyPr/>
+          <a:lstStyle/>
+          <a:p>
+            <a:endParaRPr lang="fr-FR"/>
+          </a:p>
+        </p:txBody>
+      </p:sp>
+      <p:sp>
+        <p:nvSpPr>
+          <p:cNvPr id="4" name="Espace réservé du numéro de diapositive 3"/>
+          <p:cNvSpPr>
+            <a:spLocks noGrp="1"/>
+          </p:cNvSpPr>
+          <p:nvPr>
+            <p:ph type="sldNum" sz="quarter" idx="5"/>
+          </p:nvPr>
+        </p:nvSpPr>
+        <p:spPr/>
+        <p:txBody>
+          <a:bodyPr/>
+          <a:lstStyle/>
+          <a:p>
+            <a:fld id="{319E0709-8032-4F3E-A041-680E7FBB13CC}" type="slidenum">
+              <a:rPr lang="fr-FR" noProof="0" smtClean="0"/>
+              <a:t>14</a:t>
             </a:fld>
             <a:endParaRPr lang="fr-FR" noProof="0"/>
           </a:p>
@@ -12000,7 +12085,7 @@
                 <a16:creationId xmlns:a16="http://schemas.microsoft.com/office/drawing/2014/main" id="{93F2CC0B-D5F1-40B8-9CC6-4A36850B66FD}"/>
               </a:ext>
               <a:ext uri="{C183D7F6-B498-43B3-948B-1728B52AA6E4}">
-                <adec:decorative xmlns="" xmlns:adec="http://schemas.microsoft.com/office/drawing/2017/decorative" val="1"/>
+                <adec:decorative xmlns:adec="http://schemas.microsoft.com/office/drawing/2017/decorative" xmlns="" val="1"/>
               </a:ext>
             </a:extLst>
           </p:cNvPr>
@@ -12146,7 +12231,7 @@
                 <a16:creationId xmlns:a16="http://schemas.microsoft.com/office/drawing/2014/main" id="{631C6CE6-1810-44ED-A6D7-3FF53040AE20}"/>
               </a:ext>
               <a:ext uri="{C183D7F6-B498-43B3-948B-1728B52AA6E4}">
-                <adec:decorative xmlns="" xmlns:adec="http://schemas.microsoft.com/office/drawing/2017/decorative" val="1"/>
+                <adec:decorative xmlns:adec="http://schemas.microsoft.com/office/drawing/2017/decorative" xmlns="" val="1"/>
               </a:ext>
             </a:extLst>
           </p:cNvPr>
@@ -12183,7 +12268,7 @@
                   <a16:creationId xmlns:a16="http://schemas.microsoft.com/office/drawing/2014/main" id="{1F6D8BFE-D0D0-4BAE-9D5A-701DE7D3CEEF}"/>
                 </a:ext>
                 <a:ext uri="{C183D7F6-B498-43B3-948B-1728B52AA6E4}">
-                  <adec:decorative xmlns="" xmlns:adec="http://schemas.microsoft.com/office/drawing/2017/decorative" val="1"/>
+                  <adec:decorative xmlns:adec="http://schemas.microsoft.com/office/drawing/2017/decorative" xmlns="" val="1"/>
                 </a:ext>
               </a:extLst>
             </p:cNvPr>
@@ -12255,7 +12340,7 @@
                   <a16:creationId xmlns:a16="http://schemas.microsoft.com/office/drawing/2014/main" id="{53F86D30-CEDB-4D96-AF73-AA3CD5A437B8}"/>
                 </a:ext>
                 <a:ext uri="{C183D7F6-B498-43B3-948B-1728B52AA6E4}">
-                  <adec:decorative xmlns="" xmlns:adec="http://schemas.microsoft.com/office/drawing/2017/decorative" val="1"/>
+                  <adec:decorative xmlns:adec="http://schemas.microsoft.com/office/drawing/2017/decorative" xmlns="" val="1"/>
                 </a:ext>
               </a:extLst>
             </p:cNvPr>
@@ -12332,7 +12417,7 @@
                   <a16:creationId xmlns:a16="http://schemas.microsoft.com/office/drawing/2014/main" id="{F5187540-C4C8-410C-A395-69FCB1C86C26}"/>
                 </a:ext>
                 <a:ext uri="{C183D7F6-B498-43B3-948B-1728B52AA6E4}">
-                  <adec:decorative xmlns="" xmlns:adec="http://schemas.microsoft.com/office/drawing/2017/decorative" val="1"/>
+                  <adec:decorative xmlns:adec="http://schemas.microsoft.com/office/drawing/2017/decorative" xmlns="" val="1"/>
                 </a:ext>
               </a:extLst>
             </p:cNvPr>
@@ -12414,7 +12499,7 @@
                   <a16:creationId xmlns:a16="http://schemas.microsoft.com/office/drawing/2014/main" id="{75BD6E4A-797C-451B-B08F-D99C1A9D13F8}"/>
                 </a:ext>
                 <a:ext uri="{C183D7F6-B498-43B3-948B-1728B52AA6E4}">
-                  <adec:decorative xmlns="" xmlns:adec="http://schemas.microsoft.com/office/drawing/2017/decorative" val="1"/>
+                  <adec:decorative xmlns:adec="http://schemas.microsoft.com/office/drawing/2017/decorative" xmlns="" val="1"/>
                 </a:ext>
               </a:extLst>
             </p:cNvPr>
@@ -12476,7 +12561,7 @@
                   <a16:creationId xmlns:a16="http://schemas.microsoft.com/office/drawing/2014/main" id="{0D241082-BAFA-462E-827B-5814B020F5C2}"/>
                 </a:ext>
                 <a:ext uri="{C183D7F6-B498-43B3-948B-1728B52AA6E4}">
-                  <adec:decorative xmlns="" xmlns:adec="http://schemas.microsoft.com/office/drawing/2017/decorative" val="1"/>
+                  <adec:decorative xmlns:adec="http://schemas.microsoft.com/office/drawing/2017/decorative" xmlns="" val="1"/>
                 </a:ext>
               </a:extLst>
             </p:cNvPr>
@@ -12573,7 +12658,7 @@
                   <a16:creationId xmlns:a16="http://schemas.microsoft.com/office/drawing/2014/main" id="{2920CCBD-116D-450B-9608-99F05F7D78AE}"/>
                 </a:ext>
                 <a:ext uri="{C183D7F6-B498-43B3-948B-1728B52AA6E4}">
-                  <adec:decorative xmlns="" xmlns:adec="http://schemas.microsoft.com/office/drawing/2017/decorative" val="1"/>
+                  <adec:decorative xmlns:adec="http://schemas.microsoft.com/office/drawing/2017/decorative" xmlns="" val="1"/>
                 </a:ext>
               </a:extLst>
             </p:cNvPr>
@@ -12665,7 +12750,7 @@
                   <a16:creationId xmlns:a16="http://schemas.microsoft.com/office/drawing/2014/main" id="{A57CD3DE-CEAF-4BD4-A5EF-24B3E622BB59}"/>
                 </a:ext>
                 <a:ext uri="{C183D7F6-B498-43B3-948B-1728B52AA6E4}">
-                  <adec:decorative xmlns="" xmlns:adec="http://schemas.microsoft.com/office/drawing/2017/decorative" val="1"/>
+                  <adec:decorative xmlns:adec="http://schemas.microsoft.com/office/drawing/2017/decorative" xmlns="" val="1"/>
                 </a:ext>
               </a:extLst>
             </p:cNvPr>
@@ -12737,7 +12822,7 @@
                   <a16:creationId xmlns:a16="http://schemas.microsoft.com/office/drawing/2014/main" id="{4EC3258C-366B-4629-A7D3-5173D3637D84}"/>
                 </a:ext>
                 <a:ext uri="{C183D7F6-B498-43B3-948B-1728B52AA6E4}">
-                  <adec:decorative xmlns="" xmlns:adec="http://schemas.microsoft.com/office/drawing/2017/decorative" val="1"/>
+                  <adec:decorative xmlns:adec="http://schemas.microsoft.com/office/drawing/2017/decorative" xmlns="" val="1"/>
                 </a:ext>
               </a:extLst>
             </p:cNvPr>
@@ -12829,7 +12914,7 @@
                   <a16:creationId xmlns:a16="http://schemas.microsoft.com/office/drawing/2014/main" id="{D444D63A-CE2B-4ACD-BA0E-4ADECAD86F0A}"/>
                 </a:ext>
                 <a:ext uri="{C183D7F6-B498-43B3-948B-1728B52AA6E4}">
-                  <adec:decorative xmlns="" xmlns:adec="http://schemas.microsoft.com/office/drawing/2017/decorative" val="1"/>
+                  <adec:decorative xmlns:adec="http://schemas.microsoft.com/office/drawing/2017/decorative" xmlns="" val="1"/>
                 </a:ext>
               </a:extLst>
             </p:cNvPr>
@@ -12956,7 +13041,7 @@
                   <a16:creationId xmlns:a16="http://schemas.microsoft.com/office/drawing/2014/main" id="{7A504DF6-187A-4A54-96E8-3F3F28AAAA3B}"/>
                 </a:ext>
                 <a:ext uri="{C183D7F6-B498-43B3-948B-1728B52AA6E4}">
-                  <adec:decorative xmlns="" xmlns:adec="http://schemas.microsoft.com/office/drawing/2017/decorative" val="1"/>
+                  <adec:decorative xmlns:adec="http://schemas.microsoft.com/office/drawing/2017/decorative" xmlns="" val="1"/>
                 </a:ext>
               </a:extLst>
             </p:cNvPr>
@@ -13018,7 +13103,7 @@
                   <a16:creationId xmlns:a16="http://schemas.microsoft.com/office/drawing/2014/main" id="{FE04C6F5-6DC5-4C7E-9278-9BE624FC7829}"/>
                 </a:ext>
                 <a:ext uri="{C183D7F6-B498-43B3-948B-1728B52AA6E4}">
-                  <adec:decorative xmlns="" xmlns:adec="http://schemas.microsoft.com/office/drawing/2017/decorative" val="1"/>
+                  <adec:decorative xmlns:adec="http://schemas.microsoft.com/office/drawing/2017/decorative" xmlns="" val="1"/>
                 </a:ext>
               </a:extLst>
             </p:cNvPr>
@@ -13090,7 +13175,7 @@
                   <a16:creationId xmlns:a16="http://schemas.microsoft.com/office/drawing/2014/main" id="{94A02D9B-E6A9-4D6A-9D2A-D81C76802457}"/>
                 </a:ext>
                 <a:ext uri="{C183D7F6-B498-43B3-948B-1728B52AA6E4}">
-                  <adec:decorative xmlns="" xmlns:adec="http://schemas.microsoft.com/office/drawing/2017/decorative" val="1"/>
+                  <adec:decorative xmlns:adec="http://schemas.microsoft.com/office/drawing/2017/decorative" xmlns="" val="1"/>
                 </a:ext>
               </a:extLst>
             </p:cNvPr>
@@ -13173,7 +13258,7 @@
                 <a16:creationId xmlns:a16="http://schemas.microsoft.com/office/drawing/2014/main" id="{B78034A6-3565-46AA-9E73-1C954666ABB4}"/>
               </a:ext>
               <a:ext uri="{C183D7F6-B498-43B3-948B-1728B52AA6E4}">
-                <adec:decorative xmlns="" xmlns:adec="http://schemas.microsoft.com/office/drawing/2017/decorative" val="1"/>
+                <adec:decorative xmlns:adec="http://schemas.microsoft.com/office/drawing/2017/decorative" xmlns="" val="1"/>
               </a:ext>
             </a:extLst>
           </p:cNvPr>
@@ -13207,7 +13292,7 @@
                   <a16:creationId xmlns:a16="http://schemas.microsoft.com/office/drawing/2014/main" id="{04947AA2-A772-42CB-9CEC-065095D3DC79}"/>
                 </a:ext>
                 <a:ext uri="{C183D7F6-B498-43B3-948B-1728B52AA6E4}">
-                  <adec:decorative xmlns="" xmlns:adec="http://schemas.microsoft.com/office/drawing/2017/decorative" val="1"/>
+                  <adec:decorative xmlns:adec="http://schemas.microsoft.com/office/drawing/2017/decorative" xmlns="" val="1"/>
                 </a:ext>
               </a:extLst>
             </p:cNvPr>
@@ -13324,7 +13409,7 @@
                   <a16:creationId xmlns:a16="http://schemas.microsoft.com/office/drawing/2014/main" id="{83C52D84-DEC1-4E16-972E-8EEA5D52245F}"/>
                 </a:ext>
                 <a:ext uri="{C183D7F6-B498-43B3-948B-1728B52AA6E4}">
-                  <adec:decorative xmlns="" xmlns:adec="http://schemas.microsoft.com/office/drawing/2017/decorative" val="1"/>
+                  <adec:decorative xmlns:adec="http://schemas.microsoft.com/office/drawing/2017/decorative" xmlns="" val="1"/>
                 </a:ext>
               </a:extLst>
             </p:cNvPr>
@@ -13406,7 +13491,7 @@
                   <a16:creationId xmlns:a16="http://schemas.microsoft.com/office/drawing/2014/main" id="{2036A28D-EF09-41F7-906F-CF4053615AE0}"/>
                 </a:ext>
                 <a:ext uri="{C183D7F6-B498-43B3-948B-1728B52AA6E4}">
-                  <adec:decorative xmlns="" xmlns:adec="http://schemas.microsoft.com/office/drawing/2017/decorative" val="1"/>
+                  <adec:decorative xmlns:adec="http://schemas.microsoft.com/office/drawing/2017/decorative" xmlns="" val="1"/>
                 </a:ext>
               </a:extLst>
             </p:cNvPr>
@@ -13488,7 +13573,7 @@
                   <a16:creationId xmlns:a16="http://schemas.microsoft.com/office/drawing/2014/main" id="{EE8D92C7-C907-4120-95E3-80E3DC85BBA4}"/>
                 </a:ext>
                 <a:ext uri="{C183D7F6-B498-43B3-948B-1728B52AA6E4}">
-                  <adec:decorative xmlns="" xmlns:adec="http://schemas.microsoft.com/office/drawing/2017/decorative" val="1"/>
+                  <adec:decorative xmlns:adec="http://schemas.microsoft.com/office/drawing/2017/decorative" xmlns="" val="1"/>
                 </a:ext>
               </a:extLst>
             </p:cNvPr>
@@ -13585,7 +13670,7 @@
                   <a16:creationId xmlns:a16="http://schemas.microsoft.com/office/drawing/2014/main" id="{BBCEAAB8-CD22-41D7-B330-702682A27CEE}"/>
                 </a:ext>
                 <a:ext uri="{C183D7F6-B498-43B3-948B-1728B52AA6E4}">
-                  <adec:decorative xmlns="" xmlns:adec="http://schemas.microsoft.com/office/drawing/2017/decorative" val="1"/>
+                  <adec:decorative xmlns:adec="http://schemas.microsoft.com/office/drawing/2017/decorative" xmlns="" val="1"/>
                 </a:ext>
               </a:extLst>
             </p:cNvPr>
@@ -13692,7 +13777,7 @@
                   <a16:creationId xmlns:a16="http://schemas.microsoft.com/office/drawing/2014/main" id="{6BBC1FEE-3D72-492B-8D8A-BE1A55076F9D}"/>
                 </a:ext>
                 <a:ext uri="{C183D7F6-B498-43B3-948B-1728B52AA6E4}">
-                  <adec:decorative xmlns="" xmlns:adec="http://schemas.microsoft.com/office/drawing/2017/decorative" val="1"/>
+                  <adec:decorative xmlns:adec="http://schemas.microsoft.com/office/drawing/2017/decorative" xmlns="" val="1"/>
                 </a:ext>
               </a:extLst>
             </p:cNvPr>
@@ -13754,7 +13839,7 @@
                   <a16:creationId xmlns:a16="http://schemas.microsoft.com/office/drawing/2014/main" id="{C28C6E5C-C393-435C-96A1-AA2859BDCB82}"/>
                 </a:ext>
                 <a:ext uri="{C183D7F6-B498-43B3-948B-1728B52AA6E4}">
-                  <adec:decorative xmlns="" xmlns:adec="http://schemas.microsoft.com/office/drawing/2017/decorative" val="1"/>
+                  <adec:decorative xmlns:adec="http://schemas.microsoft.com/office/drawing/2017/decorative" xmlns="" val="1"/>
                 </a:ext>
               </a:extLst>
             </p:cNvPr>
@@ -13831,7 +13916,7 @@
                   <a16:creationId xmlns:a16="http://schemas.microsoft.com/office/drawing/2014/main" id="{2C2C991F-AC51-4DF5-B8DD-19B08C1CBF42}"/>
                 </a:ext>
                 <a:ext uri="{C183D7F6-B498-43B3-948B-1728B52AA6E4}">
-                  <adec:decorative xmlns="" xmlns:adec="http://schemas.microsoft.com/office/drawing/2017/decorative" val="1"/>
+                  <adec:decorative xmlns:adec="http://schemas.microsoft.com/office/drawing/2017/decorative" xmlns="" val="1"/>
                 </a:ext>
               </a:extLst>
             </p:cNvPr>
@@ -13953,7 +14038,7 @@
                   <a16:creationId xmlns:a16="http://schemas.microsoft.com/office/drawing/2014/main" id="{9C916B5F-285D-4F5A-9085-6781753AFB3E}"/>
                 </a:ext>
                 <a:ext uri="{C183D7F6-B498-43B3-948B-1728B52AA6E4}">
-                  <adec:decorative xmlns="" xmlns:adec="http://schemas.microsoft.com/office/drawing/2017/decorative" val="1"/>
+                  <adec:decorative xmlns:adec="http://schemas.microsoft.com/office/drawing/2017/decorative" xmlns="" val="1"/>
                 </a:ext>
               </a:extLst>
             </p:cNvPr>
@@ -14015,7 +14100,7 @@
                   <a16:creationId xmlns:a16="http://schemas.microsoft.com/office/drawing/2014/main" id="{0375DD5F-9D17-4873-B697-3D44A5EBEC75}"/>
                 </a:ext>
                 <a:ext uri="{C183D7F6-B498-43B3-948B-1728B52AA6E4}">
-                  <adec:decorative xmlns="" xmlns:adec="http://schemas.microsoft.com/office/drawing/2017/decorative" val="1"/>
+                  <adec:decorative xmlns:adec="http://schemas.microsoft.com/office/drawing/2017/decorative" xmlns="" val="1"/>
                 </a:ext>
               </a:extLst>
             </p:cNvPr>
@@ -14097,7 +14182,7 @@
                   <a16:creationId xmlns:a16="http://schemas.microsoft.com/office/drawing/2014/main" id="{A159BBC7-6A8B-4612-94A8-56323452C7B5}"/>
                 </a:ext>
                 <a:ext uri="{C183D7F6-B498-43B3-948B-1728B52AA6E4}">
-                  <adec:decorative xmlns="" xmlns:adec="http://schemas.microsoft.com/office/drawing/2017/decorative" val="1"/>
+                  <adec:decorative xmlns:adec="http://schemas.microsoft.com/office/drawing/2017/decorative" xmlns="" val="1"/>
                 </a:ext>
               </a:extLst>
             </p:cNvPr>
@@ -14174,7 +14259,7 @@
                   <a16:creationId xmlns:a16="http://schemas.microsoft.com/office/drawing/2014/main" id="{177C901C-F8DE-4C99-95C8-F8CA1B84F76F}"/>
                 </a:ext>
                 <a:ext uri="{C183D7F6-B498-43B3-948B-1728B52AA6E4}">
-                  <adec:decorative xmlns="" xmlns:adec="http://schemas.microsoft.com/office/drawing/2017/decorative" val="1"/>
+                  <adec:decorative xmlns:adec="http://schemas.microsoft.com/office/drawing/2017/decorative" xmlns="" val="1"/>
                 </a:ext>
               </a:extLst>
             </p:cNvPr>
@@ -14257,7 +14342,7 @@
                 <a16:creationId xmlns:a16="http://schemas.microsoft.com/office/drawing/2014/main" id="{D1D655F2-6D15-4265-ADEE-EF0075C13944}"/>
               </a:ext>
               <a:ext uri="{C183D7F6-B498-43B3-948B-1728B52AA6E4}">
-                <adec:decorative xmlns="" xmlns:adec="http://schemas.microsoft.com/office/drawing/2017/decorative" val="1"/>
+                <adec:decorative xmlns:adec="http://schemas.microsoft.com/office/drawing/2017/decorative" xmlns="" val="1"/>
               </a:ext>
             </a:extLst>
           </p:cNvPr>
@@ -14311,7 +14396,7 @@
                 <a16:creationId xmlns:a16="http://schemas.microsoft.com/office/drawing/2014/main" id="{3248A930-1A6E-4EFB-8213-D1AC735BE061}"/>
               </a:ext>
               <a:ext uri="{C183D7F6-B498-43B3-948B-1728B52AA6E4}">
-                <adec:decorative xmlns="" xmlns:adec="http://schemas.microsoft.com/office/drawing/2017/decorative" val="1"/>
+                <adec:decorative xmlns:adec="http://schemas.microsoft.com/office/drawing/2017/decorative" xmlns="" val="1"/>
               </a:ext>
             </a:extLst>
           </p:cNvPr>
@@ -14412,10 +14497,325 @@
   <p:clrMapOvr>
     <a:masterClrMapping/>
   </p:clrMapOvr>
+  <p:timing>
+    <p:tnLst>
+      <p:par>
+        <p:cTn id="1" dur="indefinite" restart="never" nodeType="tmRoot"/>
+      </p:par>
+    </p:tnLst>
+  </p:timing>
 </p:sld>
 </file>
 
 <file path=ppt/slides/slide10.xml><?xml version="1.0" encoding="utf-8"?>
+<p:sld xmlns:a="http://schemas.openxmlformats.org/drawingml/2006/main" xmlns:r="http://schemas.openxmlformats.org/officeDocument/2006/relationships" xmlns:p="http://schemas.openxmlformats.org/presentationml/2006/main">
+  <p:cSld>
+    <p:spTree>
+      <p:nvGrpSpPr>
+        <p:cNvPr id="1" name=""/>
+        <p:cNvGrpSpPr/>
+        <p:nvPr/>
+      </p:nvGrpSpPr>
+      <p:grpSpPr>
+        <a:xfrm>
+          <a:off x="0" y="0"/>
+          <a:ext cx="0" cy="0"/>
+          <a:chOff x="0" y="0"/>
+          <a:chExt cx="0" cy="0"/>
+        </a:xfrm>
+      </p:grpSpPr>
+      <p:sp>
+        <p:nvSpPr>
+          <p:cNvPr id="5" name="Titre 1">
+            <a:extLst>
+              <a:ext uri="{FF2B5EF4-FFF2-40B4-BE49-F238E27FC236}">
+                <a16:creationId xmlns:a16="http://schemas.microsoft.com/office/drawing/2014/main" id="{23F6D5E8-15CF-4755-910B-1B5A1E777357}"/>
+              </a:ext>
+            </a:extLst>
+          </p:cNvPr>
+          <p:cNvSpPr>
+            <a:spLocks noGrp="1"/>
+          </p:cNvSpPr>
+          <p:nvPr>
+            <p:ph type="title"/>
+          </p:nvPr>
+        </p:nvSpPr>
+        <p:spPr>
+          <a:xfrm>
+            <a:off x="1619182" y="130052"/>
+            <a:ext cx="10572817" cy="1280890"/>
+          </a:xfrm>
+        </p:spPr>
+        <p:txBody>
+          <a:bodyPr rtlCol="0">
+            <a:normAutofit/>
+          </a:bodyPr>
+          <a:lstStyle/>
+          <a:p>
+            <a:pPr rtl="0"/>
+            <a:r>
+              <a:rPr lang="fr-FR" dirty="0" smtClean="0"/>
+              <a:t>Gestion du projet : Présentation de </a:t>
+            </a:r>
+            <a:r>
+              <a:rPr lang="fr-FR" dirty="0" err="1" smtClean="0"/>
+              <a:t>Github</a:t>
+            </a:r>
+            <a:r>
+              <a:rPr lang="fr-FR" dirty="0" smtClean="0"/>
+              <a:t/>
+            </a:r>
+            <a:br>
+              <a:rPr lang="fr-FR" dirty="0" smtClean="0"/>
+            </a:br>
+            <a:endParaRPr lang="fr-FR" dirty="0"/>
+          </a:p>
+        </p:txBody>
+      </p:sp>
+      <p:pic>
+        <p:nvPicPr>
+          <p:cNvPr id="6" name="Image 5"/>
+          <p:cNvPicPr>
+            <a:picLocks noChangeAspect="1"/>
+          </p:cNvPicPr>
+          <p:nvPr/>
+        </p:nvPicPr>
+        <p:blipFill>
+          <a:blip r:embed="rId2"/>
+          <a:stretch>
+            <a:fillRect/>
+          </a:stretch>
+        </p:blipFill>
+        <p:spPr>
+          <a:xfrm>
+            <a:off x="1147763" y="1237048"/>
+            <a:ext cx="10358437" cy="5335200"/>
+          </a:xfrm>
+          <a:prstGeom prst="rect">
+            <a:avLst/>
+          </a:prstGeom>
+        </p:spPr>
+      </p:pic>
+    </p:spTree>
+    <p:extLst>
+      <p:ext uri="{BB962C8B-B14F-4D97-AF65-F5344CB8AC3E}">
+        <p14:creationId xmlns:p14="http://schemas.microsoft.com/office/powerpoint/2010/main" val="2467304778"/>
+      </p:ext>
+    </p:extLst>
+  </p:cSld>
+  <p:clrMapOvr>
+    <a:masterClrMapping/>
+  </p:clrMapOvr>
+  <p:timing>
+    <p:tnLst>
+      <p:par>
+        <p:cTn id="1" dur="indefinite" restart="never" nodeType="tmRoot"/>
+      </p:par>
+    </p:tnLst>
+  </p:timing>
+</p:sld>
+</file>
+
+<file path=ppt/slides/slide11.xml><?xml version="1.0" encoding="utf-8"?>
+<p:sld xmlns:a="http://schemas.openxmlformats.org/drawingml/2006/main" xmlns:r="http://schemas.openxmlformats.org/officeDocument/2006/relationships" xmlns:p="http://schemas.openxmlformats.org/presentationml/2006/main">
+  <p:cSld>
+    <p:spTree>
+      <p:nvGrpSpPr>
+        <p:cNvPr id="1" name=""/>
+        <p:cNvGrpSpPr/>
+        <p:nvPr/>
+      </p:nvGrpSpPr>
+      <p:grpSpPr>
+        <a:xfrm>
+          <a:off x="0" y="0"/>
+          <a:ext cx="0" cy="0"/>
+          <a:chOff x="0" y="0"/>
+          <a:chExt cx="0" cy="0"/>
+        </a:xfrm>
+      </p:grpSpPr>
+      <p:pic>
+        <p:nvPicPr>
+          <p:cNvPr id="4" name="Image 3"/>
+          <p:cNvPicPr>
+            <a:picLocks noChangeAspect="1"/>
+          </p:cNvPicPr>
+          <p:nvPr/>
+        </p:nvPicPr>
+        <p:blipFill>
+          <a:blip r:embed="rId2"/>
+          <a:stretch>
+            <a:fillRect/>
+          </a:stretch>
+        </p:blipFill>
+        <p:spPr>
+          <a:xfrm>
+            <a:off x="2328863" y="1065628"/>
+            <a:ext cx="7653337" cy="5525672"/>
+          </a:xfrm>
+          <a:prstGeom prst="rect">
+            <a:avLst/>
+          </a:prstGeom>
+        </p:spPr>
+      </p:pic>
+      <p:sp>
+        <p:nvSpPr>
+          <p:cNvPr id="5" name="Titre 1">
+            <a:extLst>
+              <a:ext uri="{FF2B5EF4-FFF2-40B4-BE49-F238E27FC236}">
+                <a16:creationId xmlns:a16="http://schemas.microsoft.com/office/drawing/2014/main" id="{23F6D5E8-15CF-4755-910B-1B5A1E777357}"/>
+              </a:ext>
+            </a:extLst>
+          </p:cNvPr>
+          <p:cNvSpPr>
+            <a:spLocks noGrp="1"/>
+          </p:cNvSpPr>
+          <p:nvPr>
+            <p:ph type="title"/>
+          </p:nvPr>
+        </p:nvSpPr>
+        <p:spPr>
+          <a:xfrm>
+            <a:off x="1619182" y="130052"/>
+            <a:ext cx="10572817" cy="1280890"/>
+          </a:xfrm>
+        </p:spPr>
+        <p:txBody>
+          <a:bodyPr rtlCol="0">
+            <a:normAutofit/>
+          </a:bodyPr>
+          <a:lstStyle/>
+          <a:p>
+            <a:pPr rtl="0"/>
+            <a:r>
+              <a:rPr lang="fr-FR" dirty="0" smtClean="0"/>
+              <a:t>Gestion du projet : découpage des « issues »</a:t>
+            </a:r>
+            <a:br>
+              <a:rPr lang="fr-FR" dirty="0" smtClean="0"/>
+            </a:br>
+            <a:endParaRPr lang="fr-FR" dirty="0"/>
+          </a:p>
+        </p:txBody>
+      </p:sp>
+    </p:spTree>
+    <p:extLst>
+      <p:ext uri="{BB962C8B-B14F-4D97-AF65-F5344CB8AC3E}">
+        <p14:creationId xmlns:p14="http://schemas.microsoft.com/office/powerpoint/2010/main" val="1309542815"/>
+      </p:ext>
+    </p:extLst>
+  </p:cSld>
+  <p:clrMapOvr>
+    <a:masterClrMapping/>
+  </p:clrMapOvr>
+  <p:timing>
+    <p:tnLst>
+      <p:par>
+        <p:cTn id="1" dur="indefinite" restart="never" nodeType="tmRoot"/>
+      </p:par>
+    </p:tnLst>
+  </p:timing>
+</p:sld>
+</file>
+
+<file path=ppt/slides/slide12.xml><?xml version="1.0" encoding="utf-8"?>
+<p:sld xmlns:a="http://schemas.openxmlformats.org/drawingml/2006/main" xmlns:r="http://schemas.openxmlformats.org/officeDocument/2006/relationships" xmlns:p="http://schemas.openxmlformats.org/presentationml/2006/main">
+  <p:cSld>
+    <p:spTree>
+      <p:nvGrpSpPr>
+        <p:cNvPr id="1" name=""/>
+        <p:cNvGrpSpPr/>
+        <p:nvPr/>
+      </p:nvGrpSpPr>
+      <p:grpSpPr>
+        <a:xfrm>
+          <a:off x="0" y="0"/>
+          <a:ext cx="0" cy="0"/>
+          <a:chOff x="0" y="0"/>
+          <a:chExt cx="0" cy="0"/>
+        </a:xfrm>
+      </p:grpSpPr>
+      <p:sp>
+        <p:nvSpPr>
+          <p:cNvPr id="5" name="Titre 1">
+            <a:extLst>
+              <a:ext uri="{FF2B5EF4-FFF2-40B4-BE49-F238E27FC236}">
+                <a16:creationId xmlns:a16="http://schemas.microsoft.com/office/drawing/2014/main" id="{23F6D5E8-15CF-4755-910B-1B5A1E777357}"/>
+              </a:ext>
+            </a:extLst>
+          </p:cNvPr>
+          <p:cNvSpPr>
+            <a:spLocks noGrp="1"/>
+          </p:cNvSpPr>
+          <p:nvPr>
+            <p:ph type="title"/>
+          </p:nvPr>
+        </p:nvSpPr>
+        <p:spPr>
+          <a:xfrm>
+            <a:off x="1619182" y="130052"/>
+            <a:ext cx="10572817" cy="1280890"/>
+          </a:xfrm>
+        </p:spPr>
+        <p:txBody>
+          <a:bodyPr rtlCol="0">
+            <a:normAutofit/>
+          </a:bodyPr>
+          <a:lstStyle/>
+          <a:p>
+            <a:pPr rtl="0"/>
+            <a:r>
+              <a:rPr lang="fr-FR" dirty="0" smtClean="0"/>
+              <a:t>Gestion du projet : Suivi du code</a:t>
+            </a:r>
+            <a:endParaRPr lang="fr-FR" dirty="0"/>
+          </a:p>
+        </p:txBody>
+      </p:sp>
+      <p:pic>
+        <p:nvPicPr>
+          <p:cNvPr id="3" name="Image 2"/>
+          <p:cNvPicPr>
+            <a:picLocks noChangeAspect="1"/>
+          </p:cNvPicPr>
+          <p:nvPr/>
+        </p:nvPicPr>
+        <p:blipFill>
+          <a:blip r:embed="rId2"/>
+          <a:stretch>
+            <a:fillRect/>
+          </a:stretch>
+        </p:blipFill>
+        <p:spPr>
+          <a:xfrm>
+            <a:off x="1714500" y="770497"/>
+            <a:ext cx="8382000" cy="5970647"/>
+          </a:xfrm>
+          <a:prstGeom prst="rect">
+            <a:avLst/>
+          </a:prstGeom>
+        </p:spPr>
+      </p:pic>
+    </p:spTree>
+    <p:extLst>
+      <p:ext uri="{BB962C8B-B14F-4D97-AF65-F5344CB8AC3E}">
+        <p14:creationId xmlns:p14="http://schemas.microsoft.com/office/powerpoint/2010/main" val="3867853593"/>
+      </p:ext>
+    </p:extLst>
+  </p:cSld>
+  <p:clrMapOvr>
+    <a:masterClrMapping/>
+  </p:clrMapOvr>
+  <p:timing>
+    <p:tnLst>
+      <p:par>
+        <p:cTn id="1" dur="indefinite" restart="never" nodeType="tmRoot"/>
+      </p:par>
+    </p:tnLst>
+  </p:timing>
+</p:sld>
+</file>
+
+<file path=ppt/slides/slide13.xml><?xml version="1.0" encoding="utf-8"?>
 <p:sld xmlns:a="http://schemas.openxmlformats.org/drawingml/2006/main" xmlns:r="http://schemas.openxmlformats.org/officeDocument/2006/relationships" xmlns:p="http://schemas.openxmlformats.org/presentationml/2006/main">
   <p:cSld>
     <p:bg>
@@ -14456,7 +14856,7 @@
                 <a16:creationId xmlns:a16="http://schemas.microsoft.com/office/drawing/2014/main" id="{93F2CC0B-D5F1-40B8-9CC6-4A36850B66FD}"/>
               </a:ext>
               <a:ext uri="{C183D7F6-B498-43B3-948B-1728B52AA6E4}">
-                <adec:decorative xmlns="" xmlns:adec="http://schemas.microsoft.com/office/drawing/2017/decorative" val="1"/>
+                <adec:decorative xmlns:adec="http://schemas.microsoft.com/office/drawing/2017/decorative" xmlns="" val="1"/>
               </a:ext>
             </a:extLst>
           </p:cNvPr>
@@ -14582,7 +14982,11 @@
             <a:pPr rtl="0"/>
             <a:r>
               <a:rPr lang="fr-FR" dirty="0" smtClean="0"/>
-              <a:t>Présentation du BLOG</a:t>
+              <a:t>Présentation </a:t>
+            </a:r>
+            <a:r>
+              <a:rPr lang="fr-FR" dirty="0" smtClean="0"/>
+              <a:t>du code</a:t>
             </a:r>
             <a:endParaRPr lang="fr-FR" dirty="0"/>
           </a:p>
@@ -14596,7 +15000,7 @@
                 <a16:creationId xmlns:a16="http://schemas.microsoft.com/office/drawing/2014/main" id="{631C6CE6-1810-44ED-A6D7-3FF53040AE20}"/>
               </a:ext>
               <a:ext uri="{C183D7F6-B498-43B3-948B-1728B52AA6E4}">
-                <adec:decorative xmlns="" xmlns:adec="http://schemas.microsoft.com/office/drawing/2017/decorative" val="1"/>
+                <adec:decorative xmlns:adec="http://schemas.microsoft.com/office/drawing/2017/decorative" xmlns="" val="1"/>
               </a:ext>
             </a:extLst>
           </p:cNvPr>
@@ -14633,7 +15037,7 @@
                   <a16:creationId xmlns:a16="http://schemas.microsoft.com/office/drawing/2014/main" id="{1F6D8BFE-D0D0-4BAE-9D5A-701DE7D3CEEF}"/>
                 </a:ext>
                 <a:ext uri="{C183D7F6-B498-43B3-948B-1728B52AA6E4}">
-                  <adec:decorative xmlns="" xmlns:adec="http://schemas.microsoft.com/office/drawing/2017/decorative" val="1"/>
+                  <adec:decorative xmlns:adec="http://schemas.microsoft.com/office/drawing/2017/decorative" xmlns="" val="1"/>
                 </a:ext>
               </a:extLst>
             </p:cNvPr>
@@ -14705,7 +15109,7 @@
                   <a16:creationId xmlns:a16="http://schemas.microsoft.com/office/drawing/2014/main" id="{53F86D30-CEDB-4D96-AF73-AA3CD5A437B8}"/>
                 </a:ext>
                 <a:ext uri="{C183D7F6-B498-43B3-948B-1728B52AA6E4}">
-                  <adec:decorative xmlns="" xmlns:adec="http://schemas.microsoft.com/office/drawing/2017/decorative" val="1"/>
+                  <adec:decorative xmlns:adec="http://schemas.microsoft.com/office/drawing/2017/decorative" xmlns="" val="1"/>
                 </a:ext>
               </a:extLst>
             </p:cNvPr>
@@ -14782,7 +15186,7 @@
                   <a16:creationId xmlns:a16="http://schemas.microsoft.com/office/drawing/2014/main" id="{F5187540-C4C8-410C-A395-69FCB1C86C26}"/>
                 </a:ext>
                 <a:ext uri="{C183D7F6-B498-43B3-948B-1728B52AA6E4}">
-                  <adec:decorative xmlns="" xmlns:adec="http://schemas.microsoft.com/office/drawing/2017/decorative" val="1"/>
+                  <adec:decorative xmlns:adec="http://schemas.microsoft.com/office/drawing/2017/decorative" xmlns="" val="1"/>
                 </a:ext>
               </a:extLst>
             </p:cNvPr>
@@ -14864,7 +15268,7 @@
                   <a16:creationId xmlns:a16="http://schemas.microsoft.com/office/drawing/2014/main" id="{75BD6E4A-797C-451B-B08F-D99C1A9D13F8}"/>
                 </a:ext>
                 <a:ext uri="{C183D7F6-B498-43B3-948B-1728B52AA6E4}">
-                  <adec:decorative xmlns="" xmlns:adec="http://schemas.microsoft.com/office/drawing/2017/decorative" val="1"/>
+                  <adec:decorative xmlns:adec="http://schemas.microsoft.com/office/drawing/2017/decorative" xmlns="" val="1"/>
                 </a:ext>
               </a:extLst>
             </p:cNvPr>
@@ -14926,7 +15330,7 @@
                   <a16:creationId xmlns:a16="http://schemas.microsoft.com/office/drawing/2014/main" id="{0D241082-BAFA-462E-827B-5814B020F5C2}"/>
                 </a:ext>
                 <a:ext uri="{C183D7F6-B498-43B3-948B-1728B52AA6E4}">
-                  <adec:decorative xmlns="" xmlns:adec="http://schemas.microsoft.com/office/drawing/2017/decorative" val="1"/>
+                  <adec:decorative xmlns:adec="http://schemas.microsoft.com/office/drawing/2017/decorative" xmlns="" val="1"/>
                 </a:ext>
               </a:extLst>
             </p:cNvPr>
@@ -15023,7 +15427,7 @@
                   <a16:creationId xmlns:a16="http://schemas.microsoft.com/office/drawing/2014/main" id="{2920CCBD-116D-450B-9608-99F05F7D78AE}"/>
                 </a:ext>
                 <a:ext uri="{C183D7F6-B498-43B3-948B-1728B52AA6E4}">
-                  <adec:decorative xmlns="" xmlns:adec="http://schemas.microsoft.com/office/drawing/2017/decorative" val="1"/>
+                  <adec:decorative xmlns:adec="http://schemas.microsoft.com/office/drawing/2017/decorative" xmlns="" val="1"/>
                 </a:ext>
               </a:extLst>
             </p:cNvPr>
@@ -15115,7 +15519,7 @@
                   <a16:creationId xmlns:a16="http://schemas.microsoft.com/office/drawing/2014/main" id="{A57CD3DE-CEAF-4BD4-A5EF-24B3E622BB59}"/>
                 </a:ext>
                 <a:ext uri="{C183D7F6-B498-43B3-948B-1728B52AA6E4}">
-                  <adec:decorative xmlns="" xmlns:adec="http://schemas.microsoft.com/office/drawing/2017/decorative" val="1"/>
+                  <adec:decorative xmlns:adec="http://schemas.microsoft.com/office/drawing/2017/decorative" xmlns="" val="1"/>
                 </a:ext>
               </a:extLst>
             </p:cNvPr>
@@ -15187,7 +15591,7 @@
                   <a16:creationId xmlns:a16="http://schemas.microsoft.com/office/drawing/2014/main" id="{4EC3258C-366B-4629-A7D3-5173D3637D84}"/>
                 </a:ext>
                 <a:ext uri="{C183D7F6-B498-43B3-948B-1728B52AA6E4}">
-                  <adec:decorative xmlns="" xmlns:adec="http://schemas.microsoft.com/office/drawing/2017/decorative" val="1"/>
+                  <adec:decorative xmlns:adec="http://schemas.microsoft.com/office/drawing/2017/decorative" xmlns="" val="1"/>
                 </a:ext>
               </a:extLst>
             </p:cNvPr>
@@ -15279,7 +15683,7 @@
                   <a16:creationId xmlns:a16="http://schemas.microsoft.com/office/drawing/2014/main" id="{D444D63A-CE2B-4ACD-BA0E-4ADECAD86F0A}"/>
                 </a:ext>
                 <a:ext uri="{C183D7F6-B498-43B3-948B-1728B52AA6E4}">
-                  <adec:decorative xmlns="" xmlns:adec="http://schemas.microsoft.com/office/drawing/2017/decorative" val="1"/>
+                  <adec:decorative xmlns:adec="http://schemas.microsoft.com/office/drawing/2017/decorative" xmlns="" val="1"/>
                 </a:ext>
               </a:extLst>
             </p:cNvPr>
@@ -15406,7 +15810,7 @@
                   <a16:creationId xmlns:a16="http://schemas.microsoft.com/office/drawing/2014/main" id="{7A504DF6-187A-4A54-96E8-3F3F28AAAA3B}"/>
                 </a:ext>
                 <a:ext uri="{C183D7F6-B498-43B3-948B-1728B52AA6E4}">
-                  <adec:decorative xmlns="" xmlns:adec="http://schemas.microsoft.com/office/drawing/2017/decorative" val="1"/>
+                  <adec:decorative xmlns:adec="http://schemas.microsoft.com/office/drawing/2017/decorative" xmlns="" val="1"/>
                 </a:ext>
               </a:extLst>
             </p:cNvPr>
@@ -15468,7 +15872,7 @@
                   <a16:creationId xmlns:a16="http://schemas.microsoft.com/office/drawing/2014/main" id="{FE04C6F5-6DC5-4C7E-9278-9BE624FC7829}"/>
                 </a:ext>
                 <a:ext uri="{C183D7F6-B498-43B3-948B-1728B52AA6E4}">
-                  <adec:decorative xmlns="" xmlns:adec="http://schemas.microsoft.com/office/drawing/2017/decorative" val="1"/>
+                  <adec:decorative xmlns:adec="http://schemas.microsoft.com/office/drawing/2017/decorative" xmlns="" val="1"/>
                 </a:ext>
               </a:extLst>
             </p:cNvPr>
@@ -15540,7 +15944,7 @@
                   <a16:creationId xmlns:a16="http://schemas.microsoft.com/office/drawing/2014/main" id="{94A02D9B-E6A9-4D6A-9D2A-D81C76802457}"/>
                 </a:ext>
                 <a:ext uri="{C183D7F6-B498-43B3-948B-1728B52AA6E4}">
-                  <adec:decorative xmlns="" xmlns:adec="http://schemas.microsoft.com/office/drawing/2017/decorative" val="1"/>
+                  <adec:decorative xmlns:adec="http://schemas.microsoft.com/office/drawing/2017/decorative" xmlns="" val="1"/>
                 </a:ext>
               </a:extLst>
             </p:cNvPr>
@@ -15623,7 +16027,7 @@
                 <a16:creationId xmlns:a16="http://schemas.microsoft.com/office/drawing/2014/main" id="{B78034A6-3565-46AA-9E73-1C954666ABB4}"/>
               </a:ext>
               <a:ext uri="{C183D7F6-B498-43B3-948B-1728B52AA6E4}">
-                <adec:decorative xmlns="" xmlns:adec="http://schemas.microsoft.com/office/drawing/2017/decorative" val="1"/>
+                <adec:decorative xmlns:adec="http://schemas.microsoft.com/office/drawing/2017/decorative" xmlns="" val="1"/>
               </a:ext>
             </a:extLst>
           </p:cNvPr>
@@ -15657,7 +16061,7 @@
                   <a16:creationId xmlns:a16="http://schemas.microsoft.com/office/drawing/2014/main" id="{04947AA2-A772-42CB-9CEC-065095D3DC79}"/>
                 </a:ext>
                 <a:ext uri="{C183D7F6-B498-43B3-948B-1728B52AA6E4}">
-                  <adec:decorative xmlns="" xmlns:adec="http://schemas.microsoft.com/office/drawing/2017/decorative" val="1"/>
+                  <adec:decorative xmlns:adec="http://schemas.microsoft.com/office/drawing/2017/decorative" xmlns="" val="1"/>
                 </a:ext>
               </a:extLst>
             </p:cNvPr>
@@ -15774,7 +16178,7 @@
                   <a16:creationId xmlns:a16="http://schemas.microsoft.com/office/drawing/2014/main" id="{83C52D84-DEC1-4E16-972E-8EEA5D52245F}"/>
                 </a:ext>
                 <a:ext uri="{C183D7F6-B498-43B3-948B-1728B52AA6E4}">
-                  <adec:decorative xmlns="" xmlns:adec="http://schemas.microsoft.com/office/drawing/2017/decorative" val="1"/>
+                  <adec:decorative xmlns:adec="http://schemas.microsoft.com/office/drawing/2017/decorative" xmlns="" val="1"/>
                 </a:ext>
               </a:extLst>
             </p:cNvPr>
@@ -15856,7 +16260,7 @@
                   <a16:creationId xmlns:a16="http://schemas.microsoft.com/office/drawing/2014/main" id="{2036A28D-EF09-41F7-906F-CF4053615AE0}"/>
                 </a:ext>
                 <a:ext uri="{C183D7F6-B498-43B3-948B-1728B52AA6E4}">
-                  <adec:decorative xmlns="" xmlns:adec="http://schemas.microsoft.com/office/drawing/2017/decorative" val="1"/>
+                  <adec:decorative xmlns:adec="http://schemas.microsoft.com/office/drawing/2017/decorative" xmlns="" val="1"/>
                 </a:ext>
               </a:extLst>
             </p:cNvPr>
@@ -15938,7 +16342,7 @@
                   <a16:creationId xmlns:a16="http://schemas.microsoft.com/office/drawing/2014/main" id="{EE8D92C7-C907-4120-95E3-80E3DC85BBA4}"/>
                 </a:ext>
                 <a:ext uri="{C183D7F6-B498-43B3-948B-1728B52AA6E4}">
-                  <adec:decorative xmlns="" xmlns:adec="http://schemas.microsoft.com/office/drawing/2017/decorative" val="1"/>
+                  <adec:decorative xmlns:adec="http://schemas.microsoft.com/office/drawing/2017/decorative" xmlns="" val="1"/>
                 </a:ext>
               </a:extLst>
             </p:cNvPr>
@@ -16035,7 +16439,7 @@
                   <a16:creationId xmlns:a16="http://schemas.microsoft.com/office/drawing/2014/main" id="{BBCEAAB8-CD22-41D7-B330-702682A27CEE}"/>
                 </a:ext>
                 <a:ext uri="{C183D7F6-B498-43B3-948B-1728B52AA6E4}">
-                  <adec:decorative xmlns="" xmlns:adec="http://schemas.microsoft.com/office/drawing/2017/decorative" val="1"/>
+                  <adec:decorative xmlns:adec="http://schemas.microsoft.com/office/drawing/2017/decorative" xmlns="" val="1"/>
                 </a:ext>
               </a:extLst>
             </p:cNvPr>
@@ -16142,7 +16546,7 @@
                   <a16:creationId xmlns:a16="http://schemas.microsoft.com/office/drawing/2014/main" id="{6BBC1FEE-3D72-492B-8D8A-BE1A55076F9D}"/>
                 </a:ext>
                 <a:ext uri="{C183D7F6-B498-43B3-948B-1728B52AA6E4}">
-                  <adec:decorative xmlns="" xmlns:adec="http://schemas.microsoft.com/office/drawing/2017/decorative" val="1"/>
+                  <adec:decorative xmlns:adec="http://schemas.microsoft.com/office/drawing/2017/decorative" xmlns="" val="1"/>
                 </a:ext>
               </a:extLst>
             </p:cNvPr>
@@ -16204,7 +16608,7 @@
                   <a16:creationId xmlns:a16="http://schemas.microsoft.com/office/drawing/2014/main" id="{C28C6E5C-C393-435C-96A1-AA2859BDCB82}"/>
                 </a:ext>
                 <a:ext uri="{C183D7F6-B498-43B3-948B-1728B52AA6E4}">
-                  <adec:decorative xmlns="" xmlns:adec="http://schemas.microsoft.com/office/drawing/2017/decorative" val="1"/>
+                  <adec:decorative xmlns:adec="http://schemas.microsoft.com/office/drawing/2017/decorative" xmlns="" val="1"/>
                 </a:ext>
               </a:extLst>
             </p:cNvPr>
@@ -16281,7 +16685,7 @@
                   <a16:creationId xmlns:a16="http://schemas.microsoft.com/office/drawing/2014/main" id="{2C2C991F-AC51-4DF5-B8DD-19B08C1CBF42}"/>
                 </a:ext>
                 <a:ext uri="{C183D7F6-B498-43B3-948B-1728B52AA6E4}">
-                  <adec:decorative xmlns="" xmlns:adec="http://schemas.microsoft.com/office/drawing/2017/decorative" val="1"/>
+                  <adec:decorative xmlns:adec="http://schemas.microsoft.com/office/drawing/2017/decorative" xmlns="" val="1"/>
                 </a:ext>
               </a:extLst>
             </p:cNvPr>
@@ -16403,7 +16807,7 @@
                   <a16:creationId xmlns:a16="http://schemas.microsoft.com/office/drawing/2014/main" id="{9C916B5F-285D-4F5A-9085-6781753AFB3E}"/>
                 </a:ext>
                 <a:ext uri="{C183D7F6-B498-43B3-948B-1728B52AA6E4}">
-                  <adec:decorative xmlns="" xmlns:adec="http://schemas.microsoft.com/office/drawing/2017/decorative" val="1"/>
+                  <adec:decorative xmlns:adec="http://schemas.microsoft.com/office/drawing/2017/decorative" xmlns="" val="1"/>
                 </a:ext>
               </a:extLst>
             </p:cNvPr>
@@ -16465,7 +16869,7 @@
                   <a16:creationId xmlns:a16="http://schemas.microsoft.com/office/drawing/2014/main" id="{0375DD5F-9D17-4873-B697-3D44A5EBEC75}"/>
                 </a:ext>
                 <a:ext uri="{C183D7F6-B498-43B3-948B-1728B52AA6E4}">
-                  <adec:decorative xmlns="" xmlns:adec="http://schemas.microsoft.com/office/drawing/2017/decorative" val="1"/>
+                  <adec:decorative xmlns:adec="http://schemas.microsoft.com/office/drawing/2017/decorative" xmlns="" val="1"/>
                 </a:ext>
               </a:extLst>
             </p:cNvPr>
@@ -16547,7 +16951,7 @@
                   <a16:creationId xmlns:a16="http://schemas.microsoft.com/office/drawing/2014/main" id="{A159BBC7-6A8B-4612-94A8-56323452C7B5}"/>
                 </a:ext>
                 <a:ext uri="{C183D7F6-B498-43B3-948B-1728B52AA6E4}">
-                  <adec:decorative xmlns="" xmlns:adec="http://schemas.microsoft.com/office/drawing/2017/decorative" val="1"/>
+                  <adec:decorative xmlns:adec="http://schemas.microsoft.com/office/drawing/2017/decorative" xmlns="" val="1"/>
                 </a:ext>
               </a:extLst>
             </p:cNvPr>
@@ -16624,7 +17028,7 @@
                   <a16:creationId xmlns:a16="http://schemas.microsoft.com/office/drawing/2014/main" id="{177C901C-F8DE-4C99-95C8-F8CA1B84F76F}"/>
                 </a:ext>
                 <a:ext uri="{C183D7F6-B498-43B3-948B-1728B52AA6E4}">
-                  <adec:decorative xmlns="" xmlns:adec="http://schemas.microsoft.com/office/drawing/2017/decorative" val="1"/>
+                  <adec:decorative xmlns:adec="http://schemas.microsoft.com/office/drawing/2017/decorative" xmlns="" val="1"/>
                 </a:ext>
               </a:extLst>
             </p:cNvPr>
@@ -16707,7 +17111,7 @@
                 <a16:creationId xmlns:a16="http://schemas.microsoft.com/office/drawing/2014/main" id="{D1D655F2-6D15-4265-ADEE-EF0075C13944}"/>
               </a:ext>
               <a:ext uri="{C183D7F6-B498-43B3-948B-1728B52AA6E4}">
-                <adec:decorative xmlns="" xmlns:adec="http://schemas.microsoft.com/office/drawing/2017/decorative" val="1"/>
+                <adec:decorative xmlns:adec="http://schemas.microsoft.com/office/drawing/2017/decorative" xmlns="" val="1"/>
               </a:ext>
             </a:extLst>
           </p:cNvPr>
@@ -16761,7 +17165,2468 @@
                 <a16:creationId xmlns:a16="http://schemas.microsoft.com/office/drawing/2014/main" id="{3248A930-1A6E-4EFB-8213-D1AC735BE061}"/>
               </a:ext>
               <a:ext uri="{C183D7F6-B498-43B3-948B-1728B52AA6E4}">
-                <adec:decorative xmlns="" xmlns:adec="http://schemas.microsoft.com/office/drawing/2017/decorative" val="1"/>
+                <adec:decorative xmlns:adec="http://schemas.microsoft.com/office/drawing/2017/decorative" xmlns="" val="1"/>
+              </a:ext>
+            </a:extLst>
+          </p:cNvPr>
+          <p:cNvSpPr>
+            <a:spLocks noGrp="1" noRot="1" noChangeAspect="1" noMove="1" noResize="1" noEditPoints="1" noAdjustHandles="1" noChangeArrowheads="1" noChangeShapeType="1" noTextEdit="1"/>
+          </p:cNvSpPr>
+          <p:nvPr>
+            <p:extLst>
+              <p:ext uri="{386F3935-93C4-4BCD-93E2-E3B085C9AB24}">
+                <p16:designElem xmlns:p16="http://schemas.microsoft.com/office/powerpoint/2015/main" val="1"/>
+              </p:ext>
+            </p:extLst>
+          </p:nvPr>
+        </p:nvSpPr>
+        <p:spPr bwMode="auto">
+          <a:xfrm>
+            <a:off x="0" y="4323810"/>
+            <a:ext cx="1744652" cy="778589"/>
+          </a:xfrm>
+          <a:custGeom>
+            <a:avLst/>
+            <a:gdLst/>
+            <a:ahLst/>
+            <a:cxnLst/>
+            <a:rect l="0" t="0" r="r" b="b"/>
+            <a:pathLst>
+              <a:path w="372" h="166">
+                <a:moveTo>
+                  <a:pt x="287" y="166"/>
+                </a:moveTo>
+                <a:cubicBezTo>
+                  <a:pt x="290" y="166"/>
+                  <a:pt x="292" y="165"/>
+                  <a:pt x="293" y="164"/>
+                </a:cubicBezTo>
+                <a:cubicBezTo>
+                  <a:pt x="293" y="163"/>
+                  <a:pt x="294" y="163"/>
+                  <a:pt x="294" y="163"/>
+                </a:cubicBezTo>
+                <a:cubicBezTo>
+                  <a:pt x="370" y="87"/>
+                  <a:pt x="370" y="87"/>
+                  <a:pt x="370" y="87"/>
+                </a:cubicBezTo>
+                <a:cubicBezTo>
+                  <a:pt x="372" y="85"/>
+                  <a:pt x="372" y="81"/>
+                  <a:pt x="370" y="78"/>
+                </a:cubicBezTo>
+                <a:cubicBezTo>
+                  <a:pt x="294" y="3"/>
+                  <a:pt x="294" y="3"/>
+                  <a:pt x="294" y="3"/>
+                </a:cubicBezTo>
+                <a:cubicBezTo>
+                  <a:pt x="294" y="2"/>
+                  <a:pt x="293" y="2"/>
+                  <a:pt x="293" y="2"/>
+                </a:cubicBezTo>
+                <a:cubicBezTo>
+                  <a:pt x="292" y="1"/>
+                  <a:pt x="290" y="0"/>
+                  <a:pt x="287" y="0"/>
+                </a:cubicBezTo>
+                <a:cubicBezTo>
+                  <a:pt x="0" y="0"/>
+                  <a:pt x="0" y="0"/>
+                  <a:pt x="0" y="0"/>
+                </a:cubicBezTo>
+                <a:cubicBezTo>
+                  <a:pt x="0" y="166"/>
+                  <a:pt x="0" y="166"/>
+                  <a:pt x="0" y="166"/>
+                </a:cubicBezTo>
+                <a:lnTo>
+                  <a:pt x="287" y="166"/>
+                </a:lnTo>
+                <a:close/>
+              </a:path>
+            </a:pathLst>
+          </a:custGeom>
+          <a:solidFill>
+            <a:schemeClr val="accent1"/>
+          </a:solidFill>
+          <a:ln>
+            <a:noFill/>
+          </a:ln>
+        </p:spPr>
+      </p:sp>
+    </p:spTree>
+    <p:extLst>
+      <p:ext uri="{BB962C8B-B14F-4D97-AF65-F5344CB8AC3E}">
+        <p14:creationId xmlns:p14="http://schemas.microsoft.com/office/powerpoint/2010/main" val="3031881828"/>
+      </p:ext>
+    </p:extLst>
+  </p:cSld>
+  <p:clrMapOvr>
+    <a:masterClrMapping/>
+  </p:clrMapOvr>
+  <p:timing>
+    <p:tnLst>
+      <p:par>
+        <p:cTn id="1" dur="indefinite" restart="never" nodeType="tmRoot"/>
+      </p:par>
+    </p:tnLst>
+  </p:timing>
+</p:sld>
+</file>
+
+<file path=ppt/slides/slide14.xml><?xml version="1.0" encoding="utf-8"?>
+<p:sld xmlns:a="http://schemas.openxmlformats.org/drawingml/2006/main" xmlns:r="http://schemas.openxmlformats.org/officeDocument/2006/relationships" xmlns:p="http://schemas.openxmlformats.org/presentationml/2006/main">
+  <p:cSld>
+    <p:bg>
+      <p:bgPr>
+        <a:gradFill>
+          <a:gsLst>
+            <a:gs pos="0">
+              <a:schemeClr val="accent1"/>
+            </a:gs>
+            <a:gs pos="71000">
+              <a:schemeClr val="accent3"/>
+            </a:gs>
+          </a:gsLst>
+          <a:lin ang="2700000" scaled="1"/>
+        </a:gradFill>
+        <a:effectLst/>
+      </p:bgPr>
+    </p:bg>
+    <p:spTree>
+      <p:nvGrpSpPr>
+        <p:cNvPr id="1" name=""/>
+        <p:cNvGrpSpPr/>
+        <p:nvPr/>
+      </p:nvGrpSpPr>
+      <p:grpSpPr>
+        <a:xfrm>
+          <a:off x="0" y="0"/>
+          <a:ext cx="0" cy="0"/>
+          <a:chOff x="0" y="0"/>
+          <a:chExt cx="0" cy="0"/>
+        </a:xfrm>
+      </p:grpSpPr>
+      <p:sp useBgFill="1">
+        <p:nvSpPr>
+          <p:cNvPr id="10" name="Rectangle 9">
+            <a:extLst>
+              <a:ext uri="{FF2B5EF4-FFF2-40B4-BE49-F238E27FC236}">
+                <a16:creationId xmlns:a16="http://schemas.microsoft.com/office/drawing/2014/main" id="{93F2CC0B-D5F1-40B8-9CC6-4A36850B66FD}"/>
+              </a:ext>
+              <a:ext uri="{C183D7F6-B498-43B3-948B-1728B52AA6E4}">
+                <adec:decorative xmlns:adec="http://schemas.microsoft.com/office/drawing/2017/decorative" xmlns="" val="1"/>
+              </a:ext>
+            </a:extLst>
+          </p:cNvPr>
+          <p:cNvSpPr>
+            <a:spLocks noGrp="1" noRot="1" noChangeAspect="1" noMove="1" noResize="1" noEditPoints="1" noAdjustHandles="1" noChangeArrowheads="1" noChangeShapeType="1" noTextEdit="1"/>
+          </p:cNvSpPr>
+          <p:nvPr>
+            <p:extLst>
+              <p:ext uri="{386F3935-93C4-4BCD-93E2-E3B085C9AB24}">
+                <p16:designElem xmlns:p16="http://schemas.microsoft.com/office/powerpoint/2015/main" val="1"/>
+              </p:ext>
+            </p:extLst>
+          </p:nvPr>
+        </p:nvSpPr>
+        <p:spPr>
+          <a:xfrm>
+            <a:off x="0" y="-786"/>
+            <a:ext cx="12192000" cy="6854038"/>
+          </a:xfrm>
+          <a:prstGeom prst="rect">
+            <a:avLst/>
+          </a:prstGeom>
+          <a:ln>
+            <a:noFill/>
+          </a:ln>
+        </p:spPr>
+        <p:style>
+          <a:lnRef idx="2">
+            <a:schemeClr val="accent1">
+              <a:shade val="50000"/>
+            </a:schemeClr>
+          </a:lnRef>
+          <a:fillRef idx="1">
+            <a:schemeClr val="accent1"/>
+          </a:fillRef>
+          <a:effectRef idx="0">
+            <a:schemeClr val="accent1"/>
+          </a:effectRef>
+          <a:fontRef idx="minor">
+            <a:schemeClr val="lt1"/>
+          </a:fontRef>
+        </p:style>
+        <p:txBody>
+          <a:bodyPr rtlCol="0" anchor="ctr"/>
+          <a:lstStyle/>
+          <a:p>
+            <a:pPr algn="ctr" rtl="0"/>
+            <a:endParaRPr lang="fr-FR"/>
+          </a:p>
+        </p:txBody>
+      </p:sp>
+      <p:pic>
+        <p:nvPicPr>
+          <p:cNvPr id="5" name="Image 4" descr="points lumineux">
+            <a:extLst>
+              <a:ext uri="{FF2B5EF4-FFF2-40B4-BE49-F238E27FC236}">
+                <a16:creationId xmlns:a16="http://schemas.microsoft.com/office/drawing/2014/main" id="{1A23FE0C-9A67-334E-9B7F-83AA9CF636A8}"/>
+              </a:ext>
+            </a:extLst>
+          </p:cNvPr>
+          <p:cNvPicPr>
+            <a:picLocks noChangeAspect="1"/>
+          </p:cNvPicPr>
+          <p:nvPr/>
+        </p:nvPicPr>
+        <p:blipFill rotWithShape="1">
+          <a:blip r:embed="rId3" cstate="print">
+            <a:duotone>
+              <a:schemeClr val="bg2">
+                <a:shade val="45000"/>
+                <a:satMod val="135000"/>
+              </a:schemeClr>
+              <a:prstClr val="white"/>
+            </a:duotone>
+            <a:alphaModFix amt="40000"/>
+            <a:extLst>
+              <a:ext uri="{28A0092B-C50C-407E-A947-70E740481C1C}">
+                <a14:useLocalDpi xmlns:a14="http://schemas.microsoft.com/office/drawing/2010/main"/>
+              </a:ext>
+            </a:extLst>
+          </a:blip>
+          <a:srcRect/>
+          <a:stretch/>
+        </p:blipFill>
+        <p:spPr>
+          <a:xfrm>
+            <a:off x="0" y="5"/>
+            <a:ext cx="12192000" cy="6857990"/>
+          </a:xfrm>
+          <a:prstGeom prst="rect">
+            <a:avLst/>
+          </a:prstGeom>
+        </p:spPr>
+      </p:pic>
+      <p:sp>
+        <p:nvSpPr>
+          <p:cNvPr id="2" name="Titre 1">
+            <a:extLst>
+              <a:ext uri="{FF2B5EF4-FFF2-40B4-BE49-F238E27FC236}">
+                <a16:creationId xmlns:a16="http://schemas.microsoft.com/office/drawing/2014/main" id="{F266081D-517B-5D43-A7B4-E67DDEDC0B31}"/>
+              </a:ext>
+            </a:extLst>
+          </p:cNvPr>
+          <p:cNvSpPr>
+            <a:spLocks noGrp="1"/>
+          </p:cNvSpPr>
+          <p:nvPr>
+            <p:ph type="ctrTitle"/>
+          </p:nvPr>
+        </p:nvSpPr>
+        <p:spPr>
+          <a:xfrm>
+            <a:off x="274387" y="88282"/>
+            <a:ext cx="8915399" cy="1002192"/>
+          </a:xfrm>
+        </p:spPr>
+        <p:txBody>
+          <a:bodyPr rtlCol="0">
+            <a:normAutofit/>
+          </a:bodyPr>
+          <a:lstStyle/>
+          <a:p>
+            <a:pPr rtl="0"/>
+            <a:r>
+              <a:rPr lang="fr-FR" dirty="0" smtClean="0"/>
+              <a:t>Démonstration </a:t>
+            </a:r>
+            <a:r>
+              <a:rPr lang="fr-FR" dirty="0" smtClean="0"/>
+              <a:t>du BLOG</a:t>
+            </a:r>
+            <a:endParaRPr lang="fr-FR" dirty="0"/>
+          </a:p>
+        </p:txBody>
+      </p:sp>
+      <p:grpSp>
+        <p:nvGrpSpPr>
+          <p:cNvPr id="12" name="Groupe 11">
+            <a:extLst>
+              <a:ext uri="{FF2B5EF4-FFF2-40B4-BE49-F238E27FC236}">
+                <a16:creationId xmlns:a16="http://schemas.microsoft.com/office/drawing/2014/main" id="{631C6CE6-1810-44ED-A6D7-3FF53040AE20}"/>
+              </a:ext>
+              <a:ext uri="{C183D7F6-B498-43B3-948B-1728B52AA6E4}">
+                <adec:decorative xmlns:adec="http://schemas.microsoft.com/office/drawing/2017/decorative" xmlns="" val="1"/>
+              </a:ext>
+            </a:extLst>
+          </p:cNvPr>
+          <p:cNvGrpSpPr>
+            <a:grpSpLocks noGrp="1" noUngrp="1" noRot="1" noChangeAspect="1" noMove="1" noResize="1"/>
+          </p:cNvGrpSpPr>
+          <p:nvPr>
+            <p:extLst>
+              <p:ext uri="{386F3935-93C4-4BCD-93E2-E3B085C9AB24}">
+                <p16:designElem xmlns:p16="http://schemas.microsoft.com/office/powerpoint/2015/main" val="1"/>
+              </p:ext>
+            </p:extLst>
+          </p:nvPr>
+        </p:nvGrpSpPr>
+        <p:grpSpPr>
+          <a:xfrm>
+            <a:off x="9" y="228600"/>
+            <a:ext cx="2851523" cy="6638625"/>
+            <a:chOff x="2487613" y="285750"/>
+            <a:chExt cx="2428875" cy="5654676"/>
+          </a:xfrm>
+          <a:solidFill>
+            <a:schemeClr val="accent1">
+              <a:lumMod val="75000"/>
+              <a:alpha val="40000"/>
+            </a:schemeClr>
+          </a:solidFill>
+        </p:grpSpPr>
+        <p:sp>
+          <p:nvSpPr>
+            <p:cNvPr id="13" name="Forme libre 11">
+              <a:extLst>
+                <a:ext uri="{FF2B5EF4-FFF2-40B4-BE49-F238E27FC236}">
+                  <a16:creationId xmlns:a16="http://schemas.microsoft.com/office/drawing/2014/main" id="{1F6D8BFE-D0D0-4BAE-9D5A-701DE7D3CEEF}"/>
+                </a:ext>
+                <a:ext uri="{C183D7F6-B498-43B3-948B-1728B52AA6E4}">
+                  <adec:decorative xmlns:adec="http://schemas.microsoft.com/office/drawing/2017/decorative" xmlns="" val="1"/>
+                </a:ext>
+              </a:extLst>
+            </p:cNvPr>
+            <p:cNvSpPr/>
+            <p:nvPr>
+              <p:extLst>
+                <p:ext uri="{386F3935-93C4-4BCD-93E2-E3B085C9AB24}">
+                  <p16:designElem xmlns:p16="http://schemas.microsoft.com/office/powerpoint/2015/main" val="1"/>
+                </p:ext>
+              </p:extLst>
+            </p:nvPr>
+          </p:nvSpPr>
+          <p:spPr bwMode="auto">
+            <a:xfrm>
+              <a:off x="2487613" y="2284413"/>
+              <a:ext cx="85725" cy="533400"/>
+            </a:xfrm>
+            <a:custGeom>
+              <a:avLst/>
+              <a:gdLst/>
+              <a:ahLst/>
+              <a:cxnLst/>
+              <a:rect l="0" t="0" r="r" b="b"/>
+              <a:pathLst>
+                <a:path w="22" h="136">
+                  <a:moveTo>
+                    <a:pt x="22" y="136"/>
+                  </a:moveTo>
+                  <a:cubicBezTo>
+                    <a:pt x="20" y="117"/>
+                    <a:pt x="19" y="99"/>
+                    <a:pt x="17" y="80"/>
+                  </a:cubicBezTo>
+                  <a:cubicBezTo>
+                    <a:pt x="11" y="54"/>
+                    <a:pt x="6" y="27"/>
+                    <a:pt x="0" y="0"/>
+                  </a:cubicBezTo>
+                  <a:cubicBezTo>
+                    <a:pt x="0" y="35"/>
+                    <a:pt x="0" y="35"/>
+                    <a:pt x="0" y="35"/>
+                  </a:cubicBezTo>
+                  <a:cubicBezTo>
+                    <a:pt x="6" y="64"/>
+                    <a:pt x="13" y="94"/>
+                    <a:pt x="20" y="124"/>
+                  </a:cubicBezTo>
+                  <a:cubicBezTo>
+                    <a:pt x="20" y="128"/>
+                    <a:pt x="21" y="132"/>
+                    <a:pt x="22" y="136"/>
+                  </a:cubicBezTo>
+                  <a:close/>
+                </a:path>
+              </a:pathLst>
+            </a:custGeom>
+            <a:grpFill/>
+            <a:ln>
+              <a:noFill/>
+            </a:ln>
+          </p:spPr>
+        </p:sp>
+        <p:sp>
+          <p:nvSpPr>
+            <p:cNvPr id="14" name="Forme libre 12">
+              <a:extLst>
+                <a:ext uri="{FF2B5EF4-FFF2-40B4-BE49-F238E27FC236}">
+                  <a16:creationId xmlns:a16="http://schemas.microsoft.com/office/drawing/2014/main" id="{53F86D30-CEDB-4D96-AF73-AA3CD5A437B8}"/>
+                </a:ext>
+                <a:ext uri="{C183D7F6-B498-43B3-948B-1728B52AA6E4}">
+                  <adec:decorative xmlns:adec="http://schemas.microsoft.com/office/drawing/2017/decorative" xmlns="" val="1"/>
+                </a:ext>
+              </a:extLst>
+            </p:cNvPr>
+            <p:cNvSpPr/>
+            <p:nvPr>
+              <p:extLst>
+                <p:ext uri="{386F3935-93C4-4BCD-93E2-E3B085C9AB24}">
+                  <p16:designElem xmlns:p16="http://schemas.microsoft.com/office/powerpoint/2015/main" val="1"/>
+                </p:ext>
+              </p:extLst>
+            </p:nvPr>
+          </p:nvSpPr>
+          <p:spPr bwMode="auto">
+            <a:xfrm>
+              <a:off x="2597151" y="2779713"/>
+              <a:ext cx="550863" cy="1978025"/>
+            </a:xfrm>
+            <a:custGeom>
+              <a:avLst/>
+              <a:gdLst/>
+              <a:ahLst/>
+              <a:cxnLst/>
+              <a:rect l="0" t="0" r="r" b="b"/>
+              <a:pathLst>
+                <a:path w="140" h="504">
+                  <a:moveTo>
+                    <a:pt x="86" y="350"/>
+                  </a:moveTo>
+                  <a:cubicBezTo>
+                    <a:pt x="103" y="402"/>
+                    <a:pt x="120" y="453"/>
+                    <a:pt x="139" y="504"/>
+                  </a:cubicBezTo>
+                  <a:cubicBezTo>
+                    <a:pt x="139" y="495"/>
+                    <a:pt x="139" y="487"/>
+                    <a:pt x="140" y="478"/>
+                  </a:cubicBezTo>
+                  <a:cubicBezTo>
+                    <a:pt x="124" y="435"/>
+                    <a:pt x="109" y="391"/>
+                    <a:pt x="95" y="347"/>
+                  </a:cubicBezTo>
+                  <a:cubicBezTo>
+                    <a:pt x="58" y="233"/>
+                    <a:pt x="27" y="117"/>
+                    <a:pt x="0" y="0"/>
+                  </a:cubicBezTo>
+                  <a:cubicBezTo>
+                    <a:pt x="2" y="20"/>
+                    <a:pt x="4" y="41"/>
+                    <a:pt x="6" y="61"/>
+                  </a:cubicBezTo>
+                  <a:cubicBezTo>
+                    <a:pt x="30" y="158"/>
+                    <a:pt x="56" y="255"/>
+                    <a:pt x="86" y="350"/>
+                  </a:cubicBezTo>
+                  <a:close/>
+                </a:path>
+              </a:pathLst>
+            </a:custGeom>
+            <a:grpFill/>
+            <a:ln>
+              <a:noFill/>
+            </a:ln>
+          </p:spPr>
+        </p:sp>
+        <p:sp>
+          <p:nvSpPr>
+            <p:cNvPr id="15" name="Forme libre 13">
+              <a:extLst>
+                <a:ext uri="{FF2B5EF4-FFF2-40B4-BE49-F238E27FC236}">
+                  <a16:creationId xmlns:a16="http://schemas.microsoft.com/office/drawing/2014/main" id="{F5187540-C4C8-410C-A395-69FCB1C86C26}"/>
+                </a:ext>
+                <a:ext uri="{C183D7F6-B498-43B3-948B-1728B52AA6E4}">
+                  <adec:decorative xmlns:adec="http://schemas.microsoft.com/office/drawing/2017/decorative" xmlns="" val="1"/>
+                </a:ext>
+              </a:extLst>
+            </p:cNvPr>
+            <p:cNvSpPr/>
+            <p:nvPr>
+              <p:extLst>
+                <p:ext uri="{386F3935-93C4-4BCD-93E2-E3B085C9AB24}">
+                  <p16:designElem xmlns:p16="http://schemas.microsoft.com/office/powerpoint/2015/main" val="1"/>
+                </p:ext>
+              </p:extLst>
+            </p:nvPr>
+          </p:nvSpPr>
+          <p:spPr bwMode="auto">
+            <a:xfrm>
+              <a:off x="3175001" y="4730750"/>
+              <a:ext cx="519113" cy="1209675"/>
+            </a:xfrm>
+            <a:custGeom>
+              <a:avLst/>
+              <a:gdLst/>
+              <a:ahLst/>
+              <a:cxnLst/>
+              <a:rect l="0" t="0" r="r" b="b"/>
+              <a:pathLst>
+                <a:path w="132" h="308">
+                  <a:moveTo>
+                    <a:pt x="8" y="22"/>
+                  </a:moveTo>
+                  <a:cubicBezTo>
+                    <a:pt x="5" y="15"/>
+                    <a:pt x="2" y="8"/>
+                    <a:pt x="0" y="0"/>
+                  </a:cubicBezTo>
+                  <a:cubicBezTo>
+                    <a:pt x="0" y="10"/>
+                    <a:pt x="0" y="19"/>
+                    <a:pt x="0" y="29"/>
+                  </a:cubicBezTo>
+                  <a:cubicBezTo>
+                    <a:pt x="21" y="85"/>
+                    <a:pt x="44" y="140"/>
+                    <a:pt x="68" y="194"/>
+                  </a:cubicBezTo>
+                  <a:cubicBezTo>
+                    <a:pt x="85" y="232"/>
+                    <a:pt x="104" y="270"/>
+                    <a:pt x="123" y="308"/>
+                  </a:cubicBezTo>
+                  <a:cubicBezTo>
+                    <a:pt x="132" y="308"/>
+                    <a:pt x="132" y="308"/>
+                    <a:pt x="132" y="308"/>
+                  </a:cubicBezTo>
+                  <a:cubicBezTo>
+                    <a:pt x="113" y="269"/>
+                    <a:pt x="94" y="230"/>
+                    <a:pt x="77" y="190"/>
+                  </a:cubicBezTo>
+                  <a:cubicBezTo>
+                    <a:pt x="52" y="135"/>
+                    <a:pt x="29" y="79"/>
+                    <a:pt x="8" y="22"/>
+                  </a:cubicBezTo>
+                  <a:close/>
+                </a:path>
+              </a:pathLst>
+            </a:custGeom>
+            <a:grpFill/>
+            <a:ln>
+              <a:noFill/>
+            </a:ln>
+          </p:spPr>
+        </p:sp>
+        <p:sp>
+          <p:nvSpPr>
+            <p:cNvPr id="16" name="Forme libre 14">
+              <a:extLst>
+                <a:ext uri="{FF2B5EF4-FFF2-40B4-BE49-F238E27FC236}">
+                  <a16:creationId xmlns:a16="http://schemas.microsoft.com/office/drawing/2014/main" id="{75BD6E4A-797C-451B-B08F-D99C1A9D13F8}"/>
+                </a:ext>
+                <a:ext uri="{C183D7F6-B498-43B3-948B-1728B52AA6E4}">
+                  <adec:decorative xmlns:adec="http://schemas.microsoft.com/office/drawing/2017/decorative" xmlns="" val="1"/>
+                </a:ext>
+              </a:extLst>
+            </p:cNvPr>
+            <p:cNvSpPr/>
+            <p:nvPr>
+              <p:extLst>
+                <p:ext uri="{386F3935-93C4-4BCD-93E2-E3B085C9AB24}">
+                  <p16:designElem xmlns:p16="http://schemas.microsoft.com/office/powerpoint/2015/main" val="1"/>
+                </p:ext>
+              </p:extLst>
+            </p:nvPr>
+          </p:nvSpPr>
+          <p:spPr bwMode="auto">
+            <a:xfrm>
+              <a:off x="3305176" y="5630863"/>
+              <a:ext cx="146050" cy="309563"/>
+            </a:xfrm>
+            <a:custGeom>
+              <a:avLst/>
+              <a:gdLst/>
+              <a:ahLst/>
+              <a:cxnLst/>
+              <a:rect l="0" t="0" r="r" b="b"/>
+              <a:pathLst>
+                <a:path w="37" h="79">
+                  <a:moveTo>
+                    <a:pt x="28" y="79"/>
+                  </a:moveTo>
+                  <a:cubicBezTo>
+                    <a:pt x="37" y="79"/>
+                    <a:pt x="37" y="79"/>
+                    <a:pt x="37" y="79"/>
+                  </a:cubicBezTo>
+                  <a:cubicBezTo>
+                    <a:pt x="24" y="53"/>
+                    <a:pt x="12" y="27"/>
+                    <a:pt x="0" y="0"/>
+                  </a:cubicBezTo>
+                  <a:cubicBezTo>
+                    <a:pt x="8" y="27"/>
+                    <a:pt x="17" y="53"/>
+                    <a:pt x="28" y="79"/>
+                  </a:cubicBezTo>
+                  <a:close/>
+                </a:path>
+              </a:pathLst>
+            </a:custGeom>
+            <a:grpFill/>
+            <a:ln>
+              <a:noFill/>
+            </a:ln>
+          </p:spPr>
+        </p:sp>
+        <p:sp>
+          <p:nvSpPr>
+            <p:cNvPr id="17" name="Forme libre 15">
+              <a:extLst>
+                <a:ext uri="{FF2B5EF4-FFF2-40B4-BE49-F238E27FC236}">
+                  <a16:creationId xmlns:a16="http://schemas.microsoft.com/office/drawing/2014/main" id="{0D241082-BAFA-462E-827B-5814B020F5C2}"/>
+                </a:ext>
+                <a:ext uri="{C183D7F6-B498-43B3-948B-1728B52AA6E4}">
+                  <adec:decorative xmlns:adec="http://schemas.microsoft.com/office/drawing/2017/decorative" xmlns="" val="1"/>
+                </a:ext>
+              </a:extLst>
+            </p:cNvPr>
+            <p:cNvSpPr/>
+            <p:nvPr>
+              <p:extLst>
+                <p:ext uri="{386F3935-93C4-4BCD-93E2-E3B085C9AB24}">
+                  <p16:designElem xmlns:p16="http://schemas.microsoft.com/office/powerpoint/2015/main" val="1"/>
+                </p:ext>
+              </p:extLst>
+            </p:nvPr>
+          </p:nvSpPr>
+          <p:spPr bwMode="auto">
+            <a:xfrm>
+              <a:off x="2573338" y="2817813"/>
+              <a:ext cx="700088" cy="2835275"/>
+            </a:xfrm>
+            <a:custGeom>
+              <a:avLst/>
+              <a:gdLst/>
+              <a:ahLst/>
+              <a:cxnLst/>
+              <a:rect l="0" t="0" r="r" b="b"/>
+              <a:pathLst>
+                <a:path w="178" h="722">
+                  <a:moveTo>
+                    <a:pt x="162" y="660"/>
+                  </a:moveTo>
+                  <a:cubicBezTo>
+                    <a:pt x="145" y="618"/>
+                    <a:pt x="130" y="576"/>
+                    <a:pt x="116" y="534"/>
+                  </a:cubicBezTo>
+                  <a:cubicBezTo>
+                    <a:pt x="84" y="437"/>
+                    <a:pt x="59" y="337"/>
+                    <a:pt x="40" y="236"/>
+                  </a:cubicBezTo>
+                  <a:cubicBezTo>
+                    <a:pt x="29" y="175"/>
+                    <a:pt x="20" y="113"/>
+                    <a:pt x="12" y="51"/>
+                  </a:cubicBezTo>
+                  <a:cubicBezTo>
+                    <a:pt x="8" y="34"/>
+                    <a:pt x="4" y="17"/>
+                    <a:pt x="0" y="0"/>
+                  </a:cubicBezTo>
+                  <a:cubicBezTo>
+                    <a:pt x="8" y="79"/>
+                    <a:pt x="19" y="159"/>
+                    <a:pt x="33" y="237"/>
+                  </a:cubicBezTo>
+                  <a:cubicBezTo>
+                    <a:pt x="51" y="339"/>
+                    <a:pt x="76" y="439"/>
+                    <a:pt x="107" y="537"/>
+                  </a:cubicBezTo>
+                  <a:cubicBezTo>
+                    <a:pt x="123" y="586"/>
+                    <a:pt x="141" y="634"/>
+                    <a:pt x="160" y="681"/>
+                  </a:cubicBezTo>
+                  <a:cubicBezTo>
+                    <a:pt x="166" y="695"/>
+                    <a:pt x="172" y="708"/>
+                    <a:pt x="178" y="722"/>
+                  </a:cubicBezTo>
+                  <a:cubicBezTo>
+                    <a:pt x="176" y="717"/>
+                    <a:pt x="175" y="713"/>
+                    <a:pt x="174" y="708"/>
+                  </a:cubicBezTo>
+                  <a:cubicBezTo>
+                    <a:pt x="169" y="692"/>
+                    <a:pt x="165" y="676"/>
+                    <a:pt x="162" y="660"/>
+                  </a:cubicBezTo>
+                  <a:close/>
+                </a:path>
+              </a:pathLst>
+            </a:custGeom>
+            <a:grpFill/>
+            <a:ln>
+              <a:noFill/>
+            </a:ln>
+          </p:spPr>
+        </p:sp>
+        <p:sp>
+          <p:nvSpPr>
+            <p:cNvPr id="18" name="Forme libre 16">
+              <a:extLst>
+                <a:ext uri="{FF2B5EF4-FFF2-40B4-BE49-F238E27FC236}">
+                  <a16:creationId xmlns:a16="http://schemas.microsoft.com/office/drawing/2014/main" id="{2920CCBD-116D-450B-9608-99F05F7D78AE}"/>
+                </a:ext>
+                <a:ext uri="{C183D7F6-B498-43B3-948B-1728B52AA6E4}">
+                  <adec:decorative xmlns:adec="http://schemas.microsoft.com/office/drawing/2017/decorative" xmlns="" val="1"/>
+                </a:ext>
+              </a:extLst>
+            </p:cNvPr>
+            <p:cNvSpPr/>
+            <p:nvPr>
+              <p:extLst>
+                <p:ext uri="{386F3935-93C4-4BCD-93E2-E3B085C9AB24}">
+                  <p16:designElem xmlns:p16="http://schemas.microsoft.com/office/powerpoint/2015/main" val="1"/>
+                </p:ext>
+              </p:extLst>
+            </p:nvPr>
+          </p:nvSpPr>
+          <p:spPr bwMode="auto">
+            <a:xfrm>
+              <a:off x="2506663" y="285750"/>
+              <a:ext cx="90488" cy="2493963"/>
+            </a:xfrm>
+            <a:custGeom>
+              <a:avLst/>
+              <a:gdLst/>
+              <a:ahLst/>
+              <a:cxnLst/>
+              <a:rect l="0" t="0" r="r" b="b"/>
+              <a:pathLst>
+                <a:path w="23" h="635">
+                  <a:moveTo>
+                    <a:pt x="11" y="577"/>
+                  </a:moveTo>
+                  <a:cubicBezTo>
+                    <a:pt x="12" y="581"/>
+                    <a:pt x="12" y="585"/>
+                    <a:pt x="12" y="589"/>
+                  </a:cubicBezTo>
+                  <a:cubicBezTo>
+                    <a:pt x="15" y="603"/>
+                    <a:pt x="19" y="617"/>
+                    <a:pt x="22" y="632"/>
+                  </a:cubicBezTo>
+                  <a:cubicBezTo>
+                    <a:pt x="22" y="633"/>
+                    <a:pt x="22" y="634"/>
+                    <a:pt x="23" y="635"/>
+                  </a:cubicBezTo>
+                  <a:cubicBezTo>
+                    <a:pt x="21" y="615"/>
+                    <a:pt x="19" y="596"/>
+                    <a:pt x="17" y="576"/>
+                  </a:cubicBezTo>
+                  <a:cubicBezTo>
+                    <a:pt x="9" y="474"/>
+                    <a:pt x="5" y="372"/>
+                    <a:pt x="5" y="269"/>
+                  </a:cubicBezTo>
+                  <a:cubicBezTo>
+                    <a:pt x="6" y="179"/>
+                    <a:pt x="9" y="90"/>
+                    <a:pt x="15" y="0"/>
+                  </a:cubicBezTo>
+                  <a:cubicBezTo>
+                    <a:pt x="12" y="0"/>
+                    <a:pt x="12" y="0"/>
+                    <a:pt x="12" y="0"/>
+                  </a:cubicBezTo>
+                  <a:cubicBezTo>
+                    <a:pt x="5" y="89"/>
+                    <a:pt x="2" y="179"/>
+                    <a:pt x="1" y="269"/>
+                  </a:cubicBezTo>
+                  <a:cubicBezTo>
+                    <a:pt x="0" y="372"/>
+                    <a:pt x="3" y="474"/>
+                    <a:pt x="11" y="577"/>
+                  </a:cubicBezTo>
+                  <a:close/>
+                </a:path>
+              </a:pathLst>
+            </a:custGeom>
+            <a:grpFill/>
+            <a:ln>
+              <a:noFill/>
+            </a:ln>
+          </p:spPr>
+        </p:sp>
+        <p:sp>
+          <p:nvSpPr>
+            <p:cNvPr id="19" name="Forme libre 17">
+              <a:extLst>
+                <a:ext uri="{FF2B5EF4-FFF2-40B4-BE49-F238E27FC236}">
+                  <a16:creationId xmlns:a16="http://schemas.microsoft.com/office/drawing/2014/main" id="{A57CD3DE-CEAF-4BD4-A5EF-24B3E622BB59}"/>
+                </a:ext>
+                <a:ext uri="{C183D7F6-B498-43B3-948B-1728B52AA6E4}">
+                  <adec:decorative xmlns:adec="http://schemas.microsoft.com/office/drawing/2017/decorative" xmlns="" val="1"/>
+                </a:ext>
+              </a:extLst>
+            </p:cNvPr>
+            <p:cNvSpPr/>
+            <p:nvPr>
+              <p:extLst>
+                <p:ext uri="{386F3935-93C4-4BCD-93E2-E3B085C9AB24}">
+                  <p16:designElem xmlns:p16="http://schemas.microsoft.com/office/powerpoint/2015/main" val="1"/>
+                </p:ext>
+              </p:extLst>
+            </p:nvPr>
+          </p:nvSpPr>
+          <p:spPr bwMode="auto">
+            <a:xfrm>
+              <a:off x="2554288" y="2598738"/>
+              <a:ext cx="66675" cy="420688"/>
+            </a:xfrm>
+            <a:custGeom>
+              <a:avLst/>
+              <a:gdLst/>
+              <a:ahLst/>
+              <a:cxnLst/>
+              <a:rect l="0" t="0" r="r" b="b"/>
+              <a:pathLst>
+                <a:path w="17" h="107">
+                  <a:moveTo>
+                    <a:pt x="0" y="0"/>
+                  </a:moveTo>
+                  <a:cubicBezTo>
+                    <a:pt x="2" y="19"/>
+                    <a:pt x="3" y="37"/>
+                    <a:pt x="5" y="56"/>
+                  </a:cubicBezTo>
+                  <a:cubicBezTo>
+                    <a:pt x="9" y="73"/>
+                    <a:pt x="13" y="90"/>
+                    <a:pt x="17" y="107"/>
+                  </a:cubicBezTo>
+                  <a:cubicBezTo>
+                    <a:pt x="15" y="87"/>
+                    <a:pt x="13" y="66"/>
+                    <a:pt x="11" y="46"/>
+                  </a:cubicBezTo>
+                  <a:cubicBezTo>
+                    <a:pt x="10" y="45"/>
+                    <a:pt x="10" y="44"/>
+                    <a:pt x="10" y="43"/>
+                  </a:cubicBezTo>
+                  <a:cubicBezTo>
+                    <a:pt x="7" y="28"/>
+                    <a:pt x="3" y="14"/>
+                    <a:pt x="0" y="0"/>
+                  </a:cubicBezTo>
+                  <a:close/>
+                </a:path>
+              </a:pathLst>
+            </a:custGeom>
+            <a:grpFill/>
+            <a:ln>
+              <a:noFill/>
+            </a:ln>
+          </p:spPr>
+        </p:sp>
+        <p:sp>
+          <p:nvSpPr>
+            <p:cNvPr id="20" name="Forme libre 18">
+              <a:extLst>
+                <a:ext uri="{FF2B5EF4-FFF2-40B4-BE49-F238E27FC236}">
+                  <a16:creationId xmlns:a16="http://schemas.microsoft.com/office/drawing/2014/main" id="{4EC3258C-366B-4629-A7D3-5173D3637D84}"/>
+                </a:ext>
+                <a:ext uri="{C183D7F6-B498-43B3-948B-1728B52AA6E4}">
+                  <adec:decorative xmlns:adec="http://schemas.microsoft.com/office/drawing/2017/decorative" xmlns="" val="1"/>
+                </a:ext>
+              </a:extLst>
+            </p:cNvPr>
+            <p:cNvSpPr/>
+            <p:nvPr>
+              <p:extLst>
+                <p:ext uri="{386F3935-93C4-4BCD-93E2-E3B085C9AB24}">
+                  <p16:designElem xmlns:p16="http://schemas.microsoft.com/office/powerpoint/2015/main" val="1"/>
+                </p:ext>
+              </p:extLst>
+            </p:nvPr>
+          </p:nvSpPr>
+          <p:spPr bwMode="auto">
+            <a:xfrm>
+              <a:off x="3143251" y="4757738"/>
+              <a:ext cx="161925" cy="873125"/>
+            </a:xfrm>
+            <a:custGeom>
+              <a:avLst/>
+              <a:gdLst/>
+              <a:ahLst/>
+              <a:cxnLst/>
+              <a:rect l="0" t="0" r="r" b="b"/>
+              <a:pathLst>
+                <a:path w="41" h="222">
+                  <a:moveTo>
+                    <a:pt x="0" y="0"/>
+                  </a:moveTo>
+                  <a:cubicBezTo>
+                    <a:pt x="0" y="31"/>
+                    <a:pt x="2" y="62"/>
+                    <a:pt x="5" y="93"/>
+                  </a:cubicBezTo>
+                  <a:cubicBezTo>
+                    <a:pt x="8" y="117"/>
+                    <a:pt x="12" y="142"/>
+                    <a:pt x="17" y="166"/>
+                  </a:cubicBezTo>
+                  <a:cubicBezTo>
+                    <a:pt x="19" y="172"/>
+                    <a:pt x="22" y="178"/>
+                    <a:pt x="24" y="184"/>
+                  </a:cubicBezTo>
+                  <a:cubicBezTo>
+                    <a:pt x="30" y="197"/>
+                    <a:pt x="35" y="209"/>
+                    <a:pt x="41" y="222"/>
+                  </a:cubicBezTo>
+                  <a:cubicBezTo>
+                    <a:pt x="40" y="219"/>
+                    <a:pt x="39" y="215"/>
+                    <a:pt x="38" y="212"/>
+                  </a:cubicBezTo>
+                  <a:cubicBezTo>
+                    <a:pt x="26" y="172"/>
+                    <a:pt x="18" y="132"/>
+                    <a:pt x="13" y="92"/>
+                  </a:cubicBezTo>
+                  <a:cubicBezTo>
+                    <a:pt x="11" y="68"/>
+                    <a:pt x="9" y="45"/>
+                    <a:pt x="8" y="22"/>
+                  </a:cubicBezTo>
+                  <a:cubicBezTo>
+                    <a:pt x="8" y="21"/>
+                    <a:pt x="7" y="20"/>
+                    <a:pt x="7" y="18"/>
+                  </a:cubicBezTo>
+                  <a:cubicBezTo>
+                    <a:pt x="5" y="12"/>
+                    <a:pt x="2" y="6"/>
+                    <a:pt x="0" y="0"/>
+                  </a:cubicBezTo>
+                  <a:close/>
+                </a:path>
+              </a:pathLst>
+            </a:custGeom>
+            <a:grpFill/>
+            <a:ln>
+              <a:noFill/>
+            </a:ln>
+          </p:spPr>
+        </p:sp>
+        <p:sp>
+          <p:nvSpPr>
+            <p:cNvPr id="21" name="Forme libre 19">
+              <a:extLst>
+                <a:ext uri="{FF2B5EF4-FFF2-40B4-BE49-F238E27FC236}">
+                  <a16:creationId xmlns:a16="http://schemas.microsoft.com/office/drawing/2014/main" id="{D444D63A-CE2B-4ACD-BA0E-4ADECAD86F0A}"/>
+                </a:ext>
+                <a:ext uri="{C183D7F6-B498-43B3-948B-1728B52AA6E4}">
+                  <adec:decorative xmlns:adec="http://schemas.microsoft.com/office/drawing/2017/decorative" xmlns="" val="1"/>
+                </a:ext>
+              </a:extLst>
+            </p:cNvPr>
+            <p:cNvSpPr/>
+            <p:nvPr>
+              <p:extLst>
+                <p:ext uri="{386F3935-93C4-4BCD-93E2-E3B085C9AB24}">
+                  <p16:designElem xmlns:p16="http://schemas.microsoft.com/office/powerpoint/2015/main" val="1"/>
+                </p:ext>
+              </p:extLst>
+            </p:nvPr>
+          </p:nvSpPr>
+          <p:spPr bwMode="auto">
+            <a:xfrm>
+              <a:off x="3148013" y="1282700"/>
+              <a:ext cx="1768475" cy="3448050"/>
+            </a:xfrm>
+            <a:custGeom>
+              <a:avLst/>
+              <a:gdLst/>
+              <a:ahLst/>
+              <a:cxnLst/>
+              <a:rect l="0" t="0" r="r" b="b"/>
+              <a:pathLst>
+                <a:path w="450" h="878">
+                  <a:moveTo>
+                    <a:pt x="7" y="854"/>
+                  </a:moveTo>
+                  <a:cubicBezTo>
+                    <a:pt x="10" y="772"/>
+                    <a:pt x="26" y="691"/>
+                    <a:pt x="50" y="613"/>
+                  </a:cubicBezTo>
+                  <a:cubicBezTo>
+                    <a:pt x="75" y="535"/>
+                    <a:pt x="109" y="460"/>
+                    <a:pt x="149" y="388"/>
+                  </a:cubicBezTo>
+                  <a:cubicBezTo>
+                    <a:pt x="189" y="316"/>
+                    <a:pt x="235" y="248"/>
+                    <a:pt x="285" y="183"/>
+                  </a:cubicBezTo>
+                  <a:cubicBezTo>
+                    <a:pt x="310" y="151"/>
+                    <a:pt x="337" y="119"/>
+                    <a:pt x="364" y="89"/>
+                  </a:cubicBezTo>
+                  <a:cubicBezTo>
+                    <a:pt x="378" y="74"/>
+                    <a:pt x="392" y="58"/>
+                    <a:pt x="406" y="44"/>
+                  </a:cubicBezTo>
+                  <a:cubicBezTo>
+                    <a:pt x="421" y="29"/>
+                    <a:pt x="435" y="15"/>
+                    <a:pt x="450" y="1"/>
+                  </a:cubicBezTo>
+                  <a:cubicBezTo>
+                    <a:pt x="450" y="0"/>
+                    <a:pt x="450" y="0"/>
+                    <a:pt x="450" y="0"/>
+                  </a:cubicBezTo>
+                  <a:cubicBezTo>
+                    <a:pt x="434" y="14"/>
+                    <a:pt x="420" y="28"/>
+                    <a:pt x="405" y="43"/>
+                  </a:cubicBezTo>
+                  <a:cubicBezTo>
+                    <a:pt x="391" y="57"/>
+                    <a:pt x="377" y="72"/>
+                    <a:pt x="363" y="88"/>
+                  </a:cubicBezTo>
+                  <a:cubicBezTo>
+                    <a:pt x="335" y="118"/>
+                    <a:pt x="308" y="149"/>
+                    <a:pt x="283" y="181"/>
+                  </a:cubicBezTo>
+                  <a:cubicBezTo>
+                    <a:pt x="232" y="246"/>
+                    <a:pt x="185" y="314"/>
+                    <a:pt x="145" y="386"/>
+                  </a:cubicBezTo>
+                  <a:cubicBezTo>
+                    <a:pt x="104" y="457"/>
+                    <a:pt x="70" y="533"/>
+                    <a:pt x="45" y="611"/>
+                  </a:cubicBezTo>
+                  <a:cubicBezTo>
+                    <a:pt x="19" y="690"/>
+                    <a:pt x="3" y="771"/>
+                    <a:pt x="0" y="854"/>
+                  </a:cubicBezTo>
+                  <a:cubicBezTo>
+                    <a:pt x="0" y="856"/>
+                    <a:pt x="0" y="857"/>
+                    <a:pt x="0" y="859"/>
+                  </a:cubicBezTo>
+                  <a:cubicBezTo>
+                    <a:pt x="2" y="865"/>
+                    <a:pt x="4" y="872"/>
+                    <a:pt x="7" y="878"/>
+                  </a:cubicBezTo>
+                  <a:cubicBezTo>
+                    <a:pt x="7" y="870"/>
+                    <a:pt x="7" y="862"/>
+                    <a:pt x="7" y="854"/>
+                  </a:cubicBezTo>
+                  <a:close/>
+                </a:path>
+              </a:pathLst>
+            </a:custGeom>
+            <a:grpFill/>
+            <a:ln>
+              <a:noFill/>
+            </a:ln>
+          </p:spPr>
+        </p:sp>
+        <p:sp>
+          <p:nvSpPr>
+            <p:cNvPr id="22" name="Forme libre 20">
+              <a:extLst>
+                <a:ext uri="{FF2B5EF4-FFF2-40B4-BE49-F238E27FC236}">
+                  <a16:creationId xmlns:a16="http://schemas.microsoft.com/office/drawing/2014/main" id="{7A504DF6-187A-4A54-96E8-3F3F28AAAA3B}"/>
+                </a:ext>
+                <a:ext uri="{C183D7F6-B498-43B3-948B-1728B52AA6E4}">
+                  <adec:decorative xmlns:adec="http://schemas.microsoft.com/office/drawing/2017/decorative" xmlns="" val="1"/>
+                </a:ext>
+              </a:extLst>
+            </p:cNvPr>
+            <p:cNvSpPr/>
+            <p:nvPr>
+              <p:extLst>
+                <p:ext uri="{386F3935-93C4-4BCD-93E2-E3B085C9AB24}">
+                  <p16:designElem xmlns:p16="http://schemas.microsoft.com/office/powerpoint/2015/main" val="1"/>
+                </p:ext>
+              </p:extLst>
+            </p:nvPr>
+          </p:nvSpPr>
+          <p:spPr bwMode="auto">
+            <a:xfrm>
+              <a:off x="3273426" y="5653088"/>
+              <a:ext cx="138113" cy="287338"/>
+            </a:xfrm>
+            <a:custGeom>
+              <a:avLst/>
+              <a:gdLst/>
+              <a:ahLst/>
+              <a:cxnLst/>
+              <a:rect l="0" t="0" r="r" b="b"/>
+              <a:pathLst>
+                <a:path w="35" h="73">
+                  <a:moveTo>
+                    <a:pt x="0" y="0"/>
+                  </a:moveTo>
+                  <a:cubicBezTo>
+                    <a:pt x="7" y="24"/>
+                    <a:pt x="16" y="49"/>
+                    <a:pt x="26" y="73"/>
+                  </a:cubicBezTo>
+                  <a:cubicBezTo>
+                    <a:pt x="35" y="73"/>
+                    <a:pt x="35" y="73"/>
+                    <a:pt x="35" y="73"/>
+                  </a:cubicBezTo>
+                  <a:cubicBezTo>
+                    <a:pt x="23" y="49"/>
+                    <a:pt x="11" y="24"/>
+                    <a:pt x="0" y="0"/>
+                  </a:cubicBezTo>
+                  <a:close/>
+                </a:path>
+              </a:pathLst>
+            </a:custGeom>
+            <a:grpFill/>
+            <a:ln>
+              <a:noFill/>
+            </a:ln>
+          </p:spPr>
+        </p:sp>
+        <p:sp>
+          <p:nvSpPr>
+            <p:cNvPr id="23" name="Forme libre 21">
+              <a:extLst>
+                <a:ext uri="{FF2B5EF4-FFF2-40B4-BE49-F238E27FC236}">
+                  <a16:creationId xmlns:a16="http://schemas.microsoft.com/office/drawing/2014/main" id="{FE04C6F5-6DC5-4C7E-9278-9BE624FC7829}"/>
+                </a:ext>
+                <a:ext uri="{C183D7F6-B498-43B3-948B-1728B52AA6E4}">
+                  <adec:decorative xmlns:adec="http://schemas.microsoft.com/office/drawing/2017/decorative" xmlns="" val="1"/>
+                </a:ext>
+              </a:extLst>
+            </p:cNvPr>
+            <p:cNvSpPr/>
+            <p:nvPr>
+              <p:extLst>
+                <p:ext uri="{386F3935-93C4-4BCD-93E2-E3B085C9AB24}">
+                  <p16:designElem xmlns:p16="http://schemas.microsoft.com/office/powerpoint/2015/main" val="1"/>
+                </p:ext>
+              </p:extLst>
+            </p:nvPr>
+          </p:nvSpPr>
+          <p:spPr bwMode="auto">
+            <a:xfrm>
+              <a:off x="3143251" y="4656138"/>
+              <a:ext cx="31750" cy="188913"/>
+            </a:xfrm>
+            <a:custGeom>
+              <a:avLst/>
+              <a:gdLst/>
+              <a:ahLst/>
+              <a:cxnLst/>
+              <a:rect l="0" t="0" r="r" b="b"/>
+              <a:pathLst>
+                <a:path w="8" h="48">
+                  <a:moveTo>
+                    <a:pt x="7" y="44"/>
+                  </a:moveTo>
+                  <a:cubicBezTo>
+                    <a:pt x="7" y="46"/>
+                    <a:pt x="8" y="47"/>
+                    <a:pt x="8" y="48"/>
+                  </a:cubicBezTo>
+                  <a:cubicBezTo>
+                    <a:pt x="8" y="38"/>
+                    <a:pt x="8" y="29"/>
+                    <a:pt x="8" y="19"/>
+                  </a:cubicBezTo>
+                  <a:cubicBezTo>
+                    <a:pt x="5" y="13"/>
+                    <a:pt x="3" y="6"/>
+                    <a:pt x="1" y="0"/>
+                  </a:cubicBezTo>
+                  <a:cubicBezTo>
+                    <a:pt x="0" y="9"/>
+                    <a:pt x="0" y="17"/>
+                    <a:pt x="0" y="26"/>
+                  </a:cubicBezTo>
+                  <a:cubicBezTo>
+                    <a:pt x="2" y="32"/>
+                    <a:pt x="5" y="38"/>
+                    <a:pt x="7" y="44"/>
+                  </a:cubicBezTo>
+                  <a:close/>
+                </a:path>
+              </a:pathLst>
+            </a:custGeom>
+            <a:grpFill/>
+            <a:ln>
+              <a:noFill/>
+            </a:ln>
+          </p:spPr>
+        </p:sp>
+        <p:sp>
+          <p:nvSpPr>
+            <p:cNvPr id="24" name="Forme libre 22">
+              <a:extLst>
+                <a:ext uri="{FF2B5EF4-FFF2-40B4-BE49-F238E27FC236}">
+                  <a16:creationId xmlns:a16="http://schemas.microsoft.com/office/drawing/2014/main" id="{94A02D9B-E6A9-4D6A-9D2A-D81C76802457}"/>
+                </a:ext>
+                <a:ext uri="{C183D7F6-B498-43B3-948B-1728B52AA6E4}">
+                  <adec:decorative xmlns:adec="http://schemas.microsoft.com/office/drawing/2017/decorative" xmlns="" val="1"/>
+                </a:ext>
+              </a:extLst>
+            </p:cNvPr>
+            <p:cNvSpPr/>
+            <p:nvPr>
+              <p:extLst>
+                <p:ext uri="{386F3935-93C4-4BCD-93E2-E3B085C9AB24}">
+                  <p16:designElem xmlns:p16="http://schemas.microsoft.com/office/powerpoint/2015/main" val="1"/>
+                </p:ext>
+              </p:extLst>
+            </p:nvPr>
+          </p:nvSpPr>
+          <p:spPr bwMode="auto">
+            <a:xfrm>
+              <a:off x="3211513" y="5410200"/>
+              <a:ext cx="203200" cy="530225"/>
+            </a:xfrm>
+            <a:custGeom>
+              <a:avLst/>
+              <a:gdLst/>
+              <a:ahLst/>
+              <a:cxnLst/>
+              <a:rect l="0" t="0" r="r" b="b"/>
+              <a:pathLst>
+                <a:path w="52" h="135">
+                  <a:moveTo>
+                    <a:pt x="7" y="18"/>
+                  </a:moveTo>
+                  <a:cubicBezTo>
+                    <a:pt x="5" y="12"/>
+                    <a:pt x="2" y="6"/>
+                    <a:pt x="0" y="0"/>
+                  </a:cubicBezTo>
+                  <a:cubicBezTo>
+                    <a:pt x="3" y="16"/>
+                    <a:pt x="7" y="32"/>
+                    <a:pt x="12" y="48"/>
+                  </a:cubicBezTo>
+                  <a:cubicBezTo>
+                    <a:pt x="13" y="53"/>
+                    <a:pt x="14" y="57"/>
+                    <a:pt x="16" y="62"/>
+                  </a:cubicBezTo>
+                  <a:cubicBezTo>
+                    <a:pt x="27" y="86"/>
+                    <a:pt x="39" y="111"/>
+                    <a:pt x="51" y="135"/>
+                  </a:cubicBezTo>
+                  <a:cubicBezTo>
+                    <a:pt x="52" y="135"/>
+                    <a:pt x="52" y="135"/>
+                    <a:pt x="52" y="135"/>
+                  </a:cubicBezTo>
+                  <a:cubicBezTo>
+                    <a:pt x="41" y="109"/>
+                    <a:pt x="32" y="83"/>
+                    <a:pt x="24" y="56"/>
+                  </a:cubicBezTo>
+                  <a:cubicBezTo>
+                    <a:pt x="18" y="43"/>
+                    <a:pt x="13" y="31"/>
+                    <a:pt x="7" y="18"/>
+                  </a:cubicBezTo>
+                  <a:close/>
+                </a:path>
+              </a:pathLst>
+            </a:custGeom>
+            <a:grpFill/>
+            <a:ln>
+              <a:noFill/>
+            </a:ln>
+          </p:spPr>
+        </p:sp>
+      </p:grpSp>
+      <p:grpSp>
+        <p:nvGrpSpPr>
+          <p:cNvPr id="26" name="Groupe 25">
+            <a:extLst>
+              <a:ext uri="{FF2B5EF4-FFF2-40B4-BE49-F238E27FC236}">
+                <a16:creationId xmlns:a16="http://schemas.microsoft.com/office/drawing/2014/main" id="{B78034A6-3565-46AA-9E73-1C954666ABB4}"/>
+              </a:ext>
+              <a:ext uri="{C183D7F6-B498-43B3-948B-1728B52AA6E4}">
+                <adec:decorative xmlns:adec="http://schemas.microsoft.com/office/drawing/2017/decorative" xmlns="" val="1"/>
+              </a:ext>
+            </a:extLst>
+          </p:cNvPr>
+          <p:cNvGrpSpPr>
+            <a:grpSpLocks noGrp="1" noUngrp="1" noRot="1" noChangeAspect="1" noMove="1" noResize="1"/>
+          </p:cNvGrpSpPr>
+          <p:nvPr>
+            <p:extLst>
+              <p:ext uri="{386F3935-93C4-4BCD-93E2-E3B085C9AB24}">
+                <p16:designElem xmlns:p16="http://schemas.microsoft.com/office/powerpoint/2015/main" val="1"/>
+              </p:ext>
+            </p:extLst>
+          </p:nvPr>
+        </p:nvGrpSpPr>
+        <p:grpSpPr>
+          <a:xfrm>
+            <a:off x="27224" y="-30"/>
+            <a:ext cx="2356675" cy="6853284"/>
+            <a:chOff x="6627813" y="195452"/>
+            <a:chExt cx="1952625" cy="5678299"/>
+          </a:xfrm>
+          <a:solidFill>
+            <a:schemeClr val="accent1"/>
+          </a:solidFill>
+        </p:grpSpPr>
+        <p:sp>
+          <p:nvSpPr>
+            <p:cNvPr id="27" name="Forme libre 27">
+              <a:extLst>
+                <a:ext uri="{FF2B5EF4-FFF2-40B4-BE49-F238E27FC236}">
+                  <a16:creationId xmlns:a16="http://schemas.microsoft.com/office/drawing/2014/main" id="{04947AA2-A772-42CB-9CEC-065095D3DC79}"/>
+                </a:ext>
+                <a:ext uri="{C183D7F6-B498-43B3-948B-1728B52AA6E4}">
+                  <adec:decorative xmlns:adec="http://schemas.microsoft.com/office/drawing/2017/decorative" xmlns="" val="1"/>
+                </a:ext>
+              </a:extLst>
+            </p:cNvPr>
+            <p:cNvSpPr/>
+            <p:nvPr>
+              <p:extLst>
+                <p:ext uri="{386F3935-93C4-4BCD-93E2-E3B085C9AB24}">
+                  <p16:designElem xmlns:p16="http://schemas.microsoft.com/office/powerpoint/2015/main" val="1"/>
+                </p:ext>
+              </p:extLst>
+            </p:nvPr>
+          </p:nvSpPr>
+          <p:spPr bwMode="auto">
+            <a:xfrm>
+              <a:off x="6627813" y="195452"/>
+              <a:ext cx="409575" cy="3646488"/>
+            </a:xfrm>
+            <a:custGeom>
+              <a:avLst/>
+              <a:gdLst/>
+              <a:ahLst/>
+              <a:cxnLst/>
+              <a:rect l="0" t="0" r="r" b="b"/>
+              <a:pathLst>
+                <a:path w="103" h="920">
+                  <a:moveTo>
+                    <a:pt x="7" y="210"/>
+                  </a:moveTo>
+                  <a:cubicBezTo>
+                    <a:pt x="11" y="288"/>
+                    <a:pt x="17" y="367"/>
+                    <a:pt x="26" y="445"/>
+                  </a:cubicBezTo>
+                  <a:cubicBezTo>
+                    <a:pt x="34" y="523"/>
+                    <a:pt x="44" y="601"/>
+                    <a:pt x="57" y="679"/>
+                  </a:cubicBezTo>
+                  <a:cubicBezTo>
+                    <a:pt x="69" y="757"/>
+                    <a:pt x="84" y="834"/>
+                    <a:pt x="101" y="911"/>
+                  </a:cubicBezTo>
+                  <a:cubicBezTo>
+                    <a:pt x="102" y="914"/>
+                    <a:pt x="103" y="917"/>
+                    <a:pt x="103" y="920"/>
+                  </a:cubicBezTo>
+                  <a:cubicBezTo>
+                    <a:pt x="102" y="905"/>
+                    <a:pt x="100" y="889"/>
+                    <a:pt x="99" y="874"/>
+                  </a:cubicBezTo>
+                  <a:cubicBezTo>
+                    <a:pt x="99" y="871"/>
+                    <a:pt x="99" y="868"/>
+                    <a:pt x="99" y="866"/>
+                  </a:cubicBezTo>
+                  <a:cubicBezTo>
+                    <a:pt x="85" y="803"/>
+                    <a:pt x="73" y="741"/>
+                    <a:pt x="63" y="678"/>
+                  </a:cubicBezTo>
+                  <a:cubicBezTo>
+                    <a:pt x="50" y="600"/>
+                    <a:pt x="39" y="523"/>
+                    <a:pt x="30" y="444"/>
+                  </a:cubicBezTo>
+                  <a:cubicBezTo>
+                    <a:pt x="21" y="366"/>
+                    <a:pt x="14" y="288"/>
+                    <a:pt x="9" y="209"/>
+                  </a:cubicBezTo>
+                  <a:cubicBezTo>
+                    <a:pt x="7" y="170"/>
+                    <a:pt x="5" y="131"/>
+                    <a:pt x="3" y="92"/>
+                  </a:cubicBezTo>
+                  <a:cubicBezTo>
+                    <a:pt x="2" y="61"/>
+                    <a:pt x="1" y="31"/>
+                    <a:pt x="1" y="0"/>
+                  </a:cubicBezTo>
+                  <a:cubicBezTo>
+                    <a:pt x="0" y="0"/>
+                    <a:pt x="0" y="0"/>
+                    <a:pt x="0" y="0"/>
+                  </a:cubicBezTo>
+                  <a:cubicBezTo>
+                    <a:pt x="0" y="31"/>
+                    <a:pt x="1" y="61"/>
+                    <a:pt x="1" y="92"/>
+                  </a:cubicBezTo>
+                  <a:cubicBezTo>
+                    <a:pt x="3" y="131"/>
+                    <a:pt x="4" y="170"/>
+                    <a:pt x="7" y="210"/>
+                  </a:cubicBezTo>
+                  <a:close/>
+                </a:path>
+              </a:pathLst>
+            </a:custGeom>
+            <a:grpFill/>
+            <a:ln>
+              <a:noFill/>
+            </a:ln>
+          </p:spPr>
+        </p:sp>
+        <p:sp>
+          <p:nvSpPr>
+            <p:cNvPr id="28" name="Forme libre 28">
+              <a:extLst>
+                <a:ext uri="{FF2B5EF4-FFF2-40B4-BE49-F238E27FC236}">
+                  <a16:creationId xmlns:a16="http://schemas.microsoft.com/office/drawing/2014/main" id="{83C52D84-DEC1-4E16-972E-8EEA5D52245F}"/>
+                </a:ext>
+                <a:ext uri="{C183D7F6-B498-43B3-948B-1728B52AA6E4}">
+                  <adec:decorative xmlns:adec="http://schemas.microsoft.com/office/drawing/2017/decorative" xmlns="" val="1"/>
+                </a:ext>
+              </a:extLst>
+            </p:cNvPr>
+            <p:cNvSpPr/>
+            <p:nvPr>
+              <p:extLst>
+                <p:ext uri="{386F3935-93C4-4BCD-93E2-E3B085C9AB24}">
+                  <p16:designElem xmlns:p16="http://schemas.microsoft.com/office/powerpoint/2015/main" val="1"/>
+                </p:ext>
+              </p:extLst>
+            </p:nvPr>
+          </p:nvSpPr>
+          <p:spPr bwMode="auto">
+            <a:xfrm>
+              <a:off x="7061201" y="3771900"/>
+              <a:ext cx="350838" cy="1309688"/>
+            </a:xfrm>
+            <a:custGeom>
+              <a:avLst/>
+              <a:gdLst/>
+              <a:ahLst/>
+              <a:cxnLst/>
+              <a:rect l="0" t="0" r="r" b="b"/>
+              <a:pathLst>
+                <a:path w="88" h="330">
+                  <a:moveTo>
+                    <a:pt x="53" y="229"/>
+                  </a:moveTo>
+                  <a:cubicBezTo>
+                    <a:pt x="64" y="263"/>
+                    <a:pt x="75" y="297"/>
+                    <a:pt x="88" y="330"/>
+                  </a:cubicBezTo>
+                  <a:cubicBezTo>
+                    <a:pt x="88" y="323"/>
+                    <a:pt x="88" y="315"/>
+                    <a:pt x="88" y="308"/>
+                  </a:cubicBezTo>
+                  <a:cubicBezTo>
+                    <a:pt x="88" y="307"/>
+                    <a:pt x="88" y="305"/>
+                    <a:pt x="88" y="304"/>
+                  </a:cubicBezTo>
+                  <a:cubicBezTo>
+                    <a:pt x="79" y="278"/>
+                    <a:pt x="70" y="252"/>
+                    <a:pt x="62" y="226"/>
+                  </a:cubicBezTo>
+                  <a:cubicBezTo>
+                    <a:pt x="38" y="152"/>
+                    <a:pt x="17" y="76"/>
+                    <a:pt x="0" y="0"/>
+                  </a:cubicBezTo>
+                  <a:cubicBezTo>
+                    <a:pt x="2" y="21"/>
+                    <a:pt x="4" y="42"/>
+                    <a:pt x="7" y="63"/>
+                  </a:cubicBezTo>
+                  <a:cubicBezTo>
+                    <a:pt x="21" y="119"/>
+                    <a:pt x="36" y="174"/>
+                    <a:pt x="53" y="229"/>
+                  </a:cubicBezTo>
+                  <a:close/>
+                </a:path>
+              </a:pathLst>
+            </a:custGeom>
+            <a:grpFill/>
+            <a:ln>
+              <a:noFill/>
+            </a:ln>
+          </p:spPr>
+        </p:sp>
+        <p:sp>
+          <p:nvSpPr>
+            <p:cNvPr id="29" name="Forme libre 29">
+              <a:extLst>
+                <a:ext uri="{FF2B5EF4-FFF2-40B4-BE49-F238E27FC236}">
+                  <a16:creationId xmlns:a16="http://schemas.microsoft.com/office/drawing/2014/main" id="{2036A28D-EF09-41F7-906F-CF4053615AE0}"/>
+                </a:ext>
+                <a:ext uri="{C183D7F6-B498-43B3-948B-1728B52AA6E4}">
+                  <adec:decorative xmlns:adec="http://schemas.microsoft.com/office/drawing/2017/decorative" xmlns="" val="1"/>
+                </a:ext>
+              </a:extLst>
+            </p:cNvPr>
+            <p:cNvSpPr/>
+            <p:nvPr>
+              <p:extLst>
+                <p:ext uri="{386F3935-93C4-4BCD-93E2-E3B085C9AB24}">
+                  <p16:designElem xmlns:p16="http://schemas.microsoft.com/office/powerpoint/2015/main" val="1"/>
+                </p:ext>
+              </p:extLst>
+            </p:nvPr>
+          </p:nvSpPr>
+          <p:spPr bwMode="auto">
+            <a:xfrm>
+              <a:off x="7439026" y="5053013"/>
+              <a:ext cx="357188" cy="820738"/>
+            </a:xfrm>
+            <a:custGeom>
+              <a:avLst/>
+              <a:gdLst/>
+              <a:ahLst/>
+              <a:cxnLst/>
+              <a:rect l="0" t="0" r="r" b="b"/>
+              <a:pathLst>
+                <a:path w="90" h="207">
+                  <a:moveTo>
+                    <a:pt x="6" y="15"/>
+                  </a:moveTo>
+                  <a:cubicBezTo>
+                    <a:pt x="4" y="10"/>
+                    <a:pt x="2" y="5"/>
+                    <a:pt x="0" y="0"/>
+                  </a:cubicBezTo>
+                  <a:cubicBezTo>
+                    <a:pt x="0" y="9"/>
+                    <a:pt x="0" y="19"/>
+                    <a:pt x="1" y="29"/>
+                  </a:cubicBezTo>
+                  <a:cubicBezTo>
+                    <a:pt x="14" y="62"/>
+                    <a:pt x="27" y="95"/>
+                    <a:pt x="42" y="127"/>
+                  </a:cubicBezTo>
+                  <a:cubicBezTo>
+                    <a:pt x="54" y="154"/>
+                    <a:pt x="67" y="181"/>
+                    <a:pt x="80" y="207"/>
+                  </a:cubicBezTo>
+                  <a:cubicBezTo>
+                    <a:pt x="90" y="207"/>
+                    <a:pt x="90" y="207"/>
+                    <a:pt x="90" y="207"/>
+                  </a:cubicBezTo>
+                  <a:cubicBezTo>
+                    <a:pt x="76" y="180"/>
+                    <a:pt x="63" y="152"/>
+                    <a:pt x="50" y="123"/>
+                  </a:cubicBezTo>
+                  <a:cubicBezTo>
+                    <a:pt x="34" y="88"/>
+                    <a:pt x="20" y="51"/>
+                    <a:pt x="6" y="15"/>
+                  </a:cubicBezTo>
+                  <a:close/>
+                </a:path>
+              </a:pathLst>
+            </a:custGeom>
+            <a:grpFill/>
+            <a:ln>
+              <a:noFill/>
+            </a:ln>
+          </p:spPr>
+        </p:sp>
+        <p:sp>
+          <p:nvSpPr>
+            <p:cNvPr id="30" name="Forme libre 30">
+              <a:extLst>
+                <a:ext uri="{FF2B5EF4-FFF2-40B4-BE49-F238E27FC236}">
+                  <a16:creationId xmlns:a16="http://schemas.microsoft.com/office/drawing/2014/main" id="{EE8D92C7-C907-4120-95E3-80E3DC85BBA4}"/>
+                </a:ext>
+                <a:ext uri="{C183D7F6-B498-43B3-948B-1728B52AA6E4}">
+                  <adec:decorative xmlns:adec="http://schemas.microsoft.com/office/drawing/2017/decorative" xmlns="" val="1"/>
+                </a:ext>
+              </a:extLst>
+            </p:cNvPr>
+            <p:cNvSpPr/>
+            <p:nvPr>
+              <p:extLst>
+                <p:ext uri="{386F3935-93C4-4BCD-93E2-E3B085C9AB24}">
+                  <p16:designElem xmlns:p16="http://schemas.microsoft.com/office/powerpoint/2015/main" val="1"/>
+                </p:ext>
+              </p:extLst>
+            </p:nvPr>
+          </p:nvSpPr>
+          <p:spPr bwMode="auto">
+            <a:xfrm>
+              <a:off x="7037388" y="3811588"/>
+              <a:ext cx="457200" cy="1852613"/>
+            </a:xfrm>
+            <a:custGeom>
+              <a:avLst/>
+              <a:gdLst/>
+              <a:ahLst/>
+              <a:cxnLst/>
+              <a:rect l="0" t="0" r="r" b="b"/>
+              <a:pathLst>
+                <a:path w="115" h="467">
+                  <a:moveTo>
+                    <a:pt x="101" y="409"/>
+                  </a:moveTo>
+                  <a:cubicBezTo>
+                    <a:pt x="93" y="388"/>
+                    <a:pt x="85" y="366"/>
+                    <a:pt x="78" y="344"/>
+                  </a:cubicBezTo>
+                  <a:cubicBezTo>
+                    <a:pt x="57" y="281"/>
+                    <a:pt x="41" y="216"/>
+                    <a:pt x="29" y="151"/>
+                  </a:cubicBezTo>
+                  <a:cubicBezTo>
+                    <a:pt x="22" y="119"/>
+                    <a:pt x="17" y="86"/>
+                    <a:pt x="13" y="53"/>
+                  </a:cubicBezTo>
+                  <a:cubicBezTo>
+                    <a:pt x="9" y="35"/>
+                    <a:pt x="4" y="18"/>
+                    <a:pt x="0" y="0"/>
+                  </a:cubicBezTo>
+                  <a:cubicBezTo>
+                    <a:pt x="5" y="51"/>
+                    <a:pt x="12" y="102"/>
+                    <a:pt x="21" y="152"/>
+                  </a:cubicBezTo>
+                  <a:cubicBezTo>
+                    <a:pt x="33" y="218"/>
+                    <a:pt x="49" y="283"/>
+                    <a:pt x="69" y="347"/>
+                  </a:cubicBezTo>
+                  <a:cubicBezTo>
+                    <a:pt x="79" y="378"/>
+                    <a:pt x="90" y="410"/>
+                    <a:pt x="103" y="441"/>
+                  </a:cubicBezTo>
+                  <a:cubicBezTo>
+                    <a:pt x="107" y="449"/>
+                    <a:pt x="111" y="458"/>
+                    <a:pt x="115" y="467"/>
+                  </a:cubicBezTo>
+                  <a:cubicBezTo>
+                    <a:pt x="114" y="464"/>
+                    <a:pt x="113" y="461"/>
+                    <a:pt x="112" y="458"/>
+                  </a:cubicBezTo>
+                  <a:cubicBezTo>
+                    <a:pt x="108" y="442"/>
+                    <a:pt x="104" y="425"/>
+                    <a:pt x="101" y="409"/>
+                  </a:cubicBezTo>
+                  <a:close/>
+                </a:path>
+              </a:pathLst>
+            </a:custGeom>
+            <a:grpFill/>
+            <a:ln>
+              <a:noFill/>
+            </a:ln>
+          </p:spPr>
+        </p:sp>
+        <p:sp>
+          <p:nvSpPr>
+            <p:cNvPr id="31" name="Forme libre 31">
+              <a:extLst>
+                <a:ext uri="{FF2B5EF4-FFF2-40B4-BE49-F238E27FC236}">
+                  <a16:creationId xmlns:a16="http://schemas.microsoft.com/office/drawing/2014/main" id="{BBCEAAB8-CD22-41D7-B330-702682A27CEE}"/>
+                </a:ext>
+                <a:ext uri="{C183D7F6-B498-43B3-948B-1728B52AA6E4}">
+                  <adec:decorative xmlns:adec="http://schemas.microsoft.com/office/drawing/2017/decorative" xmlns="" val="1"/>
+                </a:ext>
+              </a:extLst>
+            </p:cNvPr>
+            <p:cNvSpPr/>
+            <p:nvPr>
+              <p:extLst>
+                <p:ext uri="{386F3935-93C4-4BCD-93E2-E3B085C9AB24}">
+                  <p16:designElem xmlns:p16="http://schemas.microsoft.com/office/powerpoint/2015/main" val="1"/>
+                </p:ext>
+              </p:extLst>
+            </p:nvPr>
+          </p:nvSpPr>
+          <p:spPr bwMode="auto">
+            <a:xfrm>
+              <a:off x="6992938" y="1263650"/>
+              <a:ext cx="144463" cy="2508250"/>
+            </a:xfrm>
+            <a:custGeom>
+              <a:avLst/>
+              <a:gdLst/>
+              <a:ahLst/>
+              <a:cxnLst/>
+              <a:rect l="0" t="0" r="r" b="b"/>
+              <a:pathLst>
+                <a:path w="36" h="633">
+                  <a:moveTo>
+                    <a:pt x="17" y="633"/>
+                  </a:moveTo>
+                  <a:cubicBezTo>
+                    <a:pt x="15" y="621"/>
+                    <a:pt x="14" y="609"/>
+                    <a:pt x="13" y="597"/>
+                  </a:cubicBezTo>
+                  <a:cubicBezTo>
+                    <a:pt x="8" y="530"/>
+                    <a:pt x="5" y="464"/>
+                    <a:pt x="5" y="398"/>
+                  </a:cubicBezTo>
+                  <a:cubicBezTo>
+                    <a:pt x="5" y="331"/>
+                    <a:pt x="8" y="265"/>
+                    <a:pt x="13" y="198"/>
+                  </a:cubicBezTo>
+                  <a:cubicBezTo>
+                    <a:pt x="15" y="165"/>
+                    <a:pt x="18" y="132"/>
+                    <a:pt x="22" y="99"/>
+                  </a:cubicBezTo>
+                  <a:cubicBezTo>
+                    <a:pt x="26" y="66"/>
+                    <a:pt x="30" y="33"/>
+                    <a:pt x="36" y="0"/>
+                  </a:cubicBezTo>
+                  <a:cubicBezTo>
+                    <a:pt x="35" y="0"/>
+                    <a:pt x="35" y="0"/>
+                    <a:pt x="35" y="0"/>
+                  </a:cubicBezTo>
+                  <a:cubicBezTo>
+                    <a:pt x="29" y="33"/>
+                    <a:pt x="24" y="66"/>
+                    <a:pt x="20" y="99"/>
+                  </a:cubicBezTo>
+                  <a:cubicBezTo>
+                    <a:pt x="16" y="132"/>
+                    <a:pt x="13" y="165"/>
+                    <a:pt x="10" y="198"/>
+                  </a:cubicBezTo>
+                  <a:cubicBezTo>
+                    <a:pt x="4" y="264"/>
+                    <a:pt x="1" y="331"/>
+                    <a:pt x="1" y="398"/>
+                  </a:cubicBezTo>
+                  <a:cubicBezTo>
+                    <a:pt x="0" y="461"/>
+                    <a:pt x="2" y="525"/>
+                    <a:pt x="7" y="589"/>
+                  </a:cubicBezTo>
+                  <a:cubicBezTo>
+                    <a:pt x="10" y="603"/>
+                    <a:pt x="13" y="618"/>
+                    <a:pt x="16" y="632"/>
+                  </a:cubicBezTo>
+                  <a:cubicBezTo>
+                    <a:pt x="16" y="632"/>
+                    <a:pt x="17" y="633"/>
+                    <a:pt x="17" y="633"/>
+                  </a:cubicBezTo>
+                  <a:close/>
+                </a:path>
+              </a:pathLst>
+            </a:custGeom>
+            <a:grpFill/>
+            <a:ln>
+              <a:noFill/>
+            </a:ln>
+          </p:spPr>
+        </p:sp>
+        <p:sp>
+          <p:nvSpPr>
+            <p:cNvPr id="32" name="Forme libre 32">
+              <a:extLst>
+                <a:ext uri="{FF2B5EF4-FFF2-40B4-BE49-F238E27FC236}">
+                  <a16:creationId xmlns:a16="http://schemas.microsoft.com/office/drawing/2014/main" id="{6BBC1FEE-3D72-492B-8D8A-BE1A55076F9D}"/>
+                </a:ext>
+                <a:ext uri="{C183D7F6-B498-43B3-948B-1728B52AA6E4}">
+                  <adec:decorative xmlns:adec="http://schemas.microsoft.com/office/drawing/2017/decorative" xmlns="" val="1"/>
+                </a:ext>
+              </a:extLst>
+            </p:cNvPr>
+            <p:cNvSpPr/>
+            <p:nvPr>
+              <p:extLst>
+                <p:ext uri="{386F3935-93C4-4BCD-93E2-E3B085C9AB24}">
+                  <p16:designElem xmlns:p16="http://schemas.microsoft.com/office/powerpoint/2015/main" val="1"/>
+                </p:ext>
+              </p:extLst>
+            </p:nvPr>
+          </p:nvSpPr>
+          <p:spPr bwMode="auto">
+            <a:xfrm>
+              <a:off x="7526338" y="5640388"/>
+              <a:ext cx="111125" cy="233363"/>
+            </a:xfrm>
+            <a:custGeom>
+              <a:avLst/>
+              <a:gdLst/>
+              <a:ahLst/>
+              <a:cxnLst/>
+              <a:rect l="0" t="0" r="r" b="b"/>
+              <a:pathLst>
+                <a:path w="28" h="59">
+                  <a:moveTo>
+                    <a:pt x="22" y="59"/>
+                  </a:moveTo>
+                  <a:cubicBezTo>
+                    <a:pt x="28" y="59"/>
+                    <a:pt x="28" y="59"/>
+                    <a:pt x="28" y="59"/>
+                  </a:cubicBezTo>
+                  <a:cubicBezTo>
+                    <a:pt x="18" y="40"/>
+                    <a:pt x="9" y="20"/>
+                    <a:pt x="0" y="0"/>
+                  </a:cubicBezTo>
+                  <a:cubicBezTo>
+                    <a:pt x="6" y="20"/>
+                    <a:pt x="13" y="40"/>
+                    <a:pt x="22" y="59"/>
+                  </a:cubicBezTo>
+                  <a:close/>
+                </a:path>
+              </a:pathLst>
+            </a:custGeom>
+            <a:grpFill/>
+            <a:ln>
+              <a:noFill/>
+            </a:ln>
+          </p:spPr>
+        </p:sp>
+        <p:sp>
+          <p:nvSpPr>
+            <p:cNvPr id="33" name="Forme libre 33">
+              <a:extLst>
+                <a:ext uri="{FF2B5EF4-FFF2-40B4-BE49-F238E27FC236}">
+                  <a16:creationId xmlns:a16="http://schemas.microsoft.com/office/drawing/2014/main" id="{C28C6E5C-C393-435C-96A1-AA2859BDCB82}"/>
+                </a:ext>
+                <a:ext uri="{C183D7F6-B498-43B3-948B-1728B52AA6E4}">
+                  <adec:decorative xmlns:adec="http://schemas.microsoft.com/office/drawing/2017/decorative" xmlns="" val="1"/>
+                </a:ext>
+              </a:extLst>
+            </p:cNvPr>
+            <p:cNvSpPr/>
+            <p:nvPr>
+              <p:extLst>
+                <p:ext uri="{386F3935-93C4-4BCD-93E2-E3B085C9AB24}">
+                  <p16:designElem xmlns:p16="http://schemas.microsoft.com/office/powerpoint/2015/main" val="1"/>
+                </p:ext>
+              </p:extLst>
+            </p:nvPr>
+          </p:nvSpPr>
+          <p:spPr bwMode="auto">
+            <a:xfrm>
+              <a:off x="7021513" y="3598863"/>
+              <a:ext cx="68263" cy="423863"/>
+            </a:xfrm>
+            <a:custGeom>
+              <a:avLst/>
+              <a:gdLst/>
+              <a:ahLst/>
+              <a:cxnLst/>
+              <a:rect l="0" t="0" r="r" b="b"/>
+              <a:pathLst>
+                <a:path w="17" h="107">
+                  <a:moveTo>
+                    <a:pt x="4" y="54"/>
+                  </a:moveTo>
+                  <a:cubicBezTo>
+                    <a:pt x="8" y="72"/>
+                    <a:pt x="13" y="89"/>
+                    <a:pt x="17" y="107"/>
+                  </a:cubicBezTo>
+                  <a:cubicBezTo>
+                    <a:pt x="14" y="86"/>
+                    <a:pt x="12" y="65"/>
+                    <a:pt x="10" y="44"/>
+                  </a:cubicBezTo>
+                  <a:cubicBezTo>
+                    <a:pt x="10" y="44"/>
+                    <a:pt x="9" y="43"/>
+                    <a:pt x="9" y="43"/>
+                  </a:cubicBezTo>
+                  <a:cubicBezTo>
+                    <a:pt x="6" y="29"/>
+                    <a:pt x="3" y="14"/>
+                    <a:pt x="0" y="0"/>
+                  </a:cubicBezTo>
+                  <a:cubicBezTo>
+                    <a:pt x="0" y="2"/>
+                    <a:pt x="0" y="5"/>
+                    <a:pt x="0" y="8"/>
+                  </a:cubicBezTo>
+                  <a:cubicBezTo>
+                    <a:pt x="1" y="23"/>
+                    <a:pt x="3" y="39"/>
+                    <a:pt x="4" y="54"/>
+                  </a:cubicBezTo>
+                  <a:close/>
+                </a:path>
+              </a:pathLst>
+            </a:custGeom>
+            <a:grpFill/>
+            <a:ln>
+              <a:noFill/>
+            </a:ln>
+          </p:spPr>
+        </p:sp>
+        <p:sp>
+          <p:nvSpPr>
+            <p:cNvPr id="34" name="Forme libre 34">
+              <a:extLst>
+                <a:ext uri="{FF2B5EF4-FFF2-40B4-BE49-F238E27FC236}">
+                  <a16:creationId xmlns:a16="http://schemas.microsoft.com/office/drawing/2014/main" id="{2C2C991F-AC51-4DF5-B8DD-19B08C1CBF42}"/>
+                </a:ext>
+                <a:ext uri="{C183D7F6-B498-43B3-948B-1728B52AA6E4}">
+                  <adec:decorative xmlns:adec="http://schemas.microsoft.com/office/drawing/2017/decorative" xmlns="" val="1"/>
+                </a:ext>
+              </a:extLst>
+            </p:cNvPr>
+            <p:cNvSpPr/>
+            <p:nvPr>
+              <p:extLst>
+                <p:ext uri="{386F3935-93C4-4BCD-93E2-E3B085C9AB24}">
+                  <p16:designElem xmlns:p16="http://schemas.microsoft.com/office/powerpoint/2015/main" val="1"/>
+                </p:ext>
+              </p:extLst>
+            </p:nvPr>
+          </p:nvSpPr>
+          <p:spPr bwMode="auto">
+            <a:xfrm>
+              <a:off x="7412038" y="2801938"/>
+              <a:ext cx="1168400" cy="2251075"/>
+            </a:xfrm>
+            <a:custGeom>
+              <a:avLst/>
+              <a:gdLst/>
+              <a:ahLst/>
+              <a:cxnLst/>
+              <a:rect l="0" t="0" r="r" b="b"/>
+              <a:pathLst>
+                <a:path w="294" h="568">
+                  <a:moveTo>
+                    <a:pt x="8" y="553"/>
+                  </a:moveTo>
+                  <a:cubicBezTo>
+                    <a:pt x="9" y="501"/>
+                    <a:pt x="19" y="448"/>
+                    <a:pt x="35" y="397"/>
+                  </a:cubicBezTo>
+                  <a:cubicBezTo>
+                    <a:pt x="51" y="347"/>
+                    <a:pt x="73" y="298"/>
+                    <a:pt x="99" y="252"/>
+                  </a:cubicBezTo>
+                  <a:cubicBezTo>
+                    <a:pt x="124" y="205"/>
+                    <a:pt x="154" y="161"/>
+                    <a:pt x="187" y="119"/>
+                  </a:cubicBezTo>
+                  <a:cubicBezTo>
+                    <a:pt x="203" y="98"/>
+                    <a:pt x="220" y="77"/>
+                    <a:pt x="238" y="58"/>
+                  </a:cubicBezTo>
+                  <a:cubicBezTo>
+                    <a:pt x="247" y="48"/>
+                    <a:pt x="256" y="38"/>
+                    <a:pt x="265" y="28"/>
+                  </a:cubicBezTo>
+                  <a:cubicBezTo>
+                    <a:pt x="274" y="19"/>
+                    <a:pt x="284" y="9"/>
+                    <a:pt x="294" y="0"/>
+                  </a:cubicBezTo>
+                  <a:cubicBezTo>
+                    <a:pt x="293" y="0"/>
+                    <a:pt x="293" y="0"/>
+                    <a:pt x="293" y="0"/>
+                  </a:cubicBezTo>
+                  <a:cubicBezTo>
+                    <a:pt x="283" y="9"/>
+                    <a:pt x="273" y="18"/>
+                    <a:pt x="264" y="27"/>
+                  </a:cubicBezTo>
+                  <a:cubicBezTo>
+                    <a:pt x="255" y="37"/>
+                    <a:pt x="246" y="47"/>
+                    <a:pt x="237" y="56"/>
+                  </a:cubicBezTo>
+                  <a:cubicBezTo>
+                    <a:pt x="218" y="76"/>
+                    <a:pt x="201" y="96"/>
+                    <a:pt x="185" y="117"/>
+                  </a:cubicBezTo>
+                  <a:cubicBezTo>
+                    <a:pt x="151" y="159"/>
+                    <a:pt x="121" y="203"/>
+                    <a:pt x="95" y="249"/>
+                  </a:cubicBezTo>
+                  <a:cubicBezTo>
+                    <a:pt x="68" y="296"/>
+                    <a:pt x="46" y="345"/>
+                    <a:pt x="30" y="396"/>
+                  </a:cubicBezTo>
+                  <a:cubicBezTo>
+                    <a:pt x="13" y="445"/>
+                    <a:pt x="3" y="497"/>
+                    <a:pt x="0" y="549"/>
+                  </a:cubicBezTo>
+                  <a:cubicBezTo>
+                    <a:pt x="3" y="555"/>
+                    <a:pt x="5" y="561"/>
+                    <a:pt x="7" y="568"/>
+                  </a:cubicBezTo>
+                  <a:cubicBezTo>
+                    <a:pt x="7" y="563"/>
+                    <a:pt x="7" y="558"/>
+                    <a:pt x="8" y="553"/>
+                  </a:cubicBezTo>
+                  <a:close/>
+                </a:path>
+              </a:pathLst>
+            </a:custGeom>
+            <a:grpFill/>
+            <a:ln>
+              <a:noFill/>
+            </a:ln>
+          </p:spPr>
+        </p:sp>
+        <p:sp>
+          <p:nvSpPr>
+            <p:cNvPr id="35" name="Forme libre 35">
+              <a:extLst>
+                <a:ext uri="{FF2B5EF4-FFF2-40B4-BE49-F238E27FC236}">
+                  <a16:creationId xmlns:a16="http://schemas.microsoft.com/office/drawing/2014/main" id="{9C916B5F-285D-4F5A-9085-6781753AFB3E}"/>
+                </a:ext>
+                <a:ext uri="{C183D7F6-B498-43B3-948B-1728B52AA6E4}">
+                  <adec:decorative xmlns:adec="http://schemas.microsoft.com/office/drawing/2017/decorative" xmlns="" val="1"/>
+                </a:ext>
+              </a:extLst>
+            </p:cNvPr>
+            <p:cNvSpPr/>
+            <p:nvPr>
+              <p:extLst>
+                <p:ext uri="{386F3935-93C4-4BCD-93E2-E3B085C9AB24}">
+                  <p16:designElem xmlns:p16="http://schemas.microsoft.com/office/powerpoint/2015/main" val="1"/>
+                </p:ext>
+              </p:extLst>
+            </p:nvPr>
+          </p:nvSpPr>
+          <p:spPr bwMode="auto">
+            <a:xfrm>
+              <a:off x="7494588" y="5664200"/>
+              <a:ext cx="100013" cy="209550"/>
+            </a:xfrm>
+            <a:custGeom>
+              <a:avLst/>
+              <a:gdLst/>
+              <a:ahLst/>
+              <a:cxnLst/>
+              <a:rect l="0" t="0" r="r" b="b"/>
+              <a:pathLst>
+                <a:path w="25" h="53">
+                  <a:moveTo>
+                    <a:pt x="0" y="0"/>
+                  </a:moveTo>
+                  <a:cubicBezTo>
+                    <a:pt x="5" y="18"/>
+                    <a:pt x="12" y="36"/>
+                    <a:pt x="19" y="53"/>
+                  </a:cubicBezTo>
+                  <a:cubicBezTo>
+                    <a:pt x="25" y="53"/>
+                    <a:pt x="25" y="53"/>
+                    <a:pt x="25" y="53"/>
+                  </a:cubicBezTo>
+                  <a:cubicBezTo>
+                    <a:pt x="16" y="36"/>
+                    <a:pt x="8" y="18"/>
+                    <a:pt x="0" y="0"/>
+                  </a:cubicBezTo>
+                  <a:close/>
+                </a:path>
+              </a:pathLst>
+            </a:custGeom>
+            <a:grpFill/>
+            <a:ln>
+              <a:noFill/>
+            </a:ln>
+          </p:spPr>
+        </p:sp>
+        <p:sp>
+          <p:nvSpPr>
+            <p:cNvPr id="36" name="Forme libre 36">
+              <a:extLst>
+                <a:ext uri="{FF2B5EF4-FFF2-40B4-BE49-F238E27FC236}">
+                  <a16:creationId xmlns:a16="http://schemas.microsoft.com/office/drawing/2014/main" id="{0375DD5F-9D17-4873-B697-3D44A5EBEC75}"/>
+                </a:ext>
+                <a:ext uri="{C183D7F6-B498-43B3-948B-1728B52AA6E4}">
+                  <adec:decorative xmlns:adec="http://schemas.microsoft.com/office/drawing/2017/decorative" xmlns="" val="1"/>
+                </a:ext>
+              </a:extLst>
+            </p:cNvPr>
+            <p:cNvSpPr/>
+            <p:nvPr>
+              <p:extLst>
+                <p:ext uri="{386F3935-93C4-4BCD-93E2-E3B085C9AB24}">
+                  <p16:designElem xmlns:p16="http://schemas.microsoft.com/office/powerpoint/2015/main" val="1"/>
+                </p:ext>
+              </p:extLst>
+            </p:nvPr>
+          </p:nvSpPr>
+          <p:spPr bwMode="auto">
+            <a:xfrm>
+              <a:off x="7412038" y="5081588"/>
+              <a:ext cx="114300" cy="558800"/>
+            </a:xfrm>
+            <a:custGeom>
+              <a:avLst/>
+              <a:gdLst/>
+              <a:ahLst/>
+              <a:cxnLst/>
+              <a:rect l="0" t="0" r="r" b="b"/>
+              <a:pathLst>
+                <a:path w="29" h="141">
+                  <a:moveTo>
+                    <a:pt x="0" y="0"/>
+                  </a:moveTo>
+                  <a:cubicBezTo>
+                    <a:pt x="0" y="30"/>
+                    <a:pt x="2" y="60"/>
+                    <a:pt x="7" y="89"/>
+                  </a:cubicBezTo>
+                  <a:cubicBezTo>
+                    <a:pt x="11" y="98"/>
+                    <a:pt x="14" y="108"/>
+                    <a:pt x="18" y="117"/>
+                  </a:cubicBezTo>
+                  <a:cubicBezTo>
+                    <a:pt x="22" y="125"/>
+                    <a:pt x="25" y="133"/>
+                    <a:pt x="29" y="141"/>
+                  </a:cubicBezTo>
+                  <a:cubicBezTo>
+                    <a:pt x="28" y="139"/>
+                    <a:pt x="28" y="137"/>
+                    <a:pt x="27" y="135"/>
+                  </a:cubicBezTo>
+                  <a:cubicBezTo>
+                    <a:pt x="16" y="98"/>
+                    <a:pt x="10" y="60"/>
+                    <a:pt x="8" y="22"/>
+                  </a:cubicBezTo>
+                  <a:cubicBezTo>
+                    <a:pt x="7" y="18"/>
+                    <a:pt x="5" y="15"/>
+                    <a:pt x="4" y="11"/>
+                  </a:cubicBezTo>
+                  <a:cubicBezTo>
+                    <a:pt x="2" y="7"/>
+                    <a:pt x="1" y="3"/>
+                    <a:pt x="0" y="0"/>
+                  </a:cubicBezTo>
+                  <a:close/>
+                </a:path>
+              </a:pathLst>
+            </a:custGeom>
+            <a:grpFill/>
+            <a:ln>
+              <a:noFill/>
+            </a:ln>
+          </p:spPr>
+        </p:sp>
+        <p:sp>
+          <p:nvSpPr>
+            <p:cNvPr id="37" name="Forme libre 37">
+              <a:extLst>
+                <a:ext uri="{FF2B5EF4-FFF2-40B4-BE49-F238E27FC236}">
+                  <a16:creationId xmlns:a16="http://schemas.microsoft.com/office/drawing/2014/main" id="{A159BBC7-6A8B-4612-94A8-56323452C7B5}"/>
+                </a:ext>
+                <a:ext uri="{C183D7F6-B498-43B3-948B-1728B52AA6E4}">
+                  <adec:decorative xmlns:adec="http://schemas.microsoft.com/office/drawing/2017/decorative" xmlns="" val="1"/>
+                </a:ext>
+              </a:extLst>
+            </p:cNvPr>
+            <p:cNvSpPr/>
+            <p:nvPr>
+              <p:extLst>
+                <p:ext uri="{386F3935-93C4-4BCD-93E2-E3B085C9AB24}">
+                  <p16:designElem xmlns:p16="http://schemas.microsoft.com/office/powerpoint/2015/main" val="1"/>
+                </p:ext>
+              </p:extLst>
+            </p:nvPr>
+          </p:nvSpPr>
+          <p:spPr bwMode="auto">
+            <a:xfrm>
+              <a:off x="7412038" y="4978400"/>
+              <a:ext cx="31750" cy="188913"/>
+            </a:xfrm>
+            <a:custGeom>
+              <a:avLst/>
+              <a:gdLst/>
+              <a:ahLst/>
+              <a:cxnLst/>
+              <a:rect l="0" t="0" r="r" b="b"/>
+              <a:pathLst>
+                <a:path w="8" h="48">
+                  <a:moveTo>
+                    <a:pt x="0" y="26"/>
+                  </a:moveTo>
+                  <a:cubicBezTo>
+                    <a:pt x="1" y="29"/>
+                    <a:pt x="2" y="33"/>
+                    <a:pt x="4" y="37"/>
+                  </a:cubicBezTo>
+                  <a:cubicBezTo>
+                    <a:pt x="5" y="41"/>
+                    <a:pt x="7" y="44"/>
+                    <a:pt x="8" y="48"/>
+                  </a:cubicBezTo>
+                  <a:cubicBezTo>
+                    <a:pt x="7" y="38"/>
+                    <a:pt x="7" y="28"/>
+                    <a:pt x="7" y="19"/>
+                  </a:cubicBezTo>
+                  <a:cubicBezTo>
+                    <a:pt x="5" y="12"/>
+                    <a:pt x="3" y="6"/>
+                    <a:pt x="0" y="0"/>
+                  </a:cubicBezTo>
+                  <a:cubicBezTo>
+                    <a:pt x="0" y="1"/>
+                    <a:pt x="0" y="3"/>
+                    <a:pt x="0" y="4"/>
+                  </a:cubicBezTo>
+                  <a:cubicBezTo>
+                    <a:pt x="0" y="11"/>
+                    <a:pt x="0" y="19"/>
+                    <a:pt x="0" y="26"/>
+                  </a:cubicBezTo>
+                  <a:close/>
+                </a:path>
+              </a:pathLst>
+            </a:custGeom>
+            <a:grpFill/>
+            <a:ln>
+              <a:noFill/>
+            </a:ln>
+          </p:spPr>
+        </p:sp>
+        <p:sp>
+          <p:nvSpPr>
+            <p:cNvPr id="38" name="Forme libre 38">
+              <a:extLst>
+                <a:ext uri="{FF2B5EF4-FFF2-40B4-BE49-F238E27FC236}">
+                  <a16:creationId xmlns:a16="http://schemas.microsoft.com/office/drawing/2014/main" id="{177C901C-F8DE-4C99-95C8-F8CA1B84F76F}"/>
+                </a:ext>
+                <a:ext uri="{C183D7F6-B498-43B3-948B-1728B52AA6E4}">
+                  <adec:decorative xmlns:adec="http://schemas.microsoft.com/office/drawing/2017/decorative" xmlns="" val="1"/>
+                </a:ext>
+              </a:extLst>
+            </p:cNvPr>
+            <p:cNvSpPr/>
+            <p:nvPr>
+              <p:extLst>
+                <p:ext uri="{386F3935-93C4-4BCD-93E2-E3B085C9AB24}">
+                  <p16:designElem xmlns:p16="http://schemas.microsoft.com/office/powerpoint/2015/main" val="1"/>
+                </p:ext>
+              </p:extLst>
+            </p:nvPr>
+          </p:nvSpPr>
+          <p:spPr bwMode="auto">
+            <a:xfrm>
+              <a:off x="7439026" y="5434013"/>
+              <a:ext cx="174625" cy="439738"/>
+            </a:xfrm>
+            <a:custGeom>
+              <a:avLst/>
+              <a:gdLst/>
+              <a:ahLst/>
+              <a:cxnLst/>
+              <a:rect l="0" t="0" r="r" b="b"/>
+              <a:pathLst>
+                <a:path w="44" h="111">
+                  <a:moveTo>
+                    <a:pt x="11" y="28"/>
+                  </a:moveTo>
+                  <a:cubicBezTo>
+                    <a:pt x="7" y="19"/>
+                    <a:pt x="4" y="9"/>
+                    <a:pt x="0" y="0"/>
+                  </a:cubicBezTo>
+                  <a:cubicBezTo>
+                    <a:pt x="3" y="16"/>
+                    <a:pt x="7" y="33"/>
+                    <a:pt x="11" y="49"/>
+                  </a:cubicBezTo>
+                  <a:cubicBezTo>
+                    <a:pt x="12" y="52"/>
+                    <a:pt x="13" y="55"/>
+                    <a:pt x="14" y="58"/>
+                  </a:cubicBezTo>
+                  <a:cubicBezTo>
+                    <a:pt x="22" y="76"/>
+                    <a:pt x="30" y="94"/>
+                    <a:pt x="39" y="111"/>
+                  </a:cubicBezTo>
+                  <a:cubicBezTo>
+                    <a:pt x="44" y="111"/>
+                    <a:pt x="44" y="111"/>
+                    <a:pt x="44" y="111"/>
+                  </a:cubicBezTo>
+                  <a:cubicBezTo>
+                    <a:pt x="35" y="92"/>
+                    <a:pt x="28" y="72"/>
+                    <a:pt x="22" y="52"/>
+                  </a:cubicBezTo>
+                  <a:cubicBezTo>
+                    <a:pt x="18" y="44"/>
+                    <a:pt x="15" y="36"/>
+                    <a:pt x="11" y="28"/>
+                  </a:cubicBezTo>
+                  <a:close/>
+                </a:path>
+              </a:pathLst>
+            </a:custGeom>
+            <a:grpFill/>
+            <a:ln>
+              <a:noFill/>
+            </a:ln>
+          </p:spPr>
+        </p:sp>
+      </p:grpSp>
+      <p:sp>
+        <p:nvSpPr>
+          <p:cNvPr id="40" name="Rectangle 39">
+            <a:extLst>
+              <a:ext uri="{FF2B5EF4-FFF2-40B4-BE49-F238E27FC236}">
+                <a16:creationId xmlns:a16="http://schemas.microsoft.com/office/drawing/2014/main" id="{D1D655F2-6D15-4265-ADEE-EF0075C13944}"/>
+              </a:ext>
+              <a:ext uri="{C183D7F6-B498-43B3-948B-1728B52AA6E4}">
+                <adec:decorative xmlns:adec="http://schemas.microsoft.com/office/drawing/2017/decorative" xmlns="" val="1"/>
+              </a:ext>
+            </a:extLst>
+          </p:cNvPr>
+          <p:cNvSpPr>
+            <a:spLocks noGrp="1" noRot="1" noChangeAspect="1" noMove="1" noResize="1" noEditPoints="1" noAdjustHandles="1" noChangeArrowheads="1" noChangeShapeType="1" noTextEdit="1"/>
+          </p:cNvSpPr>
+          <p:nvPr>
+            <p:extLst>
+              <p:ext uri="{386F3935-93C4-4BCD-93E2-E3B085C9AB24}">
+                <p16:designElem xmlns:p16="http://schemas.microsoft.com/office/powerpoint/2015/main" val="1"/>
+              </p:ext>
+            </p:extLst>
+          </p:nvPr>
+        </p:nvSpPr>
+        <p:spPr>
+          <a:xfrm>
+            <a:off x="0" y="0"/>
+            <a:ext cx="182880" cy="6858000"/>
+          </a:xfrm>
+          <a:prstGeom prst="rect">
+            <a:avLst/>
+          </a:prstGeom>
+          <a:solidFill>
+            <a:schemeClr val="accent1"/>
+          </a:solidFill>
+          <a:ln>
+            <a:noFill/>
+          </a:ln>
+          <a:effectLst/>
+        </p:spPr>
+        <p:style>
+          <a:lnRef idx="1">
+            <a:schemeClr val="accent1"/>
+          </a:lnRef>
+          <a:fillRef idx="3">
+            <a:schemeClr val="accent1"/>
+          </a:fillRef>
+          <a:effectRef idx="2">
+            <a:schemeClr val="accent1"/>
+          </a:effectRef>
+          <a:fontRef idx="minor">
+            <a:schemeClr val="lt1"/>
+          </a:fontRef>
+        </p:style>
+      </p:sp>
+      <p:sp>
+        <p:nvSpPr>
+          <p:cNvPr id="42" name="Forme libre 69">
+            <a:extLst>
+              <a:ext uri="{FF2B5EF4-FFF2-40B4-BE49-F238E27FC236}">
+                <a16:creationId xmlns:a16="http://schemas.microsoft.com/office/drawing/2014/main" id="{3248A930-1A6E-4EFB-8213-D1AC735BE061}"/>
+              </a:ext>
+              <a:ext uri="{C183D7F6-B498-43B3-948B-1728B52AA6E4}">
+                <adec:decorative xmlns:adec="http://schemas.microsoft.com/office/drawing/2017/decorative" xmlns="" val="1"/>
               </a:ext>
             </a:extLst>
           </p:cNvPr>
@@ -16886,293 +19751,13 @@
   <p:clrMapOvr>
     <a:masterClrMapping/>
   </p:clrMapOvr>
-</p:sld>
-</file>
-
-<file path=ppt/slides/slide11.xml><?xml version="1.0" encoding="utf-8"?>
-<p:sld xmlns:a="http://schemas.openxmlformats.org/drawingml/2006/main" xmlns:r="http://schemas.openxmlformats.org/officeDocument/2006/relationships" xmlns:p="http://schemas.openxmlformats.org/presentationml/2006/main">
-  <p:cSld>
-    <p:spTree>
-      <p:nvGrpSpPr>
-        <p:cNvPr id="1" name=""/>
-        <p:cNvGrpSpPr/>
-        <p:nvPr/>
-      </p:nvGrpSpPr>
-      <p:grpSpPr>
-        <a:xfrm>
-          <a:off x="0" y="0"/>
-          <a:ext cx="0" cy="0"/>
-          <a:chOff x="0" y="0"/>
-          <a:chExt cx="0" cy="0"/>
-        </a:xfrm>
-      </p:grpSpPr>
-      <p:sp>
-        <p:nvSpPr>
-          <p:cNvPr id="5" name="Titre 1">
-            <a:extLst>
-              <a:ext uri="{FF2B5EF4-FFF2-40B4-BE49-F238E27FC236}">
-                <a16:creationId xmlns:a16="http://schemas.microsoft.com/office/drawing/2014/main" id="{23F6D5E8-15CF-4755-910B-1B5A1E777357}"/>
-              </a:ext>
-            </a:extLst>
-          </p:cNvPr>
-          <p:cNvSpPr>
-            <a:spLocks noGrp="1"/>
-          </p:cNvSpPr>
-          <p:nvPr>
-            <p:ph type="title"/>
-          </p:nvPr>
-        </p:nvSpPr>
-        <p:spPr>
-          <a:xfrm>
-            <a:off x="1619182" y="130052"/>
-            <a:ext cx="10572817" cy="1280890"/>
-          </a:xfrm>
-        </p:spPr>
-        <p:txBody>
-          <a:bodyPr rtlCol="0">
-            <a:normAutofit/>
-          </a:bodyPr>
-          <a:lstStyle/>
-          <a:p>
-            <a:pPr rtl="0"/>
-            <a:r>
-              <a:rPr lang="fr-FR" dirty="0" smtClean="0"/>
-              <a:t>Gestion du projet : Présentation de </a:t>
-            </a:r>
-            <a:r>
-              <a:rPr lang="fr-FR" dirty="0" err="1" smtClean="0"/>
-              <a:t>Github</a:t>
-            </a:r>
-            <a:r>
-              <a:rPr lang="fr-FR" dirty="0" smtClean="0"/>
-              <a:t/>
-            </a:r>
-            <a:br>
-              <a:rPr lang="fr-FR" dirty="0" smtClean="0"/>
-            </a:br>
-            <a:endParaRPr lang="fr-FR" dirty="0"/>
-          </a:p>
-        </p:txBody>
-      </p:sp>
-      <p:pic>
-        <p:nvPicPr>
-          <p:cNvPr id="6" name="Image 5"/>
-          <p:cNvPicPr>
-            <a:picLocks noChangeAspect="1"/>
-          </p:cNvPicPr>
-          <p:nvPr/>
-        </p:nvPicPr>
-        <p:blipFill>
-          <a:blip r:embed="rId2"/>
-          <a:stretch>
-            <a:fillRect/>
-          </a:stretch>
-        </p:blipFill>
-        <p:spPr>
-          <a:xfrm>
-            <a:off x="1147763" y="1237048"/>
-            <a:ext cx="10358437" cy="5335200"/>
-          </a:xfrm>
-          <a:prstGeom prst="rect">
-            <a:avLst/>
-          </a:prstGeom>
-        </p:spPr>
-      </p:pic>
-    </p:spTree>
-    <p:extLst>
-      <p:ext uri="{BB962C8B-B14F-4D97-AF65-F5344CB8AC3E}">
-        <p14:creationId xmlns:p14="http://schemas.microsoft.com/office/powerpoint/2010/main" val="2467304778"/>
-      </p:ext>
-    </p:extLst>
-  </p:cSld>
-  <p:clrMapOvr>
-    <a:masterClrMapping/>
-  </p:clrMapOvr>
-</p:sld>
-</file>
-
-<file path=ppt/slides/slide12.xml><?xml version="1.0" encoding="utf-8"?>
-<p:sld xmlns:a="http://schemas.openxmlformats.org/drawingml/2006/main" xmlns:r="http://schemas.openxmlformats.org/officeDocument/2006/relationships" xmlns:p="http://schemas.openxmlformats.org/presentationml/2006/main">
-  <p:cSld>
-    <p:spTree>
-      <p:nvGrpSpPr>
-        <p:cNvPr id="1" name=""/>
-        <p:cNvGrpSpPr/>
-        <p:nvPr/>
-      </p:nvGrpSpPr>
-      <p:grpSpPr>
-        <a:xfrm>
-          <a:off x="0" y="0"/>
-          <a:ext cx="0" cy="0"/>
-          <a:chOff x="0" y="0"/>
-          <a:chExt cx="0" cy="0"/>
-        </a:xfrm>
-      </p:grpSpPr>
-      <p:pic>
-        <p:nvPicPr>
-          <p:cNvPr id="4" name="Image 3"/>
-          <p:cNvPicPr>
-            <a:picLocks noChangeAspect="1"/>
-          </p:cNvPicPr>
-          <p:nvPr/>
-        </p:nvPicPr>
-        <p:blipFill>
-          <a:blip r:embed="rId2"/>
-          <a:stretch>
-            <a:fillRect/>
-          </a:stretch>
-        </p:blipFill>
-        <p:spPr>
-          <a:xfrm>
-            <a:off x="2328863" y="1065628"/>
-            <a:ext cx="7653337" cy="5525672"/>
-          </a:xfrm>
-          <a:prstGeom prst="rect">
-            <a:avLst/>
-          </a:prstGeom>
-        </p:spPr>
-      </p:pic>
-      <p:sp>
-        <p:nvSpPr>
-          <p:cNvPr id="5" name="Titre 1">
-            <a:extLst>
-              <a:ext uri="{FF2B5EF4-FFF2-40B4-BE49-F238E27FC236}">
-                <a16:creationId xmlns:a16="http://schemas.microsoft.com/office/drawing/2014/main" id="{23F6D5E8-15CF-4755-910B-1B5A1E777357}"/>
-              </a:ext>
-            </a:extLst>
-          </p:cNvPr>
-          <p:cNvSpPr>
-            <a:spLocks noGrp="1"/>
-          </p:cNvSpPr>
-          <p:nvPr>
-            <p:ph type="title"/>
-          </p:nvPr>
-        </p:nvSpPr>
-        <p:spPr>
-          <a:xfrm>
-            <a:off x="1619182" y="130052"/>
-            <a:ext cx="10572817" cy="1280890"/>
-          </a:xfrm>
-        </p:spPr>
-        <p:txBody>
-          <a:bodyPr rtlCol="0">
-            <a:normAutofit/>
-          </a:bodyPr>
-          <a:lstStyle/>
-          <a:p>
-            <a:pPr rtl="0"/>
-            <a:r>
-              <a:rPr lang="fr-FR" dirty="0" smtClean="0"/>
-              <a:t>Gestion du projet : découpage des « issues »</a:t>
-            </a:r>
-            <a:br>
-              <a:rPr lang="fr-FR" dirty="0" smtClean="0"/>
-            </a:br>
-            <a:endParaRPr lang="fr-FR" dirty="0"/>
-          </a:p>
-        </p:txBody>
-      </p:sp>
-    </p:spTree>
-    <p:extLst>
-      <p:ext uri="{BB962C8B-B14F-4D97-AF65-F5344CB8AC3E}">
-        <p14:creationId xmlns:p14="http://schemas.microsoft.com/office/powerpoint/2010/main" val="1309542815"/>
-      </p:ext>
-    </p:extLst>
-  </p:cSld>
-  <p:clrMapOvr>
-    <a:masterClrMapping/>
-  </p:clrMapOvr>
-</p:sld>
-</file>
-
-<file path=ppt/slides/slide13.xml><?xml version="1.0" encoding="utf-8"?>
-<p:sld xmlns:a="http://schemas.openxmlformats.org/drawingml/2006/main" xmlns:r="http://schemas.openxmlformats.org/officeDocument/2006/relationships" xmlns:p="http://schemas.openxmlformats.org/presentationml/2006/main">
-  <p:cSld>
-    <p:spTree>
-      <p:nvGrpSpPr>
-        <p:cNvPr id="1" name=""/>
-        <p:cNvGrpSpPr/>
-        <p:nvPr/>
-      </p:nvGrpSpPr>
-      <p:grpSpPr>
-        <a:xfrm>
-          <a:off x="0" y="0"/>
-          <a:ext cx="0" cy="0"/>
-          <a:chOff x="0" y="0"/>
-          <a:chExt cx="0" cy="0"/>
-        </a:xfrm>
-      </p:grpSpPr>
-      <p:sp>
-        <p:nvSpPr>
-          <p:cNvPr id="5" name="Titre 1">
-            <a:extLst>
-              <a:ext uri="{FF2B5EF4-FFF2-40B4-BE49-F238E27FC236}">
-                <a16:creationId xmlns:a16="http://schemas.microsoft.com/office/drawing/2014/main" id="{23F6D5E8-15CF-4755-910B-1B5A1E777357}"/>
-              </a:ext>
-            </a:extLst>
-          </p:cNvPr>
-          <p:cNvSpPr>
-            <a:spLocks noGrp="1"/>
-          </p:cNvSpPr>
-          <p:nvPr>
-            <p:ph type="title"/>
-          </p:nvPr>
-        </p:nvSpPr>
-        <p:spPr>
-          <a:xfrm>
-            <a:off x="1619182" y="130052"/>
-            <a:ext cx="10572817" cy="1280890"/>
-          </a:xfrm>
-        </p:spPr>
-        <p:txBody>
-          <a:bodyPr rtlCol="0">
-            <a:normAutofit/>
-          </a:bodyPr>
-          <a:lstStyle/>
-          <a:p>
-            <a:pPr rtl="0"/>
-            <a:r>
-              <a:rPr lang="fr-FR" dirty="0" smtClean="0"/>
-              <a:t>Gestion du projet : Suivi du code</a:t>
-            </a:r>
-            <a:endParaRPr lang="fr-FR" dirty="0"/>
-          </a:p>
-        </p:txBody>
-      </p:sp>
-      <p:pic>
-        <p:nvPicPr>
-          <p:cNvPr id="3" name="Image 2"/>
-          <p:cNvPicPr>
-            <a:picLocks noChangeAspect="1"/>
-          </p:cNvPicPr>
-          <p:nvPr/>
-        </p:nvPicPr>
-        <p:blipFill>
-          <a:blip r:embed="rId2"/>
-          <a:stretch>
-            <a:fillRect/>
-          </a:stretch>
-        </p:blipFill>
-        <p:spPr>
-          <a:xfrm>
-            <a:off x="1714500" y="770497"/>
-            <a:ext cx="8382000" cy="5970647"/>
-          </a:xfrm>
-          <a:prstGeom prst="rect">
-            <a:avLst/>
-          </a:prstGeom>
-        </p:spPr>
-      </p:pic>
-    </p:spTree>
-    <p:extLst>
-      <p:ext uri="{BB962C8B-B14F-4D97-AF65-F5344CB8AC3E}">
-        <p14:creationId xmlns:p14="http://schemas.microsoft.com/office/powerpoint/2010/main" val="3867853593"/>
-      </p:ext>
-    </p:extLst>
-  </p:cSld>
-  <p:clrMapOvr>
-    <a:masterClrMapping/>
-  </p:clrMapOvr>
+  <p:timing>
+    <p:tnLst>
+      <p:par>
+        <p:cTn id="1" dur="indefinite" restart="never" nodeType="tmRoot"/>
+      </p:par>
+    </p:tnLst>
+  </p:timing>
 </p:sld>
 </file>
 
@@ -17350,6 +19935,13 @@
   <p:clrMapOvr>
     <a:masterClrMapping/>
   </p:clrMapOvr>
+  <p:timing>
+    <p:tnLst>
+      <p:par>
+        <p:cTn id="1" dur="indefinite" restart="never" nodeType="tmRoot"/>
+      </p:par>
+    </p:tnLst>
+  </p:timing>
 </p:sld>
 </file>
 
@@ -17386,7 +19978,7 @@
                 <a16:creationId xmlns:a16="http://schemas.microsoft.com/office/drawing/2014/main" id="{A9D17E3F-9160-4D16-8F1D-F8FE94E2A5DC}"/>
               </a:ext>
               <a:ext uri="{C183D7F6-B498-43B3-948B-1728B52AA6E4}">
-                <adec:decorative xmlns="" xmlns:adec="http://schemas.microsoft.com/office/drawing/2017/decorative" val="1"/>
+                <adec:decorative xmlns:adec="http://schemas.microsoft.com/office/drawing/2017/decorative" xmlns="" val="1"/>
               </a:ext>
             </a:extLst>
           </p:cNvPr>
@@ -17629,7 +20221,7 @@
                 <a16:creationId xmlns:a16="http://schemas.microsoft.com/office/drawing/2014/main" id="{93DBB853-C277-42C7-80D0-110A8842ED54}"/>
               </a:ext>
               <a:ext uri="{C183D7F6-B498-43B3-948B-1728B52AA6E4}">
-                <adec:decorative xmlns="" xmlns:adec="http://schemas.microsoft.com/office/drawing/2017/decorative" val="1"/>
+                <adec:decorative xmlns:adec="http://schemas.microsoft.com/office/drawing/2017/decorative" xmlns="" val="1"/>
               </a:ext>
             </a:extLst>
           </p:cNvPr>
@@ -17666,7 +20258,7 @@
                   <a16:creationId xmlns:a16="http://schemas.microsoft.com/office/drawing/2014/main" id="{8D2CA353-4AC3-432A-8704-A618563EECF3}"/>
                 </a:ext>
                 <a:ext uri="{C183D7F6-B498-43B3-948B-1728B52AA6E4}">
-                  <adec:decorative xmlns="" xmlns:adec="http://schemas.microsoft.com/office/drawing/2017/decorative" val="1"/>
+                  <adec:decorative xmlns:adec="http://schemas.microsoft.com/office/drawing/2017/decorative" xmlns="" val="1"/>
                 </a:ext>
               </a:extLst>
             </p:cNvPr>
@@ -17738,7 +20330,7 @@
                   <a16:creationId xmlns:a16="http://schemas.microsoft.com/office/drawing/2014/main" id="{71685CFF-C2D8-4119-9CDA-504914853759}"/>
                 </a:ext>
                 <a:ext uri="{C183D7F6-B498-43B3-948B-1728B52AA6E4}">
-                  <adec:decorative xmlns="" xmlns:adec="http://schemas.microsoft.com/office/drawing/2017/decorative" val="1"/>
+                  <adec:decorative xmlns:adec="http://schemas.microsoft.com/office/drawing/2017/decorative" xmlns="" val="1"/>
                 </a:ext>
               </a:extLst>
             </p:cNvPr>
@@ -17815,7 +20407,7 @@
                   <a16:creationId xmlns:a16="http://schemas.microsoft.com/office/drawing/2014/main" id="{119C20C9-05B5-4384-9F4E-B4B8FA299CD3}"/>
                 </a:ext>
                 <a:ext uri="{C183D7F6-B498-43B3-948B-1728B52AA6E4}">
-                  <adec:decorative xmlns="" xmlns:adec="http://schemas.microsoft.com/office/drawing/2017/decorative" val="1"/>
+                  <adec:decorative xmlns:adec="http://schemas.microsoft.com/office/drawing/2017/decorative" xmlns="" val="1"/>
                 </a:ext>
               </a:extLst>
             </p:cNvPr>
@@ -17897,7 +20489,7 @@
                   <a16:creationId xmlns:a16="http://schemas.microsoft.com/office/drawing/2014/main" id="{F78ACAA7-E69F-43D4-919F-59DCA6482DF0}"/>
                 </a:ext>
                 <a:ext uri="{C183D7F6-B498-43B3-948B-1728B52AA6E4}">
-                  <adec:decorative xmlns="" xmlns:adec="http://schemas.microsoft.com/office/drawing/2017/decorative" val="1"/>
+                  <adec:decorative xmlns:adec="http://schemas.microsoft.com/office/drawing/2017/decorative" xmlns="" val="1"/>
                 </a:ext>
               </a:extLst>
             </p:cNvPr>
@@ -17959,7 +20551,7 @@
                   <a16:creationId xmlns:a16="http://schemas.microsoft.com/office/drawing/2014/main" id="{96704AC3-E553-4428-AD42-796DD344ADA8}"/>
                 </a:ext>
                 <a:ext uri="{C183D7F6-B498-43B3-948B-1728B52AA6E4}">
-                  <adec:decorative xmlns="" xmlns:adec="http://schemas.microsoft.com/office/drawing/2017/decorative" val="1"/>
+                  <adec:decorative xmlns:adec="http://schemas.microsoft.com/office/drawing/2017/decorative" xmlns="" val="1"/>
                 </a:ext>
               </a:extLst>
             </p:cNvPr>
@@ -18056,7 +20648,7 @@
                   <a16:creationId xmlns:a16="http://schemas.microsoft.com/office/drawing/2014/main" id="{3144CE2D-2D9E-4E16-92AA-F685E45492E5}"/>
                 </a:ext>
                 <a:ext uri="{C183D7F6-B498-43B3-948B-1728B52AA6E4}">
-                  <adec:decorative xmlns="" xmlns:adec="http://schemas.microsoft.com/office/drawing/2017/decorative" val="1"/>
+                  <adec:decorative xmlns:adec="http://schemas.microsoft.com/office/drawing/2017/decorative" xmlns="" val="1"/>
                 </a:ext>
               </a:extLst>
             </p:cNvPr>
@@ -18148,7 +20740,7 @@
                   <a16:creationId xmlns:a16="http://schemas.microsoft.com/office/drawing/2014/main" id="{CD4C0C99-C139-4838-92A2-2C05514812EA}"/>
                 </a:ext>
                 <a:ext uri="{C183D7F6-B498-43B3-948B-1728B52AA6E4}">
-                  <adec:decorative xmlns="" xmlns:adec="http://schemas.microsoft.com/office/drawing/2017/decorative" val="1"/>
+                  <adec:decorative xmlns:adec="http://schemas.microsoft.com/office/drawing/2017/decorative" xmlns="" val="1"/>
                 </a:ext>
               </a:extLst>
             </p:cNvPr>
@@ -18220,7 +20812,7 @@
                   <a16:creationId xmlns:a16="http://schemas.microsoft.com/office/drawing/2014/main" id="{6D356AA9-ECE0-4E40-A277-44AC6EF76509}"/>
                 </a:ext>
                 <a:ext uri="{C183D7F6-B498-43B3-948B-1728B52AA6E4}">
-                  <adec:decorative xmlns="" xmlns:adec="http://schemas.microsoft.com/office/drawing/2017/decorative" val="1"/>
+                  <adec:decorative xmlns:adec="http://schemas.microsoft.com/office/drawing/2017/decorative" xmlns="" val="1"/>
                 </a:ext>
               </a:extLst>
             </p:cNvPr>
@@ -18312,7 +20904,7 @@
                   <a16:creationId xmlns:a16="http://schemas.microsoft.com/office/drawing/2014/main" id="{5A9C3CFE-942C-43DB-9652-8B2647552B4F}"/>
                 </a:ext>
                 <a:ext uri="{C183D7F6-B498-43B3-948B-1728B52AA6E4}">
-                  <adec:decorative xmlns="" xmlns:adec="http://schemas.microsoft.com/office/drawing/2017/decorative" val="1"/>
+                  <adec:decorative xmlns:adec="http://schemas.microsoft.com/office/drawing/2017/decorative" xmlns="" val="1"/>
                 </a:ext>
               </a:extLst>
             </p:cNvPr>
@@ -18439,7 +21031,7 @@
                   <a16:creationId xmlns:a16="http://schemas.microsoft.com/office/drawing/2014/main" id="{F3DDB2C0-7B2C-4BA5-8ECA-4632746722DE}"/>
                 </a:ext>
                 <a:ext uri="{C183D7F6-B498-43B3-948B-1728B52AA6E4}">
-                  <adec:decorative xmlns="" xmlns:adec="http://schemas.microsoft.com/office/drawing/2017/decorative" val="1"/>
+                  <adec:decorative xmlns:adec="http://schemas.microsoft.com/office/drawing/2017/decorative" xmlns="" val="1"/>
                 </a:ext>
               </a:extLst>
             </p:cNvPr>
@@ -18501,7 +21093,7 @@
                   <a16:creationId xmlns:a16="http://schemas.microsoft.com/office/drawing/2014/main" id="{CCB346B3-FD72-422B-9688-F54E77399A30}"/>
                 </a:ext>
                 <a:ext uri="{C183D7F6-B498-43B3-948B-1728B52AA6E4}">
-                  <adec:decorative xmlns="" xmlns:adec="http://schemas.microsoft.com/office/drawing/2017/decorative" val="1"/>
+                  <adec:decorative xmlns:adec="http://schemas.microsoft.com/office/drawing/2017/decorative" xmlns="" val="1"/>
                 </a:ext>
               </a:extLst>
             </p:cNvPr>
@@ -18573,7 +21165,7 @@
                   <a16:creationId xmlns:a16="http://schemas.microsoft.com/office/drawing/2014/main" id="{A5E738B1-537A-48F5-B99B-72BF4EA8B0AE}"/>
                 </a:ext>
                 <a:ext uri="{C183D7F6-B498-43B3-948B-1728B52AA6E4}">
-                  <adec:decorative xmlns="" xmlns:adec="http://schemas.microsoft.com/office/drawing/2017/decorative" val="1"/>
+                  <adec:decorative xmlns:adec="http://schemas.microsoft.com/office/drawing/2017/decorative" xmlns="" val="1"/>
                 </a:ext>
               </a:extLst>
             </p:cNvPr>
@@ -18656,7 +21248,7 @@
                 <a16:creationId xmlns:a16="http://schemas.microsoft.com/office/drawing/2014/main" id="{65CAAAF8-C872-447C-BCD0-F5CD3016C563}"/>
               </a:ext>
               <a:ext uri="{C183D7F6-B498-43B3-948B-1728B52AA6E4}">
-                <adec:decorative xmlns="" xmlns:adec="http://schemas.microsoft.com/office/drawing/2017/decorative" val="1"/>
+                <adec:decorative xmlns:adec="http://schemas.microsoft.com/office/drawing/2017/decorative" xmlns="" val="1"/>
               </a:ext>
             </a:extLst>
           </p:cNvPr>
@@ -18690,7 +21282,7 @@
                   <a16:creationId xmlns:a16="http://schemas.microsoft.com/office/drawing/2014/main" id="{3CD192F9-4898-4362-B1A2-3DDAA54614A9}"/>
                 </a:ext>
                 <a:ext uri="{C183D7F6-B498-43B3-948B-1728B52AA6E4}">
-                  <adec:decorative xmlns="" xmlns:adec="http://schemas.microsoft.com/office/drawing/2017/decorative" val="1"/>
+                  <adec:decorative xmlns:adec="http://schemas.microsoft.com/office/drawing/2017/decorative" xmlns="" val="1"/>
                 </a:ext>
               </a:extLst>
             </p:cNvPr>
@@ -18807,7 +21399,7 @@
                   <a16:creationId xmlns:a16="http://schemas.microsoft.com/office/drawing/2014/main" id="{25658BAB-0A60-4CAE-B735-5297A284A9EB}"/>
                 </a:ext>
                 <a:ext uri="{C183D7F6-B498-43B3-948B-1728B52AA6E4}">
-                  <adec:decorative xmlns="" xmlns:adec="http://schemas.microsoft.com/office/drawing/2017/decorative" val="1"/>
+                  <adec:decorative xmlns:adec="http://schemas.microsoft.com/office/drawing/2017/decorative" xmlns="" val="1"/>
                 </a:ext>
               </a:extLst>
             </p:cNvPr>
@@ -18889,7 +21481,7 @@
                   <a16:creationId xmlns:a16="http://schemas.microsoft.com/office/drawing/2014/main" id="{B176DB7C-2C45-4E08-956B-5D2E339C7556}"/>
                 </a:ext>
                 <a:ext uri="{C183D7F6-B498-43B3-948B-1728B52AA6E4}">
-                  <adec:decorative xmlns="" xmlns:adec="http://schemas.microsoft.com/office/drawing/2017/decorative" val="1"/>
+                  <adec:decorative xmlns:adec="http://schemas.microsoft.com/office/drawing/2017/decorative" xmlns="" val="1"/>
                 </a:ext>
               </a:extLst>
             </p:cNvPr>
@@ -18971,7 +21563,7 @@
                   <a16:creationId xmlns:a16="http://schemas.microsoft.com/office/drawing/2014/main" id="{671B014E-7E67-4978-A9AB-7C6E2F99FDA0}"/>
                 </a:ext>
                 <a:ext uri="{C183D7F6-B498-43B3-948B-1728B52AA6E4}">
-                  <adec:decorative xmlns="" xmlns:adec="http://schemas.microsoft.com/office/drawing/2017/decorative" val="1"/>
+                  <adec:decorative xmlns:adec="http://schemas.microsoft.com/office/drawing/2017/decorative" xmlns="" val="1"/>
                 </a:ext>
               </a:extLst>
             </p:cNvPr>
@@ -19068,7 +21660,7 @@
                   <a16:creationId xmlns:a16="http://schemas.microsoft.com/office/drawing/2014/main" id="{193156F8-3B15-4064-8C4B-F21ED4F376AB}"/>
                 </a:ext>
                 <a:ext uri="{C183D7F6-B498-43B3-948B-1728B52AA6E4}">
-                  <adec:decorative xmlns="" xmlns:adec="http://schemas.microsoft.com/office/drawing/2017/decorative" val="1"/>
+                  <adec:decorative xmlns:adec="http://schemas.microsoft.com/office/drawing/2017/decorative" xmlns="" val="1"/>
                 </a:ext>
               </a:extLst>
             </p:cNvPr>
@@ -19175,7 +21767,7 @@
                   <a16:creationId xmlns:a16="http://schemas.microsoft.com/office/drawing/2014/main" id="{96B721A4-876F-43D1-B231-585A55B38F59}"/>
                 </a:ext>
                 <a:ext uri="{C183D7F6-B498-43B3-948B-1728B52AA6E4}">
-                  <adec:decorative xmlns="" xmlns:adec="http://schemas.microsoft.com/office/drawing/2017/decorative" val="1"/>
+                  <adec:decorative xmlns:adec="http://schemas.microsoft.com/office/drawing/2017/decorative" xmlns="" val="1"/>
                 </a:ext>
               </a:extLst>
             </p:cNvPr>
@@ -19237,7 +21829,7 @@
                   <a16:creationId xmlns:a16="http://schemas.microsoft.com/office/drawing/2014/main" id="{3D9AB238-BB7F-4D15-83B0-BD6CA92CC7FA}"/>
                 </a:ext>
                 <a:ext uri="{C183D7F6-B498-43B3-948B-1728B52AA6E4}">
-                  <adec:decorative xmlns="" xmlns:adec="http://schemas.microsoft.com/office/drawing/2017/decorative" val="1"/>
+                  <adec:decorative xmlns:adec="http://schemas.microsoft.com/office/drawing/2017/decorative" xmlns="" val="1"/>
                 </a:ext>
               </a:extLst>
             </p:cNvPr>
@@ -19314,7 +21906,7 @@
                   <a16:creationId xmlns:a16="http://schemas.microsoft.com/office/drawing/2014/main" id="{85F91E03-6B79-4561-AADA-9D9EE5194981}"/>
                 </a:ext>
                 <a:ext uri="{C183D7F6-B498-43B3-948B-1728B52AA6E4}">
-                  <adec:decorative xmlns="" xmlns:adec="http://schemas.microsoft.com/office/drawing/2017/decorative" val="1"/>
+                  <adec:decorative xmlns:adec="http://schemas.microsoft.com/office/drawing/2017/decorative" xmlns="" val="1"/>
                 </a:ext>
               </a:extLst>
             </p:cNvPr>
@@ -19436,7 +22028,7 @@
                   <a16:creationId xmlns:a16="http://schemas.microsoft.com/office/drawing/2014/main" id="{A2B05A7B-02BB-4384-AB3F-6300769C06E9}"/>
                 </a:ext>
                 <a:ext uri="{C183D7F6-B498-43B3-948B-1728B52AA6E4}">
-                  <adec:decorative xmlns="" xmlns:adec="http://schemas.microsoft.com/office/drawing/2017/decorative" val="1"/>
+                  <adec:decorative xmlns:adec="http://schemas.microsoft.com/office/drawing/2017/decorative" xmlns="" val="1"/>
                 </a:ext>
               </a:extLst>
             </p:cNvPr>
@@ -19498,7 +22090,7 @@
                   <a16:creationId xmlns:a16="http://schemas.microsoft.com/office/drawing/2014/main" id="{10C0CEA7-547A-4AB3-99B0-971B1E98AB9B}"/>
                 </a:ext>
                 <a:ext uri="{C183D7F6-B498-43B3-948B-1728B52AA6E4}">
-                  <adec:decorative xmlns="" xmlns:adec="http://schemas.microsoft.com/office/drawing/2017/decorative" val="1"/>
+                  <adec:decorative xmlns:adec="http://schemas.microsoft.com/office/drawing/2017/decorative" xmlns="" val="1"/>
                 </a:ext>
               </a:extLst>
             </p:cNvPr>
@@ -19580,7 +22172,7 @@
                   <a16:creationId xmlns:a16="http://schemas.microsoft.com/office/drawing/2014/main" id="{643A7C23-A309-4BDC-AC90-7E150B0A7A48}"/>
                 </a:ext>
                 <a:ext uri="{C183D7F6-B498-43B3-948B-1728B52AA6E4}">
-                  <adec:decorative xmlns="" xmlns:adec="http://schemas.microsoft.com/office/drawing/2017/decorative" val="1"/>
+                  <adec:decorative xmlns:adec="http://schemas.microsoft.com/office/drawing/2017/decorative" xmlns="" val="1"/>
                 </a:ext>
               </a:extLst>
             </p:cNvPr>
@@ -19657,7 +22249,7 @@
                   <a16:creationId xmlns:a16="http://schemas.microsoft.com/office/drawing/2014/main" id="{CDFCEA60-6323-4E47-A467-83E3D32C0B99}"/>
                 </a:ext>
                 <a:ext uri="{C183D7F6-B498-43B3-948B-1728B52AA6E4}">
-                  <adec:decorative xmlns="" xmlns:adec="http://schemas.microsoft.com/office/drawing/2017/decorative" val="1"/>
+                  <adec:decorative xmlns:adec="http://schemas.microsoft.com/office/drawing/2017/decorative" xmlns="" val="1"/>
                 </a:ext>
               </a:extLst>
             </p:cNvPr>
@@ -19740,7 +22332,7 @@
                 <a16:creationId xmlns:a16="http://schemas.microsoft.com/office/drawing/2014/main" id="{42D62A3B-08B7-4F45-B0BC-A23B2CC9C304}"/>
               </a:ext>
               <a:ext uri="{C183D7F6-B498-43B3-948B-1728B52AA6E4}">
-                <adec:decorative xmlns="" xmlns:adec="http://schemas.microsoft.com/office/drawing/2017/decorative" val="1"/>
+                <adec:decorative xmlns:adec="http://schemas.microsoft.com/office/drawing/2017/decorative" xmlns="" val="1"/>
               </a:ext>
             </a:extLst>
           </p:cNvPr>
@@ -19794,7 +22386,7 @@
                 <a16:creationId xmlns:a16="http://schemas.microsoft.com/office/drawing/2014/main" id="{7527CAFC-17AC-48FE-AB33-811D38361FC7}"/>
               </a:ext>
               <a:ext uri="{C183D7F6-B498-43B3-948B-1728B52AA6E4}">
-                <adec:decorative xmlns="" xmlns:adec="http://schemas.microsoft.com/office/drawing/2017/decorative" val="1"/>
+                <adec:decorative xmlns:adec="http://schemas.microsoft.com/office/drawing/2017/decorative" xmlns="" val="1"/>
               </a:ext>
             </a:extLst>
           </p:cNvPr>
@@ -19925,6 +22517,13 @@
   <p:clrMapOvr>
     <a:masterClrMapping/>
   </p:clrMapOvr>
+  <p:timing>
+    <p:tnLst>
+      <p:par>
+        <p:cTn id="1" dur="indefinite" restart="never" nodeType="tmRoot"/>
+      </p:par>
+    </p:tnLst>
+  </p:timing>
 </p:sld>
 </file>
 
@@ -19961,7 +22560,7 @@
                 <a16:creationId xmlns:a16="http://schemas.microsoft.com/office/drawing/2014/main" id="{A9D17E3F-9160-4D16-8F1D-F8FE94E2A5DC}"/>
               </a:ext>
               <a:ext uri="{C183D7F6-B498-43B3-948B-1728B52AA6E4}">
-                <adec:decorative xmlns="" xmlns:adec="http://schemas.microsoft.com/office/drawing/2017/decorative" val="1"/>
+                <adec:decorative xmlns:adec="http://schemas.microsoft.com/office/drawing/2017/decorative" xmlns="" val="1"/>
               </a:ext>
             </a:extLst>
           </p:cNvPr>
@@ -20199,7 +22798,7 @@
                 <a16:creationId xmlns:a16="http://schemas.microsoft.com/office/drawing/2014/main" id="{93DBB853-C277-42C7-80D0-110A8842ED54}"/>
               </a:ext>
               <a:ext uri="{C183D7F6-B498-43B3-948B-1728B52AA6E4}">
-                <adec:decorative xmlns="" xmlns:adec="http://schemas.microsoft.com/office/drawing/2017/decorative" val="1"/>
+                <adec:decorative xmlns:adec="http://schemas.microsoft.com/office/drawing/2017/decorative" xmlns="" val="1"/>
               </a:ext>
             </a:extLst>
           </p:cNvPr>
@@ -20236,7 +22835,7 @@
                   <a16:creationId xmlns:a16="http://schemas.microsoft.com/office/drawing/2014/main" id="{8D2CA353-4AC3-432A-8704-A618563EECF3}"/>
                 </a:ext>
                 <a:ext uri="{C183D7F6-B498-43B3-948B-1728B52AA6E4}">
-                  <adec:decorative xmlns="" xmlns:adec="http://schemas.microsoft.com/office/drawing/2017/decorative" val="1"/>
+                  <adec:decorative xmlns:adec="http://schemas.microsoft.com/office/drawing/2017/decorative" xmlns="" val="1"/>
                 </a:ext>
               </a:extLst>
             </p:cNvPr>
@@ -20308,7 +22907,7 @@
                   <a16:creationId xmlns:a16="http://schemas.microsoft.com/office/drawing/2014/main" id="{71685CFF-C2D8-4119-9CDA-504914853759}"/>
                 </a:ext>
                 <a:ext uri="{C183D7F6-B498-43B3-948B-1728B52AA6E4}">
-                  <adec:decorative xmlns="" xmlns:adec="http://schemas.microsoft.com/office/drawing/2017/decorative" val="1"/>
+                  <adec:decorative xmlns:adec="http://schemas.microsoft.com/office/drawing/2017/decorative" xmlns="" val="1"/>
                 </a:ext>
               </a:extLst>
             </p:cNvPr>
@@ -20385,7 +22984,7 @@
                   <a16:creationId xmlns:a16="http://schemas.microsoft.com/office/drawing/2014/main" id="{119C20C9-05B5-4384-9F4E-B4B8FA299CD3}"/>
                 </a:ext>
                 <a:ext uri="{C183D7F6-B498-43B3-948B-1728B52AA6E4}">
-                  <adec:decorative xmlns="" xmlns:adec="http://schemas.microsoft.com/office/drawing/2017/decorative" val="1"/>
+                  <adec:decorative xmlns:adec="http://schemas.microsoft.com/office/drawing/2017/decorative" xmlns="" val="1"/>
                 </a:ext>
               </a:extLst>
             </p:cNvPr>
@@ -20467,7 +23066,7 @@
                   <a16:creationId xmlns:a16="http://schemas.microsoft.com/office/drawing/2014/main" id="{F78ACAA7-E69F-43D4-919F-59DCA6482DF0}"/>
                 </a:ext>
                 <a:ext uri="{C183D7F6-B498-43B3-948B-1728B52AA6E4}">
-                  <adec:decorative xmlns="" xmlns:adec="http://schemas.microsoft.com/office/drawing/2017/decorative" val="1"/>
+                  <adec:decorative xmlns:adec="http://schemas.microsoft.com/office/drawing/2017/decorative" xmlns="" val="1"/>
                 </a:ext>
               </a:extLst>
             </p:cNvPr>
@@ -20529,7 +23128,7 @@
                   <a16:creationId xmlns:a16="http://schemas.microsoft.com/office/drawing/2014/main" id="{96704AC3-E553-4428-AD42-796DD344ADA8}"/>
                 </a:ext>
                 <a:ext uri="{C183D7F6-B498-43B3-948B-1728B52AA6E4}">
-                  <adec:decorative xmlns="" xmlns:adec="http://schemas.microsoft.com/office/drawing/2017/decorative" val="1"/>
+                  <adec:decorative xmlns:adec="http://schemas.microsoft.com/office/drawing/2017/decorative" xmlns="" val="1"/>
                 </a:ext>
               </a:extLst>
             </p:cNvPr>
@@ -20626,7 +23225,7 @@
                   <a16:creationId xmlns:a16="http://schemas.microsoft.com/office/drawing/2014/main" id="{3144CE2D-2D9E-4E16-92AA-F685E45492E5}"/>
                 </a:ext>
                 <a:ext uri="{C183D7F6-B498-43B3-948B-1728B52AA6E4}">
-                  <adec:decorative xmlns="" xmlns:adec="http://schemas.microsoft.com/office/drawing/2017/decorative" val="1"/>
+                  <adec:decorative xmlns:adec="http://schemas.microsoft.com/office/drawing/2017/decorative" xmlns="" val="1"/>
                 </a:ext>
               </a:extLst>
             </p:cNvPr>
@@ -20718,7 +23317,7 @@
                   <a16:creationId xmlns:a16="http://schemas.microsoft.com/office/drawing/2014/main" id="{CD4C0C99-C139-4838-92A2-2C05514812EA}"/>
                 </a:ext>
                 <a:ext uri="{C183D7F6-B498-43B3-948B-1728B52AA6E4}">
-                  <adec:decorative xmlns="" xmlns:adec="http://schemas.microsoft.com/office/drawing/2017/decorative" val="1"/>
+                  <adec:decorative xmlns:adec="http://schemas.microsoft.com/office/drawing/2017/decorative" xmlns="" val="1"/>
                 </a:ext>
               </a:extLst>
             </p:cNvPr>
@@ -20790,7 +23389,7 @@
                   <a16:creationId xmlns:a16="http://schemas.microsoft.com/office/drawing/2014/main" id="{6D356AA9-ECE0-4E40-A277-44AC6EF76509}"/>
                 </a:ext>
                 <a:ext uri="{C183D7F6-B498-43B3-948B-1728B52AA6E4}">
-                  <adec:decorative xmlns="" xmlns:adec="http://schemas.microsoft.com/office/drawing/2017/decorative" val="1"/>
+                  <adec:decorative xmlns:adec="http://schemas.microsoft.com/office/drawing/2017/decorative" xmlns="" val="1"/>
                 </a:ext>
               </a:extLst>
             </p:cNvPr>
@@ -20882,7 +23481,7 @@
                   <a16:creationId xmlns:a16="http://schemas.microsoft.com/office/drawing/2014/main" id="{5A9C3CFE-942C-43DB-9652-8B2647552B4F}"/>
                 </a:ext>
                 <a:ext uri="{C183D7F6-B498-43B3-948B-1728B52AA6E4}">
-                  <adec:decorative xmlns="" xmlns:adec="http://schemas.microsoft.com/office/drawing/2017/decorative" val="1"/>
+                  <adec:decorative xmlns:adec="http://schemas.microsoft.com/office/drawing/2017/decorative" xmlns="" val="1"/>
                 </a:ext>
               </a:extLst>
             </p:cNvPr>
@@ -21009,7 +23608,7 @@
                   <a16:creationId xmlns:a16="http://schemas.microsoft.com/office/drawing/2014/main" id="{F3DDB2C0-7B2C-4BA5-8ECA-4632746722DE}"/>
                 </a:ext>
                 <a:ext uri="{C183D7F6-B498-43B3-948B-1728B52AA6E4}">
-                  <adec:decorative xmlns="" xmlns:adec="http://schemas.microsoft.com/office/drawing/2017/decorative" val="1"/>
+                  <adec:decorative xmlns:adec="http://schemas.microsoft.com/office/drawing/2017/decorative" xmlns="" val="1"/>
                 </a:ext>
               </a:extLst>
             </p:cNvPr>
@@ -21071,7 +23670,7 @@
                   <a16:creationId xmlns:a16="http://schemas.microsoft.com/office/drawing/2014/main" id="{CCB346B3-FD72-422B-9688-F54E77399A30}"/>
                 </a:ext>
                 <a:ext uri="{C183D7F6-B498-43B3-948B-1728B52AA6E4}">
-                  <adec:decorative xmlns="" xmlns:adec="http://schemas.microsoft.com/office/drawing/2017/decorative" val="1"/>
+                  <adec:decorative xmlns:adec="http://schemas.microsoft.com/office/drawing/2017/decorative" xmlns="" val="1"/>
                 </a:ext>
               </a:extLst>
             </p:cNvPr>
@@ -21143,7 +23742,7 @@
                   <a16:creationId xmlns:a16="http://schemas.microsoft.com/office/drawing/2014/main" id="{A5E738B1-537A-48F5-B99B-72BF4EA8B0AE}"/>
                 </a:ext>
                 <a:ext uri="{C183D7F6-B498-43B3-948B-1728B52AA6E4}">
-                  <adec:decorative xmlns="" xmlns:adec="http://schemas.microsoft.com/office/drawing/2017/decorative" val="1"/>
+                  <adec:decorative xmlns:adec="http://schemas.microsoft.com/office/drawing/2017/decorative" xmlns="" val="1"/>
                 </a:ext>
               </a:extLst>
             </p:cNvPr>
@@ -21226,7 +23825,7 @@
                 <a16:creationId xmlns:a16="http://schemas.microsoft.com/office/drawing/2014/main" id="{65CAAAF8-C872-447C-BCD0-F5CD3016C563}"/>
               </a:ext>
               <a:ext uri="{C183D7F6-B498-43B3-948B-1728B52AA6E4}">
-                <adec:decorative xmlns="" xmlns:adec="http://schemas.microsoft.com/office/drawing/2017/decorative" val="1"/>
+                <adec:decorative xmlns:adec="http://schemas.microsoft.com/office/drawing/2017/decorative" xmlns="" val="1"/>
               </a:ext>
             </a:extLst>
           </p:cNvPr>
@@ -21260,7 +23859,7 @@
                   <a16:creationId xmlns:a16="http://schemas.microsoft.com/office/drawing/2014/main" id="{3CD192F9-4898-4362-B1A2-3DDAA54614A9}"/>
                 </a:ext>
                 <a:ext uri="{C183D7F6-B498-43B3-948B-1728B52AA6E4}">
-                  <adec:decorative xmlns="" xmlns:adec="http://schemas.microsoft.com/office/drawing/2017/decorative" val="1"/>
+                  <adec:decorative xmlns:adec="http://schemas.microsoft.com/office/drawing/2017/decorative" xmlns="" val="1"/>
                 </a:ext>
               </a:extLst>
             </p:cNvPr>
@@ -21377,7 +23976,7 @@
                   <a16:creationId xmlns:a16="http://schemas.microsoft.com/office/drawing/2014/main" id="{25658BAB-0A60-4CAE-B735-5297A284A9EB}"/>
                 </a:ext>
                 <a:ext uri="{C183D7F6-B498-43B3-948B-1728B52AA6E4}">
-                  <adec:decorative xmlns="" xmlns:adec="http://schemas.microsoft.com/office/drawing/2017/decorative" val="1"/>
+                  <adec:decorative xmlns:adec="http://schemas.microsoft.com/office/drawing/2017/decorative" xmlns="" val="1"/>
                 </a:ext>
               </a:extLst>
             </p:cNvPr>
@@ -21459,7 +24058,7 @@
                   <a16:creationId xmlns:a16="http://schemas.microsoft.com/office/drawing/2014/main" id="{B176DB7C-2C45-4E08-956B-5D2E339C7556}"/>
                 </a:ext>
                 <a:ext uri="{C183D7F6-B498-43B3-948B-1728B52AA6E4}">
-                  <adec:decorative xmlns="" xmlns:adec="http://schemas.microsoft.com/office/drawing/2017/decorative" val="1"/>
+                  <adec:decorative xmlns:adec="http://schemas.microsoft.com/office/drawing/2017/decorative" xmlns="" val="1"/>
                 </a:ext>
               </a:extLst>
             </p:cNvPr>
@@ -21541,7 +24140,7 @@
                   <a16:creationId xmlns:a16="http://schemas.microsoft.com/office/drawing/2014/main" id="{671B014E-7E67-4978-A9AB-7C6E2F99FDA0}"/>
                 </a:ext>
                 <a:ext uri="{C183D7F6-B498-43B3-948B-1728B52AA6E4}">
-                  <adec:decorative xmlns="" xmlns:adec="http://schemas.microsoft.com/office/drawing/2017/decorative" val="1"/>
+                  <adec:decorative xmlns:adec="http://schemas.microsoft.com/office/drawing/2017/decorative" xmlns="" val="1"/>
                 </a:ext>
               </a:extLst>
             </p:cNvPr>
@@ -21638,7 +24237,7 @@
                   <a16:creationId xmlns:a16="http://schemas.microsoft.com/office/drawing/2014/main" id="{193156F8-3B15-4064-8C4B-F21ED4F376AB}"/>
                 </a:ext>
                 <a:ext uri="{C183D7F6-B498-43B3-948B-1728B52AA6E4}">
-                  <adec:decorative xmlns="" xmlns:adec="http://schemas.microsoft.com/office/drawing/2017/decorative" val="1"/>
+                  <adec:decorative xmlns:adec="http://schemas.microsoft.com/office/drawing/2017/decorative" xmlns="" val="1"/>
                 </a:ext>
               </a:extLst>
             </p:cNvPr>
@@ -21745,7 +24344,7 @@
                   <a16:creationId xmlns:a16="http://schemas.microsoft.com/office/drawing/2014/main" id="{96B721A4-876F-43D1-B231-585A55B38F59}"/>
                 </a:ext>
                 <a:ext uri="{C183D7F6-B498-43B3-948B-1728B52AA6E4}">
-                  <adec:decorative xmlns="" xmlns:adec="http://schemas.microsoft.com/office/drawing/2017/decorative" val="1"/>
+                  <adec:decorative xmlns:adec="http://schemas.microsoft.com/office/drawing/2017/decorative" xmlns="" val="1"/>
                 </a:ext>
               </a:extLst>
             </p:cNvPr>
@@ -21807,7 +24406,7 @@
                   <a16:creationId xmlns:a16="http://schemas.microsoft.com/office/drawing/2014/main" id="{3D9AB238-BB7F-4D15-83B0-BD6CA92CC7FA}"/>
                 </a:ext>
                 <a:ext uri="{C183D7F6-B498-43B3-948B-1728B52AA6E4}">
-                  <adec:decorative xmlns="" xmlns:adec="http://schemas.microsoft.com/office/drawing/2017/decorative" val="1"/>
+                  <adec:decorative xmlns:adec="http://schemas.microsoft.com/office/drawing/2017/decorative" xmlns="" val="1"/>
                 </a:ext>
               </a:extLst>
             </p:cNvPr>
@@ -21884,7 +24483,7 @@
                   <a16:creationId xmlns:a16="http://schemas.microsoft.com/office/drawing/2014/main" id="{85F91E03-6B79-4561-AADA-9D9EE5194981}"/>
                 </a:ext>
                 <a:ext uri="{C183D7F6-B498-43B3-948B-1728B52AA6E4}">
-                  <adec:decorative xmlns="" xmlns:adec="http://schemas.microsoft.com/office/drawing/2017/decorative" val="1"/>
+                  <adec:decorative xmlns:adec="http://schemas.microsoft.com/office/drawing/2017/decorative" xmlns="" val="1"/>
                 </a:ext>
               </a:extLst>
             </p:cNvPr>
@@ -22006,7 +24605,7 @@
                   <a16:creationId xmlns:a16="http://schemas.microsoft.com/office/drawing/2014/main" id="{A2B05A7B-02BB-4384-AB3F-6300769C06E9}"/>
                 </a:ext>
                 <a:ext uri="{C183D7F6-B498-43B3-948B-1728B52AA6E4}">
-                  <adec:decorative xmlns="" xmlns:adec="http://schemas.microsoft.com/office/drawing/2017/decorative" val="1"/>
+                  <adec:decorative xmlns:adec="http://schemas.microsoft.com/office/drawing/2017/decorative" xmlns="" val="1"/>
                 </a:ext>
               </a:extLst>
             </p:cNvPr>
@@ -22068,7 +24667,7 @@
                   <a16:creationId xmlns:a16="http://schemas.microsoft.com/office/drawing/2014/main" id="{10C0CEA7-547A-4AB3-99B0-971B1E98AB9B}"/>
                 </a:ext>
                 <a:ext uri="{C183D7F6-B498-43B3-948B-1728B52AA6E4}">
-                  <adec:decorative xmlns="" xmlns:adec="http://schemas.microsoft.com/office/drawing/2017/decorative" val="1"/>
+                  <adec:decorative xmlns:adec="http://schemas.microsoft.com/office/drawing/2017/decorative" xmlns="" val="1"/>
                 </a:ext>
               </a:extLst>
             </p:cNvPr>
@@ -22150,7 +24749,7 @@
                   <a16:creationId xmlns:a16="http://schemas.microsoft.com/office/drawing/2014/main" id="{643A7C23-A309-4BDC-AC90-7E150B0A7A48}"/>
                 </a:ext>
                 <a:ext uri="{C183D7F6-B498-43B3-948B-1728B52AA6E4}">
-                  <adec:decorative xmlns="" xmlns:adec="http://schemas.microsoft.com/office/drawing/2017/decorative" val="1"/>
+                  <adec:decorative xmlns:adec="http://schemas.microsoft.com/office/drawing/2017/decorative" xmlns="" val="1"/>
                 </a:ext>
               </a:extLst>
             </p:cNvPr>
@@ -22227,7 +24826,7 @@
                   <a16:creationId xmlns:a16="http://schemas.microsoft.com/office/drawing/2014/main" id="{CDFCEA60-6323-4E47-A467-83E3D32C0B99}"/>
                 </a:ext>
                 <a:ext uri="{C183D7F6-B498-43B3-948B-1728B52AA6E4}">
-                  <adec:decorative xmlns="" xmlns:adec="http://schemas.microsoft.com/office/drawing/2017/decorative" val="1"/>
+                  <adec:decorative xmlns:adec="http://schemas.microsoft.com/office/drawing/2017/decorative" xmlns="" val="1"/>
                 </a:ext>
               </a:extLst>
             </p:cNvPr>
@@ -22310,7 +24909,7 @@
                 <a16:creationId xmlns:a16="http://schemas.microsoft.com/office/drawing/2014/main" id="{42D62A3B-08B7-4F45-B0BC-A23B2CC9C304}"/>
               </a:ext>
               <a:ext uri="{C183D7F6-B498-43B3-948B-1728B52AA6E4}">
-                <adec:decorative xmlns="" xmlns:adec="http://schemas.microsoft.com/office/drawing/2017/decorative" val="1"/>
+                <adec:decorative xmlns:adec="http://schemas.microsoft.com/office/drawing/2017/decorative" xmlns="" val="1"/>
               </a:ext>
             </a:extLst>
           </p:cNvPr>
@@ -22364,7 +24963,7 @@
                 <a16:creationId xmlns:a16="http://schemas.microsoft.com/office/drawing/2014/main" id="{7527CAFC-17AC-48FE-AB33-811D38361FC7}"/>
               </a:ext>
               <a:ext uri="{C183D7F6-B498-43B3-948B-1728B52AA6E4}">
-                <adec:decorative xmlns="" xmlns:adec="http://schemas.microsoft.com/office/drawing/2017/decorative" val="1"/>
+                <adec:decorative xmlns:adec="http://schemas.microsoft.com/office/drawing/2017/decorative" xmlns="" val="1"/>
               </a:ext>
             </a:extLst>
           </p:cNvPr>
@@ -22495,6 +25094,13 @@
   <p:clrMapOvr>
     <a:masterClrMapping/>
   </p:clrMapOvr>
+  <p:timing>
+    <p:tnLst>
+      <p:par>
+        <p:cTn id="1" dur="indefinite" restart="never" nodeType="tmRoot"/>
+      </p:par>
+    </p:tnLst>
+  </p:timing>
 </p:sld>
 </file>
 
@@ -22531,7 +25137,7 @@
                 <a16:creationId xmlns:a16="http://schemas.microsoft.com/office/drawing/2014/main" id="{A9D17E3F-9160-4D16-8F1D-F8FE94E2A5DC}"/>
               </a:ext>
               <a:ext uri="{C183D7F6-B498-43B3-948B-1728B52AA6E4}">
-                <adec:decorative xmlns="" xmlns:adec="http://schemas.microsoft.com/office/drawing/2017/decorative" val="1"/>
+                <adec:decorative xmlns:adec="http://schemas.microsoft.com/office/drawing/2017/decorative" xmlns="" val="1"/>
               </a:ext>
             </a:extLst>
           </p:cNvPr>
@@ -22774,7 +25380,7 @@
                 <a16:creationId xmlns:a16="http://schemas.microsoft.com/office/drawing/2014/main" id="{93DBB853-C277-42C7-80D0-110A8842ED54}"/>
               </a:ext>
               <a:ext uri="{C183D7F6-B498-43B3-948B-1728B52AA6E4}">
-                <adec:decorative xmlns="" xmlns:adec="http://schemas.microsoft.com/office/drawing/2017/decorative" val="1"/>
+                <adec:decorative xmlns:adec="http://schemas.microsoft.com/office/drawing/2017/decorative" xmlns="" val="1"/>
               </a:ext>
             </a:extLst>
           </p:cNvPr>
@@ -22811,7 +25417,7 @@
                   <a16:creationId xmlns:a16="http://schemas.microsoft.com/office/drawing/2014/main" id="{8D2CA353-4AC3-432A-8704-A618563EECF3}"/>
                 </a:ext>
                 <a:ext uri="{C183D7F6-B498-43B3-948B-1728B52AA6E4}">
-                  <adec:decorative xmlns="" xmlns:adec="http://schemas.microsoft.com/office/drawing/2017/decorative" val="1"/>
+                  <adec:decorative xmlns:adec="http://schemas.microsoft.com/office/drawing/2017/decorative" xmlns="" val="1"/>
                 </a:ext>
               </a:extLst>
             </p:cNvPr>
@@ -22883,7 +25489,7 @@
                   <a16:creationId xmlns:a16="http://schemas.microsoft.com/office/drawing/2014/main" id="{71685CFF-C2D8-4119-9CDA-504914853759}"/>
                 </a:ext>
                 <a:ext uri="{C183D7F6-B498-43B3-948B-1728B52AA6E4}">
-                  <adec:decorative xmlns="" xmlns:adec="http://schemas.microsoft.com/office/drawing/2017/decorative" val="1"/>
+                  <adec:decorative xmlns:adec="http://schemas.microsoft.com/office/drawing/2017/decorative" xmlns="" val="1"/>
                 </a:ext>
               </a:extLst>
             </p:cNvPr>
@@ -22960,7 +25566,7 @@
                   <a16:creationId xmlns:a16="http://schemas.microsoft.com/office/drawing/2014/main" id="{119C20C9-05B5-4384-9F4E-B4B8FA299CD3}"/>
                 </a:ext>
                 <a:ext uri="{C183D7F6-B498-43B3-948B-1728B52AA6E4}">
-                  <adec:decorative xmlns="" xmlns:adec="http://schemas.microsoft.com/office/drawing/2017/decorative" val="1"/>
+                  <adec:decorative xmlns:adec="http://schemas.microsoft.com/office/drawing/2017/decorative" xmlns="" val="1"/>
                 </a:ext>
               </a:extLst>
             </p:cNvPr>
@@ -23042,7 +25648,7 @@
                   <a16:creationId xmlns:a16="http://schemas.microsoft.com/office/drawing/2014/main" id="{F78ACAA7-E69F-43D4-919F-59DCA6482DF0}"/>
                 </a:ext>
                 <a:ext uri="{C183D7F6-B498-43B3-948B-1728B52AA6E4}">
-                  <adec:decorative xmlns="" xmlns:adec="http://schemas.microsoft.com/office/drawing/2017/decorative" val="1"/>
+                  <adec:decorative xmlns:adec="http://schemas.microsoft.com/office/drawing/2017/decorative" xmlns="" val="1"/>
                 </a:ext>
               </a:extLst>
             </p:cNvPr>
@@ -23104,7 +25710,7 @@
                   <a16:creationId xmlns:a16="http://schemas.microsoft.com/office/drawing/2014/main" id="{96704AC3-E553-4428-AD42-796DD344ADA8}"/>
                 </a:ext>
                 <a:ext uri="{C183D7F6-B498-43B3-948B-1728B52AA6E4}">
-                  <adec:decorative xmlns="" xmlns:adec="http://schemas.microsoft.com/office/drawing/2017/decorative" val="1"/>
+                  <adec:decorative xmlns:adec="http://schemas.microsoft.com/office/drawing/2017/decorative" xmlns="" val="1"/>
                 </a:ext>
               </a:extLst>
             </p:cNvPr>
@@ -23201,7 +25807,7 @@
                   <a16:creationId xmlns:a16="http://schemas.microsoft.com/office/drawing/2014/main" id="{3144CE2D-2D9E-4E16-92AA-F685E45492E5}"/>
                 </a:ext>
                 <a:ext uri="{C183D7F6-B498-43B3-948B-1728B52AA6E4}">
-                  <adec:decorative xmlns="" xmlns:adec="http://schemas.microsoft.com/office/drawing/2017/decorative" val="1"/>
+                  <adec:decorative xmlns:adec="http://schemas.microsoft.com/office/drawing/2017/decorative" xmlns="" val="1"/>
                 </a:ext>
               </a:extLst>
             </p:cNvPr>
@@ -23293,7 +25899,7 @@
                   <a16:creationId xmlns:a16="http://schemas.microsoft.com/office/drawing/2014/main" id="{CD4C0C99-C139-4838-92A2-2C05514812EA}"/>
                 </a:ext>
                 <a:ext uri="{C183D7F6-B498-43B3-948B-1728B52AA6E4}">
-                  <adec:decorative xmlns="" xmlns:adec="http://schemas.microsoft.com/office/drawing/2017/decorative" val="1"/>
+                  <adec:decorative xmlns:adec="http://schemas.microsoft.com/office/drawing/2017/decorative" xmlns="" val="1"/>
                 </a:ext>
               </a:extLst>
             </p:cNvPr>
@@ -23365,7 +25971,7 @@
                   <a16:creationId xmlns:a16="http://schemas.microsoft.com/office/drawing/2014/main" id="{6D356AA9-ECE0-4E40-A277-44AC6EF76509}"/>
                 </a:ext>
                 <a:ext uri="{C183D7F6-B498-43B3-948B-1728B52AA6E4}">
-                  <adec:decorative xmlns="" xmlns:adec="http://schemas.microsoft.com/office/drawing/2017/decorative" val="1"/>
+                  <adec:decorative xmlns:adec="http://schemas.microsoft.com/office/drawing/2017/decorative" xmlns="" val="1"/>
                 </a:ext>
               </a:extLst>
             </p:cNvPr>
@@ -23457,7 +26063,7 @@
                   <a16:creationId xmlns:a16="http://schemas.microsoft.com/office/drawing/2014/main" id="{5A9C3CFE-942C-43DB-9652-8B2647552B4F}"/>
                 </a:ext>
                 <a:ext uri="{C183D7F6-B498-43B3-948B-1728B52AA6E4}">
-                  <adec:decorative xmlns="" xmlns:adec="http://schemas.microsoft.com/office/drawing/2017/decorative" val="1"/>
+                  <adec:decorative xmlns:adec="http://schemas.microsoft.com/office/drawing/2017/decorative" xmlns="" val="1"/>
                 </a:ext>
               </a:extLst>
             </p:cNvPr>
@@ -23584,7 +26190,7 @@
                   <a16:creationId xmlns:a16="http://schemas.microsoft.com/office/drawing/2014/main" id="{F3DDB2C0-7B2C-4BA5-8ECA-4632746722DE}"/>
                 </a:ext>
                 <a:ext uri="{C183D7F6-B498-43B3-948B-1728B52AA6E4}">
-                  <adec:decorative xmlns="" xmlns:adec="http://schemas.microsoft.com/office/drawing/2017/decorative" val="1"/>
+                  <adec:decorative xmlns:adec="http://schemas.microsoft.com/office/drawing/2017/decorative" xmlns="" val="1"/>
                 </a:ext>
               </a:extLst>
             </p:cNvPr>
@@ -23646,7 +26252,7 @@
                   <a16:creationId xmlns:a16="http://schemas.microsoft.com/office/drawing/2014/main" id="{CCB346B3-FD72-422B-9688-F54E77399A30}"/>
                 </a:ext>
                 <a:ext uri="{C183D7F6-B498-43B3-948B-1728B52AA6E4}">
-                  <adec:decorative xmlns="" xmlns:adec="http://schemas.microsoft.com/office/drawing/2017/decorative" val="1"/>
+                  <adec:decorative xmlns:adec="http://schemas.microsoft.com/office/drawing/2017/decorative" xmlns="" val="1"/>
                 </a:ext>
               </a:extLst>
             </p:cNvPr>
@@ -23718,7 +26324,7 @@
                   <a16:creationId xmlns:a16="http://schemas.microsoft.com/office/drawing/2014/main" id="{A5E738B1-537A-48F5-B99B-72BF4EA8B0AE}"/>
                 </a:ext>
                 <a:ext uri="{C183D7F6-B498-43B3-948B-1728B52AA6E4}">
-                  <adec:decorative xmlns="" xmlns:adec="http://schemas.microsoft.com/office/drawing/2017/decorative" val="1"/>
+                  <adec:decorative xmlns:adec="http://schemas.microsoft.com/office/drawing/2017/decorative" xmlns="" val="1"/>
                 </a:ext>
               </a:extLst>
             </p:cNvPr>
@@ -23801,7 +26407,7 @@
                 <a16:creationId xmlns:a16="http://schemas.microsoft.com/office/drawing/2014/main" id="{65CAAAF8-C872-447C-BCD0-F5CD3016C563}"/>
               </a:ext>
               <a:ext uri="{C183D7F6-B498-43B3-948B-1728B52AA6E4}">
-                <adec:decorative xmlns="" xmlns:adec="http://schemas.microsoft.com/office/drawing/2017/decorative" val="1"/>
+                <adec:decorative xmlns:adec="http://schemas.microsoft.com/office/drawing/2017/decorative" xmlns="" val="1"/>
               </a:ext>
             </a:extLst>
           </p:cNvPr>
@@ -23835,7 +26441,7 @@
                   <a16:creationId xmlns:a16="http://schemas.microsoft.com/office/drawing/2014/main" id="{3CD192F9-4898-4362-B1A2-3DDAA54614A9}"/>
                 </a:ext>
                 <a:ext uri="{C183D7F6-B498-43B3-948B-1728B52AA6E4}">
-                  <adec:decorative xmlns="" xmlns:adec="http://schemas.microsoft.com/office/drawing/2017/decorative" val="1"/>
+                  <adec:decorative xmlns:adec="http://schemas.microsoft.com/office/drawing/2017/decorative" xmlns="" val="1"/>
                 </a:ext>
               </a:extLst>
             </p:cNvPr>
@@ -23952,7 +26558,7 @@
                   <a16:creationId xmlns:a16="http://schemas.microsoft.com/office/drawing/2014/main" id="{25658BAB-0A60-4CAE-B735-5297A284A9EB}"/>
                 </a:ext>
                 <a:ext uri="{C183D7F6-B498-43B3-948B-1728B52AA6E4}">
-                  <adec:decorative xmlns="" xmlns:adec="http://schemas.microsoft.com/office/drawing/2017/decorative" val="1"/>
+                  <adec:decorative xmlns:adec="http://schemas.microsoft.com/office/drawing/2017/decorative" xmlns="" val="1"/>
                 </a:ext>
               </a:extLst>
             </p:cNvPr>
@@ -24034,7 +26640,7 @@
                   <a16:creationId xmlns:a16="http://schemas.microsoft.com/office/drawing/2014/main" id="{B176DB7C-2C45-4E08-956B-5D2E339C7556}"/>
                 </a:ext>
                 <a:ext uri="{C183D7F6-B498-43B3-948B-1728B52AA6E4}">
-                  <adec:decorative xmlns="" xmlns:adec="http://schemas.microsoft.com/office/drawing/2017/decorative" val="1"/>
+                  <adec:decorative xmlns:adec="http://schemas.microsoft.com/office/drawing/2017/decorative" xmlns="" val="1"/>
                 </a:ext>
               </a:extLst>
             </p:cNvPr>
@@ -24116,7 +26722,7 @@
                   <a16:creationId xmlns:a16="http://schemas.microsoft.com/office/drawing/2014/main" id="{671B014E-7E67-4978-A9AB-7C6E2F99FDA0}"/>
                 </a:ext>
                 <a:ext uri="{C183D7F6-B498-43B3-948B-1728B52AA6E4}">
-                  <adec:decorative xmlns="" xmlns:adec="http://schemas.microsoft.com/office/drawing/2017/decorative" val="1"/>
+                  <adec:decorative xmlns:adec="http://schemas.microsoft.com/office/drawing/2017/decorative" xmlns="" val="1"/>
                 </a:ext>
               </a:extLst>
             </p:cNvPr>
@@ -24213,7 +26819,7 @@
                   <a16:creationId xmlns:a16="http://schemas.microsoft.com/office/drawing/2014/main" id="{193156F8-3B15-4064-8C4B-F21ED4F376AB}"/>
                 </a:ext>
                 <a:ext uri="{C183D7F6-B498-43B3-948B-1728B52AA6E4}">
-                  <adec:decorative xmlns="" xmlns:adec="http://schemas.microsoft.com/office/drawing/2017/decorative" val="1"/>
+                  <adec:decorative xmlns:adec="http://schemas.microsoft.com/office/drawing/2017/decorative" xmlns="" val="1"/>
                 </a:ext>
               </a:extLst>
             </p:cNvPr>
@@ -24320,7 +26926,7 @@
                   <a16:creationId xmlns:a16="http://schemas.microsoft.com/office/drawing/2014/main" id="{96B721A4-876F-43D1-B231-585A55B38F59}"/>
                 </a:ext>
                 <a:ext uri="{C183D7F6-B498-43B3-948B-1728B52AA6E4}">
-                  <adec:decorative xmlns="" xmlns:adec="http://schemas.microsoft.com/office/drawing/2017/decorative" val="1"/>
+                  <adec:decorative xmlns:adec="http://schemas.microsoft.com/office/drawing/2017/decorative" xmlns="" val="1"/>
                 </a:ext>
               </a:extLst>
             </p:cNvPr>
@@ -24382,7 +26988,7 @@
                   <a16:creationId xmlns:a16="http://schemas.microsoft.com/office/drawing/2014/main" id="{3D9AB238-BB7F-4D15-83B0-BD6CA92CC7FA}"/>
                 </a:ext>
                 <a:ext uri="{C183D7F6-B498-43B3-948B-1728B52AA6E4}">
-                  <adec:decorative xmlns="" xmlns:adec="http://schemas.microsoft.com/office/drawing/2017/decorative" val="1"/>
+                  <adec:decorative xmlns:adec="http://schemas.microsoft.com/office/drawing/2017/decorative" xmlns="" val="1"/>
                 </a:ext>
               </a:extLst>
             </p:cNvPr>
@@ -24459,7 +27065,7 @@
                   <a16:creationId xmlns:a16="http://schemas.microsoft.com/office/drawing/2014/main" id="{85F91E03-6B79-4561-AADA-9D9EE5194981}"/>
                 </a:ext>
                 <a:ext uri="{C183D7F6-B498-43B3-948B-1728B52AA6E4}">
-                  <adec:decorative xmlns="" xmlns:adec="http://schemas.microsoft.com/office/drawing/2017/decorative" val="1"/>
+                  <adec:decorative xmlns:adec="http://schemas.microsoft.com/office/drawing/2017/decorative" xmlns="" val="1"/>
                 </a:ext>
               </a:extLst>
             </p:cNvPr>
@@ -24581,7 +27187,7 @@
                   <a16:creationId xmlns:a16="http://schemas.microsoft.com/office/drawing/2014/main" id="{A2B05A7B-02BB-4384-AB3F-6300769C06E9}"/>
                 </a:ext>
                 <a:ext uri="{C183D7F6-B498-43B3-948B-1728B52AA6E4}">
-                  <adec:decorative xmlns="" xmlns:adec="http://schemas.microsoft.com/office/drawing/2017/decorative" val="1"/>
+                  <adec:decorative xmlns:adec="http://schemas.microsoft.com/office/drawing/2017/decorative" xmlns="" val="1"/>
                 </a:ext>
               </a:extLst>
             </p:cNvPr>
@@ -24643,7 +27249,7 @@
                   <a16:creationId xmlns:a16="http://schemas.microsoft.com/office/drawing/2014/main" id="{10C0CEA7-547A-4AB3-99B0-971B1E98AB9B}"/>
                 </a:ext>
                 <a:ext uri="{C183D7F6-B498-43B3-948B-1728B52AA6E4}">
-                  <adec:decorative xmlns="" xmlns:adec="http://schemas.microsoft.com/office/drawing/2017/decorative" val="1"/>
+                  <adec:decorative xmlns:adec="http://schemas.microsoft.com/office/drawing/2017/decorative" xmlns="" val="1"/>
                 </a:ext>
               </a:extLst>
             </p:cNvPr>
@@ -24725,7 +27331,7 @@
                   <a16:creationId xmlns:a16="http://schemas.microsoft.com/office/drawing/2014/main" id="{643A7C23-A309-4BDC-AC90-7E150B0A7A48}"/>
                 </a:ext>
                 <a:ext uri="{C183D7F6-B498-43B3-948B-1728B52AA6E4}">
-                  <adec:decorative xmlns="" xmlns:adec="http://schemas.microsoft.com/office/drawing/2017/decorative" val="1"/>
+                  <adec:decorative xmlns:adec="http://schemas.microsoft.com/office/drawing/2017/decorative" xmlns="" val="1"/>
                 </a:ext>
               </a:extLst>
             </p:cNvPr>
@@ -24802,7 +27408,7 @@
                   <a16:creationId xmlns:a16="http://schemas.microsoft.com/office/drawing/2014/main" id="{CDFCEA60-6323-4E47-A467-83E3D32C0B99}"/>
                 </a:ext>
                 <a:ext uri="{C183D7F6-B498-43B3-948B-1728B52AA6E4}">
-                  <adec:decorative xmlns="" xmlns:adec="http://schemas.microsoft.com/office/drawing/2017/decorative" val="1"/>
+                  <adec:decorative xmlns:adec="http://schemas.microsoft.com/office/drawing/2017/decorative" xmlns="" val="1"/>
                 </a:ext>
               </a:extLst>
             </p:cNvPr>
@@ -24885,7 +27491,7 @@
                 <a16:creationId xmlns:a16="http://schemas.microsoft.com/office/drawing/2014/main" id="{42D62A3B-08B7-4F45-B0BC-A23B2CC9C304}"/>
               </a:ext>
               <a:ext uri="{C183D7F6-B498-43B3-948B-1728B52AA6E4}">
-                <adec:decorative xmlns="" xmlns:adec="http://schemas.microsoft.com/office/drawing/2017/decorative" val="1"/>
+                <adec:decorative xmlns:adec="http://schemas.microsoft.com/office/drawing/2017/decorative" xmlns="" val="1"/>
               </a:ext>
             </a:extLst>
           </p:cNvPr>
@@ -24939,7 +27545,7 @@
                 <a16:creationId xmlns:a16="http://schemas.microsoft.com/office/drawing/2014/main" id="{7527CAFC-17AC-48FE-AB33-811D38361FC7}"/>
               </a:ext>
               <a:ext uri="{C183D7F6-B498-43B3-948B-1728B52AA6E4}">
-                <adec:decorative xmlns="" xmlns:adec="http://schemas.microsoft.com/office/drawing/2017/decorative" val="1"/>
+                <adec:decorative xmlns:adec="http://schemas.microsoft.com/office/drawing/2017/decorative" xmlns="" val="1"/>
               </a:ext>
             </a:extLst>
           </p:cNvPr>
@@ -25070,6 +27676,13 @@
   <p:clrMapOvr>
     <a:masterClrMapping/>
   </p:clrMapOvr>
+  <p:timing>
+    <p:tnLst>
+      <p:par>
+        <p:cTn id="1" dur="indefinite" restart="never" nodeType="tmRoot"/>
+      </p:par>
+    </p:tnLst>
+  </p:timing>
 </p:sld>
 </file>
 
@@ -25106,7 +27719,7 @@
                 <a16:creationId xmlns:a16="http://schemas.microsoft.com/office/drawing/2014/main" id="{A9D17E3F-9160-4D16-8F1D-F8FE94E2A5DC}"/>
               </a:ext>
               <a:ext uri="{C183D7F6-B498-43B3-948B-1728B52AA6E4}">
-                <adec:decorative xmlns="" xmlns:adec="http://schemas.microsoft.com/office/drawing/2017/decorative" val="1"/>
+                <adec:decorative xmlns:adec="http://schemas.microsoft.com/office/drawing/2017/decorative" xmlns="" val="1"/>
               </a:ext>
             </a:extLst>
           </p:cNvPr>
@@ -25348,7 +27961,7 @@
                 <a16:creationId xmlns:a16="http://schemas.microsoft.com/office/drawing/2014/main" id="{93DBB853-C277-42C7-80D0-110A8842ED54}"/>
               </a:ext>
               <a:ext uri="{C183D7F6-B498-43B3-948B-1728B52AA6E4}">
-                <adec:decorative xmlns="" xmlns:adec="http://schemas.microsoft.com/office/drawing/2017/decorative" val="1"/>
+                <adec:decorative xmlns:adec="http://schemas.microsoft.com/office/drawing/2017/decorative" xmlns="" val="1"/>
               </a:ext>
             </a:extLst>
           </p:cNvPr>
@@ -25385,7 +27998,7 @@
                   <a16:creationId xmlns:a16="http://schemas.microsoft.com/office/drawing/2014/main" id="{8D2CA353-4AC3-432A-8704-A618563EECF3}"/>
                 </a:ext>
                 <a:ext uri="{C183D7F6-B498-43B3-948B-1728B52AA6E4}">
-                  <adec:decorative xmlns="" xmlns:adec="http://schemas.microsoft.com/office/drawing/2017/decorative" val="1"/>
+                  <adec:decorative xmlns:adec="http://schemas.microsoft.com/office/drawing/2017/decorative" xmlns="" val="1"/>
                 </a:ext>
               </a:extLst>
             </p:cNvPr>
@@ -25457,7 +28070,7 @@
                   <a16:creationId xmlns:a16="http://schemas.microsoft.com/office/drawing/2014/main" id="{71685CFF-C2D8-4119-9CDA-504914853759}"/>
                 </a:ext>
                 <a:ext uri="{C183D7F6-B498-43B3-948B-1728B52AA6E4}">
-                  <adec:decorative xmlns="" xmlns:adec="http://schemas.microsoft.com/office/drawing/2017/decorative" val="1"/>
+                  <adec:decorative xmlns:adec="http://schemas.microsoft.com/office/drawing/2017/decorative" xmlns="" val="1"/>
                 </a:ext>
               </a:extLst>
             </p:cNvPr>
@@ -25534,7 +28147,7 @@
                   <a16:creationId xmlns:a16="http://schemas.microsoft.com/office/drawing/2014/main" id="{119C20C9-05B5-4384-9F4E-B4B8FA299CD3}"/>
                 </a:ext>
                 <a:ext uri="{C183D7F6-B498-43B3-948B-1728B52AA6E4}">
-                  <adec:decorative xmlns="" xmlns:adec="http://schemas.microsoft.com/office/drawing/2017/decorative" val="1"/>
+                  <adec:decorative xmlns:adec="http://schemas.microsoft.com/office/drawing/2017/decorative" xmlns="" val="1"/>
                 </a:ext>
               </a:extLst>
             </p:cNvPr>
@@ -25616,7 +28229,7 @@
                   <a16:creationId xmlns:a16="http://schemas.microsoft.com/office/drawing/2014/main" id="{F78ACAA7-E69F-43D4-919F-59DCA6482DF0}"/>
                 </a:ext>
                 <a:ext uri="{C183D7F6-B498-43B3-948B-1728B52AA6E4}">
-                  <adec:decorative xmlns="" xmlns:adec="http://schemas.microsoft.com/office/drawing/2017/decorative" val="1"/>
+                  <adec:decorative xmlns:adec="http://schemas.microsoft.com/office/drawing/2017/decorative" xmlns="" val="1"/>
                 </a:ext>
               </a:extLst>
             </p:cNvPr>
@@ -25678,7 +28291,7 @@
                   <a16:creationId xmlns:a16="http://schemas.microsoft.com/office/drawing/2014/main" id="{96704AC3-E553-4428-AD42-796DD344ADA8}"/>
                 </a:ext>
                 <a:ext uri="{C183D7F6-B498-43B3-948B-1728B52AA6E4}">
-                  <adec:decorative xmlns="" xmlns:adec="http://schemas.microsoft.com/office/drawing/2017/decorative" val="1"/>
+                  <adec:decorative xmlns:adec="http://schemas.microsoft.com/office/drawing/2017/decorative" xmlns="" val="1"/>
                 </a:ext>
               </a:extLst>
             </p:cNvPr>
@@ -25775,7 +28388,7 @@
                   <a16:creationId xmlns:a16="http://schemas.microsoft.com/office/drawing/2014/main" id="{3144CE2D-2D9E-4E16-92AA-F685E45492E5}"/>
                 </a:ext>
                 <a:ext uri="{C183D7F6-B498-43B3-948B-1728B52AA6E4}">
-                  <adec:decorative xmlns="" xmlns:adec="http://schemas.microsoft.com/office/drawing/2017/decorative" val="1"/>
+                  <adec:decorative xmlns:adec="http://schemas.microsoft.com/office/drawing/2017/decorative" xmlns="" val="1"/>
                 </a:ext>
               </a:extLst>
             </p:cNvPr>
@@ -25867,7 +28480,7 @@
                   <a16:creationId xmlns:a16="http://schemas.microsoft.com/office/drawing/2014/main" id="{CD4C0C99-C139-4838-92A2-2C05514812EA}"/>
                 </a:ext>
                 <a:ext uri="{C183D7F6-B498-43B3-948B-1728B52AA6E4}">
-                  <adec:decorative xmlns="" xmlns:adec="http://schemas.microsoft.com/office/drawing/2017/decorative" val="1"/>
+                  <adec:decorative xmlns:adec="http://schemas.microsoft.com/office/drawing/2017/decorative" xmlns="" val="1"/>
                 </a:ext>
               </a:extLst>
             </p:cNvPr>
@@ -25939,7 +28552,7 @@
                   <a16:creationId xmlns:a16="http://schemas.microsoft.com/office/drawing/2014/main" id="{6D356AA9-ECE0-4E40-A277-44AC6EF76509}"/>
                 </a:ext>
                 <a:ext uri="{C183D7F6-B498-43B3-948B-1728B52AA6E4}">
-                  <adec:decorative xmlns="" xmlns:adec="http://schemas.microsoft.com/office/drawing/2017/decorative" val="1"/>
+                  <adec:decorative xmlns:adec="http://schemas.microsoft.com/office/drawing/2017/decorative" xmlns="" val="1"/>
                 </a:ext>
               </a:extLst>
             </p:cNvPr>
@@ -26031,7 +28644,7 @@
                   <a16:creationId xmlns:a16="http://schemas.microsoft.com/office/drawing/2014/main" id="{5A9C3CFE-942C-43DB-9652-8B2647552B4F}"/>
                 </a:ext>
                 <a:ext uri="{C183D7F6-B498-43B3-948B-1728B52AA6E4}">
-                  <adec:decorative xmlns="" xmlns:adec="http://schemas.microsoft.com/office/drawing/2017/decorative" val="1"/>
+                  <adec:decorative xmlns:adec="http://schemas.microsoft.com/office/drawing/2017/decorative" xmlns="" val="1"/>
                 </a:ext>
               </a:extLst>
             </p:cNvPr>
@@ -26158,7 +28771,7 @@
                   <a16:creationId xmlns:a16="http://schemas.microsoft.com/office/drawing/2014/main" id="{F3DDB2C0-7B2C-4BA5-8ECA-4632746722DE}"/>
                 </a:ext>
                 <a:ext uri="{C183D7F6-B498-43B3-948B-1728B52AA6E4}">
-                  <adec:decorative xmlns="" xmlns:adec="http://schemas.microsoft.com/office/drawing/2017/decorative" val="1"/>
+                  <adec:decorative xmlns:adec="http://schemas.microsoft.com/office/drawing/2017/decorative" xmlns="" val="1"/>
                 </a:ext>
               </a:extLst>
             </p:cNvPr>
@@ -26220,7 +28833,7 @@
                   <a16:creationId xmlns:a16="http://schemas.microsoft.com/office/drawing/2014/main" id="{CCB346B3-FD72-422B-9688-F54E77399A30}"/>
                 </a:ext>
                 <a:ext uri="{C183D7F6-B498-43B3-948B-1728B52AA6E4}">
-                  <adec:decorative xmlns="" xmlns:adec="http://schemas.microsoft.com/office/drawing/2017/decorative" val="1"/>
+                  <adec:decorative xmlns:adec="http://schemas.microsoft.com/office/drawing/2017/decorative" xmlns="" val="1"/>
                 </a:ext>
               </a:extLst>
             </p:cNvPr>
@@ -26292,7 +28905,7 @@
                   <a16:creationId xmlns:a16="http://schemas.microsoft.com/office/drawing/2014/main" id="{A5E738B1-537A-48F5-B99B-72BF4EA8B0AE}"/>
                 </a:ext>
                 <a:ext uri="{C183D7F6-B498-43B3-948B-1728B52AA6E4}">
-                  <adec:decorative xmlns="" xmlns:adec="http://schemas.microsoft.com/office/drawing/2017/decorative" val="1"/>
+                  <adec:decorative xmlns:adec="http://schemas.microsoft.com/office/drawing/2017/decorative" xmlns="" val="1"/>
                 </a:ext>
               </a:extLst>
             </p:cNvPr>
@@ -26375,7 +28988,7 @@
                 <a16:creationId xmlns:a16="http://schemas.microsoft.com/office/drawing/2014/main" id="{65CAAAF8-C872-447C-BCD0-F5CD3016C563}"/>
               </a:ext>
               <a:ext uri="{C183D7F6-B498-43B3-948B-1728B52AA6E4}">
-                <adec:decorative xmlns="" xmlns:adec="http://schemas.microsoft.com/office/drawing/2017/decorative" val="1"/>
+                <adec:decorative xmlns:adec="http://schemas.microsoft.com/office/drawing/2017/decorative" xmlns="" val="1"/>
               </a:ext>
             </a:extLst>
           </p:cNvPr>
@@ -26409,7 +29022,7 @@
                   <a16:creationId xmlns:a16="http://schemas.microsoft.com/office/drawing/2014/main" id="{3CD192F9-4898-4362-B1A2-3DDAA54614A9}"/>
                 </a:ext>
                 <a:ext uri="{C183D7F6-B498-43B3-948B-1728B52AA6E4}">
-                  <adec:decorative xmlns="" xmlns:adec="http://schemas.microsoft.com/office/drawing/2017/decorative" val="1"/>
+                  <adec:decorative xmlns:adec="http://schemas.microsoft.com/office/drawing/2017/decorative" xmlns="" val="1"/>
                 </a:ext>
               </a:extLst>
             </p:cNvPr>
@@ -26526,7 +29139,7 @@
                   <a16:creationId xmlns:a16="http://schemas.microsoft.com/office/drawing/2014/main" id="{25658BAB-0A60-4CAE-B735-5297A284A9EB}"/>
                 </a:ext>
                 <a:ext uri="{C183D7F6-B498-43B3-948B-1728B52AA6E4}">
-                  <adec:decorative xmlns="" xmlns:adec="http://schemas.microsoft.com/office/drawing/2017/decorative" val="1"/>
+                  <adec:decorative xmlns:adec="http://schemas.microsoft.com/office/drawing/2017/decorative" xmlns="" val="1"/>
                 </a:ext>
               </a:extLst>
             </p:cNvPr>
@@ -26608,7 +29221,7 @@
                   <a16:creationId xmlns:a16="http://schemas.microsoft.com/office/drawing/2014/main" id="{B176DB7C-2C45-4E08-956B-5D2E339C7556}"/>
                 </a:ext>
                 <a:ext uri="{C183D7F6-B498-43B3-948B-1728B52AA6E4}">
-                  <adec:decorative xmlns="" xmlns:adec="http://schemas.microsoft.com/office/drawing/2017/decorative" val="1"/>
+                  <adec:decorative xmlns:adec="http://schemas.microsoft.com/office/drawing/2017/decorative" xmlns="" val="1"/>
                 </a:ext>
               </a:extLst>
             </p:cNvPr>
@@ -26690,7 +29303,7 @@
                   <a16:creationId xmlns:a16="http://schemas.microsoft.com/office/drawing/2014/main" id="{671B014E-7E67-4978-A9AB-7C6E2F99FDA0}"/>
                 </a:ext>
                 <a:ext uri="{C183D7F6-B498-43B3-948B-1728B52AA6E4}">
-                  <adec:decorative xmlns="" xmlns:adec="http://schemas.microsoft.com/office/drawing/2017/decorative" val="1"/>
+                  <adec:decorative xmlns:adec="http://schemas.microsoft.com/office/drawing/2017/decorative" xmlns="" val="1"/>
                 </a:ext>
               </a:extLst>
             </p:cNvPr>
@@ -26787,7 +29400,7 @@
                   <a16:creationId xmlns:a16="http://schemas.microsoft.com/office/drawing/2014/main" id="{193156F8-3B15-4064-8C4B-F21ED4F376AB}"/>
                 </a:ext>
                 <a:ext uri="{C183D7F6-B498-43B3-948B-1728B52AA6E4}">
-                  <adec:decorative xmlns="" xmlns:adec="http://schemas.microsoft.com/office/drawing/2017/decorative" val="1"/>
+                  <adec:decorative xmlns:adec="http://schemas.microsoft.com/office/drawing/2017/decorative" xmlns="" val="1"/>
                 </a:ext>
               </a:extLst>
             </p:cNvPr>
@@ -26894,7 +29507,7 @@
                   <a16:creationId xmlns:a16="http://schemas.microsoft.com/office/drawing/2014/main" id="{96B721A4-876F-43D1-B231-585A55B38F59}"/>
                 </a:ext>
                 <a:ext uri="{C183D7F6-B498-43B3-948B-1728B52AA6E4}">
-                  <adec:decorative xmlns="" xmlns:adec="http://schemas.microsoft.com/office/drawing/2017/decorative" val="1"/>
+                  <adec:decorative xmlns:adec="http://schemas.microsoft.com/office/drawing/2017/decorative" xmlns="" val="1"/>
                 </a:ext>
               </a:extLst>
             </p:cNvPr>
@@ -26956,7 +29569,7 @@
                   <a16:creationId xmlns:a16="http://schemas.microsoft.com/office/drawing/2014/main" id="{3D9AB238-BB7F-4D15-83B0-BD6CA92CC7FA}"/>
                 </a:ext>
                 <a:ext uri="{C183D7F6-B498-43B3-948B-1728B52AA6E4}">
-                  <adec:decorative xmlns="" xmlns:adec="http://schemas.microsoft.com/office/drawing/2017/decorative" val="1"/>
+                  <adec:decorative xmlns:adec="http://schemas.microsoft.com/office/drawing/2017/decorative" xmlns="" val="1"/>
                 </a:ext>
               </a:extLst>
             </p:cNvPr>
@@ -27033,7 +29646,7 @@
                   <a16:creationId xmlns:a16="http://schemas.microsoft.com/office/drawing/2014/main" id="{85F91E03-6B79-4561-AADA-9D9EE5194981}"/>
                 </a:ext>
                 <a:ext uri="{C183D7F6-B498-43B3-948B-1728B52AA6E4}">
-                  <adec:decorative xmlns="" xmlns:adec="http://schemas.microsoft.com/office/drawing/2017/decorative" val="1"/>
+                  <adec:decorative xmlns:adec="http://schemas.microsoft.com/office/drawing/2017/decorative" xmlns="" val="1"/>
                 </a:ext>
               </a:extLst>
             </p:cNvPr>
@@ -27155,7 +29768,7 @@
                   <a16:creationId xmlns:a16="http://schemas.microsoft.com/office/drawing/2014/main" id="{A2B05A7B-02BB-4384-AB3F-6300769C06E9}"/>
                 </a:ext>
                 <a:ext uri="{C183D7F6-B498-43B3-948B-1728B52AA6E4}">
-                  <adec:decorative xmlns="" xmlns:adec="http://schemas.microsoft.com/office/drawing/2017/decorative" val="1"/>
+                  <adec:decorative xmlns:adec="http://schemas.microsoft.com/office/drawing/2017/decorative" xmlns="" val="1"/>
                 </a:ext>
               </a:extLst>
             </p:cNvPr>
@@ -27217,7 +29830,7 @@
                   <a16:creationId xmlns:a16="http://schemas.microsoft.com/office/drawing/2014/main" id="{10C0CEA7-547A-4AB3-99B0-971B1E98AB9B}"/>
                 </a:ext>
                 <a:ext uri="{C183D7F6-B498-43B3-948B-1728B52AA6E4}">
-                  <adec:decorative xmlns="" xmlns:adec="http://schemas.microsoft.com/office/drawing/2017/decorative" val="1"/>
+                  <adec:decorative xmlns:adec="http://schemas.microsoft.com/office/drawing/2017/decorative" xmlns="" val="1"/>
                 </a:ext>
               </a:extLst>
             </p:cNvPr>
@@ -27299,7 +29912,7 @@
                   <a16:creationId xmlns:a16="http://schemas.microsoft.com/office/drawing/2014/main" id="{643A7C23-A309-4BDC-AC90-7E150B0A7A48}"/>
                 </a:ext>
                 <a:ext uri="{C183D7F6-B498-43B3-948B-1728B52AA6E4}">
-                  <adec:decorative xmlns="" xmlns:adec="http://schemas.microsoft.com/office/drawing/2017/decorative" val="1"/>
+                  <adec:decorative xmlns:adec="http://schemas.microsoft.com/office/drawing/2017/decorative" xmlns="" val="1"/>
                 </a:ext>
               </a:extLst>
             </p:cNvPr>
@@ -27376,7 +29989,7 @@
                   <a16:creationId xmlns:a16="http://schemas.microsoft.com/office/drawing/2014/main" id="{CDFCEA60-6323-4E47-A467-83E3D32C0B99}"/>
                 </a:ext>
                 <a:ext uri="{C183D7F6-B498-43B3-948B-1728B52AA6E4}">
-                  <adec:decorative xmlns="" xmlns:adec="http://schemas.microsoft.com/office/drawing/2017/decorative" val="1"/>
+                  <adec:decorative xmlns:adec="http://schemas.microsoft.com/office/drawing/2017/decorative" xmlns="" val="1"/>
                 </a:ext>
               </a:extLst>
             </p:cNvPr>
@@ -27459,7 +30072,7 @@
                 <a16:creationId xmlns:a16="http://schemas.microsoft.com/office/drawing/2014/main" id="{42D62A3B-08B7-4F45-B0BC-A23B2CC9C304}"/>
               </a:ext>
               <a:ext uri="{C183D7F6-B498-43B3-948B-1728B52AA6E4}">
-                <adec:decorative xmlns="" xmlns:adec="http://schemas.microsoft.com/office/drawing/2017/decorative" val="1"/>
+                <adec:decorative xmlns:adec="http://schemas.microsoft.com/office/drawing/2017/decorative" xmlns="" val="1"/>
               </a:ext>
             </a:extLst>
           </p:cNvPr>
@@ -27513,7 +30126,7 @@
                 <a16:creationId xmlns:a16="http://schemas.microsoft.com/office/drawing/2014/main" id="{7527CAFC-17AC-48FE-AB33-811D38361FC7}"/>
               </a:ext>
               <a:ext uri="{C183D7F6-B498-43B3-948B-1728B52AA6E4}">
-                <adec:decorative xmlns="" xmlns:adec="http://schemas.microsoft.com/office/drawing/2017/decorative" val="1"/>
+                <adec:decorative xmlns:adec="http://schemas.microsoft.com/office/drawing/2017/decorative" xmlns="" val="1"/>
               </a:ext>
             </a:extLst>
           </p:cNvPr>
@@ -27644,6 +30257,13 @@
   <p:clrMapOvr>
     <a:masterClrMapping/>
   </p:clrMapOvr>
+  <p:timing>
+    <p:tnLst>
+      <p:par>
+        <p:cTn id="1" dur="indefinite" restart="never" nodeType="tmRoot"/>
+      </p:par>
+    </p:tnLst>
+  </p:timing>
 </p:sld>
 </file>
 
@@ -27680,7 +30300,7 @@
                 <a16:creationId xmlns:a16="http://schemas.microsoft.com/office/drawing/2014/main" id="{A9D17E3F-9160-4D16-8F1D-F8FE94E2A5DC}"/>
               </a:ext>
               <a:ext uri="{C183D7F6-B498-43B3-948B-1728B52AA6E4}">
-                <adec:decorative xmlns="" xmlns:adec="http://schemas.microsoft.com/office/drawing/2017/decorative" val="1"/>
+                <adec:decorative xmlns:adec="http://schemas.microsoft.com/office/drawing/2017/decorative" xmlns="" val="1"/>
               </a:ext>
             </a:extLst>
           </p:cNvPr>
@@ -27926,7 +30546,7 @@
                 <a16:creationId xmlns:a16="http://schemas.microsoft.com/office/drawing/2014/main" id="{93DBB853-C277-42C7-80D0-110A8842ED54}"/>
               </a:ext>
               <a:ext uri="{C183D7F6-B498-43B3-948B-1728B52AA6E4}">
-                <adec:decorative xmlns="" xmlns:adec="http://schemas.microsoft.com/office/drawing/2017/decorative" val="1"/>
+                <adec:decorative xmlns:adec="http://schemas.microsoft.com/office/drawing/2017/decorative" xmlns="" val="1"/>
               </a:ext>
             </a:extLst>
           </p:cNvPr>
@@ -27963,7 +30583,7 @@
                   <a16:creationId xmlns:a16="http://schemas.microsoft.com/office/drawing/2014/main" id="{8D2CA353-4AC3-432A-8704-A618563EECF3}"/>
                 </a:ext>
                 <a:ext uri="{C183D7F6-B498-43B3-948B-1728B52AA6E4}">
-                  <adec:decorative xmlns="" xmlns:adec="http://schemas.microsoft.com/office/drawing/2017/decorative" val="1"/>
+                  <adec:decorative xmlns:adec="http://schemas.microsoft.com/office/drawing/2017/decorative" xmlns="" val="1"/>
                 </a:ext>
               </a:extLst>
             </p:cNvPr>
@@ -28035,7 +30655,7 @@
                   <a16:creationId xmlns:a16="http://schemas.microsoft.com/office/drawing/2014/main" id="{71685CFF-C2D8-4119-9CDA-504914853759}"/>
                 </a:ext>
                 <a:ext uri="{C183D7F6-B498-43B3-948B-1728B52AA6E4}">
-                  <adec:decorative xmlns="" xmlns:adec="http://schemas.microsoft.com/office/drawing/2017/decorative" val="1"/>
+                  <adec:decorative xmlns:adec="http://schemas.microsoft.com/office/drawing/2017/decorative" xmlns="" val="1"/>
                 </a:ext>
               </a:extLst>
             </p:cNvPr>
@@ -28112,7 +30732,7 @@
                   <a16:creationId xmlns:a16="http://schemas.microsoft.com/office/drawing/2014/main" id="{119C20C9-05B5-4384-9F4E-B4B8FA299CD3}"/>
                 </a:ext>
                 <a:ext uri="{C183D7F6-B498-43B3-948B-1728B52AA6E4}">
-                  <adec:decorative xmlns="" xmlns:adec="http://schemas.microsoft.com/office/drawing/2017/decorative" val="1"/>
+                  <adec:decorative xmlns:adec="http://schemas.microsoft.com/office/drawing/2017/decorative" xmlns="" val="1"/>
                 </a:ext>
               </a:extLst>
             </p:cNvPr>
@@ -28194,7 +30814,7 @@
                   <a16:creationId xmlns:a16="http://schemas.microsoft.com/office/drawing/2014/main" id="{F78ACAA7-E69F-43D4-919F-59DCA6482DF0}"/>
                 </a:ext>
                 <a:ext uri="{C183D7F6-B498-43B3-948B-1728B52AA6E4}">
-                  <adec:decorative xmlns="" xmlns:adec="http://schemas.microsoft.com/office/drawing/2017/decorative" val="1"/>
+                  <adec:decorative xmlns:adec="http://schemas.microsoft.com/office/drawing/2017/decorative" xmlns="" val="1"/>
                 </a:ext>
               </a:extLst>
             </p:cNvPr>
@@ -28256,7 +30876,7 @@
                   <a16:creationId xmlns:a16="http://schemas.microsoft.com/office/drawing/2014/main" id="{96704AC3-E553-4428-AD42-796DD344ADA8}"/>
                 </a:ext>
                 <a:ext uri="{C183D7F6-B498-43B3-948B-1728B52AA6E4}">
-                  <adec:decorative xmlns="" xmlns:adec="http://schemas.microsoft.com/office/drawing/2017/decorative" val="1"/>
+                  <adec:decorative xmlns:adec="http://schemas.microsoft.com/office/drawing/2017/decorative" xmlns="" val="1"/>
                 </a:ext>
               </a:extLst>
             </p:cNvPr>
@@ -28353,7 +30973,7 @@
                   <a16:creationId xmlns:a16="http://schemas.microsoft.com/office/drawing/2014/main" id="{3144CE2D-2D9E-4E16-92AA-F685E45492E5}"/>
                 </a:ext>
                 <a:ext uri="{C183D7F6-B498-43B3-948B-1728B52AA6E4}">
-                  <adec:decorative xmlns="" xmlns:adec="http://schemas.microsoft.com/office/drawing/2017/decorative" val="1"/>
+                  <adec:decorative xmlns:adec="http://schemas.microsoft.com/office/drawing/2017/decorative" xmlns="" val="1"/>
                 </a:ext>
               </a:extLst>
             </p:cNvPr>
@@ -28445,7 +31065,7 @@
                   <a16:creationId xmlns:a16="http://schemas.microsoft.com/office/drawing/2014/main" id="{CD4C0C99-C139-4838-92A2-2C05514812EA}"/>
                 </a:ext>
                 <a:ext uri="{C183D7F6-B498-43B3-948B-1728B52AA6E4}">
-                  <adec:decorative xmlns="" xmlns:adec="http://schemas.microsoft.com/office/drawing/2017/decorative" val="1"/>
+                  <adec:decorative xmlns:adec="http://schemas.microsoft.com/office/drawing/2017/decorative" xmlns="" val="1"/>
                 </a:ext>
               </a:extLst>
             </p:cNvPr>
@@ -28517,7 +31137,7 @@
                   <a16:creationId xmlns:a16="http://schemas.microsoft.com/office/drawing/2014/main" id="{6D356AA9-ECE0-4E40-A277-44AC6EF76509}"/>
                 </a:ext>
                 <a:ext uri="{C183D7F6-B498-43B3-948B-1728B52AA6E4}">
-                  <adec:decorative xmlns="" xmlns:adec="http://schemas.microsoft.com/office/drawing/2017/decorative" val="1"/>
+                  <adec:decorative xmlns:adec="http://schemas.microsoft.com/office/drawing/2017/decorative" xmlns="" val="1"/>
                 </a:ext>
               </a:extLst>
             </p:cNvPr>
@@ -28609,7 +31229,7 @@
                   <a16:creationId xmlns:a16="http://schemas.microsoft.com/office/drawing/2014/main" id="{5A9C3CFE-942C-43DB-9652-8B2647552B4F}"/>
                 </a:ext>
                 <a:ext uri="{C183D7F6-B498-43B3-948B-1728B52AA6E4}">
-                  <adec:decorative xmlns="" xmlns:adec="http://schemas.microsoft.com/office/drawing/2017/decorative" val="1"/>
+                  <adec:decorative xmlns:adec="http://schemas.microsoft.com/office/drawing/2017/decorative" xmlns="" val="1"/>
                 </a:ext>
               </a:extLst>
             </p:cNvPr>
@@ -28736,7 +31356,7 @@
                   <a16:creationId xmlns:a16="http://schemas.microsoft.com/office/drawing/2014/main" id="{F3DDB2C0-7B2C-4BA5-8ECA-4632746722DE}"/>
                 </a:ext>
                 <a:ext uri="{C183D7F6-B498-43B3-948B-1728B52AA6E4}">
-                  <adec:decorative xmlns="" xmlns:adec="http://schemas.microsoft.com/office/drawing/2017/decorative" val="1"/>
+                  <adec:decorative xmlns:adec="http://schemas.microsoft.com/office/drawing/2017/decorative" xmlns="" val="1"/>
                 </a:ext>
               </a:extLst>
             </p:cNvPr>
@@ -28798,7 +31418,7 @@
                   <a16:creationId xmlns:a16="http://schemas.microsoft.com/office/drawing/2014/main" id="{CCB346B3-FD72-422B-9688-F54E77399A30}"/>
                 </a:ext>
                 <a:ext uri="{C183D7F6-B498-43B3-948B-1728B52AA6E4}">
-                  <adec:decorative xmlns="" xmlns:adec="http://schemas.microsoft.com/office/drawing/2017/decorative" val="1"/>
+                  <adec:decorative xmlns:adec="http://schemas.microsoft.com/office/drawing/2017/decorative" xmlns="" val="1"/>
                 </a:ext>
               </a:extLst>
             </p:cNvPr>
@@ -28870,7 +31490,7 @@
                   <a16:creationId xmlns:a16="http://schemas.microsoft.com/office/drawing/2014/main" id="{A5E738B1-537A-48F5-B99B-72BF4EA8B0AE}"/>
                 </a:ext>
                 <a:ext uri="{C183D7F6-B498-43B3-948B-1728B52AA6E4}">
-                  <adec:decorative xmlns="" xmlns:adec="http://schemas.microsoft.com/office/drawing/2017/decorative" val="1"/>
+                  <adec:decorative xmlns:adec="http://schemas.microsoft.com/office/drawing/2017/decorative" xmlns="" val="1"/>
                 </a:ext>
               </a:extLst>
             </p:cNvPr>
@@ -28953,7 +31573,7 @@
                 <a16:creationId xmlns:a16="http://schemas.microsoft.com/office/drawing/2014/main" id="{65CAAAF8-C872-447C-BCD0-F5CD3016C563}"/>
               </a:ext>
               <a:ext uri="{C183D7F6-B498-43B3-948B-1728B52AA6E4}">
-                <adec:decorative xmlns="" xmlns:adec="http://schemas.microsoft.com/office/drawing/2017/decorative" val="1"/>
+                <adec:decorative xmlns:adec="http://schemas.microsoft.com/office/drawing/2017/decorative" xmlns="" val="1"/>
               </a:ext>
             </a:extLst>
           </p:cNvPr>
@@ -28987,7 +31607,7 @@
                   <a16:creationId xmlns:a16="http://schemas.microsoft.com/office/drawing/2014/main" id="{3CD192F9-4898-4362-B1A2-3DDAA54614A9}"/>
                 </a:ext>
                 <a:ext uri="{C183D7F6-B498-43B3-948B-1728B52AA6E4}">
-                  <adec:decorative xmlns="" xmlns:adec="http://schemas.microsoft.com/office/drawing/2017/decorative" val="1"/>
+                  <adec:decorative xmlns:adec="http://schemas.microsoft.com/office/drawing/2017/decorative" xmlns="" val="1"/>
                 </a:ext>
               </a:extLst>
             </p:cNvPr>
@@ -29104,7 +31724,7 @@
                   <a16:creationId xmlns:a16="http://schemas.microsoft.com/office/drawing/2014/main" id="{25658BAB-0A60-4CAE-B735-5297A284A9EB}"/>
                 </a:ext>
                 <a:ext uri="{C183D7F6-B498-43B3-948B-1728B52AA6E4}">
-                  <adec:decorative xmlns="" xmlns:adec="http://schemas.microsoft.com/office/drawing/2017/decorative" val="1"/>
+                  <adec:decorative xmlns:adec="http://schemas.microsoft.com/office/drawing/2017/decorative" xmlns="" val="1"/>
                 </a:ext>
               </a:extLst>
             </p:cNvPr>
@@ -29186,7 +31806,7 @@
                   <a16:creationId xmlns:a16="http://schemas.microsoft.com/office/drawing/2014/main" id="{B176DB7C-2C45-4E08-956B-5D2E339C7556}"/>
                 </a:ext>
                 <a:ext uri="{C183D7F6-B498-43B3-948B-1728B52AA6E4}">
-                  <adec:decorative xmlns="" xmlns:adec="http://schemas.microsoft.com/office/drawing/2017/decorative" val="1"/>
+                  <adec:decorative xmlns:adec="http://schemas.microsoft.com/office/drawing/2017/decorative" xmlns="" val="1"/>
                 </a:ext>
               </a:extLst>
             </p:cNvPr>
@@ -29268,7 +31888,7 @@
                   <a16:creationId xmlns:a16="http://schemas.microsoft.com/office/drawing/2014/main" id="{671B014E-7E67-4978-A9AB-7C6E2F99FDA0}"/>
                 </a:ext>
                 <a:ext uri="{C183D7F6-B498-43B3-948B-1728B52AA6E4}">
-                  <adec:decorative xmlns="" xmlns:adec="http://schemas.microsoft.com/office/drawing/2017/decorative" val="1"/>
+                  <adec:decorative xmlns:adec="http://schemas.microsoft.com/office/drawing/2017/decorative" xmlns="" val="1"/>
                 </a:ext>
               </a:extLst>
             </p:cNvPr>
@@ -29365,7 +31985,7 @@
                   <a16:creationId xmlns:a16="http://schemas.microsoft.com/office/drawing/2014/main" id="{193156F8-3B15-4064-8C4B-F21ED4F376AB}"/>
                 </a:ext>
                 <a:ext uri="{C183D7F6-B498-43B3-948B-1728B52AA6E4}">
-                  <adec:decorative xmlns="" xmlns:adec="http://schemas.microsoft.com/office/drawing/2017/decorative" val="1"/>
+                  <adec:decorative xmlns:adec="http://schemas.microsoft.com/office/drawing/2017/decorative" xmlns="" val="1"/>
                 </a:ext>
               </a:extLst>
             </p:cNvPr>
@@ -29472,7 +32092,7 @@
                   <a16:creationId xmlns:a16="http://schemas.microsoft.com/office/drawing/2014/main" id="{96B721A4-876F-43D1-B231-585A55B38F59}"/>
                 </a:ext>
                 <a:ext uri="{C183D7F6-B498-43B3-948B-1728B52AA6E4}">
-                  <adec:decorative xmlns="" xmlns:adec="http://schemas.microsoft.com/office/drawing/2017/decorative" val="1"/>
+                  <adec:decorative xmlns:adec="http://schemas.microsoft.com/office/drawing/2017/decorative" xmlns="" val="1"/>
                 </a:ext>
               </a:extLst>
             </p:cNvPr>
@@ -29534,7 +32154,7 @@
                   <a16:creationId xmlns:a16="http://schemas.microsoft.com/office/drawing/2014/main" id="{3D9AB238-BB7F-4D15-83B0-BD6CA92CC7FA}"/>
                 </a:ext>
                 <a:ext uri="{C183D7F6-B498-43B3-948B-1728B52AA6E4}">
-                  <adec:decorative xmlns="" xmlns:adec="http://schemas.microsoft.com/office/drawing/2017/decorative" val="1"/>
+                  <adec:decorative xmlns:adec="http://schemas.microsoft.com/office/drawing/2017/decorative" xmlns="" val="1"/>
                 </a:ext>
               </a:extLst>
             </p:cNvPr>
@@ -29611,7 +32231,7 @@
                   <a16:creationId xmlns:a16="http://schemas.microsoft.com/office/drawing/2014/main" id="{85F91E03-6B79-4561-AADA-9D9EE5194981}"/>
                 </a:ext>
                 <a:ext uri="{C183D7F6-B498-43B3-948B-1728B52AA6E4}">
-                  <adec:decorative xmlns="" xmlns:adec="http://schemas.microsoft.com/office/drawing/2017/decorative" val="1"/>
+                  <adec:decorative xmlns:adec="http://schemas.microsoft.com/office/drawing/2017/decorative" xmlns="" val="1"/>
                 </a:ext>
               </a:extLst>
             </p:cNvPr>
@@ -29733,7 +32353,7 @@
                   <a16:creationId xmlns:a16="http://schemas.microsoft.com/office/drawing/2014/main" id="{A2B05A7B-02BB-4384-AB3F-6300769C06E9}"/>
                 </a:ext>
                 <a:ext uri="{C183D7F6-B498-43B3-948B-1728B52AA6E4}">
-                  <adec:decorative xmlns="" xmlns:adec="http://schemas.microsoft.com/office/drawing/2017/decorative" val="1"/>
+                  <adec:decorative xmlns:adec="http://schemas.microsoft.com/office/drawing/2017/decorative" xmlns="" val="1"/>
                 </a:ext>
               </a:extLst>
             </p:cNvPr>
@@ -29795,7 +32415,7 @@
                   <a16:creationId xmlns:a16="http://schemas.microsoft.com/office/drawing/2014/main" id="{10C0CEA7-547A-4AB3-99B0-971B1E98AB9B}"/>
                 </a:ext>
                 <a:ext uri="{C183D7F6-B498-43B3-948B-1728B52AA6E4}">
-                  <adec:decorative xmlns="" xmlns:adec="http://schemas.microsoft.com/office/drawing/2017/decorative" val="1"/>
+                  <adec:decorative xmlns:adec="http://schemas.microsoft.com/office/drawing/2017/decorative" xmlns="" val="1"/>
                 </a:ext>
               </a:extLst>
             </p:cNvPr>
@@ -29877,7 +32497,7 @@
                   <a16:creationId xmlns:a16="http://schemas.microsoft.com/office/drawing/2014/main" id="{643A7C23-A309-4BDC-AC90-7E150B0A7A48}"/>
                 </a:ext>
                 <a:ext uri="{C183D7F6-B498-43B3-948B-1728B52AA6E4}">
-                  <adec:decorative xmlns="" xmlns:adec="http://schemas.microsoft.com/office/drawing/2017/decorative" val="1"/>
+                  <adec:decorative xmlns:adec="http://schemas.microsoft.com/office/drawing/2017/decorative" xmlns="" val="1"/>
                 </a:ext>
               </a:extLst>
             </p:cNvPr>
@@ -29954,7 +32574,7 @@
                   <a16:creationId xmlns:a16="http://schemas.microsoft.com/office/drawing/2014/main" id="{CDFCEA60-6323-4E47-A467-83E3D32C0B99}"/>
                 </a:ext>
                 <a:ext uri="{C183D7F6-B498-43B3-948B-1728B52AA6E4}">
-                  <adec:decorative xmlns="" xmlns:adec="http://schemas.microsoft.com/office/drawing/2017/decorative" val="1"/>
+                  <adec:decorative xmlns:adec="http://schemas.microsoft.com/office/drawing/2017/decorative" xmlns="" val="1"/>
                 </a:ext>
               </a:extLst>
             </p:cNvPr>
@@ -30037,7 +32657,7 @@
                 <a16:creationId xmlns:a16="http://schemas.microsoft.com/office/drawing/2014/main" id="{42D62A3B-08B7-4F45-B0BC-A23B2CC9C304}"/>
               </a:ext>
               <a:ext uri="{C183D7F6-B498-43B3-948B-1728B52AA6E4}">
-                <adec:decorative xmlns="" xmlns:adec="http://schemas.microsoft.com/office/drawing/2017/decorative" val="1"/>
+                <adec:decorative xmlns:adec="http://schemas.microsoft.com/office/drawing/2017/decorative" xmlns="" val="1"/>
               </a:ext>
             </a:extLst>
           </p:cNvPr>
@@ -30091,7 +32711,7 @@
                 <a16:creationId xmlns:a16="http://schemas.microsoft.com/office/drawing/2014/main" id="{7527CAFC-17AC-48FE-AB33-811D38361FC7}"/>
               </a:ext>
               <a:ext uri="{C183D7F6-B498-43B3-948B-1728B52AA6E4}">
-                <adec:decorative xmlns="" xmlns:adec="http://schemas.microsoft.com/office/drawing/2017/decorative" val="1"/>
+                <adec:decorative xmlns:adec="http://schemas.microsoft.com/office/drawing/2017/decorative" xmlns="" val="1"/>
               </a:ext>
             </a:extLst>
           </p:cNvPr>
@@ -30222,6 +32842,13 @@
   <p:clrMapOvr>
     <a:masterClrMapping/>
   </p:clrMapOvr>
+  <p:timing>
+    <p:tnLst>
+      <p:par>
+        <p:cTn id="1" dur="indefinite" restart="never" nodeType="tmRoot"/>
+      </p:par>
+    </p:tnLst>
+  </p:timing>
 </p:sld>
 </file>
 
@@ -30258,7 +32885,7 @@
                 <a16:creationId xmlns:a16="http://schemas.microsoft.com/office/drawing/2014/main" id="{A9D17E3F-9160-4D16-8F1D-F8FE94E2A5DC}"/>
               </a:ext>
               <a:ext uri="{C183D7F6-B498-43B3-948B-1728B52AA6E4}">
-                <adec:decorative xmlns="" xmlns:adec="http://schemas.microsoft.com/office/drawing/2017/decorative" val="1"/>
+                <adec:decorative xmlns:adec="http://schemas.microsoft.com/office/drawing/2017/decorative" xmlns="" val="1"/>
               </a:ext>
             </a:extLst>
           </p:cNvPr>
@@ -30500,7 +33127,7 @@
                 <a16:creationId xmlns:a16="http://schemas.microsoft.com/office/drawing/2014/main" id="{93DBB853-C277-42C7-80D0-110A8842ED54}"/>
               </a:ext>
               <a:ext uri="{C183D7F6-B498-43B3-948B-1728B52AA6E4}">
-                <adec:decorative xmlns="" xmlns:adec="http://schemas.microsoft.com/office/drawing/2017/decorative" val="1"/>
+                <adec:decorative xmlns:adec="http://schemas.microsoft.com/office/drawing/2017/decorative" xmlns="" val="1"/>
               </a:ext>
             </a:extLst>
           </p:cNvPr>
@@ -30537,7 +33164,7 @@
                   <a16:creationId xmlns:a16="http://schemas.microsoft.com/office/drawing/2014/main" id="{8D2CA353-4AC3-432A-8704-A618563EECF3}"/>
                 </a:ext>
                 <a:ext uri="{C183D7F6-B498-43B3-948B-1728B52AA6E4}">
-                  <adec:decorative xmlns="" xmlns:adec="http://schemas.microsoft.com/office/drawing/2017/decorative" val="1"/>
+                  <adec:decorative xmlns:adec="http://schemas.microsoft.com/office/drawing/2017/decorative" xmlns="" val="1"/>
                 </a:ext>
               </a:extLst>
             </p:cNvPr>
@@ -30609,7 +33236,7 @@
                   <a16:creationId xmlns:a16="http://schemas.microsoft.com/office/drawing/2014/main" id="{71685CFF-C2D8-4119-9CDA-504914853759}"/>
                 </a:ext>
                 <a:ext uri="{C183D7F6-B498-43B3-948B-1728B52AA6E4}">
-                  <adec:decorative xmlns="" xmlns:adec="http://schemas.microsoft.com/office/drawing/2017/decorative" val="1"/>
+                  <adec:decorative xmlns:adec="http://schemas.microsoft.com/office/drawing/2017/decorative" xmlns="" val="1"/>
                 </a:ext>
               </a:extLst>
             </p:cNvPr>
@@ -30686,7 +33313,7 @@
                   <a16:creationId xmlns:a16="http://schemas.microsoft.com/office/drawing/2014/main" id="{119C20C9-05B5-4384-9F4E-B4B8FA299CD3}"/>
                 </a:ext>
                 <a:ext uri="{C183D7F6-B498-43B3-948B-1728B52AA6E4}">
-                  <adec:decorative xmlns="" xmlns:adec="http://schemas.microsoft.com/office/drawing/2017/decorative" val="1"/>
+                  <adec:decorative xmlns:adec="http://schemas.microsoft.com/office/drawing/2017/decorative" xmlns="" val="1"/>
                 </a:ext>
               </a:extLst>
             </p:cNvPr>
@@ -30768,7 +33395,7 @@
                   <a16:creationId xmlns:a16="http://schemas.microsoft.com/office/drawing/2014/main" id="{F78ACAA7-E69F-43D4-919F-59DCA6482DF0}"/>
                 </a:ext>
                 <a:ext uri="{C183D7F6-B498-43B3-948B-1728B52AA6E4}">
-                  <adec:decorative xmlns="" xmlns:adec="http://schemas.microsoft.com/office/drawing/2017/decorative" val="1"/>
+                  <adec:decorative xmlns:adec="http://schemas.microsoft.com/office/drawing/2017/decorative" xmlns="" val="1"/>
                 </a:ext>
               </a:extLst>
             </p:cNvPr>
@@ -30830,7 +33457,7 @@
                   <a16:creationId xmlns:a16="http://schemas.microsoft.com/office/drawing/2014/main" id="{96704AC3-E553-4428-AD42-796DD344ADA8}"/>
                 </a:ext>
                 <a:ext uri="{C183D7F6-B498-43B3-948B-1728B52AA6E4}">
-                  <adec:decorative xmlns="" xmlns:adec="http://schemas.microsoft.com/office/drawing/2017/decorative" val="1"/>
+                  <adec:decorative xmlns:adec="http://schemas.microsoft.com/office/drawing/2017/decorative" xmlns="" val="1"/>
                 </a:ext>
               </a:extLst>
             </p:cNvPr>
@@ -30927,7 +33554,7 @@
                   <a16:creationId xmlns:a16="http://schemas.microsoft.com/office/drawing/2014/main" id="{3144CE2D-2D9E-4E16-92AA-F685E45492E5}"/>
                 </a:ext>
                 <a:ext uri="{C183D7F6-B498-43B3-948B-1728B52AA6E4}">
-                  <adec:decorative xmlns="" xmlns:adec="http://schemas.microsoft.com/office/drawing/2017/decorative" val="1"/>
+                  <adec:decorative xmlns:adec="http://schemas.microsoft.com/office/drawing/2017/decorative" xmlns="" val="1"/>
                 </a:ext>
               </a:extLst>
             </p:cNvPr>
@@ -31019,7 +33646,7 @@
                   <a16:creationId xmlns:a16="http://schemas.microsoft.com/office/drawing/2014/main" id="{CD4C0C99-C139-4838-92A2-2C05514812EA}"/>
                 </a:ext>
                 <a:ext uri="{C183D7F6-B498-43B3-948B-1728B52AA6E4}">
-                  <adec:decorative xmlns="" xmlns:adec="http://schemas.microsoft.com/office/drawing/2017/decorative" val="1"/>
+                  <adec:decorative xmlns:adec="http://schemas.microsoft.com/office/drawing/2017/decorative" xmlns="" val="1"/>
                 </a:ext>
               </a:extLst>
             </p:cNvPr>
@@ -31091,7 +33718,7 @@
                   <a16:creationId xmlns:a16="http://schemas.microsoft.com/office/drawing/2014/main" id="{6D356AA9-ECE0-4E40-A277-44AC6EF76509}"/>
                 </a:ext>
                 <a:ext uri="{C183D7F6-B498-43B3-948B-1728B52AA6E4}">
-                  <adec:decorative xmlns="" xmlns:adec="http://schemas.microsoft.com/office/drawing/2017/decorative" val="1"/>
+                  <adec:decorative xmlns:adec="http://schemas.microsoft.com/office/drawing/2017/decorative" xmlns="" val="1"/>
                 </a:ext>
               </a:extLst>
             </p:cNvPr>
@@ -31183,7 +33810,7 @@
                   <a16:creationId xmlns:a16="http://schemas.microsoft.com/office/drawing/2014/main" id="{5A9C3CFE-942C-43DB-9652-8B2647552B4F}"/>
                 </a:ext>
                 <a:ext uri="{C183D7F6-B498-43B3-948B-1728B52AA6E4}">
-                  <adec:decorative xmlns="" xmlns:adec="http://schemas.microsoft.com/office/drawing/2017/decorative" val="1"/>
+                  <adec:decorative xmlns:adec="http://schemas.microsoft.com/office/drawing/2017/decorative" xmlns="" val="1"/>
                 </a:ext>
               </a:extLst>
             </p:cNvPr>
@@ -31310,7 +33937,7 @@
                   <a16:creationId xmlns:a16="http://schemas.microsoft.com/office/drawing/2014/main" id="{F3DDB2C0-7B2C-4BA5-8ECA-4632746722DE}"/>
                 </a:ext>
                 <a:ext uri="{C183D7F6-B498-43B3-948B-1728B52AA6E4}">
-                  <adec:decorative xmlns="" xmlns:adec="http://schemas.microsoft.com/office/drawing/2017/decorative" val="1"/>
+                  <adec:decorative xmlns:adec="http://schemas.microsoft.com/office/drawing/2017/decorative" xmlns="" val="1"/>
                 </a:ext>
               </a:extLst>
             </p:cNvPr>
@@ -31372,7 +33999,7 @@
                   <a16:creationId xmlns:a16="http://schemas.microsoft.com/office/drawing/2014/main" id="{CCB346B3-FD72-422B-9688-F54E77399A30}"/>
                 </a:ext>
                 <a:ext uri="{C183D7F6-B498-43B3-948B-1728B52AA6E4}">
-                  <adec:decorative xmlns="" xmlns:adec="http://schemas.microsoft.com/office/drawing/2017/decorative" val="1"/>
+                  <adec:decorative xmlns:adec="http://schemas.microsoft.com/office/drawing/2017/decorative" xmlns="" val="1"/>
                 </a:ext>
               </a:extLst>
             </p:cNvPr>
@@ -31444,7 +34071,7 @@
                   <a16:creationId xmlns:a16="http://schemas.microsoft.com/office/drawing/2014/main" id="{A5E738B1-537A-48F5-B99B-72BF4EA8B0AE}"/>
                 </a:ext>
                 <a:ext uri="{C183D7F6-B498-43B3-948B-1728B52AA6E4}">
-                  <adec:decorative xmlns="" xmlns:adec="http://schemas.microsoft.com/office/drawing/2017/decorative" val="1"/>
+                  <adec:decorative xmlns:adec="http://schemas.microsoft.com/office/drawing/2017/decorative" xmlns="" val="1"/>
                 </a:ext>
               </a:extLst>
             </p:cNvPr>
@@ -31527,7 +34154,7 @@
                 <a16:creationId xmlns:a16="http://schemas.microsoft.com/office/drawing/2014/main" id="{65CAAAF8-C872-447C-BCD0-F5CD3016C563}"/>
               </a:ext>
               <a:ext uri="{C183D7F6-B498-43B3-948B-1728B52AA6E4}">
-                <adec:decorative xmlns="" xmlns:adec="http://schemas.microsoft.com/office/drawing/2017/decorative" val="1"/>
+                <adec:decorative xmlns:adec="http://schemas.microsoft.com/office/drawing/2017/decorative" xmlns="" val="1"/>
               </a:ext>
             </a:extLst>
           </p:cNvPr>
@@ -31561,7 +34188,7 @@
                   <a16:creationId xmlns:a16="http://schemas.microsoft.com/office/drawing/2014/main" id="{3CD192F9-4898-4362-B1A2-3DDAA54614A9}"/>
                 </a:ext>
                 <a:ext uri="{C183D7F6-B498-43B3-948B-1728B52AA6E4}">
-                  <adec:decorative xmlns="" xmlns:adec="http://schemas.microsoft.com/office/drawing/2017/decorative" val="1"/>
+                  <adec:decorative xmlns:adec="http://schemas.microsoft.com/office/drawing/2017/decorative" xmlns="" val="1"/>
                 </a:ext>
               </a:extLst>
             </p:cNvPr>
@@ -31678,7 +34305,7 @@
                   <a16:creationId xmlns:a16="http://schemas.microsoft.com/office/drawing/2014/main" id="{25658BAB-0A60-4CAE-B735-5297A284A9EB}"/>
                 </a:ext>
                 <a:ext uri="{C183D7F6-B498-43B3-948B-1728B52AA6E4}">
-                  <adec:decorative xmlns="" xmlns:adec="http://schemas.microsoft.com/office/drawing/2017/decorative" val="1"/>
+                  <adec:decorative xmlns:adec="http://schemas.microsoft.com/office/drawing/2017/decorative" xmlns="" val="1"/>
                 </a:ext>
               </a:extLst>
             </p:cNvPr>
@@ -31760,7 +34387,7 @@
                   <a16:creationId xmlns:a16="http://schemas.microsoft.com/office/drawing/2014/main" id="{B176DB7C-2C45-4E08-956B-5D2E339C7556}"/>
                 </a:ext>
                 <a:ext uri="{C183D7F6-B498-43B3-948B-1728B52AA6E4}">
-                  <adec:decorative xmlns="" xmlns:adec="http://schemas.microsoft.com/office/drawing/2017/decorative" val="1"/>
+                  <adec:decorative xmlns:adec="http://schemas.microsoft.com/office/drawing/2017/decorative" xmlns="" val="1"/>
                 </a:ext>
               </a:extLst>
             </p:cNvPr>
@@ -31842,7 +34469,7 @@
                   <a16:creationId xmlns:a16="http://schemas.microsoft.com/office/drawing/2014/main" id="{671B014E-7E67-4978-A9AB-7C6E2F99FDA0}"/>
                 </a:ext>
                 <a:ext uri="{C183D7F6-B498-43B3-948B-1728B52AA6E4}">
-                  <adec:decorative xmlns="" xmlns:adec="http://schemas.microsoft.com/office/drawing/2017/decorative" val="1"/>
+                  <adec:decorative xmlns:adec="http://schemas.microsoft.com/office/drawing/2017/decorative" xmlns="" val="1"/>
                 </a:ext>
               </a:extLst>
             </p:cNvPr>
@@ -31939,7 +34566,7 @@
                   <a16:creationId xmlns:a16="http://schemas.microsoft.com/office/drawing/2014/main" id="{193156F8-3B15-4064-8C4B-F21ED4F376AB}"/>
                 </a:ext>
                 <a:ext uri="{C183D7F6-B498-43B3-948B-1728B52AA6E4}">
-                  <adec:decorative xmlns="" xmlns:adec="http://schemas.microsoft.com/office/drawing/2017/decorative" val="1"/>
+                  <adec:decorative xmlns:adec="http://schemas.microsoft.com/office/drawing/2017/decorative" xmlns="" val="1"/>
                 </a:ext>
               </a:extLst>
             </p:cNvPr>
@@ -32046,7 +34673,7 @@
                   <a16:creationId xmlns:a16="http://schemas.microsoft.com/office/drawing/2014/main" id="{96B721A4-876F-43D1-B231-585A55B38F59}"/>
                 </a:ext>
                 <a:ext uri="{C183D7F6-B498-43B3-948B-1728B52AA6E4}">
-                  <adec:decorative xmlns="" xmlns:adec="http://schemas.microsoft.com/office/drawing/2017/decorative" val="1"/>
+                  <adec:decorative xmlns:adec="http://schemas.microsoft.com/office/drawing/2017/decorative" xmlns="" val="1"/>
                 </a:ext>
               </a:extLst>
             </p:cNvPr>
@@ -32108,7 +34735,7 @@
                   <a16:creationId xmlns:a16="http://schemas.microsoft.com/office/drawing/2014/main" id="{3D9AB238-BB7F-4D15-83B0-BD6CA92CC7FA}"/>
                 </a:ext>
                 <a:ext uri="{C183D7F6-B498-43B3-948B-1728B52AA6E4}">
-                  <adec:decorative xmlns="" xmlns:adec="http://schemas.microsoft.com/office/drawing/2017/decorative" val="1"/>
+                  <adec:decorative xmlns:adec="http://schemas.microsoft.com/office/drawing/2017/decorative" xmlns="" val="1"/>
                 </a:ext>
               </a:extLst>
             </p:cNvPr>
@@ -32185,7 +34812,7 @@
                   <a16:creationId xmlns:a16="http://schemas.microsoft.com/office/drawing/2014/main" id="{85F91E03-6B79-4561-AADA-9D9EE5194981}"/>
                 </a:ext>
                 <a:ext uri="{C183D7F6-B498-43B3-948B-1728B52AA6E4}">
-                  <adec:decorative xmlns="" xmlns:adec="http://schemas.microsoft.com/office/drawing/2017/decorative" val="1"/>
+                  <adec:decorative xmlns:adec="http://schemas.microsoft.com/office/drawing/2017/decorative" xmlns="" val="1"/>
                 </a:ext>
               </a:extLst>
             </p:cNvPr>
@@ -32307,7 +34934,7 @@
                   <a16:creationId xmlns:a16="http://schemas.microsoft.com/office/drawing/2014/main" id="{A2B05A7B-02BB-4384-AB3F-6300769C06E9}"/>
                 </a:ext>
                 <a:ext uri="{C183D7F6-B498-43B3-948B-1728B52AA6E4}">
-                  <adec:decorative xmlns="" xmlns:adec="http://schemas.microsoft.com/office/drawing/2017/decorative" val="1"/>
+                  <adec:decorative xmlns:adec="http://schemas.microsoft.com/office/drawing/2017/decorative" xmlns="" val="1"/>
                 </a:ext>
               </a:extLst>
             </p:cNvPr>
@@ -32369,7 +34996,7 @@
                   <a16:creationId xmlns:a16="http://schemas.microsoft.com/office/drawing/2014/main" id="{10C0CEA7-547A-4AB3-99B0-971B1E98AB9B}"/>
                 </a:ext>
                 <a:ext uri="{C183D7F6-B498-43B3-948B-1728B52AA6E4}">
-                  <adec:decorative xmlns="" xmlns:adec="http://schemas.microsoft.com/office/drawing/2017/decorative" val="1"/>
+                  <adec:decorative xmlns:adec="http://schemas.microsoft.com/office/drawing/2017/decorative" xmlns="" val="1"/>
                 </a:ext>
               </a:extLst>
             </p:cNvPr>
@@ -32451,7 +35078,7 @@
                   <a16:creationId xmlns:a16="http://schemas.microsoft.com/office/drawing/2014/main" id="{643A7C23-A309-4BDC-AC90-7E150B0A7A48}"/>
                 </a:ext>
                 <a:ext uri="{C183D7F6-B498-43B3-948B-1728B52AA6E4}">
-                  <adec:decorative xmlns="" xmlns:adec="http://schemas.microsoft.com/office/drawing/2017/decorative" val="1"/>
+                  <adec:decorative xmlns:adec="http://schemas.microsoft.com/office/drawing/2017/decorative" xmlns="" val="1"/>
                 </a:ext>
               </a:extLst>
             </p:cNvPr>
@@ -32528,7 +35155,7 @@
                   <a16:creationId xmlns:a16="http://schemas.microsoft.com/office/drawing/2014/main" id="{CDFCEA60-6323-4E47-A467-83E3D32C0B99}"/>
                 </a:ext>
                 <a:ext uri="{C183D7F6-B498-43B3-948B-1728B52AA6E4}">
-                  <adec:decorative xmlns="" xmlns:adec="http://schemas.microsoft.com/office/drawing/2017/decorative" val="1"/>
+                  <adec:decorative xmlns:adec="http://schemas.microsoft.com/office/drawing/2017/decorative" xmlns="" val="1"/>
                 </a:ext>
               </a:extLst>
             </p:cNvPr>
@@ -32611,7 +35238,7 @@
                 <a16:creationId xmlns:a16="http://schemas.microsoft.com/office/drawing/2014/main" id="{42D62A3B-08B7-4F45-B0BC-A23B2CC9C304}"/>
               </a:ext>
               <a:ext uri="{C183D7F6-B498-43B3-948B-1728B52AA6E4}">
-                <adec:decorative xmlns="" xmlns:adec="http://schemas.microsoft.com/office/drawing/2017/decorative" val="1"/>
+                <adec:decorative xmlns:adec="http://schemas.microsoft.com/office/drawing/2017/decorative" xmlns="" val="1"/>
               </a:ext>
             </a:extLst>
           </p:cNvPr>
@@ -32665,7 +35292,7 @@
                 <a16:creationId xmlns:a16="http://schemas.microsoft.com/office/drawing/2014/main" id="{7527CAFC-17AC-48FE-AB33-811D38361FC7}"/>
               </a:ext>
               <a:ext uri="{C183D7F6-B498-43B3-948B-1728B52AA6E4}">
-                <adec:decorative xmlns="" xmlns:adec="http://schemas.microsoft.com/office/drawing/2017/decorative" val="1"/>
+                <adec:decorative xmlns:adec="http://schemas.microsoft.com/office/drawing/2017/decorative" xmlns="" val="1"/>
               </a:ext>
             </a:extLst>
           </p:cNvPr>
@@ -32796,6 +35423,13 @@
   <p:clrMapOvr>
     <a:masterClrMapping/>
   </p:clrMapOvr>
+  <p:timing>
+    <p:tnLst>
+      <p:par>
+        <p:cTn id="1" dur="indefinite" restart="never" nodeType="tmRoot"/>
+      </p:par>
+    </p:tnLst>
+  </p:timing>
 </p:sld>
 </file>
 
@@ -32840,7 +35474,7 @@
                 <a16:creationId xmlns:a16="http://schemas.microsoft.com/office/drawing/2014/main" id="{93F2CC0B-D5F1-40B8-9CC6-4A36850B66FD}"/>
               </a:ext>
               <a:ext uri="{C183D7F6-B498-43B3-948B-1728B52AA6E4}">
-                <adec:decorative xmlns="" xmlns:adec="http://schemas.microsoft.com/office/drawing/2017/decorative" val="1"/>
+                <adec:decorative xmlns:adec="http://schemas.microsoft.com/office/drawing/2017/decorative" xmlns="" val="1"/>
               </a:ext>
             </a:extLst>
           </p:cNvPr>
@@ -32979,7 +35613,7 @@
                 <a16:creationId xmlns:a16="http://schemas.microsoft.com/office/drawing/2014/main" id="{631C6CE6-1810-44ED-A6D7-3FF53040AE20}"/>
               </a:ext>
               <a:ext uri="{C183D7F6-B498-43B3-948B-1728B52AA6E4}">
-                <adec:decorative xmlns="" xmlns:adec="http://schemas.microsoft.com/office/drawing/2017/decorative" val="1"/>
+                <adec:decorative xmlns:adec="http://schemas.microsoft.com/office/drawing/2017/decorative" xmlns="" val="1"/>
               </a:ext>
             </a:extLst>
           </p:cNvPr>
@@ -33016,7 +35650,7 @@
                   <a16:creationId xmlns:a16="http://schemas.microsoft.com/office/drawing/2014/main" id="{1F6D8BFE-D0D0-4BAE-9D5A-701DE7D3CEEF}"/>
                 </a:ext>
                 <a:ext uri="{C183D7F6-B498-43B3-948B-1728B52AA6E4}">
-                  <adec:decorative xmlns="" xmlns:adec="http://schemas.microsoft.com/office/drawing/2017/decorative" val="1"/>
+                  <adec:decorative xmlns:adec="http://schemas.microsoft.com/office/drawing/2017/decorative" xmlns="" val="1"/>
                 </a:ext>
               </a:extLst>
             </p:cNvPr>
@@ -33088,7 +35722,7 @@
                   <a16:creationId xmlns:a16="http://schemas.microsoft.com/office/drawing/2014/main" id="{53F86D30-CEDB-4D96-AF73-AA3CD5A437B8}"/>
                 </a:ext>
                 <a:ext uri="{C183D7F6-B498-43B3-948B-1728B52AA6E4}">
-                  <adec:decorative xmlns="" xmlns:adec="http://schemas.microsoft.com/office/drawing/2017/decorative" val="1"/>
+                  <adec:decorative xmlns:adec="http://schemas.microsoft.com/office/drawing/2017/decorative" xmlns="" val="1"/>
                 </a:ext>
               </a:extLst>
             </p:cNvPr>
@@ -33165,7 +35799,7 @@
                   <a16:creationId xmlns:a16="http://schemas.microsoft.com/office/drawing/2014/main" id="{F5187540-C4C8-410C-A395-69FCB1C86C26}"/>
                 </a:ext>
                 <a:ext uri="{C183D7F6-B498-43B3-948B-1728B52AA6E4}">
-                  <adec:decorative xmlns="" xmlns:adec="http://schemas.microsoft.com/office/drawing/2017/decorative" val="1"/>
+                  <adec:decorative xmlns:adec="http://schemas.microsoft.com/office/drawing/2017/decorative" xmlns="" val="1"/>
                 </a:ext>
               </a:extLst>
             </p:cNvPr>
@@ -33247,7 +35881,7 @@
                   <a16:creationId xmlns:a16="http://schemas.microsoft.com/office/drawing/2014/main" id="{75BD6E4A-797C-451B-B08F-D99C1A9D13F8}"/>
                 </a:ext>
                 <a:ext uri="{C183D7F6-B498-43B3-948B-1728B52AA6E4}">
-                  <adec:decorative xmlns="" xmlns:adec="http://schemas.microsoft.com/office/drawing/2017/decorative" val="1"/>
+                  <adec:decorative xmlns:adec="http://schemas.microsoft.com/office/drawing/2017/decorative" xmlns="" val="1"/>
                 </a:ext>
               </a:extLst>
             </p:cNvPr>
@@ -33309,7 +35943,7 @@
                   <a16:creationId xmlns:a16="http://schemas.microsoft.com/office/drawing/2014/main" id="{0D241082-BAFA-462E-827B-5814B020F5C2}"/>
                 </a:ext>
                 <a:ext uri="{C183D7F6-B498-43B3-948B-1728B52AA6E4}">
-                  <adec:decorative xmlns="" xmlns:adec="http://schemas.microsoft.com/office/drawing/2017/decorative" val="1"/>
+                  <adec:decorative xmlns:adec="http://schemas.microsoft.com/office/drawing/2017/decorative" xmlns="" val="1"/>
                 </a:ext>
               </a:extLst>
             </p:cNvPr>
@@ -33406,7 +36040,7 @@
                   <a16:creationId xmlns:a16="http://schemas.microsoft.com/office/drawing/2014/main" id="{2920CCBD-116D-450B-9608-99F05F7D78AE}"/>
                 </a:ext>
                 <a:ext uri="{C183D7F6-B498-43B3-948B-1728B52AA6E4}">
-                  <adec:decorative xmlns="" xmlns:adec="http://schemas.microsoft.com/office/drawing/2017/decorative" val="1"/>
+                  <adec:decorative xmlns:adec="http://schemas.microsoft.com/office/drawing/2017/decorative" xmlns="" val="1"/>
                 </a:ext>
               </a:extLst>
             </p:cNvPr>
@@ -33498,7 +36132,7 @@
                   <a16:creationId xmlns:a16="http://schemas.microsoft.com/office/drawing/2014/main" id="{A57CD3DE-CEAF-4BD4-A5EF-24B3E622BB59}"/>
                 </a:ext>
                 <a:ext uri="{C183D7F6-B498-43B3-948B-1728B52AA6E4}">
-                  <adec:decorative xmlns="" xmlns:adec="http://schemas.microsoft.com/office/drawing/2017/decorative" val="1"/>
+                  <adec:decorative xmlns:adec="http://schemas.microsoft.com/office/drawing/2017/decorative" xmlns="" val="1"/>
                 </a:ext>
               </a:extLst>
             </p:cNvPr>
@@ -33570,7 +36204,7 @@
                   <a16:creationId xmlns:a16="http://schemas.microsoft.com/office/drawing/2014/main" id="{4EC3258C-366B-4629-A7D3-5173D3637D84}"/>
                 </a:ext>
                 <a:ext uri="{C183D7F6-B498-43B3-948B-1728B52AA6E4}">
-                  <adec:decorative xmlns="" xmlns:adec="http://schemas.microsoft.com/office/drawing/2017/decorative" val="1"/>
+                  <adec:decorative xmlns:adec="http://schemas.microsoft.com/office/drawing/2017/decorative" xmlns="" val="1"/>
                 </a:ext>
               </a:extLst>
             </p:cNvPr>
@@ -33662,7 +36296,7 @@
                   <a16:creationId xmlns:a16="http://schemas.microsoft.com/office/drawing/2014/main" id="{D444D63A-CE2B-4ACD-BA0E-4ADECAD86F0A}"/>
                 </a:ext>
                 <a:ext uri="{C183D7F6-B498-43B3-948B-1728B52AA6E4}">
-                  <adec:decorative xmlns="" xmlns:adec="http://schemas.microsoft.com/office/drawing/2017/decorative" val="1"/>
+                  <adec:decorative xmlns:adec="http://schemas.microsoft.com/office/drawing/2017/decorative" xmlns="" val="1"/>
                 </a:ext>
               </a:extLst>
             </p:cNvPr>
@@ -33789,7 +36423,7 @@
                   <a16:creationId xmlns:a16="http://schemas.microsoft.com/office/drawing/2014/main" id="{7A504DF6-187A-4A54-96E8-3F3F28AAAA3B}"/>
                 </a:ext>
                 <a:ext uri="{C183D7F6-B498-43B3-948B-1728B52AA6E4}">
-                  <adec:decorative xmlns="" xmlns:adec="http://schemas.microsoft.com/office/drawing/2017/decorative" val="1"/>
+                  <adec:decorative xmlns:adec="http://schemas.microsoft.com/office/drawing/2017/decorative" xmlns="" val="1"/>
                 </a:ext>
               </a:extLst>
             </p:cNvPr>
@@ -33851,7 +36485,7 @@
                   <a16:creationId xmlns:a16="http://schemas.microsoft.com/office/drawing/2014/main" id="{FE04C6F5-6DC5-4C7E-9278-9BE624FC7829}"/>
                 </a:ext>
                 <a:ext uri="{C183D7F6-B498-43B3-948B-1728B52AA6E4}">
-                  <adec:decorative xmlns="" xmlns:adec="http://schemas.microsoft.com/office/drawing/2017/decorative" val="1"/>
+                  <adec:decorative xmlns:adec="http://schemas.microsoft.com/office/drawing/2017/decorative" xmlns="" val="1"/>
                 </a:ext>
               </a:extLst>
             </p:cNvPr>
@@ -33923,7 +36557,7 @@
                   <a16:creationId xmlns:a16="http://schemas.microsoft.com/office/drawing/2014/main" id="{94A02D9B-E6A9-4D6A-9D2A-D81C76802457}"/>
                 </a:ext>
                 <a:ext uri="{C183D7F6-B498-43B3-948B-1728B52AA6E4}">
-                  <adec:decorative xmlns="" xmlns:adec="http://schemas.microsoft.com/office/drawing/2017/decorative" val="1"/>
+                  <adec:decorative xmlns:adec="http://schemas.microsoft.com/office/drawing/2017/decorative" xmlns="" val="1"/>
                 </a:ext>
               </a:extLst>
             </p:cNvPr>
@@ -34006,7 +36640,7 @@
                 <a16:creationId xmlns:a16="http://schemas.microsoft.com/office/drawing/2014/main" id="{B78034A6-3565-46AA-9E73-1C954666ABB4}"/>
               </a:ext>
               <a:ext uri="{C183D7F6-B498-43B3-948B-1728B52AA6E4}">
-                <adec:decorative xmlns="" xmlns:adec="http://schemas.microsoft.com/office/drawing/2017/decorative" val="1"/>
+                <adec:decorative xmlns:adec="http://schemas.microsoft.com/office/drawing/2017/decorative" xmlns="" val="1"/>
               </a:ext>
             </a:extLst>
           </p:cNvPr>
@@ -34040,7 +36674,7 @@
                   <a16:creationId xmlns:a16="http://schemas.microsoft.com/office/drawing/2014/main" id="{04947AA2-A772-42CB-9CEC-065095D3DC79}"/>
                 </a:ext>
                 <a:ext uri="{C183D7F6-B498-43B3-948B-1728B52AA6E4}">
-                  <adec:decorative xmlns="" xmlns:adec="http://schemas.microsoft.com/office/drawing/2017/decorative" val="1"/>
+                  <adec:decorative xmlns:adec="http://schemas.microsoft.com/office/drawing/2017/decorative" xmlns="" val="1"/>
                 </a:ext>
               </a:extLst>
             </p:cNvPr>
@@ -34157,7 +36791,7 @@
                   <a16:creationId xmlns:a16="http://schemas.microsoft.com/office/drawing/2014/main" id="{83C52D84-DEC1-4E16-972E-8EEA5D52245F}"/>
                 </a:ext>
                 <a:ext uri="{C183D7F6-B498-43B3-948B-1728B52AA6E4}">
-                  <adec:decorative xmlns="" xmlns:adec="http://schemas.microsoft.com/office/drawing/2017/decorative" val="1"/>
+                  <adec:decorative xmlns:adec="http://schemas.microsoft.com/office/drawing/2017/decorative" xmlns="" val="1"/>
                 </a:ext>
               </a:extLst>
             </p:cNvPr>
@@ -34239,7 +36873,7 @@
                   <a16:creationId xmlns:a16="http://schemas.microsoft.com/office/drawing/2014/main" id="{2036A28D-EF09-41F7-906F-CF4053615AE0}"/>
                 </a:ext>
                 <a:ext uri="{C183D7F6-B498-43B3-948B-1728B52AA6E4}">
-                  <adec:decorative xmlns="" xmlns:adec="http://schemas.microsoft.com/office/drawing/2017/decorative" val="1"/>
+                  <adec:decorative xmlns:adec="http://schemas.microsoft.com/office/drawing/2017/decorative" xmlns="" val="1"/>
                 </a:ext>
               </a:extLst>
             </p:cNvPr>
@@ -34321,7 +36955,7 @@
                   <a16:creationId xmlns:a16="http://schemas.microsoft.com/office/drawing/2014/main" id="{EE8D92C7-C907-4120-95E3-80E3DC85BBA4}"/>
                 </a:ext>
                 <a:ext uri="{C183D7F6-B498-43B3-948B-1728B52AA6E4}">
-                  <adec:decorative xmlns="" xmlns:adec="http://schemas.microsoft.com/office/drawing/2017/decorative" val="1"/>
+                  <adec:decorative xmlns:adec="http://schemas.microsoft.com/office/drawing/2017/decorative" xmlns="" val="1"/>
                 </a:ext>
               </a:extLst>
             </p:cNvPr>
@@ -34418,7 +37052,7 @@
                   <a16:creationId xmlns:a16="http://schemas.microsoft.com/office/drawing/2014/main" id="{BBCEAAB8-CD22-41D7-B330-702682A27CEE}"/>
                 </a:ext>
                 <a:ext uri="{C183D7F6-B498-43B3-948B-1728B52AA6E4}">
-                  <adec:decorative xmlns="" xmlns:adec="http://schemas.microsoft.com/office/drawing/2017/decorative" val="1"/>
+                  <adec:decorative xmlns:adec="http://schemas.microsoft.com/office/drawing/2017/decorative" xmlns="" val="1"/>
                 </a:ext>
               </a:extLst>
             </p:cNvPr>
@@ -34525,7 +37159,7 @@
                   <a16:creationId xmlns:a16="http://schemas.microsoft.com/office/drawing/2014/main" id="{6BBC1FEE-3D72-492B-8D8A-BE1A55076F9D}"/>
                 </a:ext>
                 <a:ext uri="{C183D7F6-B498-43B3-948B-1728B52AA6E4}">
-                  <adec:decorative xmlns="" xmlns:adec="http://schemas.microsoft.com/office/drawing/2017/decorative" val="1"/>
+                  <adec:decorative xmlns:adec="http://schemas.microsoft.com/office/drawing/2017/decorative" xmlns="" val="1"/>
                 </a:ext>
               </a:extLst>
             </p:cNvPr>
@@ -34587,7 +37221,7 @@
                   <a16:creationId xmlns:a16="http://schemas.microsoft.com/office/drawing/2014/main" id="{C28C6E5C-C393-435C-96A1-AA2859BDCB82}"/>
                 </a:ext>
                 <a:ext uri="{C183D7F6-B498-43B3-948B-1728B52AA6E4}">
-                  <adec:decorative xmlns="" xmlns:adec="http://schemas.microsoft.com/office/drawing/2017/decorative" val="1"/>
+                  <adec:decorative xmlns:adec="http://schemas.microsoft.com/office/drawing/2017/decorative" xmlns="" val="1"/>
                 </a:ext>
               </a:extLst>
             </p:cNvPr>
@@ -34664,7 +37298,7 @@
                   <a16:creationId xmlns:a16="http://schemas.microsoft.com/office/drawing/2014/main" id="{2C2C991F-AC51-4DF5-B8DD-19B08C1CBF42}"/>
                 </a:ext>
                 <a:ext uri="{C183D7F6-B498-43B3-948B-1728B52AA6E4}">
-                  <adec:decorative xmlns="" xmlns:adec="http://schemas.microsoft.com/office/drawing/2017/decorative" val="1"/>
+                  <adec:decorative xmlns:adec="http://schemas.microsoft.com/office/drawing/2017/decorative" xmlns="" val="1"/>
                 </a:ext>
               </a:extLst>
             </p:cNvPr>
@@ -34786,7 +37420,7 @@
                   <a16:creationId xmlns:a16="http://schemas.microsoft.com/office/drawing/2014/main" id="{9C916B5F-285D-4F5A-9085-6781753AFB3E}"/>
                 </a:ext>
                 <a:ext uri="{C183D7F6-B498-43B3-948B-1728B52AA6E4}">
-                  <adec:decorative xmlns="" xmlns:adec="http://schemas.microsoft.com/office/drawing/2017/decorative" val="1"/>
+                  <adec:decorative xmlns:adec="http://schemas.microsoft.com/office/drawing/2017/decorative" xmlns="" val="1"/>
                 </a:ext>
               </a:extLst>
             </p:cNvPr>
@@ -34848,7 +37482,7 @@
                   <a16:creationId xmlns:a16="http://schemas.microsoft.com/office/drawing/2014/main" id="{0375DD5F-9D17-4873-B697-3D44A5EBEC75}"/>
                 </a:ext>
                 <a:ext uri="{C183D7F6-B498-43B3-948B-1728B52AA6E4}">
-                  <adec:decorative xmlns="" xmlns:adec="http://schemas.microsoft.com/office/drawing/2017/decorative" val="1"/>
+                  <adec:decorative xmlns:adec="http://schemas.microsoft.com/office/drawing/2017/decorative" xmlns="" val="1"/>
                 </a:ext>
               </a:extLst>
             </p:cNvPr>
@@ -34930,7 +37564,7 @@
                   <a16:creationId xmlns:a16="http://schemas.microsoft.com/office/drawing/2014/main" id="{A159BBC7-6A8B-4612-94A8-56323452C7B5}"/>
                 </a:ext>
                 <a:ext uri="{C183D7F6-B498-43B3-948B-1728B52AA6E4}">
-                  <adec:decorative xmlns="" xmlns:adec="http://schemas.microsoft.com/office/drawing/2017/decorative" val="1"/>
+                  <adec:decorative xmlns:adec="http://schemas.microsoft.com/office/drawing/2017/decorative" xmlns="" val="1"/>
                 </a:ext>
               </a:extLst>
             </p:cNvPr>
@@ -35007,7 +37641,7 @@
                   <a16:creationId xmlns:a16="http://schemas.microsoft.com/office/drawing/2014/main" id="{177C901C-F8DE-4C99-95C8-F8CA1B84F76F}"/>
                 </a:ext>
                 <a:ext uri="{C183D7F6-B498-43B3-948B-1728B52AA6E4}">
-                  <adec:decorative xmlns="" xmlns:adec="http://schemas.microsoft.com/office/drawing/2017/decorative" val="1"/>
+                  <adec:decorative xmlns:adec="http://schemas.microsoft.com/office/drawing/2017/decorative" xmlns="" val="1"/>
                 </a:ext>
               </a:extLst>
             </p:cNvPr>
@@ -35090,7 +37724,7 @@
                 <a16:creationId xmlns:a16="http://schemas.microsoft.com/office/drawing/2014/main" id="{D1D655F2-6D15-4265-ADEE-EF0075C13944}"/>
               </a:ext>
               <a:ext uri="{C183D7F6-B498-43B3-948B-1728B52AA6E4}">
-                <adec:decorative xmlns="" xmlns:adec="http://schemas.microsoft.com/office/drawing/2017/decorative" val="1"/>
+                <adec:decorative xmlns:adec="http://schemas.microsoft.com/office/drawing/2017/decorative" xmlns="" val="1"/>
               </a:ext>
             </a:extLst>
           </p:cNvPr>
@@ -35144,7 +37778,7 @@
                 <a16:creationId xmlns:a16="http://schemas.microsoft.com/office/drawing/2014/main" id="{3248A930-1A6E-4EFB-8213-D1AC735BE061}"/>
               </a:ext>
               <a:ext uri="{C183D7F6-B498-43B3-948B-1728B52AA6E4}">
-                <adec:decorative xmlns="" xmlns:adec="http://schemas.microsoft.com/office/drawing/2017/decorative" val="1"/>
+                <adec:decorative xmlns:adec="http://schemas.microsoft.com/office/drawing/2017/decorative" xmlns="" val="1"/>
               </a:ext>
             </a:extLst>
           </p:cNvPr>
@@ -35275,6 +37909,13 @@
   <p:clrMapOvr>
     <a:masterClrMapping/>
   </p:clrMapOvr>
+  <p:timing>
+    <p:tnLst>
+      <p:par>
+        <p:cTn id="1" dur="indefinite" restart="never" nodeType="tmRoot"/>
+      </p:par>
+    </p:tnLst>
+  </p:timing>
 </p:sld>
 </file>
 
@@ -36121,6 +38762,14 @@
 </file>
 
 <file path=customXml/item2.xml><?xml version="1.0" encoding="utf-8"?>
+<p:properties xmlns:p="http://schemas.microsoft.com/office/2006/metadata/properties" xmlns:xsi="http://www.w3.org/2001/XMLSchema-instance" xmlns:pc="http://schemas.microsoft.com/office/infopath/2007/PartnerControls">
+  <documentManagement>
+    <MediaServiceKeyPoints xmlns="71af3243-3dd4-4a8d-8c0d-dd76da1f02a5" xsi:nil="true"/>
+  </documentManagement>
+</p:properties>
+</file>
+
+<file path=customXml/item3.xml><?xml version="1.0" encoding="utf-8"?>
 <ct:contentTypeSchema xmlns:ct="http://schemas.microsoft.com/office/2006/metadata/contentType" xmlns:ma="http://schemas.microsoft.com/office/2006/metadata/properties/metaAttributes" ct:_="" ma:_="" ma:contentTypeName="Document" ma:contentTypeID="0x01010079F111ED35F8CC479449609E8A0923A6" ma:contentTypeVersion="11" ma:contentTypeDescription="Create a new document." ma:contentTypeScope="" ma:versionID="1c2eb7a32e66fb6e4260f3771546a5e2">
   <xsd:schema xmlns:xsd="http://www.w3.org/2001/XMLSchema" xmlns:xs="http://www.w3.org/2001/XMLSchema" xmlns:p="http://schemas.microsoft.com/office/2006/metadata/properties" xmlns:ns2="71af3243-3dd4-4a8d-8c0d-dd76da1f02a5" xmlns:ns3="16c05727-aa75-4e4a-9b5f-8a80a1165891" targetNamespace="http://schemas.microsoft.com/office/2006/metadata/properties" ma:root="true" ma:fieldsID="04e1f6479c48b08974ba73b5ca973489" ns2:_="" ns3:_="">
     <xsd:import namespace="71af3243-3dd4-4a8d-8c0d-dd76da1f02a5"/>
@@ -36331,14 +38980,6 @@
 </ct:contentTypeSchema>
 </file>
 
-<file path=customXml/item3.xml><?xml version="1.0" encoding="utf-8"?>
-<p:properties xmlns:p="http://schemas.microsoft.com/office/2006/metadata/properties" xmlns:xsi="http://www.w3.org/2001/XMLSchema-instance" xmlns:pc="http://schemas.microsoft.com/office/infopath/2007/PartnerControls">
-  <documentManagement>
-    <MediaServiceKeyPoints xmlns="71af3243-3dd4-4a8d-8c0d-dd76da1f02a5" xsi:nil="true"/>
-  </documentManagement>
-</p:properties>
-</file>
-
 <file path=customXml/itemProps1.xml><?xml version="1.0" encoding="utf-8"?>
 <ds:datastoreItem xmlns:ds="http://schemas.openxmlformats.org/officeDocument/2006/customXml" ds:itemID="{507C3E52-A0B1-49C0-88BD-66B715EE8BB7}">
   <ds:schemaRefs>
@@ -36348,6 +38989,23 @@
 </file>
 
 <file path=customXml/itemProps2.xml><?xml version="1.0" encoding="utf-8"?>
+<ds:datastoreItem xmlns:ds="http://schemas.openxmlformats.org/officeDocument/2006/customXml" ds:itemID="{CCB8F5F2-61AB-4CE6-A5E3-F34B87B0EE42}">
+  <ds:schemaRefs>
+    <ds:schemaRef ds:uri="16c05727-aa75-4e4a-9b5f-8a80a1165891"/>
+    <ds:schemaRef ds:uri="http://purl.org/dc/dcmitype/"/>
+    <ds:schemaRef ds:uri="http://schemas.microsoft.com/office/infopath/2007/PartnerControls"/>
+    <ds:schemaRef ds:uri="http://purl.org/dc/terms/"/>
+    <ds:schemaRef ds:uri="http://schemas.microsoft.com/office/2006/documentManagement/types"/>
+    <ds:schemaRef ds:uri="http://purl.org/dc/elements/1.1/"/>
+    <ds:schemaRef ds:uri="http://schemas.openxmlformats.org/package/2006/metadata/core-properties"/>
+    <ds:schemaRef ds:uri="71af3243-3dd4-4a8d-8c0d-dd76da1f02a5"/>
+    <ds:schemaRef ds:uri="http://schemas.microsoft.com/office/2006/metadata/properties"/>
+    <ds:schemaRef ds:uri="http://www.w3.org/XML/1998/namespace"/>
+  </ds:schemaRefs>
+</ds:datastoreItem>
+</file>
+
+<file path=customXml/itemProps3.xml><?xml version="1.0" encoding="utf-8"?>
 <ds:datastoreItem xmlns:ds="http://schemas.openxmlformats.org/officeDocument/2006/customXml" ds:itemID="{D575CB40-8686-4C48-810A-C2974D3D36AC}">
   <ds:schemaRefs>
     <ds:schemaRef ds:uri="http://schemas.microsoft.com/office/2006/metadata/contentType"/>
@@ -36364,21 +39022,4 @@
     <ds:schemaRef ds:uri="http://schemas.microsoft.com/internal/obd"/>
   </ds:schemaRefs>
 </ds:datastoreItem>
-</file>
-
-<file path=customXml/itemProps3.xml><?xml version="1.0" encoding="utf-8"?>
-<ds:datastoreItem xmlns:ds="http://schemas.openxmlformats.org/officeDocument/2006/customXml" ds:itemID="{CCB8F5F2-61AB-4CE6-A5E3-F34B87B0EE42}">
-  <ds:schemaRefs>
-    <ds:schemaRef ds:uri="16c05727-aa75-4e4a-9b5f-8a80a1165891"/>
-    <ds:schemaRef ds:uri="http://purl.org/dc/dcmitype/"/>
-    <ds:schemaRef ds:uri="http://schemas.microsoft.com/office/infopath/2007/PartnerControls"/>
-    <ds:schemaRef ds:uri="http://purl.org/dc/terms/"/>
-    <ds:schemaRef ds:uri="http://schemas.microsoft.com/office/2006/documentManagement/types"/>
-    <ds:schemaRef ds:uri="http://purl.org/dc/elements/1.1/"/>
-    <ds:schemaRef ds:uri="http://schemas.openxmlformats.org/package/2006/metadata/core-properties"/>
-    <ds:schemaRef ds:uri="71af3243-3dd4-4a8d-8c0d-dd76da1f02a5"/>
-    <ds:schemaRef ds:uri="http://schemas.microsoft.com/office/2006/metadata/properties"/>
-    <ds:schemaRef ds:uri="http://www.w3.org/XML/1998/namespace"/>
-  </ds:schemaRefs>
-</ds:datastoreItem>
 </file>